--- a/lect-8/非参数检验.pptx
+++ b/lect-8/非参数检验.pptx
@@ -6,6 +6,11 @@
   </p:sldMasterIdLst>
   <p:sldIdLst>
     <p:sldId id="256" r:id="rId2"/>
+    <p:sldId id="257" r:id="rId3"/>
+    <p:sldId id="258" r:id="rId4"/>
+    <p:sldId id="259" r:id="rId5"/>
+    <p:sldId id="260" r:id="rId6"/>
+    <p:sldId id="261" r:id="rId7"/>
   </p:sldIdLst>
   <p:sldSz cx="12192000" cy="6858000"/>
   <p:notesSz cx="6858000" cy="9144000"/>
@@ -281,7 +286,7 @@
           <a:p>
             <a:fld id="{D8E0950C-EF3C-4712-8EE4-5F7FAA755B56}" type="datetimeFigureOut">
               <a:rPr lang="zh-CN" altLang="en-US" smtClean="0"/>
-              <a:t>2019-3-27</a:t>
+              <a:t>2019-3-31</a:t>
             </a:fld>
             <a:endParaRPr lang="zh-CN" altLang="en-US"/>
           </a:p>
@@ -611,7 +616,7 @@
           <a:p>
             <a:fld id="{D8E0950C-EF3C-4712-8EE4-5F7FAA755B56}" type="datetimeFigureOut">
               <a:rPr lang="zh-CN" altLang="en-US" smtClean="0"/>
-              <a:t>2019-3-27</a:t>
+              <a:t>2019-3-31</a:t>
             </a:fld>
             <a:endParaRPr lang="zh-CN" altLang="en-US"/>
           </a:p>
@@ -791,7 +796,7 @@
           <a:p>
             <a:fld id="{D8E0950C-EF3C-4712-8EE4-5F7FAA755B56}" type="datetimeFigureOut">
               <a:rPr lang="zh-CN" altLang="en-US" smtClean="0"/>
-              <a:t>2019-3-27</a:t>
+              <a:t>2019-3-31</a:t>
             </a:fld>
             <a:endParaRPr lang="zh-CN" altLang="en-US"/>
           </a:p>
@@ -989,7 +994,7 @@
           <a:p>
             <a:fld id="{D8E0950C-EF3C-4712-8EE4-5F7FAA755B56}" type="datetimeFigureOut">
               <a:rPr lang="zh-CN" altLang="en-US" smtClean="0"/>
-              <a:t>2019-3-27</a:t>
+              <a:t>2019-3-31</a:t>
             </a:fld>
             <a:endParaRPr lang="zh-CN" altLang="en-US"/>
           </a:p>
@@ -1266,7 +1271,7 @@
           <a:p>
             <a:fld id="{D8E0950C-EF3C-4712-8EE4-5F7FAA755B56}" type="datetimeFigureOut">
               <a:rPr lang="zh-CN" altLang="en-US" smtClean="0"/>
-              <a:t>2019-3-27</a:t>
+              <a:t>2019-3-31</a:t>
             </a:fld>
             <a:endParaRPr lang="zh-CN" altLang="en-US"/>
           </a:p>
@@ -1660,7 +1665,7 @@
           <a:p>
             <a:fld id="{D8E0950C-EF3C-4712-8EE4-5F7FAA755B56}" type="datetimeFigureOut">
               <a:rPr lang="zh-CN" altLang="en-US" smtClean="0"/>
-              <a:t>2019-3-27</a:t>
+              <a:t>2019-3-31</a:t>
             </a:fld>
             <a:endParaRPr lang="zh-CN" altLang="en-US"/>
           </a:p>
@@ -2137,7 +2142,7 @@
           <a:p>
             <a:fld id="{D8E0950C-EF3C-4712-8EE4-5F7FAA755B56}" type="datetimeFigureOut">
               <a:rPr lang="zh-CN" altLang="en-US" smtClean="0"/>
-              <a:t>2019-3-27</a:t>
+              <a:t>2019-3-31</a:t>
             </a:fld>
             <a:endParaRPr lang="zh-CN" altLang="en-US"/>
           </a:p>
@@ -2255,7 +2260,7 @@
           <a:p>
             <a:fld id="{D8E0950C-EF3C-4712-8EE4-5F7FAA755B56}" type="datetimeFigureOut">
               <a:rPr lang="zh-CN" altLang="en-US" smtClean="0"/>
-              <a:t>2019-3-27</a:t>
+              <a:t>2019-3-31</a:t>
             </a:fld>
             <a:endParaRPr lang="zh-CN" altLang="en-US"/>
           </a:p>
@@ -2350,7 +2355,7 @@
           <a:p>
             <a:fld id="{D8E0950C-EF3C-4712-8EE4-5F7FAA755B56}" type="datetimeFigureOut">
               <a:rPr lang="zh-CN" altLang="en-US" smtClean="0"/>
-              <a:t>2019-3-27</a:t>
+              <a:t>2019-3-31</a:t>
             </a:fld>
             <a:endParaRPr lang="zh-CN" altLang="en-US"/>
           </a:p>
@@ -2696,7 +2701,7 @@
           <a:p>
             <a:fld id="{D8E0950C-EF3C-4712-8EE4-5F7FAA755B56}" type="datetimeFigureOut">
               <a:rPr lang="zh-CN" altLang="en-US" smtClean="0"/>
-              <a:t>2019-3-27</a:t>
+              <a:t>2019-3-31</a:t>
             </a:fld>
             <a:endParaRPr lang="zh-CN" altLang="en-US"/>
           </a:p>
@@ -3084,7 +3089,7 @@
           <a:p>
             <a:fld id="{D8E0950C-EF3C-4712-8EE4-5F7FAA755B56}" type="datetimeFigureOut">
               <a:rPr lang="zh-CN" altLang="en-US" smtClean="0"/>
-              <a:t>2019-3-27</a:t>
+              <a:t>2019-3-31</a:t>
             </a:fld>
             <a:endParaRPr lang="zh-CN" altLang="en-US"/>
           </a:p>
@@ -3362,7 +3367,7 @@
           <a:p>
             <a:fld id="{D8E0950C-EF3C-4712-8EE4-5F7FAA755B56}" type="datetimeFigureOut">
               <a:rPr lang="zh-CN" altLang="en-US" smtClean="0"/>
-              <a:t>2019-3-27</a:t>
+              <a:t>2019-3-31</a:t>
             </a:fld>
             <a:endParaRPr lang="zh-CN" altLang="en-US"/>
           </a:p>
@@ -3933,6 +3938,698 @@
 </p:sld>
 </file>
 
+<file path=ppt/slides/slide2.xml><?xml version="1.0" encoding="utf-8"?>
+<p:sld xmlns:a="http://schemas.openxmlformats.org/drawingml/2006/main" xmlns:r="http://schemas.openxmlformats.org/officeDocument/2006/relationships" xmlns:p="http://schemas.openxmlformats.org/presentationml/2006/main">
+  <p:cSld>
+    <p:spTree>
+      <p:nvGrpSpPr>
+        <p:cNvPr id="1" name=""/>
+        <p:cNvGrpSpPr/>
+        <p:nvPr/>
+      </p:nvGrpSpPr>
+      <p:grpSpPr>
+        <a:xfrm>
+          <a:off x="0" y="0"/>
+          <a:ext cx="0" cy="0"/>
+          <a:chOff x="0" y="0"/>
+          <a:chExt cx="0" cy="0"/>
+        </a:xfrm>
+      </p:grpSpPr>
+      <p:sp>
+        <p:nvSpPr>
+          <p:cNvPr id="2" name="标题 1"/>
+          <p:cNvSpPr>
+            <a:spLocks noGrp="1"/>
+          </p:cNvSpPr>
+          <p:nvPr>
+            <p:ph type="title"/>
+          </p:nvPr>
+        </p:nvSpPr>
+        <p:spPr/>
+        <p:txBody>
+          <a:bodyPr/>
+          <a:lstStyle/>
+          <a:p>
+            <a:r>
+              <a:rPr lang="zh-CN" altLang="en-US" dirty="0" smtClean="0"/>
+              <a:t>学习目标</a:t>
+            </a:r>
+            <a:endParaRPr lang="zh-CN" altLang="en-US" dirty="0"/>
+          </a:p>
+        </p:txBody>
+      </p:sp>
+      <p:sp>
+        <p:nvSpPr>
+          <p:cNvPr id="3" name="内容占位符 2"/>
+          <p:cNvSpPr>
+            <a:spLocks noGrp="1"/>
+          </p:cNvSpPr>
+          <p:nvPr>
+            <p:ph idx="1"/>
+          </p:nvPr>
+        </p:nvSpPr>
+        <p:spPr/>
+        <p:txBody>
+          <a:bodyPr/>
+          <a:lstStyle/>
+          <a:p>
+            <a:r>
+              <a:rPr lang="zh-CN" altLang="en-US" dirty="0" smtClean="0"/>
+              <a:t>比较参数检验和非参数检验</a:t>
+            </a:r>
+            <a:endParaRPr lang="en-US" altLang="zh-CN" dirty="0" smtClean="0"/>
+          </a:p>
+          <a:p>
+            <a:r>
+              <a:rPr lang="zh-CN" altLang="en-US" dirty="0" smtClean="0"/>
+              <a:t>掌握非参数检验的适用情景</a:t>
+            </a:r>
+            <a:endParaRPr lang="en-US" altLang="zh-CN" dirty="0" smtClean="0"/>
+          </a:p>
+          <a:p>
+            <a:r>
+              <a:rPr lang="zh-CN" altLang="en-US" dirty="0" smtClean="0"/>
+              <a:t>掌握</a:t>
+            </a:r>
+            <a:r>
+              <a:rPr lang="en-US" altLang="zh-CN" dirty="0" smtClean="0"/>
+              <a:t>Mann </a:t>
+            </a:r>
+            <a:r>
+              <a:rPr lang="en-US" altLang="zh-CN" dirty="0" err="1" smtClean="0"/>
+              <a:t>Witney</a:t>
+            </a:r>
+            <a:r>
+              <a:rPr lang="en-US" altLang="zh-CN" dirty="0" smtClean="0"/>
+              <a:t> U</a:t>
+            </a:r>
+            <a:r>
+              <a:rPr lang="zh-CN" altLang="en-US" dirty="0" smtClean="0"/>
+              <a:t>检验，符号检验，</a:t>
+            </a:r>
+            <a:r>
+              <a:rPr lang="en-US" altLang="zh-CN" dirty="0" smtClean="0"/>
+              <a:t>Wilcoxon</a:t>
+            </a:r>
+            <a:r>
+              <a:rPr lang="zh-CN" altLang="en-US" dirty="0" smtClean="0"/>
+              <a:t>符号检验，</a:t>
+            </a:r>
+            <a:r>
+              <a:rPr lang="en-US" altLang="zh-CN" dirty="0" err="1" smtClean="0"/>
+              <a:t>Krusal</a:t>
+            </a:r>
+            <a:r>
+              <a:rPr lang="en-US" altLang="zh-CN" dirty="0" smtClean="0"/>
+              <a:t> Wallis</a:t>
+            </a:r>
+            <a:r>
+              <a:rPr lang="zh-CN" altLang="en-US" dirty="0" smtClean="0"/>
+              <a:t>检验的使用</a:t>
+            </a:r>
+            <a:endParaRPr lang="en-US" altLang="zh-CN" dirty="0" smtClean="0"/>
+          </a:p>
+          <a:p>
+            <a:r>
+              <a:rPr lang="zh-CN" altLang="en-US" dirty="0" smtClean="0"/>
+              <a:t>理解各种非参数检验的</a:t>
+            </a:r>
+            <a:r>
+              <a:rPr lang="en-US" altLang="zh-CN" dirty="0" smtClean="0"/>
+              <a:t>H0</a:t>
+            </a:r>
+            <a:r>
+              <a:rPr lang="zh-CN" altLang="en-US" dirty="0" smtClean="0"/>
+              <a:t>与</a:t>
+            </a:r>
+            <a:r>
+              <a:rPr lang="en-US" altLang="zh-CN" dirty="0" smtClean="0"/>
+              <a:t>H1</a:t>
+            </a:r>
+            <a:endParaRPr lang="zh-CN" altLang="en-US" dirty="0"/>
+          </a:p>
+        </p:txBody>
+      </p:sp>
+    </p:spTree>
+    <p:extLst>
+      <p:ext uri="{BB962C8B-B14F-4D97-AF65-F5344CB8AC3E}">
+        <p14:creationId xmlns:p14="http://schemas.microsoft.com/office/powerpoint/2010/main" val="2012883877"/>
+      </p:ext>
+    </p:extLst>
+  </p:cSld>
+  <p:clrMapOvr>
+    <a:masterClrMapping/>
+  </p:clrMapOvr>
+</p:sld>
+</file>
+
+<file path=ppt/slides/slide3.xml><?xml version="1.0" encoding="utf-8"?>
+<p:sld xmlns:a="http://schemas.openxmlformats.org/drawingml/2006/main" xmlns:r="http://schemas.openxmlformats.org/officeDocument/2006/relationships" xmlns:p="http://schemas.openxmlformats.org/presentationml/2006/main">
+  <p:cSld>
+    <p:spTree>
+      <p:nvGrpSpPr>
+        <p:cNvPr id="1" name=""/>
+        <p:cNvGrpSpPr/>
+        <p:nvPr/>
+      </p:nvGrpSpPr>
+      <p:grpSpPr>
+        <a:xfrm>
+          <a:off x="0" y="0"/>
+          <a:ext cx="0" cy="0"/>
+          <a:chOff x="0" y="0"/>
+          <a:chExt cx="0" cy="0"/>
+        </a:xfrm>
+      </p:grpSpPr>
+      <p:sp>
+        <p:nvSpPr>
+          <p:cNvPr id="2" name="标题 1"/>
+          <p:cNvSpPr>
+            <a:spLocks noGrp="1"/>
+          </p:cNvSpPr>
+          <p:nvPr>
+            <p:ph type="title"/>
+          </p:nvPr>
+        </p:nvSpPr>
+        <p:spPr/>
+        <p:txBody>
+          <a:bodyPr/>
+          <a:lstStyle/>
+          <a:p>
+            <a:r>
+              <a:rPr lang="zh-CN" altLang="en-US" dirty="0" smtClean="0"/>
+              <a:t>非参数检验的适用情景</a:t>
+            </a:r>
+            <a:endParaRPr lang="zh-CN" altLang="en-US" dirty="0"/>
+          </a:p>
+        </p:txBody>
+      </p:sp>
+      <p:sp>
+        <p:nvSpPr>
+          <p:cNvPr id="3" name="内容占位符 2"/>
+          <p:cNvSpPr>
+            <a:spLocks noGrp="1"/>
+          </p:cNvSpPr>
+          <p:nvPr>
+            <p:ph idx="1"/>
+          </p:nvPr>
+        </p:nvSpPr>
+        <p:spPr/>
+        <p:txBody>
+          <a:bodyPr/>
+          <a:lstStyle/>
+          <a:p>
+            <a:r>
+              <a:rPr lang="zh-CN" altLang="en-US" dirty="0" smtClean="0"/>
+              <a:t>对于连续型变量，不要因为样本量小就选用非参数检验</a:t>
+            </a:r>
+            <a:endParaRPr lang="en-US" altLang="zh-CN" dirty="0" smtClean="0"/>
+          </a:p>
+          <a:p>
+            <a:r>
+              <a:rPr lang="zh-CN" altLang="en-US" dirty="0" smtClean="0"/>
+              <a:t>下面是几种确实应该使用非参数检验的情形</a:t>
+            </a:r>
+            <a:endParaRPr lang="en-US" altLang="zh-CN" dirty="0" smtClean="0"/>
+          </a:p>
+          <a:p>
+            <a:pPr lvl="1"/>
+            <a:r>
+              <a:rPr lang="zh-CN" altLang="en-US" dirty="0" smtClean="0"/>
+              <a:t>因变量是有序或等级数据的时候</a:t>
+            </a:r>
+            <a:endParaRPr lang="en-US" altLang="zh-CN" dirty="0" smtClean="0"/>
+          </a:p>
+          <a:p>
+            <a:pPr lvl="1"/>
+            <a:r>
+              <a:rPr lang="zh-CN" altLang="en-US" dirty="0" smtClean="0"/>
+              <a:t>当数据里有显著的异常值的时候</a:t>
+            </a:r>
+            <a:endParaRPr lang="en-US" altLang="zh-CN" dirty="0" smtClean="0"/>
+          </a:p>
+          <a:p>
+            <a:pPr lvl="1"/>
+            <a:r>
+              <a:rPr lang="zh-CN" altLang="en-US" dirty="0" smtClean="0"/>
+              <a:t>当检验的范围有明确的上界或者下界的时候</a:t>
+            </a:r>
+            <a:endParaRPr lang="zh-CN" altLang="en-US" dirty="0"/>
+          </a:p>
+        </p:txBody>
+      </p:sp>
+    </p:spTree>
+    <p:extLst>
+      <p:ext uri="{BB962C8B-B14F-4D97-AF65-F5344CB8AC3E}">
+        <p14:creationId xmlns:p14="http://schemas.microsoft.com/office/powerpoint/2010/main" val="2865059401"/>
+      </p:ext>
+    </p:extLst>
+  </p:cSld>
+  <p:clrMapOvr>
+    <a:masterClrMapping/>
+  </p:clrMapOvr>
+</p:sld>
+</file>
+
+<file path=ppt/slides/slide4.xml><?xml version="1.0" encoding="utf-8"?>
+<p:sld xmlns:a="http://schemas.openxmlformats.org/drawingml/2006/main" xmlns:r="http://schemas.openxmlformats.org/officeDocument/2006/relationships" xmlns:p="http://schemas.openxmlformats.org/presentationml/2006/main">
+  <p:cSld>
+    <p:spTree>
+      <p:nvGrpSpPr>
+        <p:cNvPr id="1" name=""/>
+        <p:cNvGrpSpPr/>
+        <p:nvPr/>
+      </p:nvGrpSpPr>
+      <p:grpSpPr>
+        <a:xfrm>
+          <a:off x="0" y="0"/>
+          <a:ext cx="0" cy="0"/>
+          <a:chOff x="0" y="0"/>
+          <a:chExt cx="0" cy="0"/>
+        </a:xfrm>
+      </p:grpSpPr>
+      <p:sp>
+        <p:nvSpPr>
+          <p:cNvPr id="2" name="标题 1"/>
+          <p:cNvSpPr>
+            <a:spLocks noGrp="1"/>
+          </p:cNvSpPr>
+          <p:nvPr>
+            <p:ph type="title"/>
+          </p:nvPr>
+        </p:nvSpPr>
+        <p:spPr/>
+        <p:txBody>
+          <a:bodyPr/>
+          <a:lstStyle/>
+          <a:p>
+            <a:r>
+              <a:rPr lang="zh-CN" altLang="en-US" dirty="0" smtClean="0"/>
+              <a:t>有序变量</a:t>
+            </a:r>
+            <a:endParaRPr lang="zh-CN" altLang="en-US" dirty="0"/>
+          </a:p>
+        </p:txBody>
+      </p:sp>
+      <p:sp>
+        <p:nvSpPr>
+          <p:cNvPr id="3" name="内容占位符 2"/>
+          <p:cNvSpPr>
+            <a:spLocks noGrp="1"/>
+          </p:cNvSpPr>
+          <p:nvPr>
+            <p:ph idx="1"/>
+          </p:nvPr>
+        </p:nvSpPr>
+        <p:spPr>
+          <a:xfrm>
+            <a:off x="1371600" y="1731085"/>
+            <a:ext cx="5003800" cy="4779781"/>
+          </a:xfrm>
+        </p:spPr>
+        <p:txBody>
+          <a:bodyPr>
+            <a:normAutofit fontScale="77500" lnSpcReduction="20000"/>
+          </a:bodyPr>
+          <a:lstStyle/>
+          <a:p>
+            <a:r>
+              <a:rPr lang="zh-CN" altLang="en-US" dirty="0" smtClean="0"/>
+              <a:t>某研究评估治疗</a:t>
+            </a:r>
+            <a:r>
+              <a:rPr lang="en-US" altLang="zh-CN" dirty="0" smtClean="0"/>
+              <a:t>6</a:t>
+            </a:r>
+            <a:r>
+              <a:rPr lang="zh-CN" altLang="en-US" dirty="0" smtClean="0"/>
+              <a:t>周后患者症状减轻情况</a:t>
+            </a:r>
+            <a:endParaRPr lang="en-US" altLang="zh-CN" dirty="0" smtClean="0"/>
+          </a:p>
+          <a:p>
+            <a:r>
+              <a:rPr lang="zh-CN" altLang="en-US" dirty="0" smtClean="0"/>
+              <a:t>症状严重程度以</a:t>
+            </a:r>
+            <a:r>
+              <a:rPr lang="en-US" altLang="zh-CN" dirty="0" smtClean="0"/>
+              <a:t>5</a:t>
+            </a:r>
+            <a:r>
+              <a:rPr lang="zh-CN" altLang="en-US" dirty="0" smtClean="0"/>
+              <a:t>分</a:t>
+            </a:r>
+            <a:r>
+              <a:rPr lang="en-US" altLang="zh-CN" dirty="0" smtClean="0"/>
+              <a:t>liker</a:t>
+            </a:r>
+            <a:r>
+              <a:rPr lang="zh-CN" altLang="en-US" dirty="0" smtClean="0"/>
+              <a:t>量表形式评价：</a:t>
+            </a:r>
+            <a:endParaRPr lang="en-US" altLang="zh-CN" dirty="0" smtClean="0"/>
+          </a:p>
+          <a:p>
+            <a:pPr lvl="1"/>
+            <a:r>
+              <a:rPr lang="zh-CN" altLang="en-US" dirty="0" smtClean="0"/>
+              <a:t>明显加重</a:t>
+            </a:r>
+            <a:endParaRPr lang="en-US" altLang="zh-CN" dirty="0" smtClean="0"/>
+          </a:p>
+          <a:p>
+            <a:pPr lvl="1"/>
+            <a:r>
+              <a:rPr lang="zh-CN" altLang="en-US" dirty="0" smtClean="0"/>
+              <a:t>稍微加重</a:t>
+            </a:r>
+            <a:endParaRPr lang="en-US" altLang="zh-CN" dirty="0" smtClean="0"/>
+          </a:p>
+          <a:p>
+            <a:pPr lvl="1"/>
+            <a:r>
+              <a:rPr lang="zh-CN" altLang="en-US" dirty="0"/>
+              <a:t>无</a:t>
+            </a:r>
+            <a:r>
+              <a:rPr lang="zh-CN" altLang="en-US" dirty="0" smtClean="0"/>
+              <a:t>变化</a:t>
+            </a:r>
+            <a:endParaRPr lang="en-US" altLang="zh-CN" dirty="0" smtClean="0"/>
+          </a:p>
+          <a:p>
+            <a:pPr lvl="1"/>
+            <a:r>
+              <a:rPr lang="zh-CN" altLang="en-US" dirty="0" smtClean="0"/>
+              <a:t>稍微改善</a:t>
+            </a:r>
+            <a:endParaRPr lang="en-US" altLang="zh-CN" dirty="0" smtClean="0"/>
+          </a:p>
+          <a:p>
+            <a:pPr lvl="1"/>
+            <a:r>
+              <a:rPr lang="zh-CN" altLang="en-US" dirty="0" smtClean="0"/>
+              <a:t>明星改善</a:t>
+            </a:r>
+            <a:endParaRPr lang="en-US" altLang="zh-CN" dirty="0" smtClean="0"/>
+          </a:p>
+          <a:p>
+            <a:r>
+              <a:rPr lang="en-US" altLang="zh-CN" dirty="0" smtClean="0"/>
+              <a:t>n=20 ,</a:t>
+            </a:r>
+            <a:r>
+              <a:rPr lang="zh-CN" altLang="en-US" dirty="0" smtClean="0"/>
+              <a:t>随机分为治疗组和对照组</a:t>
+            </a:r>
+            <a:endParaRPr lang="en-US" altLang="zh-CN" dirty="0" smtClean="0"/>
+          </a:p>
+          <a:p>
+            <a:r>
+              <a:rPr lang="zh-CN" altLang="en-US" dirty="0" smtClean="0"/>
+              <a:t>因变量分布如右图所示</a:t>
+            </a:r>
+            <a:endParaRPr lang="en-US" altLang="zh-CN" dirty="0" smtClean="0"/>
+          </a:p>
+        </p:txBody>
+      </p:sp>
+      <p:pic>
+        <p:nvPicPr>
+          <p:cNvPr id="5" name="图片 4"/>
+          <p:cNvPicPr>
+            <a:picLocks noChangeAspect="1"/>
+          </p:cNvPicPr>
+          <p:nvPr/>
+        </p:nvPicPr>
+        <p:blipFill>
+          <a:blip r:embed="rId2">
+            <a:extLst>
+              <a:ext uri="{28A0092B-C50C-407E-A947-70E740481C1C}">
+                <a14:useLocalDpi xmlns:a14="http://schemas.microsoft.com/office/drawing/2010/main" val="0"/>
+              </a:ext>
+            </a:extLst>
+          </a:blip>
+          <a:stretch>
+            <a:fillRect/>
+          </a:stretch>
+        </p:blipFill>
+        <p:spPr>
+          <a:xfrm>
+            <a:off x="6578717" y="2502463"/>
+            <a:ext cx="4690415" cy="3382962"/>
+          </a:xfrm>
+          <a:prstGeom prst="rect">
+            <a:avLst/>
+          </a:prstGeom>
+        </p:spPr>
+      </p:pic>
+    </p:spTree>
+    <p:extLst>
+      <p:ext uri="{BB962C8B-B14F-4D97-AF65-F5344CB8AC3E}">
+        <p14:creationId xmlns:p14="http://schemas.microsoft.com/office/powerpoint/2010/main" val="1102403775"/>
+      </p:ext>
+    </p:extLst>
+  </p:cSld>
+  <p:clrMapOvr>
+    <a:masterClrMapping/>
+  </p:clrMapOvr>
+</p:sld>
+</file>
+
+<file path=ppt/slides/slide5.xml><?xml version="1.0" encoding="utf-8"?>
+<p:sld xmlns:a="http://schemas.openxmlformats.org/drawingml/2006/main" xmlns:r="http://schemas.openxmlformats.org/officeDocument/2006/relationships" xmlns:p="http://schemas.openxmlformats.org/presentationml/2006/main">
+  <p:cSld>
+    <p:spTree>
+      <p:nvGrpSpPr>
+        <p:cNvPr id="1" name=""/>
+        <p:cNvGrpSpPr/>
+        <p:nvPr/>
+      </p:nvGrpSpPr>
+      <p:grpSpPr>
+        <a:xfrm>
+          <a:off x="0" y="0"/>
+          <a:ext cx="0" cy="0"/>
+          <a:chOff x="0" y="0"/>
+          <a:chExt cx="0" cy="0"/>
+        </a:xfrm>
+      </p:grpSpPr>
+      <p:sp>
+        <p:nvSpPr>
+          <p:cNvPr id="2" name="标题 1"/>
+          <p:cNvSpPr>
+            <a:spLocks noGrp="1"/>
+          </p:cNvSpPr>
+          <p:nvPr>
+            <p:ph type="title"/>
+          </p:nvPr>
+        </p:nvSpPr>
+        <p:spPr/>
+        <p:txBody>
+          <a:bodyPr/>
+          <a:lstStyle/>
+          <a:p>
+            <a:r>
+              <a:rPr lang="zh-CN" altLang="en-US" dirty="0" smtClean="0"/>
+              <a:t>等级变量</a:t>
+            </a:r>
+            <a:endParaRPr lang="zh-CN" altLang="en-US" dirty="0"/>
+          </a:p>
+        </p:txBody>
+      </p:sp>
+      <p:sp>
+        <p:nvSpPr>
+          <p:cNvPr id="3" name="内容占位符 2"/>
+          <p:cNvSpPr>
+            <a:spLocks noGrp="1"/>
+          </p:cNvSpPr>
+          <p:nvPr>
+            <p:ph idx="1"/>
+          </p:nvPr>
+        </p:nvSpPr>
+        <p:spPr/>
+        <p:txBody>
+          <a:bodyPr/>
+          <a:lstStyle/>
+          <a:p>
+            <a:r>
+              <a:rPr lang="en-US" altLang="zh-CN" dirty="0" smtClean="0"/>
+              <a:t>APGAR</a:t>
+            </a:r>
+            <a:r>
+              <a:rPr lang="zh-CN" altLang="en-US" dirty="0" smtClean="0"/>
+              <a:t>评分是产科评价新生儿的常用量表。这个量表得分在</a:t>
+            </a:r>
+            <a:r>
+              <a:rPr lang="en-US" altLang="zh-CN" dirty="0" smtClean="0"/>
+              <a:t>1-10</a:t>
+            </a:r>
+            <a:r>
+              <a:rPr lang="zh-CN" altLang="en-US" dirty="0" smtClean="0"/>
+              <a:t>的范围。</a:t>
+            </a:r>
+            <a:endParaRPr lang="en-US" altLang="zh-CN" dirty="0" smtClean="0"/>
+          </a:p>
+          <a:p>
+            <a:r>
+              <a:rPr lang="zh-CN" altLang="en-US" dirty="0"/>
+              <a:t>量</a:t>
+            </a:r>
+            <a:r>
+              <a:rPr lang="zh-CN" altLang="en-US" dirty="0" smtClean="0"/>
+              <a:t>表得分一般不符合正态分布，大部分新生儿评分在</a:t>
+            </a:r>
+            <a:r>
+              <a:rPr lang="en-US" altLang="zh-CN" dirty="0" smtClean="0"/>
+              <a:t>7</a:t>
+            </a:r>
+            <a:r>
+              <a:rPr lang="zh-CN" altLang="en-US" dirty="0" smtClean="0"/>
+              <a:t>分或以上</a:t>
+            </a:r>
+            <a:endParaRPr lang="zh-CN" altLang="en-US" dirty="0"/>
+          </a:p>
+        </p:txBody>
+      </p:sp>
+    </p:spTree>
+    <p:extLst>
+      <p:ext uri="{BB962C8B-B14F-4D97-AF65-F5344CB8AC3E}">
+        <p14:creationId xmlns:p14="http://schemas.microsoft.com/office/powerpoint/2010/main" val="1115715512"/>
+      </p:ext>
+    </p:extLst>
+  </p:cSld>
+  <p:clrMapOvr>
+    <a:masterClrMapping/>
+  </p:clrMapOvr>
+</p:sld>
+</file>
+
+<file path=ppt/slides/slide6.xml><?xml version="1.0" encoding="utf-8"?>
+<p:sld xmlns:a="http://schemas.openxmlformats.org/drawingml/2006/main" xmlns:r="http://schemas.openxmlformats.org/officeDocument/2006/relationships" xmlns:p="http://schemas.openxmlformats.org/presentationml/2006/main">
+  <p:cSld>
+    <p:spTree>
+      <p:nvGrpSpPr>
+        <p:cNvPr id="1" name=""/>
+        <p:cNvGrpSpPr/>
+        <p:nvPr/>
+      </p:nvGrpSpPr>
+      <p:grpSpPr>
+        <a:xfrm>
+          <a:off x="0" y="0"/>
+          <a:ext cx="0" cy="0"/>
+          <a:chOff x="0" y="0"/>
+          <a:chExt cx="0" cy="0"/>
+        </a:xfrm>
+      </p:grpSpPr>
+      <p:sp>
+        <p:nvSpPr>
+          <p:cNvPr id="2" name="标题 1"/>
+          <p:cNvSpPr>
+            <a:spLocks noGrp="1"/>
+          </p:cNvSpPr>
+          <p:nvPr>
+            <p:ph type="title"/>
+          </p:nvPr>
+        </p:nvSpPr>
+        <p:spPr/>
+        <p:txBody>
+          <a:bodyPr/>
+          <a:lstStyle/>
+          <a:p>
+            <a:r>
+              <a:rPr lang="zh-CN" altLang="en-US" dirty="0" smtClean="0"/>
+              <a:t>异常值</a:t>
+            </a:r>
+            <a:endParaRPr lang="zh-CN" altLang="en-US" dirty="0"/>
+          </a:p>
+        </p:txBody>
+      </p:sp>
+      <p:sp>
+        <p:nvSpPr>
+          <p:cNvPr id="3" name="内容占位符 2"/>
+          <p:cNvSpPr>
+            <a:spLocks noGrp="1"/>
+          </p:cNvSpPr>
+          <p:nvPr>
+            <p:ph idx="1"/>
+          </p:nvPr>
+        </p:nvSpPr>
+        <p:spPr>
+          <a:xfrm>
+            <a:off x="1371600" y="1731086"/>
+            <a:ext cx="9601200" cy="1757181"/>
+          </a:xfrm>
+        </p:spPr>
+        <p:txBody>
+          <a:bodyPr/>
+          <a:lstStyle/>
+          <a:p>
+            <a:r>
+              <a:rPr lang="zh-CN" altLang="en-US" dirty="0" smtClean="0"/>
+              <a:t>比如住院日。可能大部分人在</a:t>
+            </a:r>
+            <a:r>
+              <a:rPr lang="en-US" altLang="zh-CN" dirty="0" smtClean="0"/>
+              <a:t>1</a:t>
+            </a:r>
+            <a:r>
+              <a:rPr lang="zh-CN" altLang="en-US" dirty="0" smtClean="0"/>
+              <a:t>到</a:t>
+            </a:r>
+            <a:r>
+              <a:rPr lang="en-US" altLang="zh-CN" dirty="0" smtClean="0"/>
+              <a:t>2</a:t>
+            </a:r>
+            <a:r>
+              <a:rPr lang="zh-CN" altLang="en-US" dirty="0" smtClean="0"/>
+              <a:t>周以内，但是有时候也会有因为并发症需要长期住院的</a:t>
+            </a:r>
+            <a:endParaRPr lang="zh-CN" altLang="en-US" dirty="0"/>
+          </a:p>
+        </p:txBody>
+      </p:sp>
+      <p:pic>
+        <p:nvPicPr>
+          <p:cNvPr id="4" name="图片 3"/>
+          <p:cNvPicPr>
+            <a:picLocks noChangeAspect="1"/>
+          </p:cNvPicPr>
+          <p:nvPr/>
+        </p:nvPicPr>
+        <p:blipFill>
+          <a:blip r:embed="rId2">
+            <a:extLst>
+              <a:ext uri="{28A0092B-C50C-407E-A947-70E740481C1C}">
+                <a14:useLocalDpi xmlns:a14="http://schemas.microsoft.com/office/drawing/2010/main" val="0"/>
+              </a:ext>
+            </a:extLst>
+          </a:blip>
+          <a:stretch>
+            <a:fillRect/>
+          </a:stretch>
+        </p:blipFill>
+        <p:spPr>
+          <a:xfrm>
+            <a:off x="2362200" y="3519339"/>
+            <a:ext cx="7620000" cy="2457450"/>
+          </a:xfrm>
+          <a:prstGeom prst="rect">
+            <a:avLst/>
+          </a:prstGeom>
+        </p:spPr>
+      </p:pic>
+    </p:spTree>
+    <p:extLst>
+      <p:ext uri="{BB962C8B-B14F-4D97-AF65-F5344CB8AC3E}">
+        <p14:creationId xmlns:p14="http://schemas.microsoft.com/office/powerpoint/2010/main" val="1860045161"/>
+      </p:ext>
+    </p:extLst>
+  </p:cSld>
+  <p:clrMapOvr>
+    <a:masterClrMapping/>
+  </p:clrMapOvr>
+</p:sld>
+</file>
+
 <file path=ppt/theme/theme1.xml><?xml version="1.0" encoding="utf-8"?>
 <a:theme xmlns:a="http://schemas.openxmlformats.org/drawingml/2006/main" name="主题1">
   <a:themeElements>

--- a/lect-8/非参数检验.pptx
+++ b/lect-8/非参数检验.pptx
@@ -4,6 +4,9 @@
   <p:sldMasterIdLst>
     <p:sldMasterId id="2147483660" r:id="rId1"/>
   </p:sldMasterIdLst>
+  <p:notesMasterIdLst>
+    <p:notesMasterId r:id="rId40"/>
+  </p:notesMasterIdLst>
   <p:sldIdLst>
     <p:sldId id="256" r:id="rId2"/>
     <p:sldId id="257" r:id="rId3"/>
@@ -29,6 +32,20 @@
     <p:sldId id="278" r:id="rId23"/>
     <p:sldId id="279" r:id="rId24"/>
     <p:sldId id="280" r:id="rId25"/>
+    <p:sldId id="281" r:id="rId26"/>
+    <p:sldId id="282" r:id="rId27"/>
+    <p:sldId id="283" r:id="rId28"/>
+    <p:sldId id="284" r:id="rId29"/>
+    <p:sldId id="285" r:id="rId30"/>
+    <p:sldId id="286" r:id="rId31"/>
+    <p:sldId id="287" r:id="rId32"/>
+    <p:sldId id="288" r:id="rId33"/>
+    <p:sldId id="289" r:id="rId34"/>
+    <p:sldId id="290" r:id="rId35"/>
+    <p:sldId id="291" r:id="rId36"/>
+    <p:sldId id="292" r:id="rId37"/>
+    <p:sldId id="293" r:id="rId38"/>
+    <p:sldId id="294" r:id="rId39"/>
   </p:sldIdLst>
   <p:sldSz cx="12192000" cy="6858000"/>
   <p:notesSz cx="6858000" cy="9144000"/>
@@ -165,7 +182,6 @@
           </a:p>
         </c:rich>
       </c:tx>
-      <c:layout/>
       <c:overlay val="0"/>
     </c:title>
     <c:autoTitleDeleted val="0"/>
@@ -269,8 +285,8 @@
           <c:showBubbleSize val="0"/>
         </c:dLbls>
         <c:gapWidth val="150"/>
-        <c:axId val="443167440"/>
-        <c:axId val="443166880"/>
+        <c:axId val="188353568"/>
+        <c:axId val="188354128"/>
       </c:barChart>
       <c:lineChart>
         <c:grouping val="standard"/>
@@ -370,11 +386,266 @@
         </c:dLbls>
         <c:marker val="1"/>
         <c:smooth val="0"/>
-        <c:axId val="550884752"/>
-        <c:axId val="550886992"/>
+        <c:axId val="188355248"/>
+        <c:axId val="188354688"/>
       </c:lineChart>
       <c:catAx>
-        <c:axId val="443167440"/>
+        <c:axId val="188353568"/>
+        <c:scaling>
+          <c:orientation val="minMax"/>
+        </c:scaling>
+        <c:delete val="0"/>
+        <c:axPos val="b"/>
+        <c:title>
+          <c:tx>
+            <c:rich>
+              <a:bodyPr/>
+              <a:lstStyle/>
+              <a:p>
+                <a:pPr>
+                  <a:defRPr/>
+                </a:pPr>
+                <a:r>
+                  <a:rPr lang="zh-CN"/>
+                  <a:t>接收</a:t>
+                </a:r>
+              </a:p>
+            </c:rich>
+          </c:tx>
+          <c:overlay val="0"/>
+        </c:title>
+        <c:numFmt formatCode="General" sourceLinked="1"/>
+        <c:majorTickMark val="out"/>
+        <c:minorTickMark val="none"/>
+        <c:tickLblPos val="nextTo"/>
+        <c:crossAx val="188354128"/>
+        <c:crosses val="autoZero"/>
+        <c:auto val="1"/>
+        <c:lblAlgn val="ctr"/>
+        <c:lblOffset val="100"/>
+        <c:noMultiLvlLbl val="0"/>
+      </c:catAx>
+      <c:valAx>
+        <c:axId val="188354128"/>
+        <c:scaling>
+          <c:orientation val="minMax"/>
+        </c:scaling>
+        <c:delete val="0"/>
+        <c:axPos val="l"/>
+        <c:title>
+          <c:tx>
+            <c:rich>
+              <a:bodyPr/>
+              <a:lstStyle/>
+              <a:p>
+                <a:pPr>
+                  <a:defRPr/>
+                </a:pPr>
+                <a:r>
+                  <a:rPr lang="zh-CN"/>
+                  <a:t>频率</a:t>
+                </a:r>
+              </a:p>
+            </c:rich>
+          </c:tx>
+          <c:overlay val="0"/>
+        </c:title>
+        <c:numFmt formatCode="General" sourceLinked="1"/>
+        <c:majorTickMark val="out"/>
+        <c:minorTickMark val="none"/>
+        <c:tickLblPos val="nextTo"/>
+        <c:crossAx val="188353568"/>
+        <c:crosses val="autoZero"/>
+        <c:crossBetween val="between"/>
+        <c:majorUnit val="1"/>
+      </c:valAx>
+      <c:valAx>
+        <c:axId val="188354688"/>
+        <c:scaling>
+          <c:orientation val="minMax"/>
+          <c:max val="1"/>
+        </c:scaling>
+        <c:delete val="0"/>
+        <c:axPos val="r"/>
+        <c:numFmt formatCode="0.00%" sourceLinked="1"/>
+        <c:majorTickMark val="out"/>
+        <c:minorTickMark val="none"/>
+        <c:tickLblPos val="nextTo"/>
+        <c:crossAx val="188355248"/>
+        <c:crosses val="max"/>
+        <c:crossBetween val="between"/>
+        <c:majorUnit val="0.2"/>
+      </c:valAx>
+      <c:catAx>
+        <c:axId val="188355248"/>
+        <c:scaling>
+          <c:orientation val="minMax"/>
+        </c:scaling>
+        <c:delete val="1"/>
+        <c:axPos val="b"/>
+        <c:numFmt formatCode="General" sourceLinked="1"/>
+        <c:majorTickMark val="out"/>
+        <c:minorTickMark val="none"/>
+        <c:tickLblPos val="nextTo"/>
+        <c:crossAx val="188354688"/>
+        <c:crosses val="autoZero"/>
+        <c:auto val="1"/>
+        <c:lblAlgn val="ctr"/>
+        <c:lblOffset val="100"/>
+        <c:noMultiLvlLbl val="0"/>
+      </c:catAx>
+    </c:plotArea>
+    <c:legend>
+      <c:legendPos val="r"/>
+      <c:overlay val="0"/>
+    </c:legend>
+    <c:plotVisOnly val="1"/>
+    <c:dispBlanksAs val="gap"/>
+    <c:showDLblsOverMax val="0"/>
+  </c:chart>
+  <c:txPr>
+    <a:bodyPr/>
+    <a:lstStyle/>
+    <a:p>
+      <a:pPr>
+        <a:defRPr sz="2000"/>
+      </a:pPr>
+      <a:endParaRPr lang="zh-CN"/>
+    </a:p>
+  </c:txPr>
+  <c:externalData r:id="rId1">
+    <c:autoUpdate val="0"/>
+  </c:externalData>
+</c:chartSpace>
+</file>
+
+<file path=ppt/charts/chart2.xml><?xml version="1.0" encoding="utf-8"?>
+<c:chartSpace xmlns:c="http://schemas.openxmlformats.org/drawingml/2006/chart" xmlns:a="http://schemas.openxmlformats.org/drawingml/2006/main" xmlns:r="http://schemas.openxmlformats.org/officeDocument/2006/relationships">
+  <c:date1904 val="0"/>
+  <c:lang val="zh-CN"/>
+  <c:roundedCorners val="0"/>
+  <mc:AlternateContent xmlns:mc="http://schemas.openxmlformats.org/markup-compatibility/2006">
+    <mc:Choice xmlns:c14="http://schemas.microsoft.com/office/drawing/2007/8/2/chart" Requires="c14">
+      <c14:style val="102"/>
+    </mc:Choice>
+    <mc:Fallback>
+      <c:style val="2"/>
+    </mc:Fallback>
+  </mc:AlternateContent>
+  <c:chart>
+    <c:title>
+      <c:tx>
+        <c:rich>
+          <a:bodyPr/>
+          <a:lstStyle/>
+          <a:p>
+            <a:pPr>
+              <a:defRPr/>
+            </a:pPr>
+            <a:r>
+              <a:rPr lang="zh-CN"/>
+              <a:t>直方图</a:t>
+            </a:r>
+          </a:p>
+        </c:rich>
+      </c:tx>
+      <c:layout/>
+      <c:overlay val="0"/>
+    </c:title>
+    <c:autoTitleDeleted val="0"/>
+    <c:plotArea>
+      <c:layout/>
+      <c:barChart>
+        <c:barDir val="col"/>
+        <c:grouping val="clustered"/>
+        <c:varyColors val="0"/>
+        <c:ser>
+          <c:idx val="0"/>
+          <c:order val="0"/>
+          <c:tx>
+            <c:v>频率</c:v>
+          </c:tx>
+          <c:invertIfNegative val="0"/>
+          <c:cat>
+            <c:strRef>
+              <c:f>Sheet1!$M$17:$M$24</c:f>
+              <c:strCache>
+                <c:ptCount val="8"/>
+                <c:pt idx="0">
+                  <c:v>-7</c:v>
+                </c:pt>
+                <c:pt idx="1">
+                  <c:v>-2</c:v>
+                </c:pt>
+                <c:pt idx="2">
+                  <c:v>3</c:v>
+                </c:pt>
+                <c:pt idx="3">
+                  <c:v>8</c:v>
+                </c:pt>
+                <c:pt idx="4">
+                  <c:v>13</c:v>
+                </c:pt>
+                <c:pt idx="5">
+                  <c:v>18</c:v>
+                </c:pt>
+                <c:pt idx="6">
+                  <c:v>23</c:v>
+                </c:pt>
+                <c:pt idx="7">
+                  <c:v>其他</c:v>
+                </c:pt>
+              </c:strCache>
+            </c:strRef>
+          </c:cat>
+          <c:val>
+            <c:numRef>
+              <c:f>Sheet1!$N$17:$N$24</c:f>
+              <c:numCache>
+                <c:formatCode>General</c:formatCode>
+                <c:ptCount val="8"/>
+                <c:pt idx="0">
+                  <c:v>1</c:v>
+                </c:pt>
+                <c:pt idx="1">
+                  <c:v>5</c:v>
+                </c:pt>
+                <c:pt idx="2">
+                  <c:v>1</c:v>
+                </c:pt>
+                <c:pt idx="3">
+                  <c:v>6</c:v>
+                </c:pt>
+                <c:pt idx="4">
+                  <c:v>1</c:v>
+                </c:pt>
+                <c:pt idx="5">
+                  <c:v>0</c:v>
+                </c:pt>
+                <c:pt idx="6">
+                  <c:v>1</c:v>
+                </c:pt>
+                <c:pt idx="7">
+                  <c:v>0</c:v>
+                </c:pt>
+              </c:numCache>
+            </c:numRef>
+          </c:val>
+        </c:ser>
+        <c:dLbls>
+          <c:showLegendKey val="0"/>
+          <c:showVal val="0"/>
+          <c:showCatName val="0"/>
+          <c:showSerName val="0"/>
+          <c:showPercent val="0"/>
+          <c:showBubbleSize val="0"/>
+        </c:dLbls>
+        <c:gapWidth val="150"/>
+        <c:axId val="481342160"/>
+        <c:axId val="481344960"/>
+      </c:barChart>
+      <c:catAx>
+        <c:axId val="481342160"/>
         <c:scaling>
           <c:orientation val="minMax"/>
         </c:scaling>
@@ -403,7 +674,7 @@
         <c:majorTickMark val="out"/>
         <c:minorTickMark val="none"/>
         <c:tickLblPos val="nextTo"/>
-        <c:crossAx val="443166880"/>
+        <c:crossAx val="481344960"/>
         <c:crosses val="autoZero"/>
         <c:auto val="1"/>
         <c:lblAlgn val="ctr"/>
@@ -411,7 +682,7 @@
         <c:noMultiLvlLbl val="0"/>
       </c:catAx>
       <c:valAx>
-        <c:axId val="443166880"/>
+        <c:axId val="481344960"/>
         <c:scaling>
           <c:orientation val="minMax"/>
         </c:scaling>
@@ -440,43 +711,10 @@
         <c:majorTickMark val="out"/>
         <c:minorTickMark val="none"/>
         <c:tickLblPos val="nextTo"/>
-        <c:crossAx val="443167440"/>
+        <c:crossAx val="481342160"/>
         <c:crosses val="autoZero"/>
         <c:crossBetween val="between"/>
       </c:valAx>
-      <c:valAx>
-        <c:axId val="550886992"/>
-        <c:scaling>
-          <c:orientation val="minMax"/>
-        </c:scaling>
-        <c:delete val="0"/>
-        <c:axPos val="r"/>
-        <c:numFmt formatCode="0.00%" sourceLinked="1"/>
-        <c:majorTickMark val="out"/>
-        <c:minorTickMark val="none"/>
-        <c:tickLblPos val="nextTo"/>
-        <c:crossAx val="550884752"/>
-        <c:crosses val="max"/>
-        <c:crossBetween val="between"/>
-      </c:valAx>
-      <c:catAx>
-        <c:axId val="550884752"/>
-        <c:scaling>
-          <c:orientation val="minMax"/>
-        </c:scaling>
-        <c:delete val="1"/>
-        <c:axPos val="b"/>
-        <c:numFmt formatCode="General" sourceLinked="1"/>
-        <c:majorTickMark val="out"/>
-        <c:minorTickMark val="none"/>
-        <c:tickLblPos val="nextTo"/>
-        <c:crossAx val="550886992"/>
-        <c:crosses val="autoZero"/>
-        <c:auto val="1"/>
-        <c:lblAlgn val="ctr"/>
-        <c:lblOffset val="100"/>
-        <c:noMultiLvlLbl val="0"/>
-      </c:catAx>
     </c:plotArea>
     <c:legend>
       <c:legendPos val="r"/>
@@ -492,7 +730,7 @@
     <a:lstStyle/>
     <a:p>
       <a:pPr>
-        <a:defRPr sz="2000"/>
+        <a:defRPr sz="1400"/>
       </a:pPr>
       <a:endParaRPr lang="zh-CN"/>
     </a:p>
@@ -501,6 +739,444 @@
     <c:autoUpdate val="0"/>
   </c:externalData>
 </c:chartSpace>
+</file>
+
+<file path=ppt/notesMasters/notesMaster1.xml><?xml version="1.0" encoding="utf-8"?>
+<p:notesMaster xmlns:a="http://schemas.openxmlformats.org/drawingml/2006/main" xmlns:r="http://schemas.openxmlformats.org/officeDocument/2006/relationships" xmlns:p="http://schemas.openxmlformats.org/presentationml/2006/main">
+  <p:cSld>
+    <p:bg>
+      <p:bgRef idx="1001">
+        <a:schemeClr val="bg1"/>
+      </p:bgRef>
+    </p:bg>
+    <p:spTree>
+      <p:nvGrpSpPr>
+        <p:cNvPr id="1" name=""/>
+        <p:cNvGrpSpPr/>
+        <p:nvPr/>
+      </p:nvGrpSpPr>
+      <p:grpSpPr>
+        <a:xfrm>
+          <a:off x="0" y="0"/>
+          <a:ext cx="0" cy="0"/>
+          <a:chOff x="0" y="0"/>
+          <a:chExt cx="0" cy="0"/>
+        </a:xfrm>
+      </p:grpSpPr>
+      <p:sp>
+        <p:nvSpPr>
+          <p:cNvPr id="2" name="页眉占位符 1"/>
+          <p:cNvSpPr>
+            <a:spLocks noGrp="1"/>
+          </p:cNvSpPr>
+          <p:nvPr>
+            <p:ph type="hdr" sz="quarter"/>
+          </p:nvPr>
+        </p:nvSpPr>
+        <p:spPr>
+          <a:xfrm>
+            <a:off x="0" y="0"/>
+            <a:ext cx="2971800" cy="458788"/>
+          </a:xfrm>
+          <a:prstGeom prst="rect">
+            <a:avLst/>
+          </a:prstGeom>
+        </p:spPr>
+        <p:txBody>
+          <a:bodyPr vert="horz" lIns="91440" tIns="45720" rIns="91440" bIns="45720" rtlCol="0"/>
+          <a:lstStyle>
+            <a:lvl1pPr algn="l">
+              <a:defRPr sz="1200"/>
+            </a:lvl1pPr>
+          </a:lstStyle>
+          <a:p>
+            <a:endParaRPr lang="zh-CN" altLang="en-US"/>
+          </a:p>
+        </p:txBody>
+      </p:sp>
+      <p:sp>
+        <p:nvSpPr>
+          <p:cNvPr id="3" name="日期占位符 2"/>
+          <p:cNvSpPr>
+            <a:spLocks noGrp="1"/>
+          </p:cNvSpPr>
+          <p:nvPr>
+            <p:ph type="dt" idx="1"/>
+          </p:nvPr>
+        </p:nvSpPr>
+        <p:spPr>
+          <a:xfrm>
+            <a:off x="3884613" y="0"/>
+            <a:ext cx="2971800" cy="458788"/>
+          </a:xfrm>
+          <a:prstGeom prst="rect">
+            <a:avLst/>
+          </a:prstGeom>
+        </p:spPr>
+        <p:txBody>
+          <a:bodyPr vert="horz" lIns="91440" tIns="45720" rIns="91440" bIns="45720" rtlCol="0"/>
+          <a:lstStyle>
+            <a:lvl1pPr algn="r">
+              <a:defRPr sz="1200"/>
+            </a:lvl1pPr>
+          </a:lstStyle>
+          <a:p>
+            <a:fld id="{29781ECE-F8E4-420E-BA2F-5EC13931C816}" type="datetimeFigureOut">
+              <a:rPr lang="zh-CN" altLang="en-US" smtClean="0"/>
+              <a:t>2019-4-2</a:t>
+            </a:fld>
+            <a:endParaRPr lang="zh-CN" altLang="en-US"/>
+          </a:p>
+        </p:txBody>
+      </p:sp>
+      <p:sp>
+        <p:nvSpPr>
+          <p:cNvPr id="4" name="幻灯片图像占位符 3"/>
+          <p:cNvSpPr>
+            <a:spLocks noGrp="1" noRot="1" noChangeAspect="1"/>
+          </p:cNvSpPr>
+          <p:nvPr>
+            <p:ph type="sldImg" idx="2"/>
+          </p:nvPr>
+        </p:nvSpPr>
+        <p:spPr>
+          <a:xfrm>
+            <a:off x="685800" y="1143000"/>
+            <a:ext cx="5486400" cy="3086100"/>
+          </a:xfrm>
+          <a:prstGeom prst="rect">
+            <a:avLst/>
+          </a:prstGeom>
+          <a:noFill/>
+          <a:ln w="12700">
+            <a:solidFill>
+              <a:prstClr val="black"/>
+            </a:solidFill>
+          </a:ln>
+        </p:spPr>
+        <p:txBody>
+          <a:bodyPr vert="horz" lIns="91440" tIns="45720" rIns="91440" bIns="45720" rtlCol="0" anchor="ctr"/>
+          <a:lstStyle/>
+          <a:p>
+            <a:endParaRPr lang="zh-CN" altLang="en-US"/>
+          </a:p>
+        </p:txBody>
+      </p:sp>
+      <p:sp>
+        <p:nvSpPr>
+          <p:cNvPr id="5" name="备注占位符 4"/>
+          <p:cNvSpPr>
+            <a:spLocks noGrp="1"/>
+          </p:cNvSpPr>
+          <p:nvPr>
+            <p:ph type="body" sz="quarter" idx="3"/>
+          </p:nvPr>
+        </p:nvSpPr>
+        <p:spPr>
+          <a:xfrm>
+            <a:off x="685800" y="4400550"/>
+            <a:ext cx="5486400" cy="3600450"/>
+          </a:xfrm>
+          <a:prstGeom prst="rect">
+            <a:avLst/>
+          </a:prstGeom>
+        </p:spPr>
+        <p:txBody>
+          <a:bodyPr vert="horz" lIns="91440" tIns="45720" rIns="91440" bIns="45720" rtlCol="0"/>
+          <a:lstStyle/>
+          <a:p>
+            <a:pPr lvl="0"/>
+            <a:r>
+              <a:rPr lang="zh-CN" altLang="en-US" smtClean="0"/>
+              <a:t>单击此处编辑母版文本样式</a:t>
+            </a:r>
+          </a:p>
+          <a:p>
+            <a:pPr lvl="1"/>
+            <a:r>
+              <a:rPr lang="zh-CN" altLang="en-US" smtClean="0"/>
+              <a:t>第二级</a:t>
+            </a:r>
+          </a:p>
+          <a:p>
+            <a:pPr lvl="2"/>
+            <a:r>
+              <a:rPr lang="zh-CN" altLang="en-US" smtClean="0"/>
+              <a:t>第三级</a:t>
+            </a:r>
+          </a:p>
+          <a:p>
+            <a:pPr lvl="3"/>
+            <a:r>
+              <a:rPr lang="zh-CN" altLang="en-US" smtClean="0"/>
+              <a:t>第四级</a:t>
+            </a:r>
+          </a:p>
+          <a:p>
+            <a:pPr lvl="4"/>
+            <a:r>
+              <a:rPr lang="zh-CN" altLang="en-US" smtClean="0"/>
+              <a:t>第五级</a:t>
+            </a:r>
+            <a:endParaRPr lang="zh-CN" altLang="en-US"/>
+          </a:p>
+        </p:txBody>
+      </p:sp>
+      <p:sp>
+        <p:nvSpPr>
+          <p:cNvPr id="6" name="页脚占位符 5"/>
+          <p:cNvSpPr>
+            <a:spLocks noGrp="1"/>
+          </p:cNvSpPr>
+          <p:nvPr>
+            <p:ph type="ftr" sz="quarter" idx="4"/>
+          </p:nvPr>
+        </p:nvSpPr>
+        <p:spPr>
+          <a:xfrm>
+            <a:off x="0" y="8685213"/>
+            <a:ext cx="2971800" cy="458787"/>
+          </a:xfrm>
+          <a:prstGeom prst="rect">
+            <a:avLst/>
+          </a:prstGeom>
+        </p:spPr>
+        <p:txBody>
+          <a:bodyPr vert="horz" lIns="91440" tIns="45720" rIns="91440" bIns="45720" rtlCol="0" anchor="b"/>
+          <a:lstStyle>
+            <a:lvl1pPr algn="l">
+              <a:defRPr sz="1200"/>
+            </a:lvl1pPr>
+          </a:lstStyle>
+          <a:p>
+            <a:endParaRPr lang="zh-CN" altLang="en-US"/>
+          </a:p>
+        </p:txBody>
+      </p:sp>
+      <p:sp>
+        <p:nvSpPr>
+          <p:cNvPr id="7" name="灯片编号占位符 6"/>
+          <p:cNvSpPr>
+            <a:spLocks noGrp="1"/>
+          </p:cNvSpPr>
+          <p:nvPr>
+            <p:ph type="sldNum" sz="quarter" idx="5"/>
+          </p:nvPr>
+        </p:nvSpPr>
+        <p:spPr>
+          <a:xfrm>
+            <a:off x="3884613" y="8685213"/>
+            <a:ext cx="2971800" cy="458787"/>
+          </a:xfrm>
+          <a:prstGeom prst="rect">
+            <a:avLst/>
+          </a:prstGeom>
+        </p:spPr>
+        <p:txBody>
+          <a:bodyPr vert="horz" lIns="91440" tIns="45720" rIns="91440" bIns="45720" rtlCol="0" anchor="b"/>
+          <a:lstStyle>
+            <a:lvl1pPr algn="r">
+              <a:defRPr sz="1200"/>
+            </a:lvl1pPr>
+          </a:lstStyle>
+          <a:p>
+            <a:fld id="{3F3169EC-FBD2-4D7E-AE3E-22F3596C1931}" type="slidenum">
+              <a:rPr lang="zh-CN" altLang="en-US" smtClean="0"/>
+              <a:t>‹#›</a:t>
+            </a:fld>
+            <a:endParaRPr lang="zh-CN" altLang="en-US"/>
+          </a:p>
+        </p:txBody>
+      </p:sp>
+    </p:spTree>
+    <p:extLst>
+      <p:ext uri="{BB962C8B-B14F-4D97-AF65-F5344CB8AC3E}">
+        <p14:creationId xmlns:p14="http://schemas.microsoft.com/office/powerpoint/2010/main" val="1170739255"/>
+      </p:ext>
+    </p:extLst>
+  </p:cSld>
+  <p:clrMap bg1="lt1" tx1="dk1" bg2="lt2" tx2="dk2" accent1="accent1" accent2="accent2" accent3="accent3" accent4="accent4" accent5="accent5" accent6="accent6" hlink="hlink" folHlink="folHlink"/>
+  <p:notesStyle>
+    <a:lvl1pPr marL="0" algn="l" defTabSz="914400" rtl="0" eaLnBrk="1" latinLnBrk="0" hangingPunct="1">
+      <a:defRPr sz="1200" kern="1200">
+        <a:solidFill>
+          <a:schemeClr val="tx1"/>
+        </a:solidFill>
+        <a:latin typeface="+mn-lt"/>
+        <a:ea typeface="+mn-ea"/>
+        <a:cs typeface="+mn-cs"/>
+      </a:defRPr>
+    </a:lvl1pPr>
+    <a:lvl2pPr marL="457200" algn="l" defTabSz="914400" rtl="0" eaLnBrk="1" latinLnBrk="0" hangingPunct="1">
+      <a:defRPr sz="1200" kern="1200">
+        <a:solidFill>
+          <a:schemeClr val="tx1"/>
+        </a:solidFill>
+        <a:latin typeface="+mn-lt"/>
+        <a:ea typeface="+mn-ea"/>
+        <a:cs typeface="+mn-cs"/>
+      </a:defRPr>
+    </a:lvl2pPr>
+    <a:lvl3pPr marL="914400" algn="l" defTabSz="914400" rtl="0" eaLnBrk="1" latinLnBrk="0" hangingPunct="1">
+      <a:defRPr sz="1200" kern="1200">
+        <a:solidFill>
+          <a:schemeClr val="tx1"/>
+        </a:solidFill>
+        <a:latin typeface="+mn-lt"/>
+        <a:ea typeface="+mn-ea"/>
+        <a:cs typeface="+mn-cs"/>
+      </a:defRPr>
+    </a:lvl3pPr>
+    <a:lvl4pPr marL="1371600" algn="l" defTabSz="914400" rtl="0" eaLnBrk="1" latinLnBrk="0" hangingPunct="1">
+      <a:defRPr sz="1200" kern="1200">
+        <a:solidFill>
+          <a:schemeClr val="tx1"/>
+        </a:solidFill>
+        <a:latin typeface="+mn-lt"/>
+        <a:ea typeface="+mn-ea"/>
+        <a:cs typeface="+mn-cs"/>
+      </a:defRPr>
+    </a:lvl4pPr>
+    <a:lvl5pPr marL="1828800" algn="l" defTabSz="914400" rtl="0" eaLnBrk="1" latinLnBrk="0" hangingPunct="1">
+      <a:defRPr sz="1200" kern="1200">
+        <a:solidFill>
+          <a:schemeClr val="tx1"/>
+        </a:solidFill>
+        <a:latin typeface="+mn-lt"/>
+        <a:ea typeface="+mn-ea"/>
+        <a:cs typeface="+mn-cs"/>
+      </a:defRPr>
+    </a:lvl5pPr>
+    <a:lvl6pPr marL="2286000" algn="l" defTabSz="914400" rtl="0" eaLnBrk="1" latinLnBrk="0" hangingPunct="1">
+      <a:defRPr sz="1200" kern="1200">
+        <a:solidFill>
+          <a:schemeClr val="tx1"/>
+        </a:solidFill>
+        <a:latin typeface="+mn-lt"/>
+        <a:ea typeface="+mn-ea"/>
+        <a:cs typeface="+mn-cs"/>
+      </a:defRPr>
+    </a:lvl6pPr>
+    <a:lvl7pPr marL="2743200" algn="l" defTabSz="914400" rtl="0" eaLnBrk="1" latinLnBrk="0" hangingPunct="1">
+      <a:defRPr sz="1200" kern="1200">
+        <a:solidFill>
+          <a:schemeClr val="tx1"/>
+        </a:solidFill>
+        <a:latin typeface="+mn-lt"/>
+        <a:ea typeface="+mn-ea"/>
+        <a:cs typeface="+mn-cs"/>
+      </a:defRPr>
+    </a:lvl7pPr>
+    <a:lvl8pPr marL="3200400" algn="l" defTabSz="914400" rtl="0" eaLnBrk="1" latinLnBrk="0" hangingPunct="1">
+      <a:defRPr sz="1200" kern="1200">
+        <a:solidFill>
+          <a:schemeClr val="tx1"/>
+        </a:solidFill>
+        <a:latin typeface="+mn-lt"/>
+        <a:ea typeface="+mn-ea"/>
+        <a:cs typeface="+mn-cs"/>
+      </a:defRPr>
+    </a:lvl8pPr>
+    <a:lvl9pPr marL="3657600" algn="l" defTabSz="914400" rtl="0" eaLnBrk="1" latinLnBrk="0" hangingPunct="1">
+      <a:defRPr sz="1200" kern="1200">
+        <a:solidFill>
+          <a:schemeClr val="tx1"/>
+        </a:solidFill>
+        <a:latin typeface="+mn-lt"/>
+        <a:ea typeface="+mn-ea"/>
+        <a:cs typeface="+mn-cs"/>
+      </a:defRPr>
+    </a:lvl9pPr>
+  </p:notesStyle>
+</p:notesMaster>
+</file>
+
+<file path=ppt/notesSlides/notesSlide1.xml><?xml version="1.0" encoding="utf-8"?>
+<p:notes xmlns:a="http://schemas.openxmlformats.org/drawingml/2006/main" xmlns:r="http://schemas.openxmlformats.org/officeDocument/2006/relationships" xmlns:p="http://schemas.openxmlformats.org/presentationml/2006/main">
+  <p:cSld>
+    <p:spTree>
+      <p:nvGrpSpPr>
+        <p:cNvPr id="1" name=""/>
+        <p:cNvGrpSpPr/>
+        <p:nvPr/>
+      </p:nvGrpSpPr>
+      <p:grpSpPr>
+        <a:xfrm>
+          <a:off x="0" y="0"/>
+          <a:ext cx="0" cy="0"/>
+          <a:chOff x="0" y="0"/>
+          <a:chExt cx="0" cy="0"/>
+        </a:xfrm>
+      </p:grpSpPr>
+      <p:sp>
+        <p:nvSpPr>
+          <p:cNvPr id="2" name="幻灯片图像占位符 1"/>
+          <p:cNvSpPr>
+            <a:spLocks noGrp="1" noRot="1" noChangeAspect="1"/>
+          </p:cNvSpPr>
+          <p:nvPr>
+            <p:ph type="sldImg"/>
+          </p:nvPr>
+        </p:nvSpPr>
+        <p:spPr/>
+      </p:sp>
+      <p:sp>
+        <p:nvSpPr>
+          <p:cNvPr id="3" name="备注占位符 2"/>
+          <p:cNvSpPr>
+            <a:spLocks noGrp="1"/>
+          </p:cNvSpPr>
+          <p:nvPr>
+            <p:ph type="body" idx="1"/>
+          </p:nvPr>
+        </p:nvSpPr>
+        <p:spPr/>
+        <p:txBody>
+          <a:bodyPr/>
+          <a:lstStyle/>
+          <a:p>
+            <a:r>
+              <a:rPr lang="en-US" altLang="zh-CN" dirty="0" smtClean="0"/>
+              <a:t>89,31</a:t>
+            </a:r>
+            <a:endParaRPr lang="zh-CN" altLang="en-US" dirty="0"/>
+          </a:p>
+        </p:txBody>
+      </p:sp>
+      <p:sp>
+        <p:nvSpPr>
+          <p:cNvPr id="4" name="灯片编号占位符 3"/>
+          <p:cNvSpPr>
+            <a:spLocks noGrp="1"/>
+          </p:cNvSpPr>
+          <p:nvPr>
+            <p:ph type="sldNum" sz="quarter" idx="10"/>
+          </p:nvPr>
+        </p:nvSpPr>
+        <p:spPr/>
+        <p:txBody>
+          <a:bodyPr/>
+          <a:lstStyle/>
+          <a:p>
+            <a:fld id="{3F3169EC-FBD2-4D7E-AE3E-22F3596C1931}" type="slidenum">
+              <a:rPr lang="zh-CN" altLang="en-US" smtClean="0"/>
+              <a:t>35</a:t>
+            </a:fld>
+            <a:endParaRPr lang="zh-CN" altLang="en-US"/>
+          </a:p>
+        </p:txBody>
+      </p:sp>
+    </p:spTree>
+    <p:extLst>
+      <p:ext uri="{BB962C8B-B14F-4D97-AF65-F5344CB8AC3E}">
+        <p14:creationId xmlns:p14="http://schemas.microsoft.com/office/powerpoint/2010/main" val="3206820971"/>
+      </p:ext>
+    </p:extLst>
+  </p:cSld>
+  <p:clrMapOvr>
+    <a:masterClrMapping/>
+  </p:clrMapOvr>
+</p:notes>
 </file>
 
 <file path=ppt/slideLayouts/slideLayout1.xml><?xml version="1.0" encoding="utf-8"?>
@@ -672,7 +1348,7 @@
           <a:p>
             <a:fld id="{D8E0950C-EF3C-4712-8EE4-5F7FAA755B56}" type="datetimeFigureOut">
               <a:rPr lang="zh-CN" altLang="en-US" smtClean="0"/>
-              <a:t>2019-4-1</a:t>
+              <a:t>2019-4-2</a:t>
             </a:fld>
             <a:endParaRPr lang="zh-CN" altLang="en-US"/>
           </a:p>
@@ -1002,7 +1678,7 @@
           <a:p>
             <a:fld id="{D8E0950C-EF3C-4712-8EE4-5F7FAA755B56}" type="datetimeFigureOut">
               <a:rPr lang="zh-CN" altLang="en-US" smtClean="0"/>
-              <a:t>2019-4-1</a:t>
+              <a:t>2019-4-2</a:t>
             </a:fld>
             <a:endParaRPr lang="zh-CN" altLang="en-US"/>
           </a:p>
@@ -1182,7 +1858,7 @@
           <a:p>
             <a:fld id="{D8E0950C-EF3C-4712-8EE4-5F7FAA755B56}" type="datetimeFigureOut">
               <a:rPr lang="zh-CN" altLang="en-US" smtClean="0"/>
-              <a:t>2019-4-1</a:t>
+              <a:t>2019-4-2</a:t>
             </a:fld>
             <a:endParaRPr lang="zh-CN" altLang="en-US"/>
           </a:p>
@@ -1380,7 +2056,7 @@
           <a:p>
             <a:fld id="{D8E0950C-EF3C-4712-8EE4-5F7FAA755B56}" type="datetimeFigureOut">
               <a:rPr lang="zh-CN" altLang="en-US" smtClean="0"/>
-              <a:t>2019-4-1</a:t>
+              <a:t>2019-4-2</a:t>
             </a:fld>
             <a:endParaRPr lang="zh-CN" altLang="en-US"/>
           </a:p>
@@ -1657,7 +2333,7 @@
           <a:p>
             <a:fld id="{D8E0950C-EF3C-4712-8EE4-5F7FAA755B56}" type="datetimeFigureOut">
               <a:rPr lang="zh-CN" altLang="en-US" smtClean="0"/>
-              <a:t>2019-4-1</a:t>
+              <a:t>2019-4-2</a:t>
             </a:fld>
             <a:endParaRPr lang="zh-CN" altLang="en-US"/>
           </a:p>
@@ -2051,7 +2727,7 @@
           <a:p>
             <a:fld id="{D8E0950C-EF3C-4712-8EE4-5F7FAA755B56}" type="datetimeFigureOut">
               <a:rPr lang="zh-CN" altLang="en-US" smtClean="0"/>
-              <a:t>2019-4-1</a:t>
+              <a:t>2019-4-2</a:t>
             </a:fld>
             <a:endParaRPr lang="zh-CN" altLang="en-US"/>
           </a:p>
@@ -2528,7 +3204,7 @@
           <a:p>
             <a:fld id="{D8E0950C-EF3C-4712-8EE4-5F7FAA755B56}" type="datetimeFigureOut">
               <a:rPr lang="zh-CN" altLang="en-US" smtClean="0"/>
-              <a:t>2019-4-1</a:t>
+              <a:t>2019-4-2</a:t>
             </a:fld>
             <a:endParaRPr lang="zh-CN" altLang="en-US"/>
           </a:p>
@@ -2646,7 +3322,7 @@
           <a:p>
             <a:fld id="{D8E0950C-EF3C-4712-8EE4-5F7FAA755B56}" type="datetimeFigureOut">
               <a:rPr lang="zh-CN" altLang="en-US" smtClean="0"/>
-              <a:t>2019-4-1</a:t>
+              <a:t>2019-4-2</a:t>
             </a:fld>
             <a:endParaRPr lang="zh-CN" altLang="en-US"/>
           </a:p>
@@ -2741,7 +3417,7 @@
           <a:p>
             <a:fld id="{D8E0950C-EF3C-4712-8EE4-5F7FAA755B56}" type="datetimeFigureOut">
               <a:rPr lang="zh-CN" altLang="en-US" smtClean="0"/>
-              <a:t>2019-4-1</a:t>
+              <a:t>2019-4-2</a:t>
             </a:fld>
             <a:endParaRPr lang="zh-CN" altLang="en-US"/>
           </a:p>
@@ -3087,7 +3763,7 @@
           <a:p>
             <a:fld id="{D8E0950C-EF3C-4712-8EE4-5F7FAA755B56}" type="datetimeFigureOut">
               <a:rPr lang="zh-CN" altLang="en-US" smtClean="0"/>
-              <a:t>2019-4-1</a:t>
+              <a:t>2019-4-2</a:t>
             </a:fld>
             <a:endParaRPr lang="zh-CN" altLang="en-US"/>
           </a:p>
@@ -3475,7 +4151,7 @@
           <a:p>
             <a:fld id="{D8E0950C-EF3C-4712-8EE4-5F7FAA755B56}" type="datetimeFigureOut">
               <a:rPr lang="zh-CN" altLang="en-US" smtClean="0"/>
-              <a:t>2019-4-1</a:t>
+              <a:t>2019-4-2</a:t>
             </a:fld>
             <a:endParaRPr lang="zh-CN" altLang="en-US"/>
           </a:p>
@@ -3753,7 +4429,7 @@
           <a:p>
             <a:fld id="{D8E0950C-EF3C-4712-8EE4-5F7FAA755B56}" type="datetimeFigureOut">
               <a:rPr lang="zh-CN" altLang="en-US" smtClean="0"/>
-              <a:t>2019-4-1</a:t>
+              <a:t>2019-4-2</a:t>
             </a:fld>
             <a:endParaRPr lang="zh-CN" altLang="en-US"/>
           </a:p>
@@ -13206,6 +13882,21 @@
           <a:p>
             <a:r>
               <a:rPr lang="zh-CN" altLang="en-US" dirty="0" smtClean="0"/>
+              <a:t>主要讲</a:t>
+            </a:r>
+            <a:r>
+              <a:rPr lang="en-US" altLang="zh-CN" dirty="0" smtClean="0"/>
+              <a:t>Wilcoxon</a:t>
+            </a:r>
+            <a:r>
+              <a:rPr lang="zh-CN" altLang="en-US" dirty="0" smtClean="0"/>
+              <a:t>符号排序</a:t>
+            </a:r>
+            <a:endParaRPr lang="en-US" altLang="zh-CN" dirty="0" smtClean="0"/>
+          </a:p>
+          <a:p>
+            <a:r>
+              <a:rPr lang="zh-CN" altLang="en-US" dirty="0" smtClean="0"/>
               <a:t>零假设：中位差值是</a:t>
             </a:r>
             <a:r>
@@ -13282,7 +13973,7 @@
         <p:spPr>
           <a:xfrm>
             <a:off x="1371600" y="1731086"/>
-            <a:ext cx="9601200" cy="2172699"/>
+            <a:ext cx="9601200" cy="4863145"/>
           </a:xfrm>
         </p:spPr>
         <p:txBody>
@@ -13312,6 +14003,22 @@
             <a:r>
               <a:rPr lang="zh-CN" altLang="en-US" dirty="0" smtClean="0"/>
               <a:t>分是指儿童持续性进行重复行为。数据如下表所示</a:t>
+            </a:r>
+            <a:endParaRPr lang="en-US" altLang="zh-CN" dirty="0" smtClean="0"/>
+          </a:p>
+          <a:p>
+            <a:endParaRPr lang="en-US" altLang="zh-CN" dirty="0"/>
+          </a:p>
+          <a:p>
+            <a:endParaRPr lang="en-US" altLang="zh-CN" dirty="0" smtClean="0"/>
+          </a:p>
+          <a:p>
+            <a:endParaRPr lang="en-US" altLang="zh-CN" dirty="0"/>
+          </a:p>
+          <a:p>
+            <a:r>
+              <a:rPr lang="zh-CN" altLang="en-US" dirty="0" smtClean="0"/>
+              <a:t>请评价，药物是否能减少患儿的重复行为呢？</a:t>
             </a:r>
             <a:endParaRPr lang="zh-CN" altLang="en-US" dirty="0"/>
           </a:p>
@@ -13326,13 +14033,13 @@
           <p:nvPr>
             <p:extLst>
               <p:ext uri="{D42A27DB-BD31-4B8C-83A1-F6EECF244321}">
-                <p14:modId xmlns:p14="http://schemas.microsoft.com/office/powerpoint/2010/main" val="2592308960"/>
+                <p14:modId xmlns:p14="http://schemas.microsoft.com/office/powerpoint/2010/main" val="934041454"/>
               </p:ext>
             </p:extLst>
           </p:nvPr>
         </p:nvGraphicFramePr>
         <p:xfrm>
-          <a:off x="2286000" y="3745523"/>
+          <a:off x="2092570" y="3411415"/>
           <a:ext cx="8229600" cy="2011680"/>
         </p:xfrm>
         <a:graphic>
@@ -13360,12 +14067,12 @@
                     <a:p>
                       <a:pPr algn="ctr" fontAlgn="ctr"/>
                       <a:r>
-                        <a:rPr lang="en-US" sz="1800" u="none" strike="noStrike">
+                        <a:rPr lang="en-US" sz="1800" u="none" strike="noStrike" dirty="0">
                           <a:effectLst/>
                         </a:rPr>
                         <a:t>Child</a:t>
                       </a:r>
-                      <a:endParaRPr lang="en-US" sz="1800" b="1" i="0" u="none" strike="noStrike">
+                      <a:endParaRPr lang="en-US" sz="1800" b="1" i="0" u="none" strike="noStrike" dirty="0">
                         <a:solidFill>
                           <a:srgbClr val="000000"/>
                         </a:solidFill>
@@ -13456,12 +14163,12 @@
                     <a:p>
                       <a:pPr algn="ctr" fontAlgn="ctr"/>
                       <a:r>
-                        <a:rPr lang="en-US" altLang="zh-CN" sz="1800" u="none" strike="noStrike">
+                        <a:rPr lang="en-US" altLang="zh-CN" sz="1800" u="none" strike="noStrike" dirty="0">
                           <a:effectLst/>
                         </a:rPr>
                         <a:t>4</a:t>
                       </a:r>
-                      <a:endParaRPr lang="en-US" altLang="zh-CN" sz="1800" b="0" i="0" u="none" strike="noStrike">
+                      <a:endParaRPr lang="en-US" altLang="zh-CN" sz="1800" b="0" i="0" u="none" strike="noStrike" dirty="0">
                         <a:solidFill>
                           <a:srgbClr val="000000"/>
                         </a:solidFill>
@@ -14101,14 +14808,14 @@
           <p:nvPr>
             <p:extLst>
               <p:ext uri="{D42A27DB-BD31-4B8C-83A1-F6EECF244321}">
-                <p14:modId xmlns:p14="http://schemas.microsoft.com/office/powerpoint/2010/main" val="3578911785"/>
+                <p14:modId xmlns:p14="http://schemas.microsoft.com/office/powerpoint/2010/main" val="1309312380"/>
               </p:ext>
             </p:extLst>
           </p:nvPr>
         </p:nvGraphicFramePr>
         <p:xfrm>
           <a:off x="2215662" y="2672859"/>
-          <a:ext cx="8229600" cy="2743200"/>
+          <a:ext cx="8229600" cy="3474720"/>
         </p:xfrm>
         <a:graphic>
           <a:graphicData uri="http://schemas.openxmlformats.org/drawingml/2006/table">
@@ -14382,12 +15089,12 @@
                     <a:p>
                       <a:pPr algn="ctr" fontAlgn="ctr"/>
                       <a:r>
-                        <a:rPr lang="en-US" altLang="zh-CN" sz="1800" u="none" strike="noStrike">
+                        <a:rPr lang="en-US" altLang="zh-CN" sz="1800" u="none" strike="noStrike" dirty="0">
                           <a:effectLst/>
                         </a:rPr>
                         <a:t>85</a:t>
                       </a:r>
-                      <a:endParaRPr lang="en-US" altLang="zh-CN" sz="1800" b="0" i="0" u="none" strike="noStrike">
+                      <a:endParaRPr lang="en-US" altLang="zh-CN" sz="1800" b="0" i="0" u="none" strike="noStrike" dirty="0">
                         <a:solidFill>
                           <a:srgbClr val="000000"/>
                         </a:solidFill>
@@ -15010,7 +15717,7 @@
                           <a:latin typeface="宋体" panose="02010600030101010101" pitchFamily="2" charset="-122"/>
                           <a:ea typeface="宋体" panose="02010600030101010101" pitchFamily="2" charset="-122"/>
                         </a:rPr>
-                        <a:t>10</a:t>
+                        <a:t>15</a:t>
                       </a:r>
                       <a:endParaRPr lang="en-US" altLang="zh-CN" sz="1800" b="0" i="0" u="none" strike="noStrike" dirty="0">
                         <a:solidFill>
@@ -15040,6 +15747,269 @@
                           <a:ea typeface="宋体" panose="02010600030101010101" pitchFamily="2" charset="-122"/>
                         </a:rPr>
                         <a:t>-5</a:t>
+                      </a:r>
+                      <a:endParaRPr lang="en-US" altLang="zh-CN" sz="1800" b="0" i="0" u="none" strike="noStrike" dirty="0">
+                        <a:solidFill>
+                          <a:srgbClr val="000000"/>
+                        </a:solidFill>
+                        <a:effectLst/>
+                        <a:latin typeface="宋体" panose="02010600030101010101" pitchFamily="2" charset="-122"/>
+                        <a:ea typeface="宋体" panose="02010600030101010101" pitchFamily="2" charset="-122"/>
+                      </a:endParaRPr>
+                    </a:p>
+                  </a:txBody>
+                  <a:tcPr marL="7620" marR="7620" marT="7620" marB="0" anchor="ctr"/>
+                </a:tc>
+              </a:tr>
+              <a:tr h="731520">
+                <a:tc>
+                  <a:txBody>
+                    <a:bodyPr/>
+                    <a:lstStyle/>
+                    <a:p>
+                      <a:pPr algn="ctr" fontAlgn="ctr"/>
+                      <a:r>
+                        <a:rPr lang="zh-CN" altLang="en-US" sz="1800" b="1" i="0" u="none" strike="noStrike" dirty="0" smtClean="0">
+                          <a:solidFill>
+                            <a:srgbClr val="000000"/>
+                          </a:solidFill>
+                          <a:effectLst/>
+                          <a:latin typeface="宋体" panose="02010600030101010101" pitchFamily="2" charset="-122"/>
+                          <a:ea typeface="宋体" panose="02010600030101010101" pitchFamily="2" charset="-122"/>
+                        </a:rPr>
+                        <a:t>符号</a:t>
+                      </a:r>
+                      <a:endParaRPr lang="en-US" sz="1800" b="1" i="0" u="none" strike="noStrike" dirty="0">
+                        <a:solidFill>
+                          <a:srgbClr val="000000"/>
+                        </a:solidFill>
+                        <a:effectLst/>
+                        <a:latin typeface="宋体" panose="02010600030101010101" pitchFamily="2" charset="-122"/>
+                        <a:ea typeface="宋体" panose="02010600030101010101" pitchFamily="2" charset="-122"/>
+                      </a:endParaRPr>
+                    </a:p>
+                  </a:txBody>
+                  <a:tcPr marL="7620" marR="7620" marT="7620" marB="0" anchor="ctr"/>
+                </a:tc>
+                <a:tc>
+                  <a:txBody>
+                    <a:bodyPr/>
+                    <a:lstStyle/>
+                    <a:p>
+                      <a:pPr algn="ctr" fontAlgn="ctr"/>
+                      <a:r>
+                        <a:rPr lang="en-US" altLang="zh-CN" sz="1800" b="0" i="0" u="none" strike="noStrike" dirty="0" smtClean="0">
+                          <a:solidFill>
+                            <a:srgbClr val="000000"/>
+                          </a:solidFill>
+                          <a:effectLst/>
+                          <a:latin typeface="宋体" panose="02010600030101010101" pitchFamily="2" charset="-122"/>
+                          <a:ea typeface="宋体" panose="02010600030101010101" pitchFamily="2" charset="-122"/>
+                        </a:rPr>
+                        <a:t>+</a:t>
+                      </a:r>
+                      <a:endParaRPr lang="en-US" altLang="zh-CN" sz="1800" b="0" i="0" u="none" strike="noStrike" dirty="0">
+                        <a:solidFill>
+                          <a:srgbClr val="000000"/>
+                        </a:solidFill>
+                        <a:effectLst/>
+                        <a:latin typeface="宋体" panose="02010600030101010101" pitchFamily="2" charset="-122"/>
+                        <a:ea typeface="宋体" panose="02010600030101010101" pitchFamily="2" charset="-122"/>
+                      </a:endParaRPr>
+                    </a:p>
+                  </a:txBody>
+                  <a:tcPr marL="7620" marR="7620" marT="7620" marB="0" anchor="ctr"/>
+                </a:tc>
+                <a:tc>
+                  <a:txBody>
+                    <a:bodyPr/>
+                    <a:lstStyle/>
+                    <a:p>
+                      <a:pPr algn="ctr" fontAlgn="ctr"/>
+                      <a:r>
+                        <a:rPr lang="en-US" altLang="zh-CN" sz="1800" b="0" i="0" u="none" strike="noStrike" dirty="0" smtClean="0">
+                          <a:solidFill>
+                            <a:srgbClr val="000000"/>
+                          </a:solidFill>
+                          <a:effectLst/>
+                          <a:latin typeface="宋体" panose="02010600030101010101" pitchFamily="2" charset="-122"/>
+                          <a:ea typeface="宋体" panose="02010600030101010101" pitchFamily="2" charset="-122"/>
+                        </a:rPr>
+                        <a:t>+</a:t>
+                      </a:r>
+                      <a:endParaRPr lang="en-US" altLang="zh-CN" sz="1800" b="0" i="0" u="none" strike="noStrike" dirty="0">
+                        <a:solidFill>
+                          <a:srgbClr val="000000"/>
+                        </a:solidFill>
+                        <a:effectLst/>
+                        <a:latin typeface="宋体" panose="02010600030101010101" pitchFamily="2" charset="-122"/>
+                        <a:ea typeface="宋体" panose="02010600030101010101" pitchFamily="2" charset="-122"/>
+                      </a:endParaRPr>
+                    </a:p>
+                  </a:txBody>
+                  <a:tcPr marL="7620" marR="7620" marT="7620" marB="0" anchor="ctr"/>
+                </a:tc>
+                <a:tc>
+                  <a:txBody>
+                    <a:bodyPr/>
+                    <a:lstStyle/>
+                    <a:p>
+                      <a:pPr algn="ctr" fontAlgn="ctr"/>
+                      <a:r>
+                        <a:rPr lang="en-US" altLang="zh-CN" sz="1800" b="0" i="0" u="none" strike="noStrike" dirty="0" smtClean="0">
+                          <a:solidFill>
+                            <a:srgbClr val="000000"/>
+                          </a:solidFill>
+                          <a:effectLst/>
+                          <a:latin typeface="宋体" panose="02010600030101010101" pitchFamily="2" charset="-122"/>
+                          <a:ea typeface="宋体" panose="02010600030101010101" pitchFamily="2" charset="-122"/>
+                        </a:rPr>
+                        <a:t>-</a:t>
+                      </a:r>
+                      <a:endParaRPr lang="en-US" altLang="zh-CN" sz="1800" b="0" i="0" u="none" strike="noStrike" dirty="0">
+                        <a:solidFill>
+                          <a:srgbClr val="000000"/>
+                        </a:solidFill>
+                        <a:effectLst/>
+                        <a:latin typeface="宋体" panose="02010600030101010101" pitchFamily="2" charset="-122"/>
+                        <a:ea typeface="宋体" panose="02010600030101010101" pitchFamily="2" charset="-122"/>
+                      </a:endParaRPr>
+                    </a:p>
+                  </a:txBody>
+                  <a:tcPr marL="7620" marR="7620" marT="7620" marB="0" anchor="ctr"/>
+                </a:tc>
+                <a:tc>
+                  <a:txBody>
+                    <a:bodyPr/>
+                    <a:lstStyle/>
+                    <a:p>
+                      <a:pPr algn="ctr" fontAlgn="ctr"/>
+                      <a:r>
+                        <a:rPr lang="en-US" altLang="zh-CN" sz="1800" b="0" i="0" u="none" strike="noStrike" dirty="0" smtClean="0">
+                          <a:solidFill>
+                            <a:srgbClr val="000000"/>
+                          </a:solidFill>
+                          <a:effectLst/>
+                          <a:latin typeface="宋体" panose="02010600030101010101" pitchFamily="2" charset="-122"/>
+                          <a:ea typeface="宋体" panose="02010600030101010101" pitchFamily="2" charset="-122"/>
+                        </a:rPr>
+                        <a:t>+</a:t>
+                      </a:r>
+                      <a:endParaRPr lang="en-US" altLang="zh-CN" sz="1800" b="0" i="0" u="none" strike="noStrike" dirty="0">
+                        <a:solidFill>
+                          <a:srgbClr val="000000"/>
+                        </a:solidFill>
+                        <a:effectLst/>
+                        <a:latin typeface="宋体" panose="02010600030101010101" pitchFamily="2" charset="-122"/>
+                        <a:ea typeface="宋体" panose="02010600030101010101" pitchFamily="2" charset="-122"/>
+                      </a:endParaRPr>
+                    </a:p>
+                  </a:txBody>
+                  <a:tcPr marL="7620" marR="7620" marT="7620" marB="0" anchor="ctr"/>
+                </a:tc>
+                <a:tc>
+                  <a:txBody>
+                    <a:bodyPr/>
+                    <a:lstStyle/>
+                    <a:p>
+                      <a:pPr algn="ctr" fontAlgn="ctr"/>
+                      <a:r>
+                        <a:rPr lang="en-US" altLang="zh-CN" sz="2800" b="1" i="0" u="none" strike="noStrike" dirty="0" smtClean="0">
+                          <a:solidFill>
+                            <a:srgbClr val="000000"/>
+                          </a:solidFill>
+                          <a:effectLst/>
+                          <a:latin typeface="宋体" panose="02010600030101010101" pitchFamily="2" charset="-122"/>
+                          <a:ea typeface="宋体" panose="02010600030101010101" pitchFamily="2" charset="-122"/>
+                        </a:rPr>
+                        <a:t>+</a:t>
+                      </a:r>
+                      <a:endParaRPr lang="en-US" altLang="zh-CN" sz="2800" b="1" i="0" u="none" strike="noStrike" dirty="0">
+                        <a:solidFill>
+                          <a:srgbClr val="000000"/>
+                        </a:solidFill>
+                        <a:effectLst/>
+                        <a:latin typeface="宋体" panose="02010600030101010101" pitchFamily="2" charset="-122"/>
+                        <a:ea typeface="宋体" panose="02010600030101010101" pitchFamily="2" charset="-122"/>
+                      </a:endParaRPr>
+                    </a:p>
+                  </a:txBody>
+                  <a:tcPr marL="7620" marR="7620" marT="7620" marB="0" anchor="ctr"/>
+                </a:tc>
+                <a:tc>
+                  <a:txBody>
+                    <a:bodyPr/>
+                    <a:lstStyle/>
+                    <a:p>
+                      <a:pPr algn="ctr" fontAlgn="ctr"/>
+                      <a:r>
+                        <a:rPr lang="en-US" altLang="zh-CN" sz="1800" b="0" i="0" u="none" strike="noStrike" dirty="0" smtClean="0">
+                          <a:solidFill>
+                            <a:srgbClr val="000000"/>
+                          </a:solidFill>
+                          <a:effectLst/>
+                          <a:latin typeface="宋体" panose="02010600030101010101" pitchFamily="2" charset="-122"/>
+                          <a:ea typeface="宋体" panose="02010600030101010101" pitchFamily="2" charset="-122"/>
+                        </a:rPr>
+                        <a:t>+</a:t>
+                      </a:r>
+                      <a:endParaRPr lang="en-US" altLang="zh-CN" sz="1800" b="0" i="0" u="none" strike="noStrike" dirty="0">
+                        <a:solidFill>
+                          <a:srgbClr val="000000"/>
+                        </a:solidFill>
+                        <a:effectLst/>
+                        <a:latin typeface="宋体" panose="02010600030101010101" pitchFamily="2" charset="-122"/>
+                        <a:ea typeface="宋体" panose="02010600030101010101" pitchFamily="2" charset="-122"/>
+                      </a:endParaRPr>
+                    </a:p>
+                  </a:txBody>
+                  <a:tcPr marL="7620" marR="7620" marT="7620" marB="0" anchor="ctr"/>
+                </a:tc>
+                <a:tc>
+                  <a:txBody>
+                    <a:bodyPr/>
+                    <a:lstStyle/>
+                    <a:p>
+                      <a:pPr algn="ctr" fontAlgn="ctr"/>
+                      <a:r>
+                        <a:rPr lang="en-US" altLang="zh-CN" sz="1800" b="0" i="0" u="none" strike="noStrike" dirty="0" smtClean="0">
+                          <a:solidFill>
+                            <a:srgbClr val="000000"/>
+                          </a:solidFill>
+                          <a:effectLst/>
+                          <a:latin typeface="宋体" panose="02010600030101010101" pitchFamily="2" charset="-122"/>
+                          <a:ea typeface="宋体" panose="02010600030101010101" pitchFamily="2" charset="-122"/>
+                        </a:rPr>
+                        <a:t>+</a:t>
+                      </a:r>
+                      <a:endParaRPr lang="en-US" altLang="zh-CN" sz="1800" b="0" i="0" u="none" strike="noStrike" dirty="0">
+                        <a:solidFill>
+                          <a:srgbClr val="000000"/>
+                        </a:solidFill>
+                        <a:effectLst/>
+                        <a:latin typeface="宋体" panose="02010600030101010101" pitchFamily="2" charset="-122"/>
+                        <a:ea typeface="宋体" panose="02010600030101010101" pitchFamily="2" charset="-122"/>
+                      </a:endParaRPr>
+                    </a:p>
+                  </a:txBody>
+                  <a:tcPr marL="7620" marR="7620" marT="7620" marB="0" anchor="ctr"/>
+                </a:tc>
+                <a:tc>
+                  <a:txBody>
+                    <a:bodyPr/>
+                    <a:lstStyle/>
+                    <a:p>
+                      <a:pPr algn="ctr" fontAlgn="ctr"/>
+                      <a:r>
+                        <a:rPr lang="en-US" altLang="zh-CN" sz="1800" b="0" i="0" u="none" strike="noStrike" dirty="0" smtClean="0">
+                          <a:solidFill>
+                            <a:srgbClr val="000000"/>
+                          </a:solidFill>
+                          <a:effectLst/>
+                          <a:latin typeface="宋体" panose="02010600030101010101" pitchFamily="2" charset="-122"/>
+                          <a:ea typeface="宋体" panose="02010600030101010101" pitchFamily="2" charset="-122"/>
+                        </a:rPr>
+                        <a:t>-</a:t>
                       </a:r>
                       <a:endParaRPr lang="en-US" altLang="zh-CN" sz="1800" b="0" i="0" u="none" strike="noStrike" dirty="0">
                         <a:solidFill>
@@ -15135,14 +16105,14 @@
           <p:nvPr>
             <p:extLst>
               <p:ext uri="{D42A27DB-BD31-4B8C-83A1-F6EECF244321}">
-                <p14:modId xmlns:p14="http://schemas.microsoft.com/office/powerpoint/2010/main" val="2237578161"/>
+                <p14:modId xmlns:p14="http://schemas.microsoft.com/office/powerpoint/2010/main" val="656793545"/>
               </p:ext>
             </p:extLst>
           </p:nvPr>
         </p:nvGraphicFramePr>
         <p:xfrm>
-          <a:off x="1951893" y="1036070"/>
-          <a:ext cx="8791778" cy="5118545"/>
+          <a:off x="1371600" y="633046"/>
+          <a:ext cx="9372071" cy="5521569"/>
         </p:xfrm>
         <a:graphic>
           <a:graphicData uri="http://schemas.openxmlformats.org/drawingml/2006/chart">
@@ -15154,6 +16124,1750 @@
     <p:extLst>
       <p:ext uri="{BB962C8B-B14F-4D97-AF65-F5344CB8AC3E}">
         <p14:creationId xmlns:p14="http://schemas.microsoft.com/office/powerpoint/2010/main" val="1626047118"/>
+      </p:ext>
+    </p:extLst>
+  </p:cSld>
+  <p:clrMapOvr>
+    <a:masterClrMapping/>
+  </p:clrMapOvr>
+</p:sld>
+</file>
+
+<file path=ppt/slides/slide25.xml><?xml version="1.0" encoding="utf-8"?>
+<p:sld xmlns:a="http://schemas.openxmlformats.org/drawingml/2006/main" xmlns:r="http://schemas.openxmlformats.org/officeDocument/2006/relationships" xmlns:p="http://schemas.openxmlformats.org/presentationml/2006/main">
+  <p:cSld>
+    <p:spTree>
+      <p:nvGrpSpPr>
+        <p:cNvPr id="1" name=""/>
+        <p:cNvGrpSpPr/>
+        <p:nvPr/>
+      </p:nvGrpSpPr>
+      <p:grpSpPr>
+        <a:xfrm>
+          <a:off x="0" y="0"/>
+          <a:ext cx="0" cy="0"/>
+          <a:chOff x="0" y="0"/>
+          <a:chExt cx="0" cy="0"/>
+        </a:xfrm>
+      </p:grpSpPr>
+      <p:sp>
+        <p:nvSpPr>
+          <p:cNvPr id="2" name="标题 1"/>
+          <p:cNvSpPr>
+            <a:spLocks noGrp="1"/>
+          </p:cNvSpPr>
+          <p:nvPr>
+            <p:ph type="title"/>
+          </p:nvPr>
+        </p:nvSpPr>
+        <p:spPr/>
+        <p:txBody>
+          <a:bodyPr/>
+          <a:lstStyle/>
+          <a:p>
+            <a:r>
+              <a:rPr lang="zh-CN" altLang="en-US" dirty="0" smtClean="0"/>
+              <a:t>数据特征</a:t>
+            </a:r>
+            <a:endParaRPr lang="zh-CN" altLang="en-US" dirty="0"/>
+          </a:p>
+        </p:txBody>
+      </p:sp>
+      <p:sp>
+        <p:nvSpPr>
+          <p:cNvPr id="3" name="内容占位符 2"/>
+          <p:cNvSpPr>
+            <a:spLocks noGrp="1"/>
+          </p:cNvSpPr>
+          <p:nvPr>
+            <p:ph idx="1"/>
+          </p:nvPr>
+        </p:nvSpPr>
+        <p:spPr/>
+        <p:txBody>
+          <a:bodyPr>
+            <a:normAutofit lnSpcReduction="10000"/>
+          </a:bodyPr>
+          <a:lstStyle/>
+          <a:p>
+            <a:r>
+              <a:rPr lang="zh-CN" altLang="en-US" dirty="0" smtClean="0"/>
+              <a:t>样本量小</a:t>
+            </a:r>
+            <a:endParaRPr lang="en-US" altLang="zh-CN" dirty="0" smtClean="0"/>
+          </a:p>
+          <a:p>
+            <a:r>
+              <a:rPr lang="zh-CN" altLang="en-US" dirty="0" smtClean="0"/>
+              <a:t>分布分散</a:t>
+            </a:r>
+            <a:endParaRPr lang="en-US" altLang="zh-CN" dirty="0" smtClean="0"/>
+          </a:p>
+          <a:p>
+            <a:r>
+              <a:rPr lang="zh-CN" altLang="en-US" dirty="0" smtClean="0"/>
+              <a:t>有极端值</a:t>
+            </a:r>
+            <a:endParaRPr lang="en-US" altLang="zh-CN" dirty="0" smtClean="0"/>
+          </a:p>
+          <a:p>
+            <a:r>
+              <a:rPr lang="zh-CN" altLang="en-US" dirty="0" smtClean="0"/>
+              <a:t>所以适合做非参数检验</a:t>
+            </a:r>
+            <a:endParaRPr lang="en-US" altLang="zh-CN" dirty="0" smtClean="0"/>
+          </a:p>
+          <a:p>
+            <a:r>
+              <a:rPr lang="en-US" altLang="zh-CN" dirty="0" smtClean="0"/>
+              <a:t>H0</a:t>
+            </a:r>
+            <a:r>
+              <a:rPr lang="zh-CN" altLang="en-US" dirty="0" smtClean="0"/>
+              <a:t>：两配对组差值中值为</a:t>
+            </a:r>
+            <a:r>
+              <a:rPr lang="en-US" altLang="zh-CN" dirty="0" smtClean="0"/>
+              <a:t>0</a:t>
+            </a:r>
+            <a:r>
+              <a:rPr lang="zh-CN" altLang="en-US" dirty="0" smtClean="0"/>
+              <a:t>；</a:t>
+            </a:r>
+            <a:r>
+              <a:rPr lang="en-US" altLang="zh-CN" dirty="0" smtClean="0"/>
+              <a:t>H1</a:t>
+            </a:r>
+            <a:r>
+              <a:rPr lang="zh-CN" altLang="en-US" dirty="0" smtClean="0"/>
+              <a:t>：两配对组差值的中值为</a:t>
+            </a:r>
+            <a:r>
+              <a:rPr lang="zh-CN" altLang="en-US" b="1" dirty="0" smtClean="0">
+                <a:solidFill>
+                  <a:srgbClr val="FF0000"/>
+                </a:solidFill>
+              </a:rPr>
+              <a:t>正数</a:t>
+            </a:r>
+            <a:r>
+              <a:rPr lang="zh-CN" altLang="en-US" dirty="0" smtClean="0"/>
+              <a:t>，</a:t>
+            </a:r>
+            <a:r>
+              <a:rPr lang="el-GR" altLang="zh-CN" dirty="0"/>
+              <a:t>α=0.05</a:t>
+            </a:r>
+            <a:endParaRPr lang="zh-CN" altLang="en-US" dirty="0"/>
+          </a:p>
+        </p:txBody>
+      </p:sp>
+    </p:spTree>
+    <p:extLst>
+      <p:ext uri="{BB962C8B-B14F-4D97-AF65-F5344CB8AC3E}">
+        <p14:creationId xmlns:p14="http://schemas.microsoft.com/office/powerpoint/2010/main" val="1431072974"/>
+      </p:ext>
+    </p:extLst>
+  </p:cSld>
+  <p:clrMapOvr>
+    <a:masterClrMapping/>
+  </p:clrMapOvr>
+</p:sld>
+</file>
+
+<file path=ppt/slides/slide26.xml><?xml version="1.0" encoding="utf-8"?>
+<p:sld xmlns:a="http://schemas.openxmlformats.org/drawingml/2006/main" xmlns:r="http://schemas.openxmlformats.org/officeDocument/2006/relationships" xmlns:p="http://schemas.openxmlformats.org/presentationml/2006/main">
+  <p:cSld>
+    <p:spTree>
+      <p:nvGrpSpPr>
+        <p:cNvPr id="1" name=""/>
+        <p:cNvGrpSpPr/>
+        <p:nvPr/>
+      </p:nvGrpSpPr>
+      <p:grpSpPr>
+        <a:xfrm>
+          <a:off x="0" y="0"/>
+          <a:ext cx="0" cy="0"/>
+          <a:chOff x="0" y="0"/>
+          <a:chExt cx="0" cy="0"/>
+        </a:xfrm>
+      </p:grpSpPr>
+      <p:sp>
+        <p:nvSpPr>
+          <p:cNvPr id="2" name="标题 1"/>
+          <p:cNvSpPr>
+            <a:spLocks noGrp="1"/>
+          </p:cNvSpPr>
+          <p:nvPr>
+            <p:ph type="title"/>
+          </p:nvPr>
+        </p:nvSpPr>
+        <p:spPr/>
+        <p:txBody>
+          <a:bodyPr/>
+          <a:lstStyle/>
+          <a:p>
+            <a:r>
+              <a:rPr lang="zh-CN" altLang="en-US" dirty="0" smtClean="0"/>
+              <a:t>符号检验</a:t>
+            </a:r>
+            <a:endParaRPr lang="zh-CN" altLang="en-US" dirty="0"/>
+          </a:p>
+        </p:txBody>
+      </p:sp>
+      <p:sp>
+        <p:nvSpPr>
+          <p:cNvPr id="3" name="内容占位符 2"/>
+          <p:cNvSpPr>
+            <a:spLocks noGrp="1"/>
+          </p:cNvSpPr>
+          <p:nvPr>
+            <p:ph idx="1"/>
+          </p:nvPr>
+        </p:nvSpPr>
+        <p:spPr/>
+        <p:txBody>
+          <a:bodyPr/>
+          <a:lstStyle/>
+          <a:p>
+            <a:r>
+              <a:rPr lang="zh-CN" altLang="en-US" dirty="0" smtClean="0"/>
+              <a:t>如果以符号为</a:t>
+            </a:r>
+            <a:r>
+              <a:rPr lang="en-US" altLang="zh-CN" dirty="0" smtClean="0"/>
+              <a:t>+</a:t>
+            </a:r>
+            <a:r>
+              <a:rPr lang="zh-CN" altLang="en-US" dirty="0" smtClean="0"/>
+              <a:t>作为成功，否则作为失败，则根据零假设（两</a:t>
+            </a:r>
+            <a:r>
+              <a:rPr lang="zh-CN" altLang="en-US" dirty="0"/>
+              <a:t>配对组差值中值为</a:t>
+            </a:r>
+            <a:r>
+              <a:rPr lang="en-US" altLang="zh-CN" dirty="0" smtClean="0"/>
+              <a:t>0</a:t>
+            </a:r>
+            <a:r>
+              <a:rPr lang="zh-CN" altLang="en-US" dirty="0" smtClean="0"/>
+              <a:t>），成功和失败应该各自占一半，也就是成功的概率是</a:t>
+            </a:r>
+            <a:r>
+              <a:rPr lang="en-US" altLang="zh-CN" dirty="0" smtClean="0"/>
+              <a:t>p=0.5</a:t>
+            </a:r>
+            <a:r>
+              <a:rPr lang="zh-CN" altLang="en-US" dirty="0" smtClean="0"/>
+              <a:t>，而</a:t>
+            </a:r>
+            <a:r>
+              <a:rPr lang="en-US" altLang="zh-CN" dirty="0" smtClean="0"/>
+              <a:t>n=8</a:t>
+            </a:r>
+          </a:p>
+          <a:p>
+            <a:r>
+              <a:rPr lang="zh-CN" altLang="en-US" dirty="0" smtClean="0"/>
+              <a:t>根据二项分布概率计算公式，</a:t>
+            </a:r>
+            <a:r>
+              <a:rPr lang="zh-CN" altLang="en-US" dirty="0"/>
+              <a:t> </a:t>
+            </a:r>
+            <a:r>
+              <a:rPr lang="zh-CN" altLang="en-US" dirty="0" smtClean="0"/>
+              <a:t>如果</a:t>
+            </a:r>
+            <a:r>
+              <a:rPr lang="en-US" altLang="zh-CN" dirty="0" smtClean="0"/>
+              <a:t>x</a:t>
+            </a:r>
+            <a:r>
+              <a:rPr lang="zh-CN" altLang="en-US" dirty="0"/>
+              <a:t>是成功的</a:t>
+            </a:r>
+            <a:r>
+              <a:rPr lang="zh-CN" altLang="en-US" dirty="0" smtClean="0"/>
+              <a:t>次数，有</a:t>
+            </a:r>
+            <a:endParaRPr lang="en-US" altLang="zh-CN" dirty="0" smtClean="0"/>
+          </a:p>
+        </p:txBody>
+      </p:sp>
+      <p:pic>
+        <p:nvPicPr>
+          <p:cNvPr id="4" name="图片 3"/>
+          <p:cNvPicPr>
+            <a:picLocks noChangeAspect="1"/>
+          </p:cNvPicPr>
+          <p:nvPr/>
+        </p:nvPicPr>
+        <p:blipFill>
+          <a:blip r:embed="rId2"/>
+          <a:stretch>
+            <a:fillRect/>
+          </a:stretch>
+        </p:blipFill>
+        <p:spPr>
+          <a:xfrm>
+            <a:off x="3878853" y="4255653"/>
+            <a:ext cx="4586693" cy="843707"/>
+          </a:xfrm>
+          <a:prstGeom prst="rect">
+            <a:avLst/>
+          </a:prstGeom>
+        </p:spPr>
+      </p:pic>
+    </p:spTree>
+    <p:extLst>
+      <p:ext uri="{BB962C8B-B14F-4D97-AF65-F5344CB8AC3E}">
+        <p14:creationId xmlns:p14="http://schemas.microsoft.com/office/powerpoint/2010/main" val="3676014887"/>
+      </p:ext>
+    </p:extLst>
+  </p:cSld>
+  <p:clrMapOvr>
+    <a:masterClrMapping/>
+  </p:clrMapOvr>
+</p:sld>
+</file>
+
+<file path=ppt/slides/slide27.xml><?xml version="1.0" encoding="utf-8"?>
+<p:sld xmlns:a="http://schemas.openxmlformats.org/drawingml/2006/main" xmlns:r="http://schemas.openxmlformats.org/officeDocument/2006/relationships" xmlns:p="http://schemas.openxmlformats.org/presentationml/2006/main">
+  <p:cSld>
+    <p:spTree>
+      <p:nvGrpSpPr>
+        <p:cNvPr id="1" name=""/>
+        <p:cNvGrpSpPr/>
+        <p:nvPr/>
+      </p:nvGrpSpPr>
+      <p:grpSpPr>
+        <a:xfrm>
+          <a:off x="0" y="0"/>
+          <a:ext cx="0" cy="0"/>
+          <a:chOff x="0" y="0"/>
+          <a:chExt cx="0" cy="0"/>
+        </a:xfrm>
+      </p:grpSpPr>
+      <p:sp>
+        <p:nvSpPr>
+          <p:cNvPr id="2" name="标题 1"/>
+          <p:cNvSpPr>
+            <a:spLocks noGrp="1"/>
+          </p:cNvSpPr>
+          <p:nvPr>
+            <p:ph type="title"/>
+          </p:nvPr>
+        </p:nvSpPr>
+        <p:spPr/>
+        <p:txBody>
+          <a:bodyPr/>
+          <a:lstStyle/>
+          <a:p>
+            <a:r>
+              <a:rPr lang="en-US" altLang="zh-CN" dirty="0" smtClean="0"/>
+              <a:t>P</a:t>
+            </a:r>
+            <a:r>
+              <a:rPr lang="zh-CN" altLang="en-US" dirty="0" smtClean="0"/>
+              <a:t>值计算</a:t>
+            </a:r>
+            <a:endParaRPr lang="zh-CN" altLang="en-US" dirty="0"/>
+          </a:p>
+        </p:txBody>
+      </p:sp>
+      <p:sp>
+        <p:nvSpPr>
+          <p:cNvPr id="3" name="内容占位符 2"/>
+          <p:cNvSpPr>
+            <a:spLocks noGrp="1"/>
+          </p:cNvSpPr>
+          <p:nvPr>
+            <p:ph idx="1"/>
+          </p:nvPr>
+        </p:nvSpPr>
+        <p:spPr>
+          <a:xfrm>
+            <a:off x="1371600" y="1731086"/>
+            <a:ext cx="6348046" cy="5126914"/>
+          </a:xfrm>
+        </p:spPr>
+        <p:txBody>
+          <a:bodyPr>
+            <a:normAutofit/>
+          </a:bodyPr>
+          <a:lstStyle/>
+          <a:p>
+            <a:r>
+              <a:rPr lang="zh-CN" altLang="en-US" dirty="0" smtClean="0"/>
+              <a:t>通过计算可以得到右表</a:t>
+            </a:r>
+            <a:endParaRPr lang="en-US" altLang="zh-CN" dirty="0" smtClean="0"/>
+          </a:p>
+          <a:p>
+            <a:r>
+              <a:rPr lang="zh-CN" altLang="en-US" dirty="0"/>
+              <a:t>本</a:t>
+            </a:r>
+            <a:r>
+              <a:rPr lang="zh-CN" altLang="en-US" dirty="0" smtClean="0"/>
+              <a:t>例中</a:t>
+            </a:r>
+            <a:endParaRPr lang="en-US" altLang="zh-CN" dirty="0" smtClean="0"/>
+          </a:p>
+          <a:p>
+            <a:pPr lvl="1"/>
+            <a:r>
+              <a:rPr lang="zh-CN" altLang="en-US" dirty="0" smtClean="0"/>
+              <a:t>成功次数是</a:t>
+            </a:r>
+            <a:r>
+              <a:rPr lang="en-US" altLang="zh-CN" dirty="0" smtClean="0"/>
+              <a:t>6</a:t>
+            </a:r>
+            <a:r>
+              <a:rPr lang="zh-CN" altLang="en-US" dirty="0" smtClean="0"/>
+              <a:t>次（</a:t>
+            </a:r>
+            <a:r>
+              <a:rPr lang="en-US" altLang="zh-CN" dirty="0" smtClean="0"/>
+              <a:t>6</a:t>
+            </a:r>
+            <a:r>
+              <a:rPr lang="zh-CN" altLang="en-US" dirty="0" smtClean="0"/>
+              <a:t>个</a:t>
+            </a:r>
+            <a:r>
+              <a:rPr lang="en-US" altLang="zh-CN" dirty="0" smtClean="0"/>
+              <a:t>+</a:t>
+            </a:r>
+            <a:r>
+              <a:rPr lang="zh-CN" altLang="en-US" dirty="0" smtClean="0"/>
+              <a:t>），</a:t>
+            </a:r>
+            <a:endParaRPr lang="en-US" altLang="zh-CN" dirty="0" smtClean="0"/>
+          </a:p>
+          <a:p>
+            <a:pPr lvl="1"/>
+            <a:r>
+              <a:rPr lang="zh-CN" altLang="en-US" dirty="0" smtClean="0"/>
+              <a:t>失败次数是</a:t>
+            </a:r>
+            <a:r>
+              <a:rPr lang="en-US" altLang="zh-CN" dirty="0" smtClean="0"/>
+              <a:t>2</a:t>
+            </a:r>
+            <a:r>
+              <a:rPr lang="zh-CN" altLang="en-US" dirty="0" smtClean="0"/>
+              <a:t>次（</a:t>
+            </a:r>
+            <a:r>
+              <a:rPr lang="en-US" altLang="zh-CN" dirty="0" smtClean="0"/>
+              <a:t>2</a:t>
+            </a:r>
+            <a:r>
+              <a:rPr lang="zh-CN" altLang="en-US" dirty="0" smtClean="0"/>
+              <a:t>个</a:t>
+            </a:r>
+            <a:r>
+              <a:rPr lang="en-US" altLang="zh-CN" dirty="0" smtClean="0"/>
+              <a:t>-</a:t>
+            </a:r>
+            <a:r>
+              <a:rPr lang="zh-CN" altLang="en-US" dirty="0" smtClean="0"/>
+              <a:t>）</a:t>
+            </a:r>
+            <a:endParaRPr lang="en-US" altLang="zh-CN" dirty="0" smtClean="0"/>
+          </a:p>
+          <a:p>
+            <a:r>
+              <a:rPr lang="zh-CN" altLang="en-US" dirty="0" smtClean="0"/>
+              <a:t>假设检验的</a:t>
+            </a:r>
+            <a:r>
+              <a:rPr lang="en-US" altLang="zh-CN" dirty="0" smtClean="0"/>
+              <a:t>p</a:t>
+            </a:r>
+            <a:r>
+              <a:rPr lang="zh-CN" altLang="en-US" dirty="0" smtClean="0"/>
+              <a:t>值，指的是当前情况（</a:t>
+            </a:r>
+            <a:r>
+              <a:rPr lang="en-US" altLang="zh-CN" dirty="0" smtClean="0"/>
+              <a:t>6</a:t>
+            </a:r>
+            <a:r>
+              <a:rPr lang="zh-CN" altLang="en-US" dirty="0" smtClean="0"/>
+              <a:t>次成功）以及更加极端情况的总体概率</a:t>
+            </a:r>
+            <a:endParaRPr lang="en-US" altLang="zh-CN" dirty="0" smtClean="0"/>
+          </a:p>
+          <a:p>
+            <a:r>
+              <a:rPr lang="en-US" altLang="zh-CN" dirty="0" smtClean="0"/>
+              <a:t>P(6)+P(7)+P(8)=0.145</a:t>
+            </a:r>
+            <a:endParaRPr lang="zh-CN" altLang="en-US" dirty="0"/>
+          </a:p>
+        </p:txBody>
+      </p:sp>
+      <p:graphicFrame>
+        <p:nvGraphicFramePr>
+          <p:cNvPr id="5" name="表格 4"/>
+          <p:cNvGraphicFramePr>
+            <a:graphicFrameLocks noGrp="1"/>
+          </p:cNvGraphicFramePr>
+          <p:nvPr>
+            <p:extLst>
+              <p:ext uri="{D42A27DB-BD31-4B8C-83A1-F6EECF244321}">
+                <p14:modId xmlns:p14="http://schemas.microsoft.com/office/powerpoint/2010/main" val="1997039306"/>
+              </p:ext>
+            </p:extLst>
+          </p:nvPr>
+        </p:nvGraphicFramePr>
+        <p:xfrm>
+          <a:off x="7590690" y="2211731"/>
+          <a:ext cx="4472356" cy="2819400"/>
+        </p:xfrm>
+        <a:graphic>
+          <a:graphicData uri="http://schemas.openxmlformats.org/drawingml/2006/table">
+            <a:tbl>
+              <a:tblPr>
+                <a:tableStyleId>{5C22544A-7EE6-4342-B048-85BDC9FD1C3A}</a:tableStyleId>
+              </a:tblPr>
+              <a:tblGrid>
+                <a:gridCol w="1118089"/>
+                <a:gridCol w="1118089"/>
+                <a:gridCol w="1118089"/>
+                <a:gridCol w="1118089"/>
+              </a:tblGrid>
+              <a:tr h="182880">
+                <a:tc>
+                  <a:txBody>
+                    <a:bodyPr/>
+                    <a:lstStyle/>
+                    <a:p>
+                      <a:pPr algn="l" fontAlgn="ctr"/>
+                      <a:r>
+                        <a:rPr lang="en-US" sz="1800" u="none" strike="noStrike" dirty="0">
+                          <a:effectLst/>
+                        </a:rPr>
+                        <a:t>x</a:t>
+                      </a:r>
+                      <a:endParaRPr lang="en-US" sz="1800" b="1" i="0" u="none" strike="noStrike" dirty="0">
+                        <a:solidFill>
+                          <a:srgbClr val="FFFFFF"/>
+                        </a:solidFill>
+                        <a:effectLst/>
+                        <a:latin typeface="宋体" panose="02010600030101010101" pitchFamily="2" charset="-122"/>
+                        <a:ea typeface="宋体" panose="02010600030101010101" pitchFamily="2" charset="-122"/>
+                      </a:endParaRPr>
+                    </a:p>
+                  </a:txBody>
+                  <a:tcPr marL="7620" marR="7620" marT="7620" marB="0" anchor="ctr"/>
+                </a:tc>
+                <a:tc>
+                  <a:txBody>
+                    <a:bodyPr/>
+                    <a:lstStyle/>
+                    <a:p>
+                      <a:pPr algn="l" fontAlgn="ctr"/>
+                      <a:r>
+                        <a:rPr lang="en-US" sz="1800" u="none" strike="noStrike">
+                          <a:effectLst/>
+                        </a:rPr>
+                        <a:t>n</a:t>
+                      </a:r>
+                      <a:endParaRPr lang="en-US" sz="1800" b="1" i="0" u="none" strike="noStrike">
+                        <a:solidFill>
+                          <a:srgbClr val="FFFFFF"/>
+                        </a:solidFill>
+                        <a:effectLst/>
+                        <a:latin typeface="宋体" panose="02010600030101010101" pitchFamily="2" charset="-122"/>
+                        <a:ea typeface="宋体" panose="02010600030101010101" pitchFamily="2" charset="-122"/>
+                      </a:endParaRPr>
+                    </a:p>
+                  </a:txBody>
+                  <a:tcPr marL="7620" marR="7620" marT="7620" marB="0" anchor="ctr"/>
+                </a:tc>
+                <a:tc>
+                  <a:txBody>
+                    <a:bodyPr/>
+                    <a:lstStyle/>
+                    <a:p>
+                      <a:pPr algn="l" fontAlgn="ctr"/>
+                      <a:r>
+                        <a:rPr lang="en-US" sz="1800" u="none" strike="noStrike">
+                          <a:effectLst/>
+                        </a:rPr>
+                        <a:t>p</a:t>
+                      </a:r>
+                      <a:endParaRPr lang="en-US" sz="1800" b="1" i="0" u="none" strike="noStrike">
+                        <a:solidFill>
+                          <a:srgbClr val="FFFFFF"/>
+                        </a:solidFill>
+                        <a:effectLst/>
+                        <a:latin typeface="宋体" panose="02010600030101010101" pitchFamily="2" charset="-122"/>
+                        <a:ea typeface="宋体" panose="02010600030101010101" pitchFamily="2" charset="-122"/>
+                      </a:endParaRPr>
+                    </a:p>
+                  </a:txBody>
+                  <a:tcPr marL="7620" marR="7620" marT="7620" marB="0" anchor="ctr"/>
+                </a:tc>
+                <a:tc>
+                  <a:txBody>
+                    <a:bodyPr/>
+                    <a:lstStyle/>
+                    <a:p>
+                      <a:pPr algn="l" fontAlgn="ctr"/>
+                      <a:r>
+                        <a:rPr lang="en-US" sz="1800" u="none" strike="noStrike">
+                          <a:effectLst/>
+                        </a:rPr>
+                        <a:t>P_suc</a:t>
+                      </a:r>
+                      <a:endParaRPr lang="en-US" sz="1800" b="1" i="0" u="none" strike="noStrike">
+                        <a:solidFill>
+                          <a:srgbClr val="FFFFFF"/>
+                        </a:solidFill>
+                        <a:effectLst/>
+                        <a:latin typeface="宋体" panose="02010600030101010101" pitchFamily="2" charset="-122"/>
+                        <a:ea typeface="宋体" panose="02010600030101010101" pitchFamily="2" charset="-122"/>
+                      </a:endParaRPr>
+                    </a:p>
+                  </a:txBody>
+                  <a:tcPr marL="7620" marR="7620" marT="7620" marB="0" anchor="ctr"/>
+                </a:tc>
+              </a:tr>
+              <a:tr h="182880">
+                <a:tc>
+                  <a:txBody>
+                    <a:bodyPr/>
+                    <a:lstStyle/>
+                    <a:p>
+                      <a:pPr algn="r" fontAlgn="ctr"/>
+                      <a:r>
+                        <a:rPr lang="en-US" altLang="zh-CN" sz="1800" u="none" strike="noStrike">
+                          <a:effectLst/>
+                        </a:rPr>
+                        <a:t>0</a:t>
+                      </a:r>
+                      <a:endParaRPr lang="en-US" altLang="zh-CN" sz="1800" b="0" i="0" u="none" strike="noStrike">
+                        <a:solidFill>
+                          <a:srgbClr val="000000"/>
+                        </a:solidFill>
+                        <a:effectLst/>
+                        <a:latin typeface="宋体" panose="02010600030101010101" pitchFamily="2" charset="-122"/>
+                        <a:ea typeface="宋体" panose="02010600030101010101" pitchFamily="2" charset="-122"/>
+                      </a:endParaRPr>
+                    </a:p>
+                  </a:txBody>
+                  <a:tcPr marL="7620" marR="7620" marT="7620" marB="0" anchor="ctr"/>
+                </a:tc>
+                <a:tc>
+                  <a:txBody>
+                    <a:bodyPr/>
+                    <a:lstStyle/>
+                    <a:p>
+                      <a:pPr algn="r" fontAlgn="ctr"/>
+                      <a:r>
+                        <a:rPr lang="en-US" altLang="zh-CN" sz="1800" u="none" strike="noStrike">
+                          <a:effectLst/>
+                        </a:rPr>
+                        <a:t>8</a:t>
+                      </a:r>
+                      <a:endParaRPr lang="en-US" altLang="zh-CN" sz="1800" b="0" i="0" u="none" strike="noStrike">
+                        <a:solidFill>
+                          <a:srgbClr val="000000"/>
+                        </a:solidFill>
+                        <a:effectLst/>
+                        <a:latin typeface="宋体" panose="02010600030101010101" pitchFamily="2" charset="-122"/>
+                        <a:ea typeface="宋体" panose="02010600030101010101" pitchFamily="2" charset="-122"/>
+                      </a:endParaRPr>
+                    </a:p>
+                  </a:txBody>
+                  <a:tcPr marL="7620" marR="7620" marT="7620" marB="0" anchor="ctr"/>
+                </a:tc>
+                <a:tc>
+                  <a:txBody>
+                    <a:bodyPr/>
+                    <a:lstStyle/>
+                    <a:p>
+                      <a:pPr algn="r" fontAlgn="ctr"/>
+                      <a:r>
+                        <a:rPr lang="en-US" altLang="zh-CN" sz="1800" u="none" strike="noStrike">
+                          <a:effectLst/>
+                        </a:rPr>
+                        <a:t>0.5</a:t>
+                      </a:r>
+                      <a:endParaRPr lang="en-US" altLang="zh-CN" sz="1800" b="0" i="0" u="none" strike="noStrike">
+                        <a:solidFill>
+                          <a:srgbClr val="000000"/>
+                        </a:solidFill>
+                        <a:effectLst/>
+                        <a:latin typeface="宋体" panose="02010600030101010101" pitchFamily="2" charset="-122"/>
+                        <a:ea typeface="宋体" panose="02010600030101010101" pitchFamily="2" charset="-122"/>
+                      </a:endParaRPr>
+                    </a:p>
+                  </a:txBody>
+                  <a:tcPr marL="7620" marR="7620" marT="7620" marB="0" anchor="ctr"/>
+                </a:tc>
+                <a:tc>
+                  <a:txBody>
+                    <a:bodyPr/>
+                    <a:lstStyle/>
+                    <a:p>
+                      <a:pPr algn="r" fontAlgn="ctr"/>
+                      <a:r>
+                        <a:rPr lang="en-US" altLang="zh-CN" sz="1800" u="none" strike="noStrike">
+                          <a:effectLst/>
+                        </a:rPr>
+                        <a:t>0.003906</a:t>
+                      </a:r>
+                      <a:endParaRPr lang="en-US" altLang="zh-CN" sz="1800" b="0" i="0" u="none" strike="noStrike">
+                        <a:solidFill>
+                          <a:srgbClr val="000000"/>
+                        </a:solidFill>
+                        <a:effectLst/>
+                        <a:latin typeface="宋体" panose="02010600030101010101" pitchFamily="2" charset="-122"/>
+                        <a:ea typeface="宋体" panose="02010600030101010101" pitchFamily="2" charset="-122"/>
+                      </a:endParaRPr>
+                    </a:p>
+                  </a:txBody>
+                  <a:tcPr marL="7620" marR="7620" marT="7620" marB="0" anchor="ctr"/>
+                </a:tc>
+              </a:tr>
+              <a:tr h="182880">
+                <a:tc>
+                  <a:txBody>
+                    <a:bodyPr/>
+                    <a:lstStyle/>
+                    <a:p>
+                      <a:pPr algn="r" fontAlgn="ctr"/>
+                      <a:r>
+                        <a:rPr lang="en-US" altLang="zh-CN" sz="1800" u="none" strike="noStrike">
+                          <a:effectLst/>
+                        </a:rPr>
+                        <a:t>1</a:t>
+                      </a:r>
+                      <a:endParaRPr lang="en-US" altLang="zh-CN" sz="1800" b="0" i="0" u="none" strike="noStrike">
+                        <a:solidFill>
+                          <a:srgbClr val="000000"/>
+                        </a:solidFill>
+                        <a:effectLst/>
+                        <a:latin typeface="宋体" panose="02010600030101010101" pitchFamily="2" charset="-122"/>
+                        <a:ea typeface="宋体" panose="02010600030101010101" pitchFamily="2" charset="-122"/>
+                      </a:endParaRPr>
+                    </a:p>
+                  </a:txBody>
+                  <a:tcPr marL="7620" marR="7620" marT="7620" marB="0" anchor="ctr"/>
+                </a:tc>
+                <a:tc>
+                  <a:txBody>
+                    <a:bodyPr/>
+                    <a:lstStyle/>
+                    <a:p>
+                      <a:pPr algn="r" fontAlgn="ctr"/>
+                      <a:r>
+                        <a:rPr lang="en-US" altLang="zh-CN" sz="1800" u="none" strike="noStrike">
+                          <a:effectLst/>
+                        </a:rPr>
+                        <a:t>8</a:t>
+                      </a:r>
+                      <a:endParaRPr lang="en-US" altLang="zh-CN" sz="1800" b="0" i="0" u="none" strike="noStrike">
+                        <a:solidFill>
+                          <a:srgbClr val="000000"/>
+                        </a:solidFill>
+                        <a:effectLst/>
+                        <a:latin typeface="宋体" panose="02010600030101010101" pitchFamily="2" charset="-122"/>
+                        <a:ea typeface="宋体" panose="02010600030101010101" pitchFamily="2" charset="-122"/>
+                      </a:endParaRPr>
+                    </a:p>
+                  </a:txBody>
+                  <a:tcPr marL="7620" marR="7620" marT="7620" marB="0" anchor="ctr"/>
+                </a:tc>
+                <a:tc>
+                  <a:txBody>
+                    <a:bodyPr/>
+                    <a:lstStyle/>
+                    <a:p>
+                      <a:pPr algn="r" fontAlgn="ctr"/>
+                      <a:r>
+                        <a:rPr lang="en-US" altLang="zh-CN" sz="1800" u="none" strike="noStrike">
+                          <a:effectLst/>
+                        </a:rPr>
+                        <a:t>0.5</a:t>
+                      </a:r>
+                      <a:endParaRPr lang="en-US" altLang="zh-CN" sz="1800" b="0" i="0" u="none" strike="noStrike">
+                        <a:solidFill>
+                          <a:srgbClr val="000000"/>
+                        </a:solidFill>
+                        <a:effectLst/>
+                        <a:latin typeface="宋体" panose="02010600030101010101" pitchFamily="2" charset="-122"/>
+                        <a:ea typeface="宋体" panose="02010600030101010101" pitchFamily="2" charset="-122"/>
+                      </a:endParaRPr>
+                    </a:p>
+                  </a:txBody>
+                  <a:tcPr marL="7620" marR="7620" marT="7620" marB="0" anchor="ctr"/>
+                </a:tc>
+                <a:tc>
+                  <a:txBody>
+                    <a:bodyPr/>
+                    <a:lstStyle/>
+                    <a:p>
+                      <a:pPr algn="r" fontAlgn="ctr"/>
+                      <a:r>
+                        <a:rPr lang="en-US" altLang="zh-CN" sz="1800" u="none" strike="noStrike">
+                          <a:effectLst/>
+                        </a:rPr>
+                        <a:t>0.03125</a:t>
+                      </a:r>
+                      <a:endParaRPr lang="en-US" altLang="zh-CN" sz="1800" b="0" i="0" u="none" strike="noStrike">
+                        <a:solidFill>
+                          <a:srgbClr val="000000"/>
+                        </a:solidFill>
+                        <a:effectLst/>
+                        <a:latin typeface="宋体" panose="02010600030101010101" pitchFamily="2" charset="-122"/>
+                        <a:ea typeface="宋体" panose="02010600030101010101" pitchFamily="2" charset="-122"/>
+                      </a:endParaRPr>
+                    </a:p>
+                  </a:txBody>
+                  <a:tcPr marL="7620" marR="7620" marT="7620" marB="0" anchor="ctr"/>
+                </a:tc>
+              </a:tr>
+              <a:tr h="182880">
+                <a:tc>
+                  <a:txBody>
+                    <a:bodyPr/>
+                    <a:lstStyle/>
+                    <a:p>
+                      <a:pPr algn="r" fontAlgn="ctr"/>
+                      <a:r>
+                        <a:rPr lang="en-US" altLang="zh-CN" sz="1800" u="none" strike="noStrike">
+                          <a:effectLst/>
+                        </a:rPr>
+                        <a:t>2</a:t>
+                      </a:r>
+                      <a:endParaRPr lang="en-US" altLang="zh-CN" sz="1800" b="0" i="0" u="none" strike="noStrike">
+                        <a:solidFill>
+                          <a:srgbClr val="000000"/>
+                        </a:solidFill>
+                        <a:effectLst/>
+                        <a:latin typeface="宋体" panose="02010600030101010101" pitchFamily="2" charset="-122"/>
+                        <a:ea typeface="宋体" panose="02010600030101010101" pitchFamily="2" charset="-122"/>
+                      </a:endParaRPr>
+                    </a:p>
+                  </a:txBody>
+                  <a:tcPr marL="7620" marR="7620" marT="7620" marB="0" anchor="ctr"/>
+                </a:tc>
+                <a:tc>
+                  <a:txBody>
+                    <a:bodyPr/>
+                    <a:lstStyle/>
+                    <a:p>
+                      <a:pPr algn="r" fontAlgn="ctr"/>
+                      <a:r>
+                        <a:rPr lang="en-US" altLang="zh-CN" sz="1800" u="none" strike="noStrike">
+                          <a:effectLst/>
+                        </a:rPr>
+                        <a:t>8</a:t>
+                      </a:r>
+                      <a:endParaRPr lang="en-US" altLang="zh-CN" sz="1800" b="0" i="0" u="none" strike="noStrike">
+                        <a:solidFill>
+                          <a:srgbClr val="000000"/>
+                        </a:solidFill>
+                        <a:effectLst/>
+                        <a:latin typeface="宋体" panose="02010600030101010101" pitchFamily="2" charset="-122"/>
+                        <a:ea typeface="宋体" panose="02010600030101010101" pitchFamily="2" charset="-122"/>
+                      </a:endParaRPr>
+                    </a:p>
+                  </a:txBody>
+                  <a:tcPr marL="7620" marR="7620" marT="7620" marB="0" anchor="ctr"/>
+                </a:tc>
+                <a:tc>
+                  <a:txBody>
+                    <a:bodyPr/>
+                    <a:lstStyle/>
+                    <a:p>
+                      <a:pPr algn="r" fontAlgn="ctr"/>
+                      <a:r>
+                        <a:rPr lang="en-US" altLang="zh-CN" sz="1800" u="none" strike="noStrike">
+                          <a:effectLst/>
+                        </a:rPr>
+                        <a:t>0.5</a:t>
+                      </a:r>
+                      <a:endParaRPr lang="en-US" altLang="zh-CN" sz="1800" b="0" i="0" u="none" strike="noStrike">
+                        <a:solidFill>
+                          <a:srgbClr val="000000"/>
+                        </a:solidFill>
+                        <a:effectLst/>
+                        <a:latin typeface="宋体" panose="02010600030101010101" pitchFamily="2" charset="-122"/>
+                        <a:ea typeface="宋体" panose="02010600030101010101" pitchFamily="2" charset="-122"/>
+                      </a:endParaRPr>
+                    </a:p>
+                  </a:txBody>
+                  <a:tcPr marL="7620" marR="7620" marT="7620" marB="0" anchor="ctr"/>
+                </a:tc>
+                <a:tc>
+                  <a:txBody>
+                    <a:bodyPr/>
+                    <a:lstStyle/>
+                    <a:p>
+                      <a:pPr algn="r" fontAlgn="ctr"/>
+                      <a:r>
+                        <a:rPr lang="en-US" altLang="zh-CN" sz="1800" u="none" strike="noStrike">
+                          <a:effectLst/>
+                        </a:rPr>
+                        <a:t>0.109375</a:t>
+                      </a:r>
+                      <a:endParaRPr lang="en-US" altLang="zh-CN" sz="1800" b="0" i="0" u="none" strike="noStrike">
+                        <a:solidFill>
+                          <a:srgbClr val="000000"/>
+                        </a:solidFill>
+                        <a:effectLst/>
+                        <a:latin typeface="宋体" panose="02010600030101010101" pitchFamily="2" charset="-122"/>
+                        <a:ea typeface="宋体" panose="02010600030101010101" pitchFamily="2" charset="-122"/>
+                      </a:endParaRPr>
+                    </a:p>
+                  </a:txBody>
+                  <a:tcPr marL="7620" marR="7620" marT="7620" marB="0" anchor="ctr"/>
+                </a:tc>
+              </a:tr>
+              <a:tr h="182880">
+                <a:tc>
+                  <a:txBody>
+                    <a:bodyPr/>
+                    <a:lstStyle/>
+                    <a:p>
+                      <a:pPr algn="r" fontAlgn="ctr"/>
+                      <a:r>
+                        <a:rPr lang="en-US" altLang="zh-CN" sz="1800" u="none" strike="noStrike">
+                          <a:effectLst/>
+                        </a:rPr>
+                        <a:t>3</a:t>
+                      </a:r>
+                      <a:endParaRPr lang="en-US" altLang="zh-CN" sz="1800" b="0" i="0" u="none" strike="noStrike">
+                        <a:solidFill>
+                          <a:srgbClr val="000000"/>
+                        </a:solidFill>
+                        <a:effectLst/>
+                        <a:latin typeface="宋体" panose="02010600030101010101" pitchFamily="2" charset="-122"/>
+                        <a:ea typeface="宋体" panose="02010600030101010101" pitchFamily="2" charset="-122"/>
+                      </a:endParaRPr>
+                    </a:p>
+                  </a:txBody>
+                  <a:tcPr marL="7620" marR="7620" marT="7620" marB="0" anchor="ctr"/>
+                </a:tc>
+                <a:tc>
+                  <a:txBody>
+                    <a:bodyPr/>
+                    <a:lstStyle/>
+                    <a:p>
+                      <a:pPr algn="r" fontAlgn="ctr"/>
+                      <a:r>
+                        <a:rPr lang="en-US" altLang="zh-CN" sz="1800" u="none" strike="noStrike">
+                          <a:effectLst/>
+                        </a:rPr>
+                        <a:t>8</a:t>
+                      </a:r>
+                      <a:endParaRPr lang="en-US" altLang="zh-CN" sz="1800" b="0" i="0" u="none" strike="noStrike">
+                        <a:solidFill>
+                          <a:srgbClr val="000000"/>
+                        </a:solidFill>
+                        <a:effectLst/>
+                        <a:latin typeface="宋体" panose="02010600030101010101" pitchFamily="2" charset="-122"/>
+                        <a:ea typeface="宋体" panose="02010600030101010101" pitchFamily="2" charset="-122"/>
+                      </a:endParaRPr>
+                    </a:p>
+                  </a:txBody>
+                  <a:tcPr marL="7620" marR="7620" marT="7620" marB="0" anchor="ctr"/>
+                </a:tc>
+                <a:tc>
+                  <a:txBody>
+                    <a:bodyPr/>
+                    <a:lstStyle/>
+                    <a:p>
+                      <a:pPr algn="r" fontAlgn="ctr"/>
+                      <a:r>
+                        <a:rPr lang="en-US" altLang="zh-CN" sz="1800" u="none" strike="noStrike" dirty="0">
+                          <a:effectLst/>
+                        </a:rPr>
+                        <a:t>0.5</a:t>
+                      </a:r>
+                      <a:endParaRPr lang="en-US" altLang="zh-CN" sz="1800" b="0" i="0" u="none" strike="noStrike" dirty="0">
+                        <a:solidFill>
+                          <a:srgbClr val="000000"/>
+                        </a:solidFill>
+                        <a:effectLst/>
+                        <a:latin typeface="宋体" panose="02010600030101010101" pitchFamily="2" charset="-122"/>
+                        <a:ea typeface="宋体" panose="02010600030101010101" pitchFamily="2" charset="-122"/>
+                      </a:endParaRPr>
+                    </a:p>
+                  </a:txBody>
+                  <a:tcPr marL="7620" marR="7620" marT="7620" marB="0" anchor="ctr"/>
+                </a:tc>
+                <a:tc>
+                  <a:txBody>
+                    <a:bodyPr/>
+                    <a:lstStyle/>
+                    <a:p>
+                      <a:pPr algn="r" fontAlgn="ctr"/>
+                      <a:r>
+                        <a:rPr lang="en-US" altLang="zh-CN" sz="1800" u="none" strike="noStrike">
+                          <a:effectLst/>
+                        </a:rPr>
+                        <a:t>0.21875</a:t>
+                      </a:r>
+                      <a:endParaRPr lang="en-US" altLang="zh-CN" sz="1800" b="0" i="0" u="none" strike="noStrike">
+                        <a:solidFill>
+                          <a:srgbClr val="000000"/>
+                        </a:solidFill>
+                        <a:effectLst/>
+                        <a:latin typeface="宋体" panose="02010600030101010101" pitchFamily="2" charset="-122"/>
+                        <a:ea typeface="宋体" panose="02010600030101010101" pitchFamily="2" charset="-122"/>
+                      </a:endParaRPr>
+                    </a:p>
+                  </a:txBody>
+                  <a:tcPr marL="7620" marR="7620" marT="7620" marB="0" anchor="ctr"/>
+                </a:tc>
+              </a:tr>
+              <a:tr h="182880">
+                <a:tc>
+                  <a:txBody>
+                    <a:bodyPr/>
+                    <a:lstStyle/>
+                    <a:p>
+                      <a:pPr algn="r" fontAlgn="ctr"/>
+                      <a:r>
+                        <a:rPr lang="en-US" altLang="zh-CN" sz="1800" u="none" strike="noStrike">
+                          <a:effectLst/>
+                        </a:rPr>
+                        <a:t>4</a:t>
+                      </a:r>
+                      <a:endParaRPr lang="en-US" altLang="zh-CN" sz="1800" b="0" i="0" u="none" strike="noStrike">
+                        <a:solidFill>
+                          <a:srgbClr val="000000"/>
+                        </a:solidFill>
+                        <a:effectLst/>
+                        <a:latin typeface="宋体" panose="02010600030101010101" pitchFamily="2" charset="-122"/>
+                        <a:ea typeface="宋体" panose="02010600030101010101" pitchFamily="2" charset="-122"/>
+                      </a:endParaRPr>
+                    </a:p>
+                  </a:txBody>
+                  <a:tcPr marL="7620" marR="7620" marT="7620" marB="0" anchor="ctr"/>
+                </a:tc>
+                <a:tc>
+                  <a:txBody>
+                    <a:bodyPr/>
+                    <a:lstStyle/>
+                    <a:p>
+                      <a:pPr algn="r" fontAlgn="ctr"/>
+                      <a:r>
+                        <a:rPr lang="en-US" altLang="zh-CN" sz="1800" u="none" strike="noStrike">
+                          <a:effectLst/>
+                        </a:rPr>
+                        <a:t>8</a:t>
+                      </a:r>
+                      <a:endParaRPr lang="en-US" altLang="zh-CN" sz="1800" b="0" i="0" u="none" strike="noStrike">
+                        <a:solidFill>
+                          <a:srgbClr val="000000"/>
+                        </a:solidFill>
+                        <a:effectLst/>
+                        <a:latin typeface="宋体" panose="02010600030101010101" pitchFamily="2" charset="-122"/>
+                        <a:ea typeface="宋体" panose="02010600030101010101" pitchFamily="2" charset="-122"/>
+                      </a:endParaRPr>
+                    </a:p>
+                  </a:txBody>
+                  <a:tcPr marL="7620" marR="7620" marT="7620" marB="0" anchor="ctr"/>
+                </a:tc>
+                <a:tc>
+                  <a:txBody>
+                    <a:bodyPr/>
+                    <a:lstStyle/>
+                    <a:p>
+                      <a:pPr algn="r" fontAlgn="ctr"/>
+                      <a:r>
+                        <a:rPr lang="en-US" altLang="zh-CN" sz="1800" u="none" strike="noStrike">
+                          <a:effectLst/>
+                        </a:rPr>
+                        <a:t>0.5</a:t>
+                      </a:r>
+                      <a:endParaRPr lang="en-US" altLang="zh-CN" sz="1800" b="0" i="0" u="none" strike="noStrike">
+                        <a:solidFill>
+                          <a:srgbClr val="000000"/>
+                        </a:solidFill>
+                        <a:effectLst/>
+                        <a:latin typeface="宋体" panose="02010600030101010101" pitchFamily="2" charset="-122"/>
+                        <a:ea typeface="宋体" panose="02010600030101010101" pitchFamily="2" charset="-122"/>
+                      </a:endParaRPr>
+                    </a:p>
+                  </a:txBody>
+                  <a:tcPr marL="7620" marR="7620" marT="7620" marB="0" anchor="ctr"/>
+                </a:tc>
+                <a:tc>
+                  <a:txBody>
+                    <a:bodyPr/>
+                    <a:lstStyle/>
+                    <a:p>
+                      <a:pPr algn="r" fontAlgn="ctr"/>
+                      <a:r>
+                        <a:rPr lang="en-US" altLang="zh-CN" sz="1800" u="none" strike="noStrike">
+                          <a:effectLst/>
+                        </a:rPr>
+                        <a:t>0.273438</a:t>
+                      </a:r>
+                      <a:endParaRPr lang="en-US" altLang="zh-CN" sz="1800" b="0" i="0" u="none" strike="noStrike">
+                        <a:solidFill>
+                          <a:srgbClr val="000000"/>
+                        </a:solidFill>
+                        <a:effectLst/>
+                        <a:latin typeface="宋体" panose="02010600030101010101" pitchFamily="2" charset="-122"/>
+                        <a:ea typeface="宋体" panose="02010600030101010101" pitchFamily="2" charset="-122"/>
+                      </a:endParaRPr>
+                    </a:p>
+                  </a:txBody>
+                  <a:tcPr marL="7620" marR="7620" marT="7620" marB="0" anchor="ctr"/>
+                </a:tc>
+              </a:tr>
+              <a:tr h="182880">
+                <a:tc>
+                  <a:txBody>
+                    <a:bodyPr/>
+                    <a:lstStyle/>
+                    <a:p>
+                      <a:pPr algn="r" fontAlgn="ctr"/>
+                      <a:r>
+                        <a:rPr lang="en-US" altLang="zh-CN" sz="1800" u="none" strike="noStrike">
+                          <a:effectLst/>
+                        </a:rPr>
+                        <a:t>5</a:t>
+                      </a:r>
+                      <a:endParaRPr lang="en-US" altLang="zh-CN" sz="1800" b="0" i="0" u="none" strike="noStrike">
+                        <a:solidFill>
+                          <a:srgbClr val="000000"/>
+                        </a:solidFill>
+                        <a:effectLst/>
+                        <a:latin typeface="宋体" panose="02010600030101010101" pitchFamily="2" charset="-122"/>
+                        <a:ea typeface="宋体" panose="02010600030101010101" pitchFamily="2" charset="-122"/>
+                      </a:endParaRPr>
+                    </a:p>
+                  </a:txBody>
+                  <a:tcPr marL="7620" marR="7620" marT="7620" marB="0" anchor="ctr"/>
+                </a:tc>
+                <a:tc>
+                  <a:txBody>
+                    <a:bodyPr/>
+                    <a:lstStyle/>
+                    <a:p>
+                      <a:pPr algn="r" fontAlgn="ctr"/>
+                      <a:r>
+                        <a:rPr lang="en-US" altLang="zh-CN" sz="1800" u="none" strike="noStrike">
+                          <a:effectLst/>
+                        </a:rPr>
+                        <a:t>8</a:t>
+                      </a:r>
+                      <a:endParaRPr lang="en-US" altLang="zh-CN" sz="1800" b="0" i="0" u="none" strike="noStrike">
+                        <a:solidFill>
+                          <a:srgbClr val="000000"/>
+                        </a:solidFill>
+                        <a:effectLst/>
+                        <a:latin typeface="宋体" panose="02010600030101010101" pitchFamily="2" charset="-122"/>
+                        <a:ea typeface="宋体" panose="02010600030101010101" pitchFamily="2" charset="-122"/>
+                      </a:endParaRPr>
+                    </a:p>
+                  </a:txBody>
+                  <a:tcPr marL="7620" marR="7620" marT="7620" marB="0" anchor="ctr"/>
+                </a:tc>
+                <a:tc>
+                  <a:txBody>
+                    <a:bodyPr/>
+                    <a:lstStyle/>
+                    <a:p>
+                      <a:pPr algn="r" fontAlgn="ctr"/>
+                      <a:r>
+                        <a:rPr lang="en-US" altLang="zh-CN" sz="1800" u="none" strike="noStrike">
+                          <a:effectLst/>
+                        </a:rPr>
+                        <a:t>0.5</a:t>
+                      </a:r>
+                      <a:endParaRPr lang="en-US" altLang="zh-CN" sz="1800" b="0" i="0" u="none" strike="noStrike">
+                        <a:solidFill>
+                          <a:srgbClr val="000000"/>
+                        </a:solidFill>
+                        <a:effectLst/>
+                        <a:latin typeface="宋体" panose="02010600030101010101" pitchFamily="2" charset="-122"/>
+                        <a:ea typeface="宋体" panose="02010600030101010101" pitchFamily="2" charset="-122"/>
+                      </a:endParaRPr>
+                    </a:p>
+                  </a:txBody>
+                  <a:tcPr marL="7620" marR="7620" marT="7620" marB="0" anchor="ctr"/>
+                </a:tc>
+                <a:tc>
+                  <a:txBody>
+                    <a:bodyPr/>
+                    <a:lstStyle/>
+                    <a:p>
+                      <a:pPr algn="r" fontAlgn="ctr"/>
+                      <a:r>
+                        <a:rPr lang="en-US" altLang="zh-CN" sz="1800" u="none" strike="noStrike">
+                          <a:effectLst/>
+                        </a:rPr>
+                        <a:t>0.21875</a:t>
+                      </a:r>
+                      <a:endParaRPr lang="en-US" altLang="zh-CN" sz="1800" b="0" i="0" u="none" strike="noStrike">
+                        <a:solidFill>
+                          <a:srgbClr val="000000"/>
+                        </a:solidFill>
+                        <a:effectLst/>
+                        <a:latin typeface="宋体" panose="02010600030101010101" pitchFamily="2" charset="-122"/>
+                        <a:ea typeface="宋体" panose="02010600030101010101" pitchFamily="2" charset="-122"/>
+                      </a:endParaRPr>
+                    </a:p>
+                  </a:txBody>
+                  <a:tcPr marL="7620" marR="7620" marT="7620" marB="0" anchor="ctr"/>
+                </a:tc>
+              </a:tr>
+              <a:tr h="182880">
+                <a:tc>
+                  <a:txBody>
+                    <a:bodyPr/>
+                    <a:lstStyle/>
+                    <a:p>
+                      <a:pPr algn="r" fontAlgn="ctr"/>
+                      <a:r>
+                        <a:rPr lang="en-US" altLang="zh-CN" sz="1800" u="none" strike="noStrike">
+                          <a:effectLst/>
+                        </a:rPr>
+                        <a:t>6</a:t>
+                      </a:r>
+                      <a:endParaRPr lang="en-US" altLang="zh-CN" sz="1800" b="0" i="0" u="none" strike="noStrike">
+                        <a:solidFill>
+                          <a:srgbClr val="000000"/>
+                        </a:solidFill>
+                        <a:effectLst/>
+                        <a:latin typeface="宋体" panose="02010600030101010101" pitchFamily="2" charset="-122"/>
+                        <a:ea typeface="宋体" panose="02010600030101010101" pitchFamily="2" charset="-122"/>
+                      </a:endParaRPr>
+                    </a:p>
+                  </a:txBody>
+                  <a:tcPr marL="7620" marR="7620" marT="7620" marB="0" anchor="ctr"/>
+                </a:tc>
+                <a:tc>
+                  <a:txBody>
+                    <a:bodyPr/>
+                    <a:lstStyle/>
+                    <a:p>
+                      <a:pPr algn="r" fontAlgn="ctr"/>
+                      <a:r>
+                        <a:rPr lang="en-US" altLang="zh-CN" sz="1800" u="none" strike="noStrike">
+                          <a:effectLst/>
+                        </a:rPr>
+                        <a:t>8</a:t>
+                      </a:r>
+                      <a:endParaRPr lang="en-US" altLang="zh-CN" sz="1800" b="0" i="0" u="none" strike="noStrike">
+                        <a:solidFill>
+                          <a:srgbClr val="000000"/>
+                        </a:solidFill>
+                        <a:effectLst/>
+                        <a:latin typeface="宋体" panose="02010600030101010101" pitchFamily="2" charset="-122"/>
+                        <a:ea typeface="宋体" panose="02010600030101010101" pitchFamily="2" charset="-122"/>
+                      </a:endParaRPr>
+                    </a:p>
+                  </a:txBody>
+                  <a:tcPr marL="7620" marR="7620" marT="7620" marB="0" anchor="ctr"/>
+                </a:tc>
+                <a:tc>
+                  <a:txBody>
+                    <a:bodyPr/>
+                    <a:lstStyle/>
+                    <a:p>
+                      <a:pPr algn="r" fontAlgn="ctr"/>
+                      <a:r>
+                        <a:rPr lang="en-US" altLang="zh-CN" sz="1800" u="none" strike="noStrike">
+                          <a:effectLst/>
+                        </a:rPr>
+                        <a:t>0.5</a:t>
+                      </a:r>
+                      <a:endParaRPr lang="en-US" altLang="zh-CN" sz="1800" b="0" i="0" u="none" strike="noStrike">
+                        <a:solidFill>
+                          <a:srgbClr val="000000"/>
+                        </a:solidFill>
+                        <a:effectLst/>
+                        <a:latin typeface="宋体" panose="02010600030101010101" pitchFamily="2" charset="-122"/>
+                        <a:ea typeface="宋体" panose="02010600030101010101" pitchFamily="2" charset="-122"/>
+                      </a:endParaRPr>
+                    </a:p>
+                  </a:txBody>
+                  <a:tcPr marL="7620" marR="7620" marT="7620" marB="0" anchor="ctr"/>
+                </a:tc>
+                <a:tc>
+                  <a:txBody>
+                    <a:bodyPr/>
+                    <a:lstStyle/>
+                    <a:p>
+                      <a:pPr algn="r" fontAlgn="ctr"/>
+                      <a:r>
+                        <a:rPr lang="en-US" altLang="zh-CN" sz="1800" u="none" strike="noStrike">
+                          <a:effectLst/>
+                        </a:rPr>
+                        <a:t>0.109375</a:t>
+                      </a:r>
+                      <a:endParaRPr lang="en-US" altLang="zh-CN" sz="1800" b="0" i="0" u="none" strike="noStrike">
+                        <a:solidFill>
+                          <a:srgbClr val="000000"/>
+                        </a:solidFill>
+                        <a:effectLst/>
+                        <a:latin typeface="宋体" panose="02010600030101010101" pitchFamily="2" charset="-122"/>
+                        <a:ea typeface="宋体" panose="02010600030101010101" pitchFamily="2" charset="-122"/>
+                      </a:endParaRPr>
+                    </a:p>
+                  </a:txBody>
+                  <a:tcPr marL="7620" marR="7620" marT="7620" marB="0" anchor="ctr"/>
+                </a:tc>
+              </a:tr>
+              <a:tr h="182880">
+                <a:tc>
+                  <a:txBody>
+                    <a:bodyPr/>
+                    <a:lstStyle/>
+                    <a:p>
+                      <a:pPr algn="r" fontAlgn="ctr"/>
+                      <a:r>
+                        <a:rPr lang="en-US" altLang="zh-CN" sz="1800" u="none" strike="noStrike">
+                          <a:effectLst/>
+                        </a:rPr>
+                        <a:t>7</a:t>
+                      </a:r>
+                      <a:endParaRPr lang="en-US" altLang="zh-CN" sz="1800" b="0" i="0" u="none" strike="noStrike">
+                        <a:solidFill>
+                          <a:srgbClr val="000000"/>
+                        </a:solidFill>
+                        <a:effectLst/>
+                        <a:latin typeface="宋体" panose="02010600030101010101" pitchFamily="2" charset="-122"/>
+                        <a:ea typeface="宋体" panose="02010600030101010101" pitchFamily="2" charset="-122"/>
+                      </a:endParaRPr>
+                    </a:p>
+                  </a:txBody>
+                  <a:tcPr marL="7620" marR="7620" marT="7620" marB="0" anchor="ctr"/>
+                </a:tc>
+                <a:tc>
+                  <a:txBody>
+                    <a:bodyPr/>
+                    <a:lstStyle/>
+                    <a:p>
+                      <a:pPr algn="r" fontAlgn="ctr"/>
+                      <a:r>
+                        <a:rPr lang="en-US" altLang="zh-CN" sz="1800" u="none" strike="noStrike">
+                          <a:effectLst/>
+                        </a:rPr>
+                        <a:t>8</a:t>
+                      </a:r>
+                      <a:endParaRPr lang="en-US" altLang="zh-CN" sz="1800" b="0" i="0" u="none" strike="noStrike">
+                        <a:solidFill>
+                          <a:srgbClr val="000000"/>
+                        </a:solidFill>
+                        <a:effectLst/>
+                        <a:latin typeface="宋体" panose="02010600030101010101" pitchFamily="2" charset="-122"/>
+                        <a:ea typeface="宋体" panose="02010600030101010101" pitchFamily="2" charset="-122"/>
+                      </a:endParaRPr>
+                    </a:p>
+                  </a:txBody>
+                  <a:tcPr marL="7620" marR="7620" marT="7620" marB="0" anchor="ctr"/>
+                </a:tc>
+                <a:tc>
+                  <a:txBody>
+                    <a:bodyPr/>
+                    <a:lstStyle/>
+                    <a:p>
+                      <a:pPr algn="r" fontAlgn="ctr"/>
+                      <a:r>
+                        <a:rPr lang="en-US" altLang="zh-CN" sz="1800" u="none" strike="noStrike">
+                          <a:effectLst/>
+                        </a:rPr>
+                        <a:t>0.5</a:t>
+                      </a:r>
+                      <a:endParaRPr lang="en-US" altLang="zh-CN" sz="1800" b="0" i="0" u="none" strike="noStrike">
+                        <a:solidFill>
+                          <a:srgbClr val="000000"/>
+                        </a:solidFill>
+                        <a:effectLst/>
+                        <a:latin typeface="宋体" panose="02010600030101010101" pitchFamily="2" charset="-122"/>
+                        <a:ea typeface="宋体" panose="02010600030101010101" pitchFamily="2" charset="-122"/>
+                      </a:endParaRPr>
+                    </a:p>
+                  </a:txBody>
+                  <a:tcPr marL="7620" marR="7620" marT="7620" marB="0" anchor="ctr"/>
+                </a:tc>
+                <a:tc>
+                  <a:txBody>
+                    <a:bodyPr/>
+                    <a:lstStyle/>
+                    <a:p>
+                      <a:pPr algn="r" fontAlgn="ctr"/>
+                      <a:r>
+                        <a:rPr lang="en-US" altLang="zh-CN" sz="1800" u="none" strike="noStrike" dirty="0">
+                          <a:effectLst/>
+                        </a:rPr>
+                        <a:t>0.03125</a:t>
+                      </a:r>
+                      <a:endParaRPr lang="en-US" altLang="zh-CN" sz="1800" b="0" i="0" u="none" strike="noStrike" dirty="0">
+                        <a:solidFill>
+                          <a:srgbClr val="000000"/>
+                        </a:solidFill>
+                        <a:effectLst/>
+                        <a:latin typeface="宋体" panose="02010600030101010101" pitchFamily="2" charset="-122"/>
+                        <a:ea typeface="宋体" panose="02010600030101010101" pitchFamily="2" charset="-122"/>
+                      </a:endParaRPr>
+                    </a:p>
+                  </a:txBody>
+                  <a:tcPr marL="7620" marR="7620" marT="7620" marB="0" anchor="ctr"/>
+                </a:tc>
+              </a:tr>
+              <a:tr h="182880">
+                <a:tc>
+                  <a:txBody>
+                    <a:bodyPr/>
+                    <a:lstStyle/>
+                    <a:p>
+                      <a:pPr algn="r" fontAlgn="ctr"/>
+                      <a:r>
+                        <a:rPr lang="en-US" altLang="zh-CN" sz="1800" u="none" strike="noStrike">
+                          <a:effectLst/>
+                        </a:rPr>
+                        <a:t>8</a:t>
+                      </a:r>
+                      <a:endParaRPr lang="en-US" altLang="zh-CN" sz="1800" b="0" i="0" u="none" strike="noStrike">
+                        <a:solidFill>
+                          <a:srgbClr val="000000"/>
+                        </a:solidFill>
+                        <a:effectLst/>
+                        <a:latin typeface="宋体" panose="02010600030101010101" pitchFamily="2" charset="-122"/>
+                        <a:ea typeface="宋体" panose="02010600030101010101" pitchFamily="2" charset="-122"/>
+                      </a:endParaRPr>
+                    </a:p>
+                  </a:txBody>
+                  <a:tcPr marL="7620" marR="7620" marT="7620" marB="0" anchor="ctr"/>
+                </a:tc>
+                <a:tc>
+                  <a:txBody>
+                    <a:bodyPr/>
+                    <a:lstStyle/>
+                    <a:p>
+                      <a:pPr algn="r" fontAlgn="ctr"/>
+                      <a:r>
+                        <a:rPr lang="en-US" altLang="zh-CN" sz="1800" u="none" strike="noStrike">
+                          <a:effectLst/>
+                        </a:rPr>
+                        <a:t>8</a:t>
+                      </a:r>
+                      <a:endParaRPr lang="en-US" altLang="zh-CN" sz="1800" b="0" i="0" u="none" strike="noStrike">
+                        <a:solidFill>
+                          <a:srgbClr val="000000"/>
+                        </a:solidFill>
+                        <a:effectLst/>
+                        <a:latin typeface="宋体" panose="02010600030101010101" pitchFamily="2" charset="-122"/>
+                        <a:ea typeface="宋体" panose="02010600030101010101" pitchFamily="2" charset="-122"/>
+                      </a:endParaRPr>
+                    </a:p>
+                  </a:txBody>
+                  <a:tcPr marL="7620" marR="7620" marT="7620" marB="0" anchor="ctr"/>
+                </a:tc>
+                <a:tc>
+                  <a:txBody>
+                    <a:bodyPr/>
+                    <a:lstStyle/>
+                    <a:p>
+                      <a:pPr algn="r" fontAlgn="ctr"/>
+                      <a:r>
+                        <a:rPr lang="en-US" altLang="zh-CN" sz="1800" u="none" strike="noStrike">
+                          <a:effectLst/>
+                        </a:rPr>
+                        <a:t>0.5</a:t>
+                      </a:r>
+                      <a:endParaRPr lang="en-US" altLang="zh-CN" sz="1800" b="0" i="0" u="none" strike="noStrike">
+                        <a:solidFill>
+                          <a:srgbClr val="000000"/>
+                        </a:solidFill>
+                        <a:effectLst/>
+                        <a:latin typeface="宋体" panose="02010600030101010101" pitchFamily="2" charset="-122"/>
+                        <a:ea typeface="宋体" panose="02010600030101010101" pitchFamily="2" charset="-122"/>
+                      </a:endParaRPr>
+                    </a:p>
+                  </a:txBody>
+                  <a:tcPr marL="7620" marR="7620" marT="7620" marB="0" anchor="ctr"/>
+                </a:tc>
+                <a:tc>
+                  <a:txBody>
+                    <a:bodyPr/>
+                    <a:lstStyle/>
+                    <a:p>
+                      <a:pPr algn="r" fontAlgn="ctr"/>
+                      <a:r>
+                        <a:rPr lang="en-US" altLang="zh-CN" sz="1800" u="none" strike="noStrike" dirty="0">
+                          <a:effectLst/>
+                        </a:rPr>
+                        <a:t>0.003906</a:t>
+                      </a:r>
+                      <a:endParaRPr lang="en-US" altLang="zh-CN" sz="1800" b="0" i="0" u="none" strike="noStrike" dirty="0">
+                        <a:solidFill>
+                          <a:srgbClr val="000000"/>
+                        </a:solidFill>
+                        <a:effectLst/>
+                        <a:latin typeface="宋体" panose="02010600030101010101" pitchFamily="2" charset="-122"/>
+                        <a:ea typeface="宋体" panose="02010600030101010101" pitchFamily="2" charset="-122"/>
+                      </a:endParaRPr>
+                    </a:p>
+                  </a:txBody>
+                  <a:tcPr marL="7620" marR="7620" marT="7620" marB="0" anchor="ctr"/>
+                </a:tc>
+              </a:tr>
+            </a:tbl>
+          </a:graphicData>
+        </a:graphic>
+      </p:graphicFrame>
+    </p:spTree>
+    <p:extLst>
+      <p:ext uri="{BB962C8B-B14F-4D97-AF65-F5344CB8AC3E}">
+        <p14:creationId xmlns:p14="http://schemas.microsoft.com/office/powerpoint/2010/main" val="2093353123"/>
+      </p:ext>
+    </p:extLst>
+  </p:cSld>
+  <p:clrMapOvr>
+    <a:masterClrMapping/>
+  </p:clrMapOvr>
+</p:sld>
+</file>
+
+<file path=ppt/slides/slide28.xml><?xml version="1.0" encoding="utf-8"?>
+<p:sld xmlns:a="http://schemas.openxmlformats.org/drawingml/2006/main" xmlns:r="http://schemas.openxmlformats.org/officeDocument/2006/relationships" xmlns:p="http://schemas.openxmlformats.org/presentationml/2006/main">
+  <p:cSld>
+    <p:spTree>
+      <p:nvGrpSpPr>
+        <p:cNvPr id="1" name=""/>
+        <p:cNvGrpSpPr/>
+        <p:nvPr/>
+      </p:nvGrpSpPr>
+      <p:grpSpPr>
+        <a:xfrm>
+          <a:off x="0" y="0"/>
+          <a:ext cx="0" cy="0"/>
+          <a:chOff x="0" y="0"/>
+          <a:chExt cx="0" cy="0"/>
+        </a:xfrm>
+      </p:grpSpPr>
+      <p:sp>
+        <p:nvSpPr>
+          <p:cNvPr id="2" name="标题 1"/>
+          <p:cNvSpPr>
+            <a:spLocks noGrp="1"/>
+          </p:cNvSpPr>
+          <p:nvPr>
+            <p:ph type="title"/>
+          </p:nvPr>
+        </p:nvSpPr>
+        <p:spPr/>
+        <p:txBody>
+          <a:bodyPr/>
+          <a:lstStyle/>
+          <a:p>
+            <a:r>
+              <a:rPr lang="zh-CN" altLang="en-US" dirty="0" smtClean="0"/>
+              <a:t>细节</a:t>
+            </a:r>
+            <a:r>
+              <a:rPr lang="en-US" altLang="zh-CN" dirty="0" smtClean="0"/>
+              <a:t>1</a:t>
+            </a:r>
+            <a:r>
+              <a:rPr lang="zh-CN" altLang="en-US" dirty="0" smtClean="0"/>
+              <a:t>：单侧与双侧检验</a:t>
+            </a:r>
+            <a:endParaRPr lang="zh-CN" altLang="en-US" dirty="0"/>
+          </a:p>
+        </p:txBody>
+      </p:sp>
+      <p:sp>
+        <p:nvSpPr>
+          <p:cNvPr id="3" name="内容占位符 2"/>
+          <p:cNvSpPr>
+            <a:spLocks noGrp="1"/>
+          </p:cNvSpPr>
+          <p:nvPr>
+            <p:ph idx="1"/>
+          </p:nvPr>
+        </p:nvSpPr>
+        <p:spPr/>
+        <p:txBody>
+          <a:bodyPr/>
+          <a:lstStyle/>
+          <a:p>
+            <a:r>
+              <a:rPr lang="zh-CN" altLang="en-US" dirty="0" smtClean="0"/>
+              <a:t>刚才的问题是</a:t>
+            </a:r>
+            <a:r>
+              <a:rPr lang="zh-CN" altLang="en-US" dirty="0"/>
+              <a:t>药物是否能减少患儿的重复</a:t>
+            </a:r>
+            <a:r>
+              <a:rPr lang="zh-CN" altLang="en-US" dirty="0" smtClean="0"/>
+              <a:t>行为，所以使用了单侧检验</a:t>
+            </a:r>
+            <a:endParaRPr lang="en-US" altLang="zh-CN" dirty="0" smtClean="0"/>
+          </a:p>
+          <a:p>
+            <a:r>
+              <a:rPr lang="zh-CN" altLang="en-US" dirty="0" smtClean="0"/>
+              <a:t>如果问题改成药物是否让患儿重复行为的情况发生了变化？这个时候要使用双侧检验：</a:t>
+            </a:r>
+            <a:endParaRPr lang="en-US" altLang="zh-CN" dirty="0" smtClean="0"/>
+          </a:p>
+          <a:p>
+            <a:pPr lvl="1"/>
+            <a:r>
+              <a:rPr lang="en-US" altLang="zh-CN" dirty="0" smtClean="0"/>
+              <a:t>2</a:t>
+            </a:r>
+            <a:r>
+              <a:rPr lang="zh-CN" altLang="en-US" dirty="0" smtClean="0"/>
+              <a:t>*（</a:t>
+            </a:r>
+            <a:r>
+              <a:rPr lang="en-US" altLang="zh-CN" dirty="0"/>
+              <a:t>P(6)+ P(7)+ P(8</a:t>
+            </a:r>
+            <a:r>
+              <a:rPr lang="en-US" altLang="zh-CN" dirty="0" smtClean="0"/>
+              <a:t>)</a:t>
+            </a:r>
+            <a:r>
+              <a:rPr lang="zh-CN" altLang="en-US" dirty="0" smtClean="0"/>
+              <a:t>）</a:t>
+            </a:r>
+            <a:endParaRPr lang="zh-CN" altLang="en-US" dirty="0"/>
+          </a:p>
+        </p:txBody>
+      </p:sp>
+    </p:spTree>
+    <p:extLst>
+      <p:ext uri="{BB962C8B-B14F-4D97-AF65-F5344CB8AC3E}">
+        <p14:creationId xmlns:p14="http://schemas.microsoft.com/office/powerpoint/2010/main" val="1954403513"/>
+      </p:ext>
+    </p:extLst>
+  </p:cSld>
+  <p:clrMapOvr>
+    <a:masterClrMapping/>
+  </p:clrMapOvr>
+</p:sld>
+</file>
+
+<file path=ppt/slides/slide29.xml><?xml version="1.0" encoding="utf-8"?>
+<p:sld xmlns:a="http://schemas.openxmlformats.org/drawingml/2006/main" xmlns:r="http://schemas.openxmlformats.org/officeDocument/2006/relationships" xmlns:p="http://schemas.openxmlformats.org/presentationml/2006/main">
+  <p:cSld>
+    <p:spTree>
+      <p:nvGrpSpPr>
+        <p:cNvPr id="1" name=""/>
+        <p:cNvGrpSpPr/>
+        <p:nvPr/>
+      </p:nvGrpSpPr>
+      <p:grpSpPr>
+        <a:xfrm>
+          <a:off x="0" y="0"/>
+          <a:ext cx="0" cy="0"/>
+          <a:chOff x="0" y="0"/>
+          <a:chExt cx="0" cy="0"/>
+        </a:xfrm>
+      </p:grpSpPr>
+      <p:sp>
+        <p:nvSpPr>
+          <p:cNvPr id="2" name="标题 1"/>
+          <p:cNvSpPr>
+            <a:spLocks noGrp="1"/>
+          </p:cNvSpPr>
+          <p:nvPr>
+            <p:ph type="title"/>
+          </p:nvPr>
+        </p:nvSpPr>
+        <p:spPr/>
+        <p:txBody>
+          <a:bodyPr/>
+          <a:lstStyle/>
+          <a:p>
+            <a:r>
+              <a:rPr lang="zh-CN" altLang="en-US" dirty="0" smtClean="0"/>
+              <a:t>细节</a:t>
+            </a:r>
+            <a:r>
+              <a:rPr lang="en-US" altLang="zh-CN" dirty="0" smtClean="0"/>
+              <a:t>2</a:t>
+            </a:r>
+            <a:r>
+              <a:rPr lang="zh-CN" altLang="en-US" dirty="0" smtClean="0"/>
+              <a:t>：当差为</a:t>
+            </a:r>
+            <a:r>
+              <a:rPr lang="en-US" altLang="zh-CN" dirty="0" smtClean="0"/>
+              <a:t>0</a:t>
+            </a:r>
+            <a:r>
+              <a:rPr lang="zh-CN" altLang="en-US" dirty="0" smtClean="0"/>
+              <a:t>的时候</a:t>
+            </a:r>
+            <a:endParaRPr lang="zh-CN" altLang="en-US" dirty="0"/>
+          </a:p>
+        </p:txBody>
+      </p:sp>
+      <p:sp>
+        <p:nvSpPr>
+          <p:cNvPr id="3" name="内容占位符 2"/>
+          <p:cNvSpPr>
+            <a:spLocks noGrp="1"/>
+          </p:cNvSpPr>
+          <p:nvPr>
+            <p:ph idx="1"/>
+          </p:nvPr>
+        </p:nvSpPr>
+        <p:spPr/>
+        <p:txBody>
+          <a:bodyPr/>
+          <a:lstStyle/>
+          <a:p>
+            <a:r>
+              <a:rPr lang="zh-CN" altLang="en-US" dirty="0" smtClean="0"/>
+              <a:t>如果有偶数个</a:t>
+            </a:r>
+            <a:r>
+              <a:rPr lang="en-US" altLang="zh-CN" dirty="0" smtClean="0"/>
+              <a:t>0</a:t>
+            </a:r>
+            <a:r>
+              <a:rPr lang="zh-CN" altLang="en-US" dirty="0" smtClean="0"/>
+              <a:t>，则随机分配正或负符号</a:t>
+            </a:r>
+            <a:endParaRPr lang="en-US" altLang="zh-CN" dirty="0" smtClean="0"/>
+          </a:p>
+          <a:p>
+            <a:r>
+              <a:rPr lang="zh-CN" altLang="en-US" dirty="0" smtClean="0"/>
+              <a:t>如果有奇数个</a:t>
+            </a:r>
+            <a:r>
+              <a:rPr lang="en-US" altLang="zh-CN" dirty="0" smtClean="0"/>
+              <a:t>0</a:t>
+            </a:r>
+            <a:r>
+              <a:rPr lang="zh-CN" altLang="en-US" dirty="0" smtClean="0"/>
+              <a:t>，随机去掉一个数据，剩下的随机分配正或者负。此时样本量减一</a:t>
+            </a:r>
+            <a:endParaRPr lang="zh-CN" altLang="en-US" dirty="0"/>
+          </a:p>
+        </p:txBody>
+      </p:sp>
+    </p:spTree>
+    <p:extLst>
+      <p:ext uri="{BB962C8B-B14F-4D97-AF65-F5344CB8AC3E}">
+        <p14:creationId xmlns:p14="http://schemas.microsoft.com/office/powerpoint/2010/main" val="1574587759"/>
       </p:ext>
     </p:extLst>
   </p:cSld>
@@ -15261,6 +17975,6153 @@
     <p:extLst>
       <p:ext uri="{BB962C8B-B14F-4D97-AF65-F5344CB8AC3E}">
         <p14:creationId xmlns:p14="http://schemas.microsoft.com/office/powerpoint/2010/main" val="2865059401"/>
+      </p:ext>
+    </p:extLst>
+  </p:cSld>
+  <p:clrMapOvr>
+    <a:masterClrMapping/>
+  </p:clrMapOvr>
+</p:sld>
+</file>
+
+<file path=ppt/slides/slide30.xml><?xml version="1.0" encoding="utf-8"?>
+<p:sld xmlns:a="http://schemas.openxmlformats.org/drawingml/2006/main" xmlns:r="http://schemas.openxmlformats.org/officeDocument/2006/relationships" xmlns:p="http://schemas.openxmlformats.org/presentationml/2006/main">
+  <p:cSld>
+    <p:spTree>
+      <p:nvGrpSpPr>
+        <p:cNvPr id="1" name=""/>
+        <p:cNvGrpSpPr/>
+        <p:nvPr/>
+      </p:nvGrpSpPr>
+      <p:grpSpPr>
+        <a:xfrm>
+          <a:off x="0" y="0"/>
+          <a:ext cx="0" cy="0"/>
+          <a:chOff x="0" y="0"/>
+          <a:chExt cx="0" cy="0"/>
+        </a:xfrm>
+      </p:grpSpPr>
+      <p:sp>
+        <p:nvSpPr>
+          <p:cNvPr id="2" name="标题 1"/>
+          <p:cNvSpPr>
+            <a:spLocks noGrp="1"/>
+          </p:cNvSpPr>
+          <p:nvPr>
+            <p:ph type="title"/>
+          </p:nvPr>
+        </p:nvSpPr>
+        <p:spPr/>
+        <p:txBody>
+          <a:bodyPr/>
+          <a:lstStyle/>
+          <a:p>
+            <a:r>
+              <a:rPr lang="zh-CN" altLang="en-US" dirty="0" smtClean="0"/>
+              <a:t>例题</a:t>
+            </a:r>
+            <a:endParaRPr lang="zh-CN" altLang="en-US" dirty="0"/>
+          </a:p>
+        </p:txBody>
+      </p:sp>
+      <p:sp>
+        <p:nvSpPr>
+          <p:cNvPr id="3" name="内容占位符 2"/>
+          <p:cNvSpPr>
+            <a:spLocks noGrp="1"/>
+          </p:cNvSpPr>
+          <p:nvPr>
+            <p:ph idx="1"/>
+          </p:nvPr>
+        </p:nvSpPr>
+        <p:spPr>
+          <a:xfrm>
+            <a:off x="1371600" y="1731086"/>
+            <a:ext cx="9601200" cy="1979268"/>
+          </a:xfrm>
+        </p:spPr>
+        <p:txBody>
+          <a:bodyPr/>
+          <a:lstStyle/>
+          <a:p>
+            <a:r>
+              <a:rPr lang="zh-CN" altLang="en-US" dirty="0" smtClean="0"/>
+              <a:t>某研究评价化疗前后患者的</a:t>
+            </a:r>
+            <a:r>
+              <a:rPr lang="en-US" altLang="zh-CN" dirty="0" smtClean="0"/>
+              <a:t>QOL</a:t>
+            </a:r>
+            <a:r>
+              <a:rPr lang="zh-CN" altLang="en-US" dirty="0" smtClean="0"/>
+              <a:t>，得到如下的数据。</a:t>
+            </a:r>
+            <a:r>
+              <a:rPr lang="en-US" altLang="zh-CN" dirty="0" smtClean="0"/>
+              <a:t>1</a:t>
+            </a:r>
+            <a:r>
+              <a:rPr lang="zh-CN" altLang="en-US" dirty="0" smtClean="0"/>
+              <a:t>：差，</a:t>
+            </a:r>
+            <a:r>
+              <a:rPr lang="en-US" altLang="zh-CN" dirty="0" smtClean="0"/>
+              <a:t>2</a:t>
+            </a:r>
+            <a:r>
+              <a:rPr lang="zh-CN" altLang="en-US" dirty="0" smtClean="0"/>
+              <a:t>：尚可，</a:t>
+            </a:r>
+            <a:r>
+              <a:rPr lang="en-US" altLang="zh-CN" dirty="0" smtClean="0"/>
+              <a:t>3</a:t>
+            </a:r>
+            <a:r>
+              <a:rPr lang="zh-CN" altLang="en-US" dirty="0" smtClean="0"/>
+              <a:t>：好，</a:t>
+            </a:r>
+            <a:r>
+              <a:rPr lang="en-US" altLang="zh-CN" dirty="0" smtClean="0"/>
+              <a:t>4</a:t>
+            </a:r>
+            <a:r>
+              <a:rPr lang="zh-CN" altLang="en-US" dirty="0" smtClean="0"/>
+              <a:t>：非常好，</a:t>
+            </a:r>
+            <a:r>
+              <a:rPr lang="en-US" altLang="zh-CN" dirty="0" smtClean="0"/>
+              <a:t>5</a:t>
+            </a:r>
+            <a:r>
+              <a:rPr lang="zh-CN" altLang="en-US" dirty="0" smtClean="0"/>
+              <a:t>：极好。请评价化疗是否改变了患者的</a:t>
+            </a:r>
+            <a:r>
+              <a:rPr lang="en-US" altLang="zh-CN" dirty="0" smtClean="0"/>
+              <a:t>QOL</a:t>
+            </a:r>
+            <a:endParaRPr lang="zh-CN" altLang="en-US" dirty="0"/>
+          </a:p>
+        </p:txBody>
+      </p:sp>
+      <p:graphicFrame>
+        <p:nvGraphicFramePr>
+          <p:cNvPr id="4" name="表格 3"/>
+          <p:cNvGraphicFramePr>
+            <a:graphicFrameLocks noGrp="1"/>
+          </p:cNvGraphicFramePr>
+          <p:nvPr>
+            <p:extLst>
+              <p:ext uri="{D42A27DB-BD31-4B8C-83A1-F6EECF244321}">
+                <p14:modId xmlns:p14="http://schemas.microsoft.com/office/powerpoint/2010/main" val="3466577148"/>
+              </p:ext>
+            </p:extLst>
+          </p:nvPr>
+        </p:nvGraphicFramePr>
+        <p:xfrm>
+          <a:off x="1768233" y="4007989"/>
+          <a:ext cx="9960704" cy="1112520"/>
+        </p:xfrm>
+        <a:graphic>
+          <a:graphicData uri="http://schemas.openxmlformats.org/drawingml/2006/table">
+            <a:tbl>
+              <a:tblPr firstRow="1" bandRow="1">
+                <a:tableStyleId>{5C22544A-7EE6-4342-B048-85BDC9FD1C3A}</a:tableStyleId>
+              </a:tblPr>
+              <a:tblGrid>
+                <a:gridCol w="766208"/>
+                <a:gridCol w="766208"/>
+                <a:gridCol w="766208"/>
+                <a:gridCol w="766208"/>
+                <a:gridCol w="766208"/>
+                <a:gridCol w="766208"/>
+                <a:gridCol w="766208"/>
+                <a:gridCol w="766208"/>
+                <a:gridCol w="766208"/>
+                <a:gridCol w="766208"/>
+                <a:gridCol w="766208"/>
+                <a:gridCol w="766208"/>
+                <a:gridCol w="766208"/>
+              </a:tblGrid>
+              <a:tr h="370840">
+                <a:tc>
+                  <a:txBody>
+                    <a:bodyPr/>
+                    <a:lstStyle/>
+                    <a:p>
+                      <a:r>
+                        <a:rPr lang="en-US" altLang="zh-CN" dirty="0" smtClean="0"/>
+                        <a:t>Id</a:t>
+                      </a:r>
+                      <a:endParaRPr lang="zh-CN" altLang="en-US" dirty="0"/>
+                    </a:p>
+                  </a:txBody>
+                  <a:tcPr/>
+                </a:tc>
+                <a:tc>
+                  <a:txBody>
+                    <a:bodyPr/>
+                    <a:lstStyle/>
+                    <a:p>
+                      <a:r>
+                        <a:rPr lang="en-US" altLang="zh-CN" dirty="0" smtClean="0"/>
+                        <a:t>1</a:t>
+                      </a:r>
+                      <a:endParaRPr lang="zh-CN" altLang="en-US" dirty="0"/>
+                    </a:p>
+                  </a:txBody>
+                  <a:tcPr/>
+                </a:tc>
+                <a:tc>
+                  <a:txBody>
+                    <a:bodyPr/>
+                    <a:lstStyle/>
+                    <a:p>
+                      <a:r>
+                        <a:rPr lang="en-US" altLang="zh-CN" dirty="0" smtClean="0"/>
+                        <a:t>2</a:t>
+                      </a:r>
+                      <a:endParaRPr lang="zh-CN" altLang="en-US" dirty="0"/>
+                    </a:p>
+                  </a:txBody>
+                  <a:tcPr/>
+                </a:tc>
+                <a:tc>
+                  <a:txBody>
+                    <a:bodyPr/>
+                    <a:lstStyle/>
+                    <a:p>
+                      <a:r>
+                        <a:rPr lang="en-US" altLang="zh-CN" dirty="0" smtClean="0"/>
+                        <a:t>3</a:t>
+                      </a:r>
+                      <a:endParaRPr lang="zh-CN" altLang="en-US" dirty="0"/>
+                    </a:p>
+                  </a:txBody>
+                  <a:tcPr/>
+                </a:tc>
+                <a:tc>
+                  <a:txBody>
+                    <a:bodyPr/>
+                    <a:lstStyle/>
+                    <a:p>
+                      <a:r>
+                        <a:rPr lang="en-US" altLang="zh-CN" dirty="0" smtClean="0"/>
+                        <a:t>4</a:t>
+                      </a:r>
+                      <a:endParaRPr lang="zh-CN" altLang="en-US" dirty="0"/>
+                    </a:p>
+                  </a:txBody>
+                  <a:tcPr/>
+                </a:tc>
+                <a:tc>
+                  <a:txBody>
+                    <a:bodyPr/>
+                    <a:lstStyle/>
+                    <a:p>
+                      <a:r>
+                        <a:rPr lang="en-US" altLang="zh-CN" dirty="0" smtClean="0"/>
+                        <a:t>5</a:t>
+                      </a:r>
+                      <a:endParaRPr lang="zh-CN" altLang="en-US" dirty="0"/>
+                    </a:p>
+                  </a:txBody>
+                  <a:tcPr/>
+                </a:tc>
+                <a:tc>
+                  <a:txBody>
+                    <a:bodyPr/>
+                    <a:lstStyle/>
+                    <a:p>
+                      <a:r>
+                        <a:rPr lang="en-US" altLang="zh-CN" dirty="0" smtClean="0"/>
+                        <a:t>6</a:t>
+                      </a:r>
+                      <a:endParaRPr lang="zh-CN" altLang="en-US" dirty="0"/>
+                    </a:p>
+                  </a:txBody>
+                  <a:tcPr/>
+                </a:tc>
+                <a:tc>
+                  <a:txBody>
+                    <a:bodyPr/>
+                    <a:lstStyle/>
+                    <a:p>
+                      <a:r>
+                        <a:rPr lang="en-US" altLang="zh-CN" dirty="0" smtClean="0"/>
+                        <a:t>7</a:t>
+                      </a:r>
+                      <a:endParaRPr lang="zh-CN" altLang="en-US" dirty="0"/>
+                    </a:p>
+                  </a:txBody>
+                  <a:tcPr/>
+                </a:tc>
+                <a:tc>
+                  <a:txBody>
+                    <a:bodyPr/>
+                    <a:lstStyle/>
+                    <a:p>
+                      <a:r>
+                        <a:rPr lang="en-US" altLang="zh-CN" dirty="0" smtClean="0"/>
+                        <a:t>8</a:t>
+                      </a:r>
+                      <a:endParaRPr lang="zh-CN" altLang="en-US" dirty="0"/>
+                    </a:p>
+                  </a:txBody>
+                  <a:tcPr/>
+                </a:tc>
+                <a:tc>
+                  <a:txBody>
+                    <a:bodyPr/>
+                    <a:lstStyle/>
+                    <a:p>
+                      <a:r>
+                        <a:rPr lang="en-US" altLang="zh-CN" dirty="0" smtClean="0"/>
+                        <a:t>9</a:t>
+                      </a:r>
+                      <a:endParaRPr lang="zh-CN" altLang="en-US" dirty="0"/>
+                    </a:p>
+                  </a:txBody>
+                  <a:tcPr/>
+                </a:tc>
+                <a:tc>
+                  <a:txBody>
+                    <a:bodyPr/>
+                    <a:lstStyle/>
+                    <a:p>
+                      <a:r>
+                        <a:rPr lang="en-US" altLang="zh-CN" dirty="0" smtClean="0"/>
+                        <a:t>10</a:t>
+                      </a:r>
+                      <a:endParaRPr lang="zh-CN" altLang="en-US" dirty="0"/>
+                    </a:p>
+                  </a:txBody>
+                  <a:tcPr/>
+                </a:tc>
+                <a:tc>
+                  <a:txBody>
+                    <a:bodyPr/>
+                    <a:lstStyle/>
+                    <a:p>
+                      <a:r>
+                        <a:rPr lang="en-US" altLang="zh-CN" dirty="0" smtClean="0"/>
+                        <a:t>11</a:t>
+                      </a:r>
+                      <a:endParaRPr lang="zh-CN" altLang="en-US" dirty="0"/>
+                    </a:p>
+                  </a:txBody>
+                  <a:tcPr/>
+                </a:tc>
+                <a:tc>
+                  <a:txBody>
+                    <a:bodyPr/>
+                    <a:lstStyle/>
+                    <a:p>
+                      <a:r>
+                        <a:rPr lang="en-US" altLang="zh-CN" dirty="0" smtClean="0"/>
+                        <a:t>12</a:t>
+                      </a:r>
+                      <a:endParaRPr lang="zh-CN" altLang="en-US" dirty="0"/>
+                    </a:p>
+                  </a:txBody>
+                  <a:tcPr/>
+                </a:tc>
+              </a:tr>
+              <a:tr h="370840">
+                <a:tc>
+                  <a:txBody>
+                    <a:bodyPr/>
+                    <a:lstStyle/>
+                    <a:p>
+                      <a:r>
+                        <a:rPr lang="zh-CN" altLang="en-US" dirty="0" smtClean="0"/>
+                        <a:t>前</a:t>
+                      </a:r>
+                      <a:endParaRPr lang="zh-CN" altLang="en-US" dirty="0"/>
+                    </a:p>
+                  </a:txBody>
+                  <a:tcPr/>
+                </a:tc>
+                <a:tc>
+                  <a:txBody>
+                    <a:bodyPr/>
+                    <a:lstStyle/>
+                    <a:p>
+                      <a:pPr algn="ctr" fontAlgn="ctr"/>
+                      <a:r>
+                        <a:rPr lang="en-US" altLang="zh-CN" sz="2000" b="0" i="0" u="none" strike="noStrike">
+                          <a:solidFill>
+                            <a:srgbClr val="000000"/>
+                          </a:solidFill>
+                          <a:effectLst/>
+                          <a:latin typeface="宋体" panose="02010600030101010101" pitchFamily="2" charset="-122"/>
+                          <a:ea typeface="宋体" panose="02010600030101010101" pitchFamily="2" charset="-122"/>
+                        </a:rPr>
+                        <a:t>3</a:t>
+                      </a:r>
+                    </a:p>
+                  </a:txBody>
+                  <a:tcPr marL="7620" marR="7620" marT="7620" marB="0" anchor="ctr"/>
+                </a:tc>
+                <a:tc>
+                  <a:txBody>
+                    <a:bodyPr/>
+                    <a:lstStyle/>
+                    <a:p>
+                      <a:pPr algn="ctr" fontAlgn="ctr"/>
+                      <a:r>
+                        <a:rPr lang="en-US" altLang="zh-CN" sz="2000" b="0" i="0" u="none" strike="noStrike">
+                          <a:solidFill>
+                            <a:srgbClr val="000000"/>
+                          </a:solidFill>
+                          <a:effectLst/>
+                          <a:latin typeface="宋体" panose="02010600030101010101" pitchFamily="2" charset="-122"/>
+                          <a:ea typeface="宋体" panose="02010600030101010101" pitchFamily="2" charset="-122"/>
+                        </a:rPr>
+                        <a:t>2</a:t>
+                      </a:r>
+                    </a:p>
+                  </a:txBody>
+                  <a:tcPr marL="7620" marR="7620" marT="7620" marB="0" anchor="ctr"/>
+                </a:tc>
+                <a:tc>
+                  <a:txBody>
+                    <a:bodyPr/>
+                    <a:lstStyle/>
+                    <a:p>
+                      <a:pPr algn="ctr" fontAlgn="ctr"/>
+                      <a:r>
+                        <a:rPr lang="en-US" altLang="zh-CN" sz="2000" b="0" i="0" u="none" strike="noStrike">
+                          <a:solidFill>
+                            <a:srgbClr val="000000"/>
+                          </a:solidFill>
+                          <a:effectLst/>
+                          <a:latin typeface="宋体" panose="02010600030101010101" pitchFamily="2" charset="-122"/>
+                          <a:ea typeface="宋体" panose="02010600030101010101" pitchFamily="2" charset="-122"/>
+                        </a:rPr>
+                        <a:t>3</a:t>
+                      </a:r>
+                    </a:p>
+                  </a:txBody>
+                  <a:tcPr marL="7620" marR="7620" marT="7620" marB="0" anchor="ctr"/>
+                </a:tc>
+                <a:tc>
+                  <a:txBody>
+                    <a:bodyPr/>
+                    <a:lstStyle/>
+                    <a:p>
+                      <a:pPr algn="ctr" fontAlgn="ctr"/>
+                      <a:r>
+                        <a:rPr lang="en-US" altLang="zh-CN" sz="2000" b="0" i="0" u="none" strike="noStrike">
+                          <a:solidFill>
+                            <a:srgbClr val="000000"/>
+                          </a:solidFill>
+                          <a:effectLst/>
+                          <a:latin typeface="宋体" panose="02010600030101010101" pitchFamily="2" charset="-122"/>
+                          <a:ea typeface="宋体" panose="02010600030101010101" pitchFamily="2" charset="-122"/>
+                        </a:rPr>
+                        <a:t>2</a:t>
+                      </a:r>
+                    </a:p>
+                  </a:txBody>
+                  <a:tcPr marL="7620" marR="7620" marT="7620" marB="0" anchor="ctr"/>
+                </a:tc>
+                <a:tc>
+                  <a:txBody>
+                    <a:bodyPr/>
+                    <a:lstStyle/>
+                    <a:p>
+                      <a:pPr algn="ctr" fontAlgn="ctr"/>
+                      <a:r>
+                        <a:rPr lang="en-US" altLang="zh-CN" sz="2000" b="1" i="0" u="none" strike="noStrike" dirty="0">
+                          <a:solidFill>
+                            <a:srgbClr val="FF0000"/>
+                          </a:solidFill>
+                          <a:effectLst/>
+                          <a:latin typeface="宋体" panose="02010600030101010101" pitchFamily="2" charset="-122"/>
+                          <a:ea typeface="宋体" panose="02010600030101010101" pitchFamily="2" charset="-122"/>
+                        </a:rPr>
+                        <a:t>1</a:t>
+                      </a:r>
+                    </a:p>
+                  </a:txBody>
+                  <a:tcPr marL="7620" marR="7620" marT="7620" marB="0" anchor="ctr"/>
+                </a:tc>
+                <a:tc>
+                  <a:txBody>
+                    <a:bodyPr/>
+                    <a:lstStyle/>
+                    <a:p>
+                      <a:pPr algn="ctr" fontAlgn="ctr"/>
+                      <a:r>
+                        <a:rPr lang="en-US" altLang="zh-CN" sz="2000" b="0" i="0" u="none" strike="noStrike">
+                          <a:solidFill>
+                            <a:srgbClr val="000000"/>
+                          </a:solidFill>
+                          <a:effectLst/>
+                          <a:latin typeface="宋体" panose="02010600030101010101" pitchFamily="2" charset="-122"/>
+                          <a:ea typeface="宋体" panose="02010600030101010101" pitchFamily="2" charset="-122"/>
+                        </a:rPr>
+                        <a:t>3</a:t>
+                      </a:r>
+                    </a:p>
+                  </a:txBody>
+                  <a:tcPr marL="7620" marR="7620" marT="7620" marB="0" anchor="ctr"/>
+                </a:tc>
+                <a:tc>
+                  <a:txBody>
+                    <a:bodyPr/>
+                    <a:lstStyle/>
+                    <a:p>
+                      <a:pPr algn="ctr" fontAlgn="ctr"/>
+                      <a:r>
+                        <a:rPr lang="en-US" altLang="zh-CN" sz="2000" b="0" i="0" u="none" strike="noStrike">
+                          <a:solidFill>
+                            <a:srgbClr val="000000"/>
+                          </a:solidFill>
+                          <a:effectLst/>
+                          <a:latin typeface="宋体" panose="02010600030101010101" pitchFamily="2" charset="-122"/>
+                          <a:ea typeface="宋体" panose="02010600030101010101" pitchFamily="2" charset="-122"/>
+                        </a:rPr>
+                        <a:t>2</a:t>
+                      </a:r>
+                    </a:p>
+                  </a:txBody>
+                  <a:tcPr marL="7620" marR="7620" marT="7620" marB="0" anchor="ctr"/>
+                </a:tc>
+                <a:tc>
+                  <a:txBody>
+                    <a:bodyPr/>
+                    <a:lstStyle/>
+                    <a:p>
+                      <a:pPr algn="ctr" fontAlgn="ctr"/>
+                      <a:r>
+                        <a:rPr lang="en-US" altLang="zh-CN" sz="2000" b="1" i="0" u="none" strike="noStrike" dirty="0">
+                          <a:solidFill>
+                            <a:srgbClr val="FF0000"/>
+                          </a:solidFill>
+                          <a:effectLst/>
+                          <a:latin typeface="宋体" panose="02010600030101010101" pitchFamily="2" charset="-122"/>
+                          <a:ea typeface="宋体" panose="02010600030101010101" pitchFamily="2" charset="-122"/>
+                        </a:rPr>
+                        <a:t>3</a:t>
+                      </a:r>
+                    </a:p>
+                  </a:txBody>
+                  <a:tcPr marL="7620" marR="7620" marT="7620" marB="0" anchor="ctr"/>
+                </a:tc>
+                <a:tc>
+                  <a:txBody>
+                    <a:bodyPr/>
+                    <a:lstStyle/>
+                    <a:p>
+                      <a:pPr algn="ctr" fontAlgn="ctr"/>
+                      <a:r>
+                        <a:rPr lang="en-US" altLang="zh-CN" sz="2000" b="0" i="0" u="none" strike="noStrike">
+                          <a:solidFill>
+                            <a:srgbClr val="000000"/>
+                          </a:solidFill>
+                          <a:effectLst/>
+                          <a:latin typeface="宋体" panose="02010600030101010101" pitchFamily="2" charset="-122"/>
+                          <a:ea typeface="宋体" panose="02010600030101010101" pitchFamily="2" charset="-122"/>
+                        </a:rPr>
+                        <a:t>2</a:t>
+                      </a:r>
+                    </a:p>
+                  </a:txBody>
+                  <a:tcPr marL="7620" marR="7620" marT="7620" marB="0" anchor="ctr"/>
+                </a:tc>
+                <a:tc>
+                  <a:txBody>
+                    <a:bodyPr/>
+                    <a:lstStyle/>
+                    <a:p>
+                      <a:pPr algn="ctr" fontAlgn="ctr"/>
+                      <a:r>
+                        <a:rPr lang="en-US" altLang="zh-CN" sz="2000" b="0" i="0" u="none" strike="noStrike">
+                          <a:solidFill>
+                            <a:srgbClr val="000000"/>
+                          </a:solidFill>
+                          <a:effectLst/>
+                          <a:latin typeface="宋体" panose="02010600030101010101" pitchFamily="2" charset="-122"/>
+                          <a:ea typeface="宋体" panose="02010600030101010101" pitchFamily="2" charset="-122"/>
+                        </a:rPr>
+                        <a:t>1</a:t>
+                      </a:r>
+                    </a:p>
+                  </a:txBody>
+                  <a:tcPr marL="7620" marR="7620" marT="7620" marB="0" anchor="ctr"/>
+                </a:tc>
+                <a:tc>
+                  <a:txBody>
+                    <a:bodyPr/>
+                    <a:lstStyle/>
+                    <a:p>
+                      <a:pPr algn="ctr" fontAlgn="ctr"/>
+                      <a:r>
+                        <a:rPr lang="en-US" altLang="zh-CN" sz="2000" b="0" i="0" u="none" strike="noStrike">
+                          <a:solidFill>
+                            <a:srgbClr val="000000"/>
+                          </a:solidFill>
+                          <a:effectLst/>
+                          <a:latin typeface="宋体" panose="02010600030101010101" pitchFamily="2" charset="-122"/>
+                          <a:ea typeface="宋体" panose="02010600030101010101" pitchFamily="2" charset="-122"/>
+                        </a:rPr>
+                        <a:t>3</a:t>
+                      </a:r>
+                    </a:p>
+                  </a:txBody>
+                  <a:tcPr marL="7620" marR="7620" marT="7620" marB="0" anchor="ctr"/>
+                </a:tc>
+                <a:tc>
+                  <a:txBody>
+                    <a:bodyPr/>
+                    <a:lstStyle/>
+                    <a:p>
+                      <a:pPr algn="ctr" fontAlgn="ctr"/>
+                      <a:r>
+                        <a:rPr lang="en-US" altLang="zh-CN" sz="2000" b="0" i="0" u="none" strike="noStrike">
+                          <a:solidFill>
+                            <a:srgbClr val="000000"/>
+                          </a:solidFill>
+                          <a:effectLst/>
+                          <a:latin typeface="宋体" panose="02010600030101010101" pitchFamily="2" charset="-122"/>
+                          <a:ea typeface="宋体" panose="02010600030101010101" pitchFamily="2" charset="-122"/>
+                        </a:rPr>
+                        <a:t>2</a:t>
+                      </a:r>
+                    </a:p>
+                  </a:txBody>
+                  <a:tcPr marL="7620" marR="7620" marT="7620" marB="0" anchor="ctr"/>
+                </a:tc>
+              </a:tr>
+              <a:tr h="370840">
+                <a:tc>
+                  <a:txBody>
+                    <a:bodyPr/>
+                    <a:lstStyle/>
+                    <a:p>
+                      <a:r>
+                        <a:rPr lang="zh-CN" altLang="en-US" dirty="0" smtClean="0"/>
+                        <a:t>后</a:t>
+                      </a:r>
+                      <a:endParaRPr lang="zh-CN" altLang="en-US" dirty="0"/>
+                    </a:p>
+                  </a:txBody>
+                  <a:tcPr/>
+                </a:tc>
+                <a:tc>
+                  <a:txBody>
+                    <a:bodyPr/>
+                    <a:lstStyle/>
+                    <a:p>
+                      <a:pPr algn="ctr" fontAlgn="ctr"/>
+                      <a:r>
+                        <a:rPr lang="en-US" altLang="zh-CN" sz="2000" b="0" i="0" u="none" strike="noStrike">
+                          <a:solidFill>
+                            <a:srgbClr val="000000"/>
+                          </a:solidFill>
+                          <a:effectLst/>
+                          <a:latin typeface="宋体" panose="02010600030101010101" pitchFamily="2" charset="-122"/>
+                          <a:ea typeface="宋体" panose="02010600030101010101" pitchFamily="2" charset="-122"/>
+                        </a:rPr>
+                        <a:t>2</a:t>
+                      </a:r>
+                    </a:p>
+                  </a:txBody>
+                  <a:tcPr marL="7620" marR="7620" marT="7620" marB="0" anchor="ctr"/>
+                </a:tc>
+                <a:tc>
+                  <a:txBody>
+                    <a:bodyPr/>
+                    <a:lstStyle/>
+                    <a:p>
+                      <a:pPr algn="ctr" fontAlgn="ctr"/>
+                      <a:r>
+                        <a:rPr lang="en-US" altLang="zh-CN" sz="2000" b="0" i="0" u="none" strike="noStrike">
+                          <a:solidFill>
+                            <a:srgbClr val="000000"/>
+                          </a:solidFill>
+                          <a:effectLst/>
+                          <a:latin typeface="宋体" panose="02010600030101010101" pitchFamily="2" charset="-122"/>
+                          <a:ea typeface="宋体" panose="02010600030101010101" pitchFamily="2" charset="-122"/>
+                        </a:rPr>
+                        <a:t>3</a:t>
+                      </a:r>
+                    </a:p>
+                  </a:txBody>
+                  <a:tcPr marL="7620" marR="7620" marT="7620" marB="0" anchor="ctr"/>
+                </a:tc>
+                <a:tc>
+                  <a:txBody>
+                    <a:bodyPr/>
+                    <a:lstStyle/>
+                    <a:p>
+                      <a:pPr algn="ctr" fontAlgn="ctr"/>
+                      <a:r>
+                        <a:rPr lang="en-US" altLang="zh-CN" sz="2000" b="0" i="0" u="none" strike="noStrike">
+                          <a:solidFill>
+                            <a:srgbClr val="000000"/>
+                          </a:solidFill>
+                          <a:effectLst/>
+                          <a:latin typeface="宋体" panose="02010600030101010101" pitchFamily="2" charset="-122"/>
+                          <a:ea typeface="宋体" panose="02010600030101010101" pitchFamily="2" charset="-122"/>
+                        </a:rPr>
+                        <a:t>4</a:t>
+                      </a:r>
+                    </a:p>
+                  </a:txBody>
+                  <a:tcPr marL="7620" marR="7620" marT="7620" marB="0" anchor="ctr"/>
+                </a:tc>
+                <a:tc>
+                  <a:txBody>
+                    <a:bodyPr/>
+                    <a:lstStyle/>
+                    <a:p>
+                      <a:pPr algn="ctr" fontAlgn="ctr"/>
+                      <a:r>
+                        <a:rPr lang="en-US" altLang="zh-CN" sz="2000" b="0" i="0" u="none" strike="noStrike">
+                          <a:solidFill>
+                            <a:srgbClr val="000000"/>
+                          </a:solidFill>
+                          <a:effectLst/>
+                          <a:latin typeface="宋体" panose="02010600030101010101" pitchFamily="2" charset="-122"/>
+                          <a:ea typeface="宋体" panose="02010600030101010101" pitchFamily="2" charset="-122"/>
+                        </a:rPr>
+                        <a:t>4</a:t>
+                      </a:r>
+                    </a:p>
+                  </a:txBody>
+                  <a:tcPr marL="7620" marR="7620" marT="7620" marB="0" anchor="ctr"/>
+                </a:tc>
+                <a:tc>
+                  <a:txBody>
+                    <a:bodyPr/>
+                    <a:lstStyle/>
+                    <a:p>
+                      <a:pPr algn="ctr" fontAlgn="ctr"/>
+                      <a:r>
+                        <a:rPr lang="en-US" altLang="zh-CN" sz="2000" b="1" i="0" u="none" strike="noStrike" dirty="0">
+                          <a:solidFill>
+                            <a:srgbClr val="FF0000"/>
+                          </a:solidFill>
+                          <a:effectLst/>
+                          <a:latin typeface="宋体" panose="02010600030101010101" pitchFamily="2" charset="-122"/>
+                          <a:ea typeface="宋体" panose="02010600030101010101" pitchFamily="2" charset="-122"/>
+                        </a:rPr>
+                        <a:t>1</a:t>
+                      </a:r>
+                    </a:p>
+                  </a:txBody>
+                  <a:tcPr marL="7620" marR="7620" marT="7620" marB="0" anchor="ctr"/>
+                </a:tc>
+                <a:tc>
+                  <a:txBody>
+                    <a:bodyPr/>
+                    <a:lstStyle/>
+                    <a:p>
+                      <a:pPr algn="ctr" fontAlgn="ctr"/>
+                      <a:r>
+                        <a:rPr lang="en-US" altLang="zh-CN" sz="2000" b="0" i="0" u="none" strike="noStrike">
+                          <a:solidFill>
+                            <a:srgbClr val="000000"/>
+                          </a:solidFill>
+                          <a:effectLst/>
+                          <a:latin typeface="宋体" panose="02010600030101010101" pitchFamily="2" charset="-122"/>
+                          <a:ea typeface="宋体" panose="02010600030101010101" pitchFamily="2" charset="-122"/>
+                        </a:rPr>
+                        <a:t>4</a:t>
+                      </a:r>
+                    </a:p>
+                  </a:txBody>
+                  <a:tcPr marL="7620" marR="7620" marT="7620" marB="0" anchor="ctr"/>
+                </a:tc>
+                <a:tc>
+                  <a:txBody>
+                    <a:bodyPr/>
+                    <a:lstStyle/>
+                    <a:p>
+                      <a:pPr algn="ctr" fontAlgn="ctr"/>
+                      <a:r>
+                        <a:rPr lang="en-US" altLang="zh-CN" sz="2000" b="0" i="0" u="none" strike="noStrike">
+                          <a:solidFill>
+                            <a:srgbClr val="000000"/>
+                          </a:solidFill>
+                          <a:effectLst/>
+                          <a:latin typeface="宋体" panose="02010600030101010101" pitchFamily="2" charset="-122"/>
+                          <a:ea typeface="宋体" panose="02010600030101010101" pitchFamily="2" charset="-122"/>
+                        </a:rPr>
+                        <a:t>4</a:t>
+                      </a:r>
+                    </a:p>
+                  </a:txBody>
+                  <a:tcPr marL="7620" marR="7620" marT="7620" marB="0" anchor="ctr"/>
+                </a:tc>
+                <a:tc>
+                  <a:txBody>
+                    <a:bodyPr/>
+                    <a:lstStyle/>
+                    <a:p>
+                      <a:pPr algn="ctr" fontAlgn="ctr"/>
+                      <a:r>
+                        <a:rPr lang="en-US" altLang="zh-CN" sz="2000" b="1" i="0" u="none" strike="noStrike" dirty="0">
+                          <a:solidFill>
+                            <a:srgbClr val="FF0000"/>
+                          </a:solidFill>
+                          <a:effectLst/>
+                          <a:latin typeface="宋体" panose="02010600030101010101" pitchFamily="2" charset="-122"/>
+                          <a:ea typeface="宋体" panose="02010600030101010101" pitchFamily="2" charset="-122"/>
+                        </a:rPr>
+                        <a:t>3</a:t>
+                      </a:r>
+                    </a:p>
+                  </a:txBody>
+                  <a:tcPr marL="7620" marR="7620" marT="7620" marB="0" anchor="ctr"/>
+                </a:tc>
+                <a:tc>
+                  <a:txBody>
+                    <a:bodyPr/>
+                    <a:lstStyle/>
+                    <a:p>
+                      <a:pPr algn="ctr" fontAlgn="ctr"/>
+                      <a:r>
+                        <a:rPr lang="en-US" altLang="zh-CN" sz="2000" b="0" i="0" u="none" strike="noStrike">
+                          <a:solidFill>
+                            <a:srgbClr val="000000"/>
+                          </a:solidFill>
+                          <a:effectLst/>
+                          <a:latin typeface="宋体" panose="02010600030101010101" pitchFamily="2" charset="-122"/>
+                          <a:ea typeface="宋体" panose="02010600030101010101" pitchFamily="2" charset="-122"/>
+                        </a:rPr>
+                        <a:t>1</a:t>
+                      </a:r>
+                    </a:p>
+                  </a:txBody>
+                  <a:tcPr marL="7620" marR="7620" marT="7620" marB="0" anchor="ctr"/>
+                </a:tc>
+                <a:tc>
+                  <a:txBody>
+                    <a:bodyPr/>
+                    <a:lstStyle/>
+                    <a:p>
+                      <a:pPr algn="ctr" fontAlgn="ctr"/>
+                      <a:r>
+                        <a:rPr lang="en-US" altLang="zh-CN" sz="2000" b="0" i="0" u="none" strike="noStrike">
+                          <a:solidFill>
+                            <a:srgbClr val="000000"/>
+                          </a:solidFill>
+                          <a:effectLst/>
+                          <a:latin typeface="宋体" panose="02010600030101010101" pitchFamily="2" charset="-122"/>
+                          <a:ea typeface="宋体" panose="02010600030101010101" pitchFamily="2" charset="-122"/>
+                        </a:rPr>
+                        <a:t>3</a:t>
+                      </a:r>
+                    </a:p>
+                  </a:txBody>
+                  <a:tcPr marL="7620" marR="7620" marT="7620" marB="0" anchor="ctr"/>
+                </a:tc>
+                <a:tc>
+                  <a:txBody>
+                    <a:bodyPr/>
+                    <a:lstStyle/>
+                    <a:p>
+                      <a:pPr algn="ctr" fontAlgn="ctr"/>
+                      <a:r>
+                        <a:rPr lang="en-US" altLang="zh-CN" sz="2000" b="0" i="0" u="none" strike="noStrike">
+                          <a:solidFill>
+                            <a:srgbClr val="000000"/>
+                          </a:solidFill>
+                          <a:effectLst/>
+                          <a:latin typeface="宋体" panose="02010600030101010101" pitchFamily="2" charset="-122"/>
+                          <a:ea typeface="宋体" panose="02010600030101010101" pitchFamily="2" charset="-122"/>
+                        </a:rPr>
+                        <a:t>4</a:t>
+                      </a:r>
+                    </a:p>
+                  </a:txBody>
+                  <a:tcPr marL="7620" marR="7620" marT="7620" marB="0" anchor="ctr"/>
+                </a:tc>
+                <a:tc>
+                  <a:txBody>
+                    <a:bodyPr/>
+                    <a:lstStyle/>
+                    <a:p>
+                      <a:pPr algn="ctr" fontAlgn="ctr"/>
+                      <a:r>
+                        <a:rPr lang="en-US" altLang="zh-CN" sz="2000" b="0" i="0" u="none" strike="noStrike" dirty="0">
+                          <a:solidFill>
+                            <a:srgbClr val="000000"/>
+                          </a:solidFill>
+                          <a:effectLst/>
+                          <a:latin typeface="宋体" panose="02010600030101010101" pitchFamily="2" charset="-122"/>
+                          <a:ea typeface="宋体" panose="02010600030101010101" pitchFamily="2" charset="-122"/>
+                        </a:rPr>
+                        <a:t>3</a:t>
+                      </a:r>
+                    </a:p>
+                  </a:txBody>
+                  <a:tcPr marL="7620" marR="7620" marT="7620" marB="0" anchor="ctr"/>
+                </a:tc>
+              </a:tr>
+            </a:tbl>
+          </a:graphicData>
+        </a:graphic>
+      </p:graphicFrame>
+    </p:spTree>
+    <p:extLst>
+      <p:ext uri="{BB962C8B-B14F-4D97-AF65-F5344CB8AC3E}">
+        <p14:creationId xmlns:p14="http://schemas.microsoft.com/office/powerpoint/2010/main" val="483388678"/>
+      </p:ext>
+    </p:extLst>
+  </p:cSld>
+  <p:clrMapOvr>
+    <a:masterClrMapping/>
+  </p:clrMapOvr>
+</p:sld>
+</file>
+
+<file path=ppt/slides/slide31.xml><?xml version="1.0" encoding="utf-8"?>
+<p:sld xmlns:a="http://schemas.openxmlformats.org/drawingml/2006/main" xmlns:r="http://schemas.openxmlformats.org/officeDocument/2006/relationships" xmlns:p="http://schemas.openxmlformats.org/presentationml/2006/main">
+  <p:cSld>
+    <p:spTree>
+      <p:nvGrpSpPr>
+        <p:cNvPr id="1" name=""/>
+        <p:cNvGrpSpPr/>
+        <p:nvPr/>
+      </p:nvGrpSpPr>
+      <p:grpSpPr>
+        <a:xfrm>
+          <a:off x="0" y="0"/>
+          <a:ext cx="0" cy="0"/>
+          <a:chOff x="0" y="0"/>
+          <a:chExt cx="0" cy="0"/>
+        </a:xfrm>
+      </p:grpSpPr>
+      <p:sp>
+        <p:nvSpPr>
+          <p:cNvPr id="2" name="标题 1"/>
+          <p:cNvSpPr>
+            <a:spLocks noGrp="1"/>
+          </p:cNvSpPr>
+          <p:nvPr>
+            <p:ph type="title"/>
+          </p:nvPr>
+        </p:nvSpPr>
+        <p:spPr/>
+        <p:txBody>
+          <a:bodyPr/>
+          <a:lstStyle/>
+          <a:p>
+            <a:r>
+              <a:rPr lang="en-US" altLang="zh-CN" dirty="0" smtClean="0"/>
+              <a:t>Wilcoxon</a:t>
+            </a:r>
+            <a:r>
+              <a:rPr lang="zh-CN" altLang="en-US" dirty="0" smtClean="0"/>
+              <a:t>符号秩和检验</a:t>
+            </a:r>
+            <a:endParaRPr lang="zh-CN" altLang="en-US" dirty="0"/>
+          </a:p>
+        </p:txBody>
+      </p:sp>
+      <p:sp>
+        <p:nvSpPr>
+          <p:cNvPr id="3" name="内容占位符 2"/>
+          <p:cNvSpPr>
+            <a:spLocks noGrp="1"/>
+          </p:cNvSpPr>
+          <p:nvPr>
+            <p:ph idx="1"/>
+          </p:nvPr>
+        </p:nvSpPr>
+        <p:spPr>
+          <a:xfrm>
+            <a:off x="1371600" y="1731086"/>
+            <a:ext cx="9601200" cy="4388360"/>
+          </a:xfrm>
+        </p:spPr>
+        <p:txBody>
+          <a:bodyPr>
+            <a:normAutofit/>
+          </a:bodyPr>
+          <a:lstStyle/>
+          <a:p>
+            <a:r>
+              <a:rPr lang="zh-CN" altLang="en-US" dirty="0" smtClean="0"/>
+              <a:t>用于配对数据的</a:t>
+            </a:r>
+            <a:r>
+              <a:rPr lang="en-US" altLang="zh-CN" dirty="0" smtClean="0"/>
+              <a:t>U</a:t>
+            </a:r>
+            <a:r>
+              <a:rPr lang="zh-CN" altLang="en-US" dirty="0" smtClean="0"/>
+              <a:t>检验</a:t>
+            </a:r>
+            <a:r>
+              <a:rPr lang="en-US" altLang="zh-CN" dirty="0" smtClean="0"/>
+              <a:t>+</a:t>
+            </a:r>
+            <a:r>
+              <a:rPr lang="zh-CN" altLang="en-US" dirty="0" smtClean="0"/>
+              <a:t>符号检验</a:t>
+            </a:r>
+            <a:endParaRPr lang="en-US" altLang="zh-CN" dirty="0" smtClean="0"/>
+          </a:p>
+          <a:p>
+            <a:r>
+              <a:rPr lang="zh-CN" altLang="en-US" dirty="0" smtClean="0"/>
+              <a:t>符号检验丢失了差值大小信息，只保留了正负信息</a:t>
+            </a:r>
+            <a:endParaRPr lang="en-US" altLang="zh-CN" dirty="0" smtClean="0"/>
+          </a:p>
+          <a:p>
+            <a:r>
+              <a:rPr lang="zh-CN" altLang="en-US" dirty="0" smtClean="0"/>
+              <a:t>符号秩和检验：</a:t>
+            </a:r>
+            <a:endParaRPr lang="en-US" altLang="zh-CN" dirty="0" smtClean="0"/>
+          </a:p>
+          <a:p>
+            <a:pPr lvl="1"/>
+            <a:r>
+              <a:rPr lang="zh-CN" altLang="en-US" dirty="0" smtClean="0"/>
+              <a:t>首先计算差，然后按照绝对值排序</a:t>
+            </a:r>
+            <a:endParaRPr lang="en-US" altLang="zh-CN" dirty="0" smtClean="0"/>
+          </a:p>
+          <a:p>
+            <a:pPr lvl="1"/>
+            <a:r>
+              <a:rPr lang="zh-CN" altLang="en-US" dirty="0" smtClean="0"/>
+              <a:t>绝对值的秩*符号</a:t>
+            </a:r>
+            <a:endParaRPr lang="en-US" altLang="zh-CN" dirty="0" smtClean="0"/>
+          </a:p>
+          <a:p>
+            <a:r>
+              <a:rPr lang="zh-CN" altLang="en-US" dirty="0" smtClean="0"/>
+              <a:t>接下来用符号秩和检验来重新做刚才的两道题</a:t>
+            </a:r>
+            <a:endParaRPr lang="en-US" altLang="zh-CN" dirty="0" smtClean="0"/>
+          </a:p>
+        </p:txBody>
+      </p:sp>
+    </p:spTree>
+    <p:extLst>
+      <p:ext uri="{BB962C8B-B14F-4D97-AF65-F5344CB8AC3E}">
+        <p14:creationId xmlns:p14="http://schemas.microsoft.com/office/powerpoint/2010/main" val="2091912395"/>
+      </p:ext>
+    </p:extLst>
+  </p:cSld>
+  <p:clrMapOvr>
+    <a:masterClrMapping/>
+  </p:clrMapOvr>
+</p:sld>
+</file>
+
+<file path=ppt/slides/slide32.xml><?xml version="1.0" encoding="utf-8"?>
+<p:sld xmlns:a="http://schemas.openxmlformats.org/drawingml/2006/main" xmlns:r="http://schemas.openxmlformats.org/officeDocument/2006/relationships" xmlns:p="http://schemas.openxmlformats.org/presentationml/2006/main">
+  <p:cSld>
+    <p:spTree>
+      <p:nvGrpSpPr>
+        <p:cNvPr id="1" name=""/>
+        <p:cNvGrpSpPr/>
+        <p:nvPr/>
+      </p:nvGrpSpPr>
+      <p:grpSpPr>
+        <a:xfrm>
+          <a:off x="0" y="0"/>
+          <a:ext cx="0" cy="0"/>
+          <a:chOff x="0" y="0"/>
+          <a:chExt cx="0" cy="0"/>
+        </a:xfrm>
+      </p:grpSpPr>
+      <p:sp>
+        <p:nvSpPr>
+          <p:cNvPr id="2" name="标题 1"/>
+          <p:cNvSpPr>
+            <a:spLocks noGrp="1"/>
+          </p:cNvSpPr>
+          <p:nvPr>
+            <p:ph type="title"/>
+          </p:nvPr>
+        </p:nvSpPr>
+        <p:spPr/>
+        <p:txBody>
+          <a:bodyPr/>
+          <a:lstStyle/>
+          <a:p>
+            <a:r>
+              <a:rPr lang="zh-CN" altLang="en-US" dirty="0" smtClean="0"/>
+              <a:t>例题</a:t>
+            </a:r>
+            <a:endParaRPr lang="zh-CN" altLang="en-US" dirty="0"/>
+          </a:p>
+        </p:txBody>
+      </p:sp>
+      <p:sp>
+        <p:nvSpPr>
+          <p:cNvPr id="3" name="内容占位符 2"/>
+          <p:cNvSpPr>
+            <a:spLocks noGrp="1"/>
+          </p:cNvSpPr>
+          <p:nvPr>
+            <p:ph idx="1"/>
+          </p:nvPr>
+        </p:nvSpPr>
+        <p:spPr>
+          <a:xfrm>
+            <a:off x="1371600" y="1731086"/>
+            <a:ext cx="9601200" cy="4863145"/>
+          </a:xfrm>
+        </p:spPr>
+        <p:txBody>
+          <a:bodyPr/>
+          <a:lstStyle/>
+          <a:p>
+            <a:r>
+              <a:rPr lang="en-US" altLang="zh-CN" dirty="0" smtClean="0"/>
+              <a:t>8</a:t>
+            </a:r>
+            <a:r>
+              <a:rPr lang="zh-CN" altLang="en-US" dirty="0" smtClean="0"/>
+              <a:t>位自闭症儿童接受了某种药物治疗，治疗前和治疗后对重复行为做了评价。</a:t>
+            </a:r>
+            <a:r>
+              <a:rPr lang="en-US" altLang="zh-CN" dirty="0" smtClean="0"/>
+              <a:t>0</a:t>
+            </a:r>
+            <a:r>
+              <a:rPr lang="zh-CN" altLang="en-US" dirty="0" smtClean="0"/>
+              <a:t>分为完全没有重复行为，</a:t>
+            </a:r>
+            <a:r>
+              <a:rPr lang="en-US" altLang="zh-CN" dirty="0" smtClean="0"/>
+              <a:t>100</a:t>
+            </a:r>
+            <a:r>
+              <a:rPr lang="zh-CN" altLang="en-US" dirty="0" smtClean="0"/>
+              <a:t>分是指儿童持续性进行重复行为。数据如下表所示</a:t>
+            </a:r>
+            <a:endParaRPr lang="en-US" altLang="zh-CN" dirty="0" smtClean="0"/>
+          </a:p>
+          <a:p>
+            <a:endParaRPr lang="en-US" altLang="zh-CN" dirty="0"/>
+          </a:p>
+          <a:p>
+            <a:endParaRPr lang="en-US" altLang="zh-CN" dirty="0" smtClean="0"/>
+          </a:p>
+          <a:p>
+            <a:endParaRPr lang="en-US" altLang="zh-CN" dirty="0"/>
+          </a:p>
+          <a:p>
+            <a:r>
+              <a:rPr lang="zh-CN" altLang="en-US" dirty="0" smtClean="0"/>
+              <a:t>请评价，药物是否能减少患儿的重复行为呢？</a:t>
+            </a:r>
+            <a:endParaRPr lang="zh-CN" altLang="en-US" dirty="0"/>
+          </a:p>
+        </p:txBody>
+      </p:sp>
+      <p:graphicFrame>
+        <p:nvGraphicFramePr>
+          <p:cNvPr id="4" name="表格 3"/>
+          <p:cNvGraphicFramePr>
+            <a:graphicFrameLocks noGrp="1"/>
+          </p:cNvGraphicFramePr>
+          <p:nvPr>
+            <p:extLst/>
+          </p:nvPr>
+        </p:nvGraphicFramePr>
+        <p:xfrm>
+          <a:off x="2092570" y="3411415"/>
+          <a:ext cx="8229600" cy="2011680"/>
+        </p:xfrm>
+        <a:graphic>
+          <a:graphicData uri="http://schemas.openxmlformats.org/drawingml/2006/table">
+            <a:tbl>
+              <a:tblPr>
+                <a:tableStyleId>{5C22544A-7EE6-4342-B048-85BDC9FD1C3A}</a:tableStyleId>
+              </a:tblPr>
+              <a:tblGrid>
+                <a:gridCol w="914400"/>
+                <a:gridCol w="914400"/>
+                <a:gridCol w="914400"/>
+                <a:gridCol w="914400"/>
+                <a:gridCol w="914400"/>
+                <a:gridCol w="914400"/>
+                <a:gridCol w="914400"/>
+                <a:gridCol w="914400"/>
+                <a:gridCol w="914400"/>
+              </a:tblGrid>
+              <a:tr h="731520">
+                <a:tc>
+                  <a:txBody>
+                    <a:bodyPr/>
+                    <a:lstStyle/>
+                    <a:p>
+                      <a:pPr algn="ctr" fontAlgn="ctr"/>
+                      <a:r>
+                        <a:rPr lang="en-US" sz="1800" u="none" strike="noStrike" dirty="0">
+                          <a:effectLst/>
+                        </a:rPr>
+                        <a:t>Child</a:t>
+                      </a:r>
+                      <a:endParaRPr lang="en-US" sz="1800" b="1" i="0" u="none" strike="noStrike" dirty="0">
+                        <a:solidFill>
+                          <a:srgbClr val="000000"/>
+                        </a:solidFill>
+                        <a:effectLst/>
+                        <a:latin typeface="宋体" panose="02010600030101010101" pitchFamily="2" charset="-122"/>
+                        <a:ea typeface="宋体" panose="02010600030101010101" pitchFamily="2" charset="-122"/>
+                      </a:endParaRPr>
+                    </a:p>
+                  </a:txBody>
+                  <a:tcPr marL="7620" marR="7620" marT="7620" marB="0" anchor="ctr"/>
+                </a:tc>
+                <a:tc>
+                  <a:txBody>
+                    <a:bodyPr/>
+                    <a:lstStyle/>
+                    <a:p>
+                      <a:pPr algn="ctr" fontAlgn="ctr"/>
+                      <a:r>
+                        <a:rPr lang="en-US" altLang="zh-CN" sz="1800" u="none" strike="noStrike">
+                          <a:effectLst/>
+                        </a:rPr>
+                        <a:t>1</a:t>
+                      </a:r>
+                      <a:endParaRPr lang="en-US" altLang="zh-CN" sz="1800" b="0" i="0" u="none" strike="noStrike">
+                        <a:solidFill>
+                          <a:srgbClr val="000000"/>
+                        </a:solidFill>
+                        <a:effectLst/>
+                        <a:latin typeface="宋体" panose="02010600030101010101" pitchFamily="2" charset="-122"/>
+                        <a:ea typeface="宋体" panose="02010600030101010101" pitchFamily="2" charset="-122"/>
+                      </a:endParaRPr>
+                    </a:p>
+                  </a:txBody>
+                  <a:tcPr marL="7620" marR="7620" marT="7620" marB="0" anchor="ctr"/>
+                </a:tc>
+                <a:tc>
+                  <a:txBody>
+                    <a:bodyPr/>
+                    <a:lstStyle/>
+                    <a:p>
+                      <a:pPr algn="ctr" fontAlgn="ctr"/>
+                      <a:r>
+                        <a:rPr lang="en-US" altLang="zh-CN" sz="1800" u="none" strike="noStrike">
+                          <a:effectLst/>
+                        </a:rPr>
+                        <a:t>2</a:t>
+                      </a:r>
+                      <a:endParaRPr lang="en-US" altLang="zh-CN" sz="1800" b="0" i="0" u="none" strike="noStrike">
+                        <a:solidFill>
+                          <a:srgbClr val="000000"/>
+                        </a:solidFill>
+                        <a:effectLst/>
+                        <a:latin typeface="宋体" panose="02010600030101010101" pitchFamily="2" charset="-122"/>
+                        <a:ea typeface="宋体" panose="02010600030101010101" pitchFamily="2" charset="-122"/>
+                      </a:endParaRPr>
+                    </a:p>
+                  </a:txBody>
+                  <a:tcPr marL="7620" marR="7620" marT="7620" marB="0" anchor="ctr"/>
+                </a:tc>
+                <a:tc>
+                  <a:txBody>
+                    <a:bodyPr/>
+                    <a:lstStyle/>
+                    <a:p>
+                      <a:pPr algn="ctr" fontAlgn="ctr"/>
+                      <a:r>
+                        <a:rPr lang="en-US" altLang="zh-CN" sz="1800" u="none" strike="noStrike">
+                          <a:effectLst/>
+                        </a:rPr>
+                        <a:t>3</a:t>
+                      </a:r>
+                      <a:endParaRPr lang="en-US" altLang="zh-CN" sz="1800" b="0" i="0" u="none" strike="noStrike">
+                        <a:solidFill>
+                          <a:srgbClr val="000000"/>
+                        </a:solidFill>
+                        <a:effectLst/>
+                        <a:latin typeface="宋体" panose="02010600030101010101" pitchFamily="2" charset="-122"/>
+                        <a:ea typeface="宋体" panose="02010600030101010101" pitchFamily="2" charset="-122"/>
+                      </a:endParaRPr>
+                    </a:p>
+                  </a:txBody>
+                  <a:tcPr marL="7620" marR="7620" marT="7620" marB="0" anchor="ctr"/>
+                </a:tc>
+                <a:tc>
+                  <a:txBody>
+                    <a:bodyPr/>
+                    <a:lstStyle/>
+                    <a:p>
+                      <a:pPr algn="ctr" fontAlgn="ctr"/>
+                      <a:r>
+                        <a:rPr lang="en-US" altLang="zh-CN" sz="1800" u="none" strike="noStrike" dirty="0">
+                          <a:effectLst/>
+                        </a:rPr>
+                        <a:t>4</a:t>
+                      </a:r>
+                      <a:endParaRPr lang="en-US" altLang="zh-CN" sz="1800" b="0" i="0" u="none" strike="noStrike" dirty="0">
+                        <a:solidFill>
+                          <a:srgbClr val="000000"/>
+                        </a:solidFill>
+                        <a:effectLst/>
+                        <a:latin typeface="宋体" panose="02010600030101010101" pitchFamily="2" charset="-122"/>
+                        <a:ea typeface="宋体" panose="02010600030101010101" pitchFamily="2" charset="-122"/>
+                      </a:endParaRPr>
+                    </a:p>
+                  </a:txBody>
+                  <a:tcPr marL="7620" marR="7620" marT="7620" marB="0" anchor="ctr"/>
+                </a:tc>
+                <a:tc>
+                  <a:txBody>
+                    <a:bodyPr/>
+                    <a:lstStyle/>
+                    <a:p>
+                      <a:pPr algn="ctr" fontAlgn="ctr"/>
+                      <a:r>
+                        <a:rPr lang="en-US" altLang="zh-CN" sz="1800" u="none" strike="noStrike">
+                          <a:effectLst/>
+                        </a:rPr>
+                        <a:t>5</a:t>
+                      </a:r>
+                      <a:endParaRPr lang="en-US" altLang="zh-CN" sz="1800" b="0" i="0" u="none" strike="noStrike">
+                        <a:solidFill>
+                          <a:srgbClr val="000000"/>
+                        </a:solidFill>
+                        <a:effectLst/>
+                        <a:latin typeface="宋体" panose="02010600030101010101" pitchFamily="2" charset="-122"/>
+                        <a:ea typeface="宋体" panose="02010600030101010101" pitchFamily="2" charset="-122"/>
+                      </a:endParaRPr>
+                    </a:p>
+                  </a:txBody>
+                  <a:tcPr marL="7620" marR="7620" marT="7620" marB="0" anchor="ctr"/>
+                </a:tc>
+                <a:tc>
+                  <a:txBody>
+                    <a:bodyPr/>
+                    <a:lstStyle/>
+                    <a:p>
+                      <a:pPr algn="ctr" fontAlgn="ctr"/>
+                      <a:r>
+                        <a:rPr lang="en-US" altLang="zh-CN" sz="1800" u="none" strike="noStrike">
+                          <a:effectLst/>
+                        </a:rPr>
+                        <a:t>6</a:t>
+                      </a:r>
+                      <a:endParaRPr lang="en-US" altLang="zh-CN" sz="1800" b="0" i="0" u="none" strike="noStrike">
+                        <a:solidFill>
+                          <a:srgbClr val="000000"/>
+                        </a:solidFill>
+                        <a:effectLst/>
+                        <a:latin typeface="宋体" panose="02010600030101010101" pitchFamily="2" charset="-122"/>
+                        <a:ea typeface="宋体" panose="02010600030101010101" pitchFamily="2" charset="-122"/>
+                      </a:endParaRPr>
+                    </a:p>
+                  </a:txBody>
+                  <a:tcPr marL="7620" marR="7620" marT="7620" marB="0" anchor="ctr"/>
+                </a:tc>
+                <a:tc>
+                  <a:txBody>
+                    <a:bodyPr/>
+                    <a:lstStyle/>
+                    <a:p>
+                      <a:pPr algn="ctr" fontAlgn="ctr"/>
+                      <a:r>
+                        <a:rPr lang="en-US" altLang="zh-CN" sz="1800" u="none" strike="noStrike">
+                          <a:effectLst/>
+                        </a:rPr>
+                        <a:t>7</a:t>
+                      </a:r>
+                      <a:endParaRPr lang="en-US" altLang="zh-CN" sz="1800" b="0" i="0" u="none" strike="noStrike">
+                        <a:solidFill>
+                          <a:srgbClr val="000000"/>
+                        </a:solidFill>
+                        <a:effectLst/>
+                        <a:latin typeface="宋体" panose="02010600030101010101" pitchFamily="2" charset="-122"/>
+                        <a:ea typeface="宋体" panose="02010600030101010101" pitchFamily="2" charset="-122"/>
+                      </a:endParaRPr>
+                    </a:p>
+                  </a:txBody>
+                  <a:tcPr marL="7620" marR="7620" marT="7620" marB="0" anchor="ctr"/>
+                </a:tc>
+                <a:tc>
+                  <a:txBody>
+                    <a:bodyPr/>
+                    <a:lstStyle/>
+                    <a:p>
+                      <a:pPr algn="ctr" fontAlgn="ctr"/>
+                      <a:r>
+                        <a:rPr lang="en-US" altLang="zh-CN" sz="1800" u="none" strike="noStrike">
+                          <a:effectLst/>
+                        </a:rPr>
+                        <a:t>8</a:t>
+                      </a:r>
+                      <a:endParaRPr lang="en-US" altLang="zh-CN" sz="1800" b="0" i="0" u="none" strike="noStrike">
+                        <a:solidFill>
+                          <a:srgbClr val="000000"/>
+                        </a:solidFill>
+                        <a:effectLst/>
+                        <a:latin typeface="宋体" panose="02010600030101010101" pitchFamily="2" charset="-122"/>
+                        <a:ea typeface="宋体" panose="02010600030101010101" pitchFamily="2" charset="-122"/>
+                      </a:endParaRPr>
+                    </a:p>
+                  </a:txBody>
+                  <a:tcPr marL="7620" marR="7620" marT="7620" marB="0" anchor="ctr"/>
+                </a:tc>
+              </a:tr>
+              <a:tr h="548640">
+                <a:tc>
+                  <a:txBody>
+                    <a:bodyPr/>
+                    <a:lstStyle/>
+                    <a:p>
+                      <a:pPr algn="ctr" fontAlgn="ctr"/>
+                      <a:r>
+                        <a:rPr lang="zh-CN" altLang="en-US" sz="1800" b="1" i="0" u="none" strike="noStrike" dirty="0" smtClean="0">
+                          <a:solidFill>
+                            <a:srgbClr val="000000"/>
+                          </a:solidFill>
+                          <a:effectLst/>
+                          <a:latin typeface="宋体" panose="02010600030101010101" pitchFamily="2" charset="-122"/>
+                          <a:ea typeface="宋体" panose="02010600030101010101" pitchFamily="2" charset="-122"/>
+                        </a:rPr>
+                        <a:t>治疗前</a:t>
+                      </a:r>
+                      <a:endParaRPr lang="en-US" sz="1800" b="1" i="0" u="none" strike="noStrike" dirty="0">
+                        <a:solidFill>
+                          <a:srgbClr val="000000"/>
+                        </a:solidFill>
+                        <a:effectLst/>
+                        <a:latin typeface="宋体" panose="02010600030101010101" pitchFamily="2" charset="-122"/>
+                        <a:ea typeface="宋体" panose="02010600030101010101" pitchFamily="2" charset="-122"/>
+                      </a:endParaRPr>
+                    </a:p>
+                  </a:txBody>
+                  <a:tcPr marL="7620" marR="7620" marT="7620" marB="0" anchor="ctr"/>
+                </a:tc>
+                <a:tc>
+                  <a:txBody>
+                    <a:bodyPr/>
+                    <a:lstStyle/>
+                    <a:p>
+                      <a:pPr algn="ctr" fontAlgn="ctr"/>
+                      <a:r>
+                        <a:rPr lang="en-US" altLang="zh-CN" sz="1800" u="none" strike="noStrike">
+                          <a:effectLst/>
+                        </a:rPr>
+                        <a:t>85</a:t>
+                      </a:r>
+                      <a:endParaRPr lang="en-US" altLang="zh-CN" sz="1800" b="0" i="0" u="none" strike="noStrike">
+                        <a:solidFill>
+                          <a:srgbClr val="000000"/>
+                        </a:solidFill>
+                        <a:effectLst/>
+                        <a:latin typeface="宋体" panose="02010600030101010101" pitchFamily="2" charset="-122"/>
+                        <a:ea typeface="宋体" panose="02010600030101010101" pitchFamily="2" charset="-122"/>
+                      </a:endParaRPr>
+                    </a:p>
+                  </a:txBody>
+                  <a:tcPr marL="7620" marR="7620" marT="7620" marB="0" anchor="ctr"/>
+                </a:tc>
+                <a:tc>
+                  <a:txBody>
+                    <a:bodyPr/>
+                    <a:lstStyle/>
+                    <a:p>
+                      <a:pPr algn="ctr" fontAlgn="ctr"/>
+                      <a:r>
+                        <a:rPr lang="en-US" altLang="zh-CN" sz="1800" u="none" strike="noStrike">
+                          <a:effectLst/>
+                        </a:rPr>
+                        <a:t>70</a:t>
+                      </a:r>
+                      <a:endParaRPr lang="en-US" altLang="zh-CN" sz="1800" b="0" i="0" u="none" strike="noStrike">
+                        <a:solidFill>
+                          <a:srgbClr val="000000"/>
+                        </a:solidFill>
+                        <a:effectLst/>
+                        <a:latin typeface="宋体" panose="02010600030101010101" pitchFamily="2" charset="-122"/>
+                        <a:ea typeface="宋体" panose="02010600030101010101" pitchFamily="2" charset="-122"/>
+                      </a:endParaRPr>
+                    </a:p>
+                  </a:txBody>
+                  <a:tcPr marL="7620" marR="7620" marT="7620" marB="0" anchor="ctr"/>
+                </a:tc>
+                <a:tc>
+                  <a:txBody>
+                    <a:bodyPr/>
+                    <a:lstStyle/>
+                    <a:p>
+                      <a:pPr algn="ctr" fontAlgn="ctr"/>
+                      <a:r>
+                        <a:rPr lang="en-US" altLang="zh-CN" sz="1800" u="none" strike="noStrike">
+                          <a:effectLst/>
+                        </a:rPr>
+                        <a:t>40</a:t>
+                      </a:r>
+                      <a:endParaRPr lang="en-US" altLang="zh-CN" sz="1800" b="0" i="0" u="none" strike="noStrike">
+                        <a:solidFill>
+                          <a:srgbClr val="000000"/>
+                        </a:solidFill>
+                        <a:effectLst/>
+                        <a:latin typeface="宋体" panose="02010600030101010101" pitchFamily="2" charset="-122"/>
+                        <a:ea typeface="宋体" panose="02010600030101010101" pitchFamily="2" charset="-122"/>
+                      </a:endParaRPr>
+                    </a:p>
+                  </a:txBody>
+                  <a:tcPr marL="7620" marR="7620" marT="7620" marB="0" anchor="ctr"/>
+                </a:tc>
+                <a:tc>
+                  <a:txBody>
+                    <a:bodyPr/>
+                    <a:lstStyle/>
+                    <a:p>
+                      <a:pPr algn="ctr" fontAlgn="ctr"/>
+                      <a:r>
+                        <a:rPr lang="en-US" altLang="zh-CN" sz="1800" u="none" strike="noStrike">
+                          <a:effectLst/>
+                        </a:rPr>
+                        <a:t>65</a:t>
+                      </a:r>
+                      <a:endParaRPr lang="en-US" altLang="zh-CN" sz="1800" b="0" i="0" u="none" strike="noStrike">
+                        <a:solidFill>
+                          <a:srgbClr val="000000"/>
+                        </a:solidFill>
+                        <a:effectLst/>
+                        <a:latin typeface="宋体" panose="02010600030101010101" pitchFamily="2" charset="-122"/>
+                        <a:ea typeface="宋体" panose="02010600030101010101" pitchFamily="2" charset="-122"/>
+                      </a:endParaRPr>
+                    </a:p>
+                  </a:txBody>
+                  <a:tcPr marL="7620" marR="7620" marT="7620" marB="0" anchor="ctr"/>
+                </a:tc>
+                <a:tc>
+                  <a:txBody>
+                    <a:bodyPr/>
+                    <a:lstStyle/>
+                    <a:p>
+                      <a:pPr algn="ctr" fontAlgn="ctr"/>
+                      <a:r>
+                        <a:rPr lang="en-US" altLang="zh-CN" sz="1800" u="none" strike="noStrike">
+                          <a:effectLst/>
+                        </a:rPr>
+                        <a:t>80</a:t>
+                      </a:r>
+                      <a:endParaRPr lang="en-US" altLang="zh-CN" sz="1800" b="0" i="0" u="none" strike="noStrike">
+                        <a:solidFill>
+                          <a:srgbClr val="000000"/>
+                        </a:solidFill>
+                        <a:effectLst/>
+                        <a:latin typeface="宋体" panose="02010600030101010101" pitchFamily="2" charset="-122"/>
+                        <a:ea typeface="宋体" panose="02010600030101010101" pitchFamily="2" charset="-122"/>
+                      </a:endParaRPr>
+                    </a:p>
+                  </a:txBody>
+                  <a:tcPr marL="7620" marR="7620" marT="7620" marB="0" anchor="ctr"/>
+                </a:tc>
+                <a:tc>
+                  <a:txBody>
+                    <a:bodyPr/>
+                    <a:lstStyle/>
+                    <a:p>
+                      <a:pPr algn="ctr" fontAlgn="ctr"/>
+                      <a:r>
+                        <a:rPr lang="en-US" altLang="zh-CN" sz="1800" u="none" strike="noStrike">
+                          <a:effectLst/>
+                        </a:rPr>
+                        <a:t>75</a:t>
+                      </a:r>
+                      <a:endParaRPr lang="en-US" altLang="zh-CN" sz="1800" b="0" i="0" u="none" strike="noStrike">
+                        <a:solidFill>
+                          <a:srgbClr val="000000"/>
+                        </a:solidFill>
+                        <a:effectLst/>
+                        <a:latin typeface="宋体" panose="02010600030101010101" pitchFamily="2" charset="-122"/>
+                        <a:ea typeface="宋体" panose="02010600030101010101" pitchFamily="2" charset="-122"/>
+                      </a:endParaRPr>
+                    </a:p>
+                  </a:txBody>
+                  <a:tcPr marL="7620" marR="7620" marT="7620" marB="0" anchor="ctr"/>
+                </a:tc>
+                <a:tc>
+                  <a:txBody>
+                    <a:bodyPr/>
+                    <a:lstStyle/>
+                    <a:p>
+                      <a:pPr algn="ctr" fontAlgn="ctr"/>
+                      <a:r>
+                        <a:rPr lang="en-US" altLang="zh-CN" sz="1800" u="none" strike="noStrike">
+                          <a:effectLst/>
+                        </a:rPr>
+                        <a:t>55</a:t>
+                      </a:r>
+                      <a:endParaRPr lang="en-US" altLang="zh-CN" sz="1800" b="0" i="0" u="none" strike="noStrike">
+                        <a:solidFill>
+                          <a:srgbClr val="000000"/>
+                        </a:solidFill>
+                        <a:effectLst/>
+                        <a:latin typeface="宋体" panose="02010600030101010101" pitchFamily="2" charset="-122"/>
+                        <a:ea typeface="宋体" panose="02010600030101010101" pitchFamily="2" charset="-122"/>
+                      </a:endParaRPr>
+                    </a:p>
+                  </a:txBody>
+                  <a:tcPr marL="7620" marR="7620" marT="7620" marB="0" anchor="ctr"/>
+                </a:tc>
+                <a:tc>
+                  <a:txBody>
+                    <a:bodyPr/>
+                    <a:lstStyle/>
+                    <a:p>
+                      <a:pPr algn="ctr" fontAlgn="ctr"/>
+                      <a:r>
+                        <a:rPr lang="en-US" altLang="zh-CN" sz="1800" u="none" strike="noStrike">
+                          <a:effectLst/>
+                        </a:rPr>
+                        <a:t>20</a:t>
+                      </a:r>
+                      <a:endParaRPr lang="en-US" altLang="zh-CN" sz="1800" b="0" i="0" u="none" strike="noStrike">
+                        <a:solidFill>
+                          <a:srgbClr val="000000"/>
+                        </a:solidFill>
+                        <a:effectLst/>
+                        <a:latin typeface="宋体" panose="02010600030101010101" pitchFamily="2" charset="-122"/>
+                        <a:ea typeface="宋体" panose="02010600030101010101" pitchFamily="2" charset="-122"/>
+                      </a:endParaRPr>
+                    </a:p>
+                  </a:txBody>
+                  <a:tcPr marL="7620" marR="7620" marT="7620" marB="0" anchor="ctr"/>
+                </a:tc>
+              </a:tr>
+              <a:tr h="731520">
+                <a:tc>
+                  <a:txBody>
+                    <a:bodyPr/>
+                    <a:lstStyle/>
+                    <a:p>
+                      <a:pPr algn="ctr" fontAlgn="ctr"/>
+                      <a:r>
+                        <a:rPr lang="zh-CN" altLang="en-US" sz="1800" b="0" i="0" u="none" strike="noStrike" dirty="0" smtClean="0">
+                          <a:solidFill>
+                            <a:schemeClr val="dk1"/>
+                          </a:solidFill>
+                          <a:effectLst/>
+                          <a:latin typeface="+mn-lt"/>
+                          <a:ea typeface="+mn-ea"/>
+                        </a:rPr>
+                        <a:t>治疗后</a:t>
+                      </a:r>
+                      <a:endParaRPr lang="en-US" sz="1800" b="1" i="0" u="none" strike="noStrike" dirty="0">
+                        <a:solidFill>
+                          <a:srgbClr val="000000"/>
+                        </a:solidFill>
+                        <a:effectLst/>
+                        <a:latin typeface="宋体" panose="02010600030101010101" pitchFamily="2" charset="-122"/>
+                        <a:ea typeface="宋体" panose="02010600030101010101" pitchFamily="2" charset="-122"/>
+                      </a:endParaRPr>
+                    </a:p>
+                  </a:txBody>
+                  <a:tcPr marL="7620" marR="7620" marT="7620" marB="0" anchor="ctr"/>
+                </a:tc>
+                <a:tc>
+                  <a:txBody>
+                    <a:bodyPr/>
+                    <a:lstStyle/>
+                    <a:p>
+                      <a:pPr algn="ctr" fontAlgn="ctr"/>
+                      <a:r>
+                        <a:rPr lang="en-US" altLang="zh-CN" sz="1800" u="none" strike="noStrike" dirty="0">
+                          <a:effectLst/>
+                        </a:rPr>
+                        <a:t>75</a:t>
+                      </a:r>
+                      <a:endParaRPr lang="en-US" altLang="zh-CN" sz="1800" b="0" i="0" u="none" strike="noStrike" dirty="0">
+                        <a:solidFill>
+                          <a:srgbClr val="000000"/>
+                        </a:solidFill>
+                        <a:effectLst/>
+                        <a:latin typeface="宋体" panose="02010600030101010101" pitchFamily="2" charset="-122"/>
+                        <a:ea typeface="宋体" panose="02010600030101010101" pitchFamily="2" charset="-122"/>
+                      </a:endParaRPr>
+                    </a:p>
+                  </a:txBody>
+                  <a:tcPr marL="7620" marR="7620" marT="7620" marB="0" anchor="ctr"/>
+                </a:tc>
+                <a:tc>
+                  <a:txBody>
+                    <a:bodyPr/>
+                    <a:lstStyle/>
+                    <a:p>
+                      <a:pPr algn="ctr" fontAlgn="ctr"/>
+                      <a:r>
+                        <a:rPr lang="en-US" altLang="zh-CN" sz="1800" u="none" strike="noStrike">
+                          <a:effectLst/>
+                        </a:rPr>
+                        <a:t>50</a:t>
+                      </a:r>
+                      <a:endParaRPr lang="en-US" altLang="zh-CN" sz="1800" b="0" i="0" u="none" strike="noStrike">
+                        <a:solidFill>
+                          <a:srgbClr val="000000"/>
+                        </a:solidFill>
+                        <a:effectLst/>
+                        <a:latin typeface="宋体" panose="02010600030101010101" pitchFamily="2" charset="-122"/>
+                        <a:ea typeface="宋体" panose="02010600030101010101" pitchFamily="2" charset="-122"/>
+                      </a:endParaRPr>
+                    </a:p>
+                  </a:txBody>
+                  <a:tcPr marL="7620" marR="7620" marT="7620" marB="0" anchor="ctr"/>
+                </a:tc>
+                <a:tc>
+                  <a:txBody>
+                    <a:bodyPr/>
+                    <a:lstStyle/>
+                    <a:p>
+                      <a:pPr algn="ctr" fontAlgn="ctr"/>
+                      <a:r>
+                        <a:rPr lang="en-US" altLang="zh-CN" sz="1800" u="none" strike="noStrike">
+                          <a:effectLst/>
+                        </a:rPr>
+                        <a:t>50</a:t>
+                      </a:r>
+                      <a:endParaRPr lang="en-US" altLang="zh-CN" sz="1800" b="0" i="0" u="none" strike="noStrike">
+                        <a:solidFill>
+                          <a:srgbClr val="000000"/>
+                        </a:solidFill>
+                        <a:effectLst/>
+                        <a:latin typeface="宋体" panose="02010600030101010101" pitchFamily="2" charset="-122"/>
+                        <a:ea typeface="宋体" panose="02010600030101010101" pitchFamily="2" charset="-122"/>
+                      </a:endParaRPr>
+                    </a:p>
+                  </a:txBody>
+                  <a:tcPr marL="7620" marR="7620" marT="7620" marB="0" anchor="ctr"/>
+                </a:tc>
+                <a:tc>
+                  <a:txBody>
+                    <a:bodyPr/>
+                    <a:lstStyle/>
+                    <a:p>
+                      <a:pPr algn="ctr" fontAlgn="ctr"/>
+                      <a:r>
+                        <a:rPr lang="en-US" altLang="zh-CN" sz="1800" u="none" strike="noStrike">
+                          <a:effectLst/>
+                        </a:rPr>
+                        <a:t>40</a:t>
+                      </a:r>
+                      <a:endParaRPr lang="en-US" altLang="zh-CN" sz="1800" b="0" i="0" u="none" strike="noStrike">
+                        <a:solidFill>
+                          <a:srgbClr val="000000"/>
+                        </a:solidFill>
+                        <a:effectLst/>
+                        <a:latin typeface="宋体" panose="02010600030101010101" pitchFamily="2" charset="-122"/>
+                        <a:ea typeface="宋体" panose="02010600030101010101" pitchFamily="2" charset="-122"/>
+                      </a:endParaRPr>
+                    </a:p>
+                  </a:txBody>
+                  <a:tcPr marL="7620" marR="7620" marT="7620" marB="0" anchor="ctr"/>
+                </a:tc>
+                <a:tc>
+                  <a:txBody>
+                    <a:bodyPr/>
+                    <a:lstStyle/>
+                    <a:p>
+                      <a:pPr algn="ctr" fontAlgn="ctr"/>
+                      <a:r>
+                        <a:rPr lang="en-US" altLang="zh-CN" sz="1800" u="none" strike="noStrike">
+                          <a:effectLst/>
+                        </a:rPr>
+                        <a:t>20</a:t>
+                      </a:r>
+                      <a:endParaRPr lang="en-US" altLang="zh-CN" sz="1800" b="0" i="0" u="none" strike="noStrike">
+                        <a:solidFill>
+                          <a:srgbClr val="000000"/>
+                        </a:solidFill>
+                        <a:effectLst/>
+                        <a:latin typeface="宋体" panose="02010600030101010101" pitchFamily="2" charset="-122"/>
+                        <a:ea typeface="宋体" panose="02010600030101010101" pitchFamily="2" charset="-122"/>
+                      </a:endParaRPr>
+                    </a:p>
+                  </a:txBody>
+                  <a:tcPr marL="7620" marR="7620" marT="7620" marB="0" anchor="ctr"/>
+                </a:tc>
+                <a:tc>
+                  <a:txBody>
+                    <a:bodyPr/>
+                    <a:lstStyle/>
+                    <a:p>
+                      <a:pPr algn="ctr" fontAlgn="ctr"/>
+                      <a:r>
+                        <a:rPr lang="en-US" altLang="zh-CN" sz="1800" u="none" strike="noStrike">
+                          <a:effectLst/>
+                        </a:rPr>
+                        <a:t>65</a:t>
+                      </a:r>
+                      <a:endParaRPr lang="en-US" altLang="zh-CN" sz="1800" b="0" i="0" u="none" strike="noStrike">
+                        <a:solidFill>
+                          <a:srgbClr val="000000"/>
+                        </a:solidFill>
+                        <a:effectLst/>
+                        <a:latin typeface="宋体" panose="02010600030101010101" pitchFamily="2" charset="-122"/>
+                        <a:ea typeface="宋体" panose="02010600030101010101" pitchFamily="2" charset="-122"/>
+                      </a:endParaRPr>
+                    </a:p>
+                  </a:txBody>
+                  <a:tcPr marL="7620" marR="7620" marT="7620" marB="0" anchor="ctr"/>
+                </a:tc>
+                <a:tc>
+                  <a:txBody>
+                    <a:bodyPr/>
+                    <a:lstStyle/>
+                    <a:p>
+                      <a:pPr algn="ctr" fontAlgn="ctr"/>
+                      <a:r>
+                        <a:rPr lang="en-US" altLang="zh-CN" sz="1800" u="none" strike="noStrike">
+                          <a:effectLst/>
+                        </a:rPr>
+                        <a:t>40</a:t>
+                      </a:r>
+                      <a:endParaRPr lang="en-US" altLang="zh-CN" sz="1800" b="0" i="0" u="none" strike="noStrike">
+                        <a:solidFill>
+                          <a:srgbClr val="000000"/>
+                        </a:solidFill>
+                        <a:effectLst/>
+                        <a:latin typeface="宋体" panose="02010600030101010101" pitchFamily="2" charset="-122"/>
+                        <a:ea typeface="宋体" panose="02010600030101010101" pitchFamily="2" charset="-122"/>
+                      </a:endParaRPr>
+                    </a:p>
+                  </a:txBody>
+                  <a:tcPr marL="7620" marR="7620" marT="7620" marB="0" anchor="ctr"/>
+                </a:tc>
+                <a:tc>
+                  <a:txBody>
+                    <a:bodyPr/>
+                    <a:lstStyle/>
+                    <a:p>
+                      <a:pPr algn="ctr" fontAlgn="ctr"/>
+                      <a:r>
+                        <a:rPr lang="en-US" altLang="zh-CN" sz="1800" u="none" strike="noStrike" dirty="0">
+                          <a:effectLst/>
+                        </a:rPr>
+                        <a:t>25</a:t>
+                      </a:r>
+                      <a:endParaRPr lang="en-US" altLang="zh-CN" sz="1800" b="0" i="0" u="none" strike="noStrike" dirty="0">
+                        <a:solidFill>
+                          <a:srgbClr val="000000"/>
+                        </a:solidFill>
+                        <a:effectLst/>
+                        <a:latin typeface="宋体" panose="02010600030101010101" pitchFamily="2" charset="-122"/>
+                        <a:ea typeface="宋体" panose="02010600030101010101" pitchFamily="2" charset="-122"/>
+                      </a:endParaRPr>
+                    </a:p>
+                  </a:txBody>
+                  <a:tcPr marL="7620" marR="7620" marT="7620" marB="0" anchor="ctr"/>
+                </a:tc>
+              </a:tr>
+            </a:tbl>
+          </a:graphicData>
+        </a:graphic>
+      </p:graphicFrame>
+    </p:spTree>
+    <p:extLst>
+      <p:ext uri="{BB962C8B-B14F-4D97-AF65-F5344CB8AC3E}">
+        <p14:creationId xmlns:p14="http://schemas.microsoft.com/office/powerpoint/2010/main" val="2824124017"/>
+      </p:ext>
+    </p:extLst>
+  </p:cSld>
+  <p:clrMapOvr>
+    <a:masterClrMapping/>
+  </p:clrMapOvr>
+</p:sld>
+</file>
+
+<file path=ppt/slides/slide33.xml><?xml version="1.0" encoding="utf-8"?>
+<p:sld xmlns:a="http://schemas.openxmlformats.org/drawingml/2006/main" xmlns:r="http://schemas.openxmlformats.org/officeDocument/2006/relationships" xmlns:p="http://schemas.openxmlformats.org/presentationml/2006/main">
+  <p:cSld>
+    <p:spTree>
+      <p:nvGrpSpPr>
+        <p:cNvPr id="1" name=""/>
+        <p:cNvGrpSpPr/>
+        <p:nvPr/>
+      </p:nvGrpSpPr>
+      <p:grpSpPr>
+        <a:xfrm>
+          <a:off x="0" y="0"/>
+          <a:ext cx="0" cy="0"/>
+          <a:chOff x="0" y="0"/>
+          <a:chExt cx="0" cy="0"/>
+        </a:xfrm>
+      </p:grpSpPr>
+      <p:sp>
+        <p:nvSpPr>
+          <p:cNvPr id="2" name="标题 1"/>
+          <p:cNvSpPr>
+            <a:spLocks noGrp="1"/>
+          </p:cNvSpPr>
+          <p:nvPr>
+            <p:ph type="title"/>
+          </p:nvPr>
+        </p:nvSpPr>
+        <p:spPr/>
+        <p:txBody>
+          <a:bodyPr/>
+          <a:lstStyle/>
+          <a:p>
+            <a:endParaRPr lang="zh-CN" altLang="en-US"/>
+          </a:p>
+        </p:txBody>
+      </p:sp>
+      <p:sp>
+        <p:nvSpPr>
+          <p:cNvPr id="3" name="内容占位符 2"/>
+          <p:cNvSpPr>
+            <a:spLocks noGrp="1"/>
+          </p:cNvSpPr>
+          <p:nvPr>
+            <p:ph idx="1"/>
+          </p:nvPr>
+        </p:nvSpPr>
+        <p:spPr>
+          <a:xfrm>
+            <a:off x="1371600" y="5240215"/>
+            <a:ext cx="9601200" cy="1617785"/>
+          </a:xfrm>
+        </p:spPr>
+        <p:txBody>
+          <a:bodyPr/>
+          <a:lstStyle/>
+          <a:p>
+            <a:r>
+              <a:rPr lang="en-US" altLang="zh-CN" dirty="0" smtClean="0"/>
+              <a:t>W+=3+6+7+8+3+5=32</a:t>
+            </a:r>
+          </a:p>
+          <a:p>
+            <a:r>
+              <a:rPr lang="en-US" altLang="zh-CN" dirty="0" smtClean="0">
+                <a:solidFill>
+                  <a:srgbClr val="FF0000"/>
+                </a:solidFill>
+              </a:rPr>
+              <a:t>W-=3+1=4</a:t>
+            </a:r>
+            <a:endParaRPr lang="zh-CN" altLang="en-US" dirty="0">
+              <a:solidFill>
+                <a:srgbClr val="FF0000"/>
+              </a:solidFill>
+            </a:endParaRPr>
+          </a:p>
+        </p:txBody>
+      </p:sp>
+      <p:graphicFrame>
+        <p:nvGraphicFramePr>
+          <p:cNvPr id="4" name="表格 3"/>
+          <p:cNvGraphicFramePr>
+            <a:graphicFrameLocks noGrp="1"/>
+          </p:cNvGraphicFramePr>
+          <p:nvPr>
+            <p:extLst>
+              <p:ext uri="{D42A27DB-BD31-4B8C-83A1-F6EECF244321}">
+                <p14:modId xmlns:p14="http://schemas.microsoft.com/office/powerpoint/2010/main" val="3735043310"/>
+              </p:ext>
+            </p:extLst>
+          </p:nvPr>
+        </p:nvGraphicFramePr>
+        <p:xfrm>
+          <a:off x="2092569" y="588086"/>
+          <a:ext cx="8229600" cy="4206240"/>
+        </p:xfrm>
+        <a:graphic>
+          <a:graphicData uri="http://schemas.openxmlformats.org/drawingml/2006/table">
+            <a:tbl>
+              <a:tblPr>
+                <a:tableStyleId>{5C22544A-7EE6-4342-B048-85BDC9FD1C3A}</a:tableStyleId>
+              </a:tblPr>
+              <a:tblGrid>
+                <a:gridCol w="914400"/>
+                <a:gridCol w="914400"/>
+                <a:gridCol w="914400"/>
+                <a:gridCol w="914400"/>
+                <a:gridCol w="914400"/>
+                <a:gridCol w="914400"/>
+                <a:gridCol w="914400"/>
+                <a:gridCol w="914400"/>
+                <a:gridCol w="914400"/>
+              </a:tblGrid>
+              <a:tr h="731520">
+                <a:tc>
+                  <a:txBody>
+                    <a:bodyPr/>
+                    <a:lstStyle/>
+                    <a:p>
+                      <a:pPr algn="ctr" fontAlgn="ctr"/>
+                      <a:r>
+                        <a:rPr lang="en-US" sz="1800" u="none" strike="noStrike" dirty="0">
+                          <a:effectLst/>
+                        </a:rPr>
+                        <a:t>Child</a:t>
+                      </a:r>
+                      <a:endParaRPr lang="en-US" sz="1800" b="1" i="0" u="none" strike="noStrike" dirty="0">
+                        <a:solidFill>
+                          <a:srgbClr val="000000"/>
+                        </a:solidFill>
+                        <a:effectLst/>
+                        <a:latin typeface="宋体" panose="02010600030101010101" pitchFamily="2" charset="-122"/>
+                        <a:ea typeface="宋体" panose="02010600030101010101" pitchFamily="2" charset="-122"/>
+                      </a:endParaRPr>
+                    </a:p>
+                  </a:txBody>
+                  <a:tcPr marL="7620" marR="7620" marT="7620" marB="0" anchor="ctr"/>
+                </a:tc>
+                <a:tc>
+                  <a:txBody>
+                    <a:bodyPr/>
+                    <a:lstStyle/>
+                    <a:p>
+                      <a:pPr algn="ctr" fontAlgn="ctr"/>
+                      <a:r>
+                        <a:rPr lang="en-US" altLang="zh-CN" sz="1800" u="none" strike="noStrike">
+                          <a:effectLst/>
+                        </a:rPr>
+                        <a:t>1</a:t>
+                      </a:r>
+                      <a:endParaRPr lang="en-US" altLang="zh-CN" sz="1800" b="0" i="0" u="none" strike="noStrike">
+                        <a:solidFill>
+                          <a:srgbClr val="000000"/>
+                        </a:solidFill>
+                        <a:effectLst/>
+                        <a:latin typeface="宋体" panose="02010600030101010101" pitchFamily="2" charset="-122"/>
+                        <a:ea typeface="宋体" panose="02010600030101010101" pitchFamily="2" charset="-122"/>
+                      </a:endParaRPr>
+                    </a:p>
+                  </a:txBody>
+                  <a:tcPr marL="7620" marR="7620" marT="7620" marB="0" anchor="ctr"/>
+                </a:tc>
+                <a:tc>
+                  <a:txBody>
+                    <a:bodyPr/>
+                    <a:lstStyle/>
+                    <a:p>
+                      <a:pPr algn="ctr" fontAlgn="ctr"/>
+                      <a:r>
+                        <a:rPr lang="en-US" altLang="zh-CN" sz="1800" u="none" strike="noStrike">
+                          <a:effectLst/>
+                        </a:rPr>
+                        <a:t>2</a:t>
+                      </a:r>
+                      <a:endParaRPr lang="en-US" altLang="zh-CN" sz="1800" b="0" i="0" u="none" strike="noStrike">
+                        <a:solidFill>
+                          <a:srgbClr val="000000"/>
+                        </a:solidFill>
+                        <a:effectLst/>
+                        <a:latin typeface="宋体" panose="02010600030101010101" pitchFamily="2" charset="-122"/>
+                        <a:ea typeface="宋体" panose="02010600030101010101" pitchFamily="2" charset="-122"/>
+                      </a:endParaRPr>
+                    </a:p>
+                  </a:txBody>
+                  <a:tcPr marL="7620" marR="7620" marT="7620" marB="0" anchor="ctr"/>
+                </a:tc>
+                <a:tc>
+                  <a:txBody>
+                    <a:bodyPr/>
+                    <a:lstStyle/>
+                    <a:p>
+                      <a:pPr algn="ctr" fontAlgn="ctr"/>
+                      <a:r>
+                        <a:rPr lang="en-US" altLang="zh-CN" sz="1800" u="none" strike="noStrike">
+                          <a:effectLst/>
+                        </a:rPr>
+                        <a:t>3</a:t>
+                      </a:r>
+                      <a:endParaRPr lang="en-US" altLang="zh-CN" sz="1800" b="0" i="0" u="none" strike="noStrike">
+                        <a:solidFill>
+                          <a:srgbClr val="000000"/>
+                        </a:solidFill>
+                        <a:effectLst/>
+                        <a:latin typeface="宋体" panose="02010600030101010101" pitchFamily="2" charset="-122"/>
+                        <a:ea typeface="宋体" panose="02010600030101010101" pitchFamily="2" charset="-122"/>
+                      </a:endParaRPr>
+                    </a:p>
+                  </a:txBody>
+                  <a:tcPr marL="7620" marR="7620" marT="7620" marB="0" anchor="ctr"/>
+                </a:tc>
+                <a:tc>
+                  <a:txBody>
+                    <a:bodyPr/>
+                    <a:lstStyle/>
+                    <a:p>
+                      <a:pPr algn="ctr" fontAlgn="ctr"/>
+                      <a:r>
+                        <a:rPr lang="en-US" altLang="zh-CN" sz="1800" u="none" strike="noStrike">
+                          <a:effectLst/>
+                        </a:rPr>
+                        <a:t>4</a:t>
+                      </a:r>
+                      <a:endParaRPr lang="en-US" altLang="zh-CN" sz="1800" b="0" i="0" u="none" strike="noStrike">
+                        <a:solidFill>
+                          <a:srgbClr val="000000"/>
+                        </a:solidFill>
+                        <a:effectLst/>
+                        <a:latin typeface="宋体" panose="02010600030101010101" pitchFamily="2" charset="-122"/>
+                        <a:ea typeface="宋体" panose="02010600030101010101" pitchFamily="2" charset="-122"/>
+                      </a:endParaRPr>
+                    </a:p>
+                  </a:txBody>
+                  <a:tcPr marL="7620" marR="7620" marT="7620" marB="0" anchor="ctr"/>
+                </a:tc>
+                <a:tc>
+                  <a:txBody>
+                    <a:bodyPr/>
+                    <a:lstStyle/>
+                    <a:p>
+                      <a:pPr algn="ctr" fontAlgn="ctr"/>
+                      <a:r>
+                        <a:rPr lang="en-US" altLang="zh-CN" sz="1800" u="none" strike="noStrike">
+                          <a:effectLst/>
+                        </a:rPr>
+                        <a:t>5</a:t>
+                      </a:r>
+                      <a:endParaRPr lang="en-US" altLang="zh-CN" sz="1800" b="0" i="0" u="none" strike="noStrike">
+                        <a:solidFill>
+                          <a:srgbClr val="000000"/>
+                        </a:solidFill>
+                        <a:effectLst/>
+                        <a:latin typeface="宋体" panose="02010600030101010101" pitchFamily="2" charset="-122"/>
+                        <a:ea typeface="宋体" panose="02010600030101010101" pitchFamily="2" charset="-122"/>
+                      </a:endParaRPr>
+                    </a:p>
+                  </a:txBody>
+                  <a:tcPr marL="7620" marR="7620" marT="7620" marB="0" anchor="ctr"/>
+                </a:tc>
+                <a:tc>
+                  <a:txBody>
+                    <a:bodyPr/>
+                    <a:lstStyle/>
+                    <a:p>
+                      <a:pPr algn="ctr" fontAlgn="ctr"/>
+                      <a:r>
+                        <a:rPr lang="en-US" altLang="zh-CN" sz="1800" u="none" strike="noStrike">
+                          <a:effectLst/>
+                        </a:rPr>
+                        <a:t>6</a:t>
+                      </a:r>
+                      <a:endParaRPr lang="en-US" altLang="zh-CN" sz="1800" b="0" i="0" u="none" strike="noStrike">
+                        <a:solidFill>
+                          <a:srgbClr val="000000"/>
+                        </a:solidFill>
+                        <a:effectLst/>
+                        <a:latin typeface="宋体" panose="02010600030101010101" pitchFamily="2" charset="-122"/>
+                        <a:ea typeface="宋体" panose="02010600030101010101" pitchFamily="2" charset="-122"/>
+                      </a:endParaRPr>
+                    </a:p>
+                  </a:txBody>
+                  <a:tcPr marL="7620" marR="7620" marT="7620" marB="0" anchor="ctr"/>
+                </a:tc>
+                <a:tc>
+                  <a:txBody>
+                    <a:bodyPr/>
+                    <a:lstStyle/>
+                    <a:p>
+                      <a:pPr algn="ctr" fontAlgn="ctr"/>
+                      <a:r>
+                        <a:rPr lang="en-US" altLang="zh-CN" sz="1800" u="none" strike="noStrike">
+                          <a:effectLst/>
+                        </a:rPr>
+                        <a:t>7</a:t>
+                      </a:r>
+                      <a:endParaRPr lang="en-US" altLang="zh-CN" sz="1800" b="0" i="0" u="none" strike="noStrike">
+                        <a:solidFill>
+                          <a:srgbClr val="000000"/>
+                        </a:solidFill>
+                        <a:effectLst/>
+                        <a:latin typeface="宋体" panose="02010600030101010101" pitchFamily="2" charset="-122"/>
+                        <a:ea typeface="宋体" panose="02010600030101010101" pitchFamily="2" charset="-122"/>
+                      </a:endParaRPr>
+                    </a:p>
+                  </a:txBody>
+                  <a:tcPr marL="7620" marR="7620" marT="7620" marB="0" anchor="ctr"/>
+                </a:tc>
+                <a:tc>
+                  <a:txBody>
+                    <a:bodyPr/>
+                    <a:lstStyle/>
+                    <a:p>
+                      <a:pPr algn="ctr" fontAlgn="ctr"/>
+                      <a:r>
+                        <a:rPr lang="en-US" altLang="zh-CN" sz="1800" u="none" strike="noStrike">
+                          <a:effectLst/>
+                        </a:rPr>
+                        <a:t>8</a:t>
+                      </a:r>
+                      <a:endParaRPr lang="en-US" altLang="zh-CN" sz="1800" b="0" i="0" u="none" strike="noStrike">
+                        <a:solidFill>
+                          <a:srgbClr val="000000"/>
+                        </a:solidFill>
+                        <a:effectLst/>
+                        <a:latin typeface="宋体" panose="02010600030101010101" pitchFamily="2" charset="-122"/>
+                        <a:ea typeface="宋体" panose="02010600030101010101" pitchFamily="2" charset="-122"/>
+                      </a:endParaRPr>
+                    </a:p>
+                  </a:txBody>
+                  <a:tcPr marL="7620" marR="7620" marT="7620" marB="0" anchor="ctr"/>
+                </a:tc>
+              </a:tr>
+              <a:tr h="548640">
+                <a:tc>
+                  <a:txBody>
+                    <a:bodyPr/>
+                    <a:lstStyle/>
+                    <a:p>
+                      <a:pPr algn="ctr" fontAlgn="ctr"/>
+                      <a:r>
+                        <a:rPr lang="zh-CN" altLang="en-US" sz="1800" b="1" i="0" u="none" strike="noStrike" dirty="0" smtClean="0">
+                          <a:solidFill>
+                            <a:srgbClr val="000000"/>
+                          </a:solidFill>
+                          <a:effectLst/>
+                          <a:latin typeface="宋体" panose="02010600030101010101" pitchFamily="2" charset="-122"/>
+                          <a:ea typeface="宋体" panose="02010600030101010101" pitchFamily="2" charset="-122"/>
+                        </a:rPr>
+                        <a:t>治疗前</a:t>
+                      </a:r>
+                      <a:endParaRPr lang="en-US" sz="1800" b="1" i="0" u="none" strike="noStrike" dirty="0">
+                        <a:solidFill>
+                          <a:srgbClr val="000000"/>
+                        </a:solidFill>
+                        <a:effectLst/>
+                        <a:latin typeface="宋体" panose="02010600030101010101" pitchFamily="2" charset="-122"/>
+                        <a:ea typeface="宋体" panose="02010600030101010101" pitchFamily="2" charset="-122"/>
+                      </a:endParaRPr>
+                    </a:p>
+                  </a:txBody>
+                  <a:tcPr marL="7620" marR="7620" marT="7620" marB="0" anchor="ctr"/>
+                </a:tc>
+                <a:tc>
+                  <a:txBody>
+                    <a:bodyPr/>
+                    <a:lstStyle/>
+                    <a:p>
+                      <a:pPr algn="ctr" fontAlgn="ctr"/>
+                      <a:r>
+                        <a:rPr lang="en-US" altLang="zh-CN" sz="1800" u="none" strike="noStrike" dirty="0">
+                          <a:effectLst/>
+                        </a:rPr>
+                        <a:t>85</a:t>
+                      </a:r>
+                      <a:endParaRPr lang="en-US" altLang="zh-CN" sz="1800" b="0" i="0" u="none" strike="noStrike" dirty="0">
+                        <a:solidFill>
+                          <a:srgbClr val="000000"/>
+                        </a:solidFill>
+                        <a:effectLst/>
+                        <a:latin typeface="宋体" panose="02010600030101010101" pitchFamily="2" charset="-122"/>
+                        <a:ea typeface="宋体" panose="02010600030101010101" pitchFamily="2" charset="-122"/>
+                      </a:endParaRPr>
+                    </a:p>
+                  </a:txBody>
+                  <a:tcPr marL="7620" marR="7620" marT="7620" marB="0" anchor="ctr"/>
+                </a:tc>
+                <a:tc>
+                  <a:txBody>
+                    <a:bodyPr/>
+                    <a:lstStyle/>
+                    <a:p>
+                      <a:pPr algn="ctr" fontAlgn="ctr"/>
+                      <a:r>
+                        <a:rPr lang="en-US" altLang="zh-CN" sz="1800" u="none" strike="noStrike">
+                          <a:effectLst/>
+                        </a:rPr>
+                        <a:t>70</a:t>
+                      </a:r>
+                      <a:endParaRPr lang="en-US" altLang="zh-CN" sz="1800" b="0" i="0" u="none" strike="noStrike">
+                        <a:solidFill>
+                          <a:srgbClr val="000000"/>
+                        </a:solidFill>
+                        <a:effectLst/>
+                        <a:latin typeface="宋体" panose="02010600030101010101" pitchFamily="2" charset="-122"/>
+                        <a:ea typeface="宋体" panose="02010600030101010101" pitchFamily="2" charset="-122"/>
+                      </a:endParaRPr>
+                    </a:p>
+                  </a:txBody>
+                  <a:tcPr marL="7620" marR="7620" marT="7620" marB="0" anchor="ctr"/>
+                </a:tc>
+                <a:tc>
+                  <a:txBody>
+                    <a:bodyPr/>
+                    <a:lstStyle/>
+                    <a:p>
+                      <a:pPr algn="ctr" fontAlgn="ctr"/>
+                      <a:r>
+                        <a:rPr lang="en-US" altLang="zh-CN" sz="1800" u="none" strike="noStrike">
+                          <a:effectLst/>
+                        </a:rPr>
+                        <a:t>40</a:t>
+                      </a:r>
+                      <a:endParaRPr lang="en-US" altLang="zh-CN" sz="1800" b="0" i="0" u="none" strike="noStrike">
+                        <a:solidFill>
+                          <a:srgbClr val="000000"/>
+                        </a:solidFill>
+                        <a:effectLst/>
+                        <a:latin typeface="宋体" panose="02010600030101010101" pitchFamily="2" charset="-122"/>
+                        <a:ea typeface="宋体" panose="02010600030101010101" pitchFamily="2" charset="-122"/>
+                      </a:endParaRPr>
+                    </a:p>
+                  </a:txBody>
+                  <a:tcPr marL="7620" marR="7620" marT="7620" marB="0" anchor="ctr"/>
+                </a:tc>
+                <a:tc>
+                  <a:txBody>
+                    <a:bodyPr/>
+                    <a:lstStyle/>
+                    <a:p>
+                      <a:pPr algn="ctr" fontAlgn="ctr"/>
+                      <a:r>
+                        <a:rPr lang="en-US" altLang="zh-CN" sz="1800" u="none" strike="noStrike">
+                          <a:effectLst/>
+                        </a:rPr>
+                        <a:t>65</a:t>
+                      </a:r>
+                      <a:endParaRPr lang="en-US" altLang="zh-CN" sz="1800" b="0" i="0" u="none" strike="noStrike">
+                        <a:solidFill>
+                          <a:srgbClr val="000000"/>
+                        </a:solidFill>
+                        <a:effectLst/>
+                        <a:latin typeface="宋体" panose="02010600030101010101" pitchFamily="2" charset="-122"/>
+                        <a:ea typeface="宋体" panose="02010600030101010101" pitchFamily="2" charset="-122"/>
+                      </a:endParaRPr>
+                    </a:p>
+                  </a:txBody>
+                  <a:tcPr marL="7620" marR="7620" marT="7620" marB="0" anchor="ctr"/>
+                </a:tc>
+                <a:tc>
+                  <a:txBody>
+                    <a:bodyPr/>
+                    <a:lstStyle/>
+                    <a:p>
+                      <a:pPr algn="ctr" fontAlgn="ctr"/>
+                      <a:r>
+                        <a:rPr lang="en-US" altLang="zh-CN" sz="1800" u="none" strike="noStrike">
+                          <a:effectLst/>
+                        </a:rPr>
+                        <a:t>80</a:t>
+                      </a:r>
+                      <a:endParaRPr lang="en-US" altLang="zh-CN" sz="1800" b="0" i="0" u="none" strike="noStrike">
+                        <a:solidFill>
+                          <a:srgbClr val="000000"/>
+                        </a:solidFill>
+                        <a:effectLst/>
+                        <a:latin typeface="宋体" panose="02010600030101010101" pitchFamily="2" charset="-122"/>
+                        <a:ea typeface="宋体" panose="02010600030101010101" pitchFamily="2" charset="-122"/>
+                      </a:endParaRPr>
+                    </a:p>
+                  </a:txBody>
+                  <a:tcPr marL="7620" marR="7620" marT="7620" marB="0" anchor="ctr"/>
+                </a:tc>
+                <a:tc>
+                  <a:txBody>
+                    <a:bodyPr/>
+                    <a:lstStyle/>
+                    <a:p>
+                      <a:pPr algn="ctr" fontAlgn="ctr"/>
+                      <a:r>
+                        <a:rPr lang="en-US" altLang="zh-CN" sz="1800" u="none" strike="noStrike">
+                          <a:effectLst/>
+                        </a:rPr>
+                        <a:t>75</a:t>
+                      </a:r>
+                      <a:endParaRPr lang="en-US" altLang="zh-CN" sz="1800" b="0" i="0" u="none" strike="noStrike">
+                        <a:solidFill>
+                          <a:srgbClr val="000000"/>
+                        </a:solidFill>
+                        <a:effectLst/>
+                        <a:latin typeface="宋体" panose="02010600030101010101" pitchFamily="2" charset="-122"/>
+                        <a:ea typeface="宋体" panose="02010600030101010101" pitchFamily="2" charset="-122"/>
+                      </a:endParaRPr>
+                    </a:p>
+                  </a:txBody>
+                  <a:tcPr marL="7620" marR="7620" marT="7620" marB="0" anchor="ctr"/>
+                </a:tc>
+                <a:tc>
+                  <a:txBody>
+                    <a:bodyPr/>
+                    <a:lstStyle/>
+                    <a:p>
+                      <a:pPr algn="ctr" fontAlgn="ctr"/>
+                      <a:r>
+                        <a:rPr lang="en-US" altLang="zh-CN" sz="1800" u="none" strike="noStrike">
+                          <a:effectLst/>
+                        </a:rPr>
+                        <a:t>55</a:t>
+                      </a:r>
+                      <a:endParaRPr lang="en-US" altLang="zh-CN" sz="1800" b="0" i="0" u="none" strike="noStrike">
+                        <a:solidFill>
+                          <a:srgbClr val="000000"/>
+                        </a:solidFill>
+                        <a:effectLst/>
+                        <a:latin typeface="宋体" panose="02010600030101010101" pitchFamily="2" charset="-122"/>
+                        <a:ea typeface="宋体" panose="02010600030101010101" pitchFamily="2" charset="-122"/>
+                      </a:endParaRPr>
+                    </a:p>
+                  </a:txBody>
+                  <a:tcPr marL="7620" marR="7620" marT="7620" marB="0" anchor="ctr"/>
+                </a:tc>
+                <a:tc>
+                  <a:txBody>
+                    <a:bodyPr/>
+                    <a:lstStyle/>
+                    <a:p>
+                      <a:pPr algn="ctr" fontAlgn="ctr"/>
+                      <a:r>
+                        <a:rPr lang="en-US" altLang="zh-CN" sz="1800" u="none" strike="noStrike">
+                          <a:effectLst/>
+                        </a:rPr>
+                        <a:t>20</a:t>
+                      </a:r>
+                      <a:endParaRPr lang="en-US" altLang="zh-CN" sz="1800" b="0" i="0" u="none" strike="noStrike">
+                        <a:solidFill>
+                          <a:srgbClr val="000000"/>
+                        </a:solidFill>
+                        <a:effectLst/>
+                        <a:latin typeface="宋体" panose="02010600030101010101" pitchFamily="2" charset="-122"/>
+                        <a:ea typeface="宋体" panose="02010600030101010101" pitchFamily="2" charset="-122"/>
+                      </a:endParaRPr>
+                    </a:p>
+                  </a:txBody>
+                  <a:tcPr marL="7620" marR="7620" marT="7620" marB="0" anchor="ctr"/>
+                </a:tc>
+              </a:tr>
+              <a:tr h="731520">
+                <a:tc>
+                  <a:txBody>
+                    <a:bodyPr/>
+                    <a:lstStyle/>
+                    <a:p>
+                      <a:pPr algn="ctr" fontAlgn="ctr"/>
+                      <a:r>
+                        <a:rPr lang="zh-CN" altLang="en-US" sz="1800" b="0" i="0" u="none" strike="noStrike" dirty="0" smtClean="0">
+                          <a:solidFill>
+                            <a:schemeClr val="dk1"/>
+                          </a:solidFill>
+                          <a:effectLst/>
+                          <a:latin typeface="+mn-lt"/>
+                          <a:ea typeface="+mn-ea"/>
+                        </a:rPr>
+                        <a:t>治疗后</a:t>
+                      </a:r>
+                      <a:endParaRPr lang="en-US" sz="1800" b="1" i="0" u="none" strike="noStrike" dirty="0">
+                        <a:solidFill>
+                          <a:srgbClr val="000000"/>
+                        </a:solidFill>
+                        <a:effectLst/>
+                        <a:latin typeface="宋体" panose="02010600030101010101" pitchFamily="2" charset="-122"/>
+                        <a:ea typeface="宋体" panose="02010600030101010101" pitchFamily="2" charset="-122"/>
+                      </a:endParaRPr>
+                    </a:p>
+                  </a:txBody>
+                  <a:tcPr marL="7620" marR="7620" marT="7620" marB="0" anchor="ctr"/>
+                </a:tc>
+                <a:tc>
+                  <a:txBody>
+                    <a:bodyPr/>
+                    <a:lstStyle/>
+                    <a:p>
+                      <a:pPr algn="ctr" fontAlgn="ctr"/>
+                      <a:r>
+                        <a:rPr lang="en-US" altLang="zh-CN" sz="1800" u="none" strike="noStrike" dirty="0">
+                          <a:effectLst/>
+                        </a:rPr>
+                        <a:t>75</a:t>
+                      </a:r>
+                      <a:endParaRPr lang="en-US" altLang="zh-CN" sz="1800" b="0" i="0" u="none" strike="noStrike" dirty="0">
+                        <a:solidFill>
+                          <a:srgbClr val="000000"/>
+                        </a:solidFill>
+                        <a:effectLst/>
+                        <a:latin typeface="宋体" panose="02010600030101010101" pitchFamily="2" charset="-122"/>
+                        <a:ea typeface="宋体" panose="02010600030101010101" pitchFamily="2" charset="-122"/>
+                      </a:endParaRPr>
+                    </a:p>
+                  </a:txBody>
+                  <a:tcPr marL="7620" marR="7620" marT="7620" marB="0" anchor="ctr"/>
+                </a:tc>
+                <a:tc>
+                  <a:txBody>
+                    <a:bodyPr/>
+                    <a:lstStyle/>
+                    <a:p>
+                      <a:pPr algn="ctr" fontAlgn="ctr"/>
+                      <a:r>
+                        <a:rPr lang="en-US" altLang="zh-CN" sz="1800" u="none" strike="noStrike">
+                          <a:effectLst/>
+                        </a:rPr>
+                        <a:t>50</a:t>
+                      </a:r>
+                      <a:endParaRPr lang="en-US" altLang="zh-CN" sz="1800" b="0" i="0" u="none" strike="noStrike">
+                        <a:solidFill>
+                          <a:srgbClr val="000000"/>
+                        </a:solidFill>
+                        <a:effectLst/>
+                        <a:latin typeface="宋体" panose="02010600030101010101" pitchFamily="2" charset="-122"/>
+                        <a:ea typeface="宋体" panose="02010600030101010101" pitchFamily="2" charset="-122"/>
+                      </a:endParaRPr>
+                    </a:p>
+                  </a:txBody>
+                  <a:tcPr marL="7620" marR="7620" marT="7620" marB="0" anchor="ctr"/>
+                </a:tc>
+                <a:tc>
+                  <a:txBody>
+                    <a:bodyPr/>
+                    <a:lstStyle/>
+                    <a:p>
+                      <a:pPr algn="ctr" fontAlgn="ctr"/>
+                      <a:r>
+                        <a:rPr lang="en-US" altLang="zh-CN" sz="1800" u="none" strike="noStrike">
+                          <a:effectLst/>
+                        </a:rPr>
+                        <a:t>50</a:t>
+                      </a:r>
+                      <a:endParaRPr lang="en-US" altLang="zh-CN" sz="1800" b="0" i="0" u="none" strike="noStrike">
+                        <a:solidFill>
+                          <a:srgbClr val="000000"/>
+                        </a:solidFill>
+                        <a:effectLst/>
+                        <a:latin typeface="宋体" panose="02010600030101010101" pitchFamily="2" charset="-122"/>
+                        <a:ea typeface="宋体" panose="02010600030101010101" pitchFamily="2" charset="-122"/>
+                      </a:endParaRPr>
+                    </a:p>
+                  </a:txBody>
+                  <a:tcPr marL="7620" marR="7620" marT="7620" marB="0" anchor="ctr"/>
+                </a:tc>
+                <a:tc>
+                  <a:txBody>
+                    <a:bodyPr/>
+                    <a:lstStyle/>
+                    <a:p>
+                      <a:pPr algn="ctr" fontAlgn="ctr"/>
+                      <a:r>
+                        <a:rPr lang="en-US" altLang="zh-CN" sz="1800" u="none" strike="noStrike">
+                          <a:effectLst/>
+                        </a:rPr>
+                        <a:t>40</a:t>
+                      </a:r>
+                      <a:endParaRPr lang="en-US" altLang="zh-CN" sz="1800" b="0" i="0" u="none" strike="noStrike">
+                        <a:solidFill>
+                          <a:srgbClr val="000000"/>
+                        </a:solidFill>
+                        <a:effectLst/>
+                        <a:latin typeface="宋体" panose="02010600030101010101" pitchFamily="2" charset="-122"/>
+                        <a:ea typeface="宋体" panose="02010600030101010101" pitchFamily="2" charset="-122"/>
+                      </a:endParaRPr>
+                    </a:p>
+                  </a:txBody>
+                  <a:tcPr marL="7620" marR="7620" marT="7620" marB="0" anchor="ctr"/>
+                </a:tc>
+                <a:tc>
+                  <a:txBody>
+                    <a:bodyPr/>
+                    <a:lstStyle/>
+                    <a:p>
+                      <a:pPr algn="ctr" fontAlgn="ctr"/>
+                      <a:r>
+                        <a:rPr lang="en-US" altLang="zh-CN" sz="1800" u="none" strike="noStrike">
+                          <a:effectLst/>
+                        </a:rPr>
+                        <a:t>20</a:t>
+                      </a:r>
+                      <a:endParaRPr lang="en-US" altLang="zh-CN" sz="1800" b="0" i="0" u="none" strike="noStrike">
+                        <a:solidFill>
+                          <a:srgbClr val="000000"/>
+                        </a:solidFill>
+                        <a:effectLst/>
+                        <a:latin typeface="宋体" panose="02010600030101010101" pitchFamily="2" charset="-122"/>
+                        <a:ea typeface="宋体" panose="02010600030101010101" pitchFamily="2" charset="-122"/>
+                      </a:endParaRPr>
+                    </a:p>
+                  </a:txBody>
+                  <a:tcPr marL="7620" marR="7620" marT="7620" marB="0" anchor="ctr"/>
+                </a:tc>
+                <a:tc>
+                  <a:txBody>
+                    <a:bodyPr/>
+                    <a:lstStyle/>
+                    <a:p>
+                      <a:pPr algn="ctr" fontAlgn="ctr"/>
+                      <a:r>
+                        <a:rPr lang="en-US" altLang="zh-CN" sz="1800" u="none" strike="noStrike">
+                          <a:effectLst/>
+                        </a:rPr>
+                        <a:t>65</a:t>
+                      </a:r>
+                      <a:endParaRPr lang="en-US" altLang="zh-CN" sz="1800" b="0" i="0" u="none" strike="noStrike">
+                        <a:solidFill>
+                          <a:srgbClr val="000000"/>
+                        </a:solidFill>
+                        <a:effectLst/>
+                        <a:latin typeface="宋体" panose="02010600030101010101" pitchFamily="2" charset="-122"/>
+                        <a:ea typeface="宋体" panose="02010600030101010101" pitchFamily="2" charset="-122"/>
+                      </a:endParaRPr>
+                    </a:p>
+                  </a:txBody>
+                  <a:tcPr marL="7620" marR="7620" marT="7620" marB="0" anchor="ctr"/>
+                </a:tc>
+                <a:tc>
+                  <a:txBody>
+                    <a:bodyPr/>
+                    <a:lstStyle/>
+                    <a:p>
+                      <a:pPr algn="ctr" fontAlgn="ctr"/>
+                      <a:r>
+                        <a:rPr lang="en-US" altLang="zh-CN" sz="1800" u="none" strike="noStrike">
+                          <a:effectLst/>
+                        </a:rPr>
+                        <a:t>40</a:t>
+                      </a:r>
+                      <a:endParaRPr lang="en-US" altLang="zh-CN" sz="1800" b="0" i="0" u="none" strike="noStrike">
+                        <a:solidFill>
+                          <a:srgbClr val="000000"/>
+                        </a:solidFill>
+                        <a:effectLst/>
+                        <a:latin typeface="宋体" panose="02010600030101010101" pitchFamily="2" charset="-122"/>
+                        <a:ea typeface="宋体" panose="02010600030101010101" pitchFamily="2" charset="-122"/>
+                      </a:endParaRPr>
+                    </a:p>
+                  </a:txBody>
+                  <a:tcPr marL="7620" marR="7620" marT="7620" marB="0" anchor="ctr"/>
+                </a:tc>
+                <a:tc>
+                  <a:txBody>
+                    <a:bodyPr/>
+                    <a:lstStyle/>
+                    <a:p>
+                      <a:pPr algn="ctr" fontAlgn="ctr"/>
+                      <a:r>
+                        <a:rPr lang="en-US" altLang="zh-CN" sz="1800" u="none" strike="noStrike" dirty="0">
+                          <a:effectLst/>
+                        </a:rPr>
+                        <a:t>25</a:t>
+                      </a:r>
+                      <a:endParaRPr lang="en-US" altLang="zh-CN" sz="1800" b="0" i="0" u="none" strike="noStrike" dirty="0">
+                        <a:solidFill>
+                          <a:srgbClr val="000000"/>
+                        </a:solidFill>
+                        <a:effectLst/>
+                        <a:latin typeface="宋体" panose="02010600030101010101" pitchFamily="2" charset="-122"/>
+                        <a:ea typeface="宋体" panose="02010600030101010101" pitchFamily="2" charset="-122"/>
+                      </a:endParaRPr>
+                    </a:p>
+                  </a:txBody>
+                  <a:tcPr marL="7620" marR="7620" marT="7620" marB="0" anchor="ctr"/>
+                </a:tc>
+              </a:tr>
+              <a:tr h="731520">
+                <a:tc>
+                  <a:txBody>
+                    <a:bodyPr/>
+                    <a:lstStyle/>
+                    <a:p>
+                      <a:pPr algn="ctr" fontAlgn="ctr"/>
+                      <a:r>
+                        <a:rPr lang="zh-CN" altLang="en-US" sz="1800" b="1" i="0" u="none" strike="noStrike" dirty="0" smtClean="0">
+                          <a:solidFill>
+                            <a:srgbClr val="000000"/>
+                          </a:solidFill>
+                          <a:effectLst/>
+                          <a:latin typeface="宋体" panose="02010600030101010101" pitchFamily="2" charset="-122"/>
+                          <a:ea typeface="宋体" panose="02010600030101010101" pitchFamily="2" charset="-122"/>
+                        </a:rPr>
+                        <a:t>差</a:t>
+                      </a:r>
+                      <a:endParaRPr lang="en-US" sz="1800" b="1" i="0" u="none" strike="noStrike" dirty="0">
+                        <a:solidFill>
+                          <a:srgbClr val="000000"/>
+                        </a:solidFill>
+                        <a:effectLst/>
+                        <a:latin typeface="宋体" panose="02010600030101010101" pitchFamily="2" charset="-122"/>
+                        <a:ea typeface="宋体" panose="02010600030101010101" pitchFamily="2" charset="-122"/>
+                      </a:endParaRPr>
+                    </a:p>
+                  </a:txBody>
+                  <a:tcPr marL="7620" marR="7620" marT="7620" marB="0" anchor="ctr"/>
+                </a:tc>
+                <a:tc>
+                  <a:txBody>
+                    <a:bodyPr/>
+                    <a:lstStyle/>
+                    <a:p>
+                      <a:pPr algn="ctr" fontAlgn="ctr"/>
+                      <a:r>
+                        <a:rPr lang="en-US" altLang="zh-CN" sz="1800" b="0" i="0" u="none" strike="noStrike" dirty="0" smtClean="0">
+                          <a:solidFill>
+                            <a:srgbClr val="000000"/>
+                          </a:solidFill>
+                          <a:effectLst/>
+                          <a:latin typeface="宋体" panose="02010600030101010101" pitchFamily="2" charset="-122"/>
+                          <a:ea typeface="宋体" panose="02010600030101010101" pitchFamily="2" charset="-122"/>
+                        </a:rPr>
+                        <a:t>10</a:t>
+                      </a:r>
+                      <a:endParaRPr lang="en-US" altLang="zh-CN" sz="1800" b="0" i="0" u="none" strike="noStrike" dirty="0">
+                        <a:solidFill>
+                          <a:srgbClr val="000000"/>
+                        </a:solidFill>
+                        <a:effectLst/>
+                        <a:latin typeface="宋体" panose="02010600030101010101" pitchFamily="2" charset="-122"/>
+                        <a:ea typeface="宋体" panose="02010600030101010101" pitchFamily="2" charset="-122"/>
+                      </a:endParaRPr>
+                    </a:p>
+                  </a:txBody>
+                  <a:tcPr marL="7620" marR="7620" marT="7620" marB="0" anchor="ctr"/>
+                </a:tc>
+                <a:tc>
+                  <a:txBody>
+                    <a:bodyPr/>
+                    <a:lstStyle/>
+                    <a:p>
+                      <a:pPr algn="ctr" fontAlgn="ctr"/>
+                      <a:r>
+                        <a:rPr lang="en-US" altLang="zh-CN" sz="1800" b="0" i="0" u="none" strike="noStrike" dirty="0" smtClean="0">
+                          <a:solidFill>
+                            <a:srgbClr val="000000"/>
+                          </a:solidFill>
+                          <a:effectLst/>
+                          <a:latin typeface="宋体" panose="02010600030101010101" pitchFamily="2" charset="-122"/>
+                          <a:ea typeface="宋体" panose="02010600030101010101" pitchFamily="2" charset="-122"/>
+                        </a:rPr>
+                        <a:t>20</a:t>
+                      </a:r>
+                      <a:endParaRPr lang="en-US" altLang="zh-CN" sz="1800" b="0" i="0" u="none" strike="noStrike" dirty="0">
+                        <a:solidFill>
+                          <a:srgbClr val="000000"/>
+                        </a:solidFill>
+                        <a:effectLst/>
+                        <a:latin typeface="宋体" panose="02010600030101010101" pitchFamily="2" charset="-122"/>
+                        <a:ea typeface="宋体" panose="02010600030101010101" pitchFamily="2" charset="-122"/>
+                      </a:endParaRPr>
+                    </a:p>
+                  </a:txBody>
+                  <a:tcPr marL="7620" marR="7620" marT="7620" marB="0" anchor="ctr"/>
+                </a:tc>
+                <a:tc>
+                  <a:txBody>
+                    <a:bodyPr/>
+                    <a:lstStyle/>
+                    <a:p>
+                      <a:pPr algn="ctr" fontAlgn="ctr"/>
+                      <a:r>
+                        <a:rPr lang="en-US" altLang="zh-CN" sz="1800" b="0" i="0" u="none" strike="noStrike" dirty="0" smtClean="0">
+                          <a:solidFill>
+                            <a:srgbClr val="000000"/>
+                          </a:solidFill>
+                          <a:effectLst/>
+                          <a:latin typeface="宋体" panose="02010600030101010101" pitchFamily="2" charset="-122"/>
+                          <a:ea typeface="宋体" panose="02010600030101010101" pitchFamily="2" charset="-122"/>
+                        </a:rPr>
+                        <a:t>-10</a:t>
+                      </a:r>
+                      <a:endParaRPr lang="en-US" altLang="zh-CN" sz="1800" b="0" i="0" u="none" strike="noStrike" dirty="0">
+                        <a:solidFill>
+                          <a:srgbClr val="000000"/>
+                        </a:solidFill>
+                        <a:effectLst/>
+                        <a:latin typeface="宋体" panose="02010600030101010101" pitchFamily="2" charset="-122"/>
+                        <a:ea typeface="宋体" panose="02010600030101010101" pitchFamily="2" charset="-122"/>
+                      </a:endParaRPr>
+                    </a:p>
+                  </a:txBody>
+                  <a:tcPr marL="7620" marR="7620" marT="7620" marB="0" anchor="ctr"/>
+                </a:tc>
+                <a:tc>
+                  <a:txBody>
+                    <a:bodyPr/>
+                    <a:lstStyle/>
+                    <a:p>
+                      <a:pPr algn="ctr" fontAlgn="ctr"/>
+                      <a:r>
+                        <a:rPr lang="en-US" altLang="zh-CN" sz="1800" b="0" i="0" u="none" strike="noStrike" dirty="0" smtClean="0">
+                          <a:solidFill>
+                            <a:srgbClr val="000000"/>
+                          </a:solidFill>
+                          <a:effectLst/>
+                          <a:latin typeface="宋体" panose="02010600030101010101" pitchFamily="2" charset="-122"/>
+                          <a:ea typeface="宋体" panose="02010600030101010101" pitchFamily="2" charset="-122"/>
+                        </a:rPr>
+                        <a:t>25</a:t>
+                      </a:r>
+                      <a:endParaRPr lang="en-US" altLang="zh-CN" sz="1800" b="0" i="0" u="none" strike="noStrike" dirty="0">
+                        <a:solidFill>
+                          <a:srgbClr val="000000"/>
+                        </a:solidFill>
+                        <a:effectLst/>
+                        <a:latin typeface="宋体" panose="02010600030101010101" pitchFamily="2" charset="-122"/>
+                        <a:ea typeface="宋体" panose="02010600030101010101" pitchFamily="2" charset="-122"/>
+                      </a:endParaRPr>
+                    </a:p>
+                  </a:txBody>
+                  <a:tcPr marL="7620" marR="7620" marT="7620" marB="0" anchor="ctr"/>
+                </a:tc>
+                <a:tc>
+                  <a:txBody>
+                    <a:bodyPr/>
+                    <a:lstStyle/>
+                    <a:p>
+                      <a:pPr algn="ctr" fontAlgn="ctr"/>
+                      <a:r>
+                        <a:rPr lang="en-US" altLang="zh-CN" sz="2800" b="1" i="0" u="none" strike="noStrike" dirty="0" smtClean="0">
+                          <a:solidFill>
+                            <a:srgbClr val="000000"/>
+                          </a:solidFill>
+                          <a:effectLst/>
+                          <a:latin typeface="宋体" panose="02010600030101010101" pitchFamily="2" charset="-122"/>
+                          <a:ea typeface="宋体" panose="02010600030101010101" pitchFamily="2" charset="-122"/>
+                        </a:rPr>
+                        <a:t>60</a:t>
+                      </a:r>
+                      <a:endParaRPr lang="en-US" altLang="zh-CN" sz="2800" b="1" i="0" u="none" strike="noStrike" dirty="0">
+                        <a:solidFill>
+                          <a:srgbClr val="000000"/>
+                        </a:solidFill>
+                        <a:effectLst/>
+                        <a:latin typeface="宋体" panose="02010600030101010101" pitchFamily="2" charset="-122"/>
+                        <a:ea typeface="宋体" panose="02010600030101010101" pitchFamily="2" charset="-122"/>
+                      </a:endParaRPr>
+                    </a:p>
+                  </a:txBody>
+                  <a:tcPr marL="7620" marR="7620" marT="7620" marB="0" anchor="ctr"/>
+                </a:tc>
+                <a:tc>
+                  <a:txBody>
+                    <a:bodyPr/>
+                    <a:lstStyle/>
+                    <a:p>
+                      <a:pPr algn="ctr" fontAlgn="ctr"/>
+                      <a:r>
+                        <a:rPr lang="en-US" altLang="zh-CN" sz="1800" b="0" i="0" u="none" strike="noStrike" dirty="0" smtClean="0">
+                          <a:solidFill>
+                            <a:srgbClr val="000000"/>
+                          </a:solidFill>
+                          <a:effectLst/>
+                          <a:latin typeface="宋体" panose="02010600030101010101" pitchFamily="2" charset="-122"/>
+                          <a:ea typeface="宋体" panose="02010600030101010101" pitchFamily="2" charset="-122"/>
+                        </a:rPr>
+                        <a:t>10</a:t>
+                      </a:r>
+                      <a:endParaRPr lang="en-US" altLang="zh-CN" sz="1800" b="0" i="0" u="none" strike="noStrike" dirty="0">
+                        <a:solidFill>
+                          <a:srgbClr val="000000"/>
+                        </a:solidFill>
+                        <a:effectLst/>
+                        <a:latin typeface="宋体" panose="02010600030101010101" pitchFamily="2" charset="-122"/>
+                        <a:ea typeface="宋体" panose="02010600030101010101" pitchFamily="2" charset="-122"/>
+                      </a:endParaRPr>
+                    </a:p>
+                  </a:txBody>
+                  <a:tcPr marL="7620" marR="7620" marT="7620" marB="0" anchor="ctr"/>
+                </a:tc>
+                <a:tc>
+                  <a:txBody>
+                    <a:bodyPr/>
+                    <a:lstStyle/>
+                    <a:p>
+                      <a:pPr algn="ctr" fontAlgn="ctr"/>
+                      <a:r>
+                        <a:rPr lang="en-US" altLang="zh-CN" sz="1800" b="0" i="0" u="none" strike="noStrike" dirty="0" smtClean="0">
+                          <a:solidFill>
+                            <a:srgbClr val="000000"/>
+                          </a:solidFill>
+                          <a:effectLst/>
+                          <a:latin typeface="宋体" panose="02010600030101010101" pitchFamily="2" charset="-122"/>
+                          <a:ea typeface="宋体" panose="02010600030101010101" pitchFamily="2" charset="-122"/>
+                        </a:rPr>
+                        <a:t>15</a:t>
+                      </a:r>
+                      <a:endParaRPr lang="en-US" altLang="zh-CN" sz="1800" b="0" i="0" u="none" strike="noStrike" dirty="0">
+                        <a:solidFill>
+                          <a:srgbClr val="000000"/>
+                        </a:solidFill>
+                        <a:effectLst/>
+                        <a:latin typeface="宋体" panose="02010600030101010101" pitchFamily="2" charset="-122"/>
+                        <a:ea typeface="宋体" panose="02010600030101010101" pitchFamily="2" charset="-122"/>
+                      </a:endParaRPr>
+                    </a:p>
+                  </a:txBody>
+                  <a:tcPr marL="7620" marR="7620" marT="7620" marB="0" anchor="ctr"/>
+                </a:tc>
+                <a:tc>
+                  <a:txBody>
+                    <a:bodyPr/>
+                    <a:lstStyle/>
+                    <a:p>
+                      <a:pPr algn="ctr" fontAlgn="ctr"/>
+                      <a:r>
+                        <a:rPr lang="en-US" altLang="zh-CN" sz="1800" b="0" i="0" u="none" strike="noStrike" dirty="0" smtClean="0">
+                          <a:solidFill>
+                            <a:srgbClr val="000000"/>
+                          </a:solidFill>
+                          <a:effectLst/>
+                          <a:latin typeface="宋体" panose="02010600030101010101" pitchFamily="2" charset="-122"/>
+                          <a:ea typeface="宋体" panose="02010600030101010101" pitchFamily="2" charset="-122"/>
+                        </a:rPr>
+                        <a:t>-5</a:t>
+                      </a:r>
+                      <a:endParaRPr lang="en-US" altLang="zh-CN" sz="1800" b="0" i="0" u="none" strike="noStrike" dirty="0">
+                        <a:solidFill>
+                          <a:srgbClr val="000000"/>
+                        </a:solidFill>
+                        <a:effectLst/>
+                        <a:latin typeface="宋体" panose="02010600030101010101" pitchFamily="2" charset="-122"/>
+                        <a:ea typeface="宋体" panose="02010600030101010101" pitchFamily="2" charset="-122"/>
+                      </a:endParaRPr>
+                    </a:p>
+                  </a:txBody>
+                  <a:tcPr marL="7620" marR="7620" marT="7620" marB="0" anchor="ctr"/>
+                </a:tc>
+              </a:tr>
+              <a:tr h="731520">
+                <a:tc>
+                  <a:txBody>
+                    <a:bodyPr/>
+                    <a:lstStyle/>
+                    <a:p>
+                      <a:pPr algn="ctr" fontAlgn="ctr"/>
+                      <a:r>
+                        <a:rPr lang="zh-CN" altLang="en-US" sz="1800" b="1" i="0" u="none" strike="noStrike" dirty="0" smtClean="0">
+                          <a:solidFill>
+                            <a:srgbClr val="000000"/>
+                          </a:solidFill>
+                          <a:effectLst/>
+                          <a:latin typeface="宋体" panose="02010600030101010101" pitchFamily="2" charset="-122"/>
+                          <a:ea typeface="宋体" panose="02010600030101010101" pitchFamily="2" charset="-122"/>
+                        </a:rPr>
+                        <a:t>秩</a:t>
+                      </a:r>
+                      <a:endParaRPr lang="en-US" sz="1800" b="1" i="0" u="none" strike="noStrike" dirty="0">
+                        <a:solidFill>
+                          <a:srgbClr val="000000"/>
+                        </a:solidFill>
+                        <a:effectLst/>
+                        <a:latin typeface="宋体" panose="02010600030101010101" pitchFamily="2" charset="-122"/>
+                        <a:ea typeface="宋体" panose="02010600030101010101" pitchFamily="2" charset="-122"/>
+                      </a:endParaRPr>
+                    </a:p>
+                  </a:txBody>
+                  <a:tcPr marL="7620" marR="7620" marT="7620" marB="0" anchor="ctr"/>
+                </a:tc>
+                <a:tc>
+                  <a:txBody>
+                    <a:bodyPr/>
+                    <a:lstStyle/>
+                    <a:p>
+                      <a:pPr algn="ctr" fontAlgn="ctr"/>
+                      <a:r>
+                        <a:rPr lang="en-US" altLang="zh-CN" sz="2400" b="0" i="0" u="none" strike="noStrike">
+                          <a:solidFill>
+                            <a:srgbClr val="000000"/>
+                          </a:solidFill>
+                          <a:effectLst/>
+                          <a:latin typeface="宋体" panose="02010600030101010101" pitchFamily="2" charset="-122"/>
+                          <a:ea typeface="宋体" panose="02010600030101010101" pitchFamily="2" charset="-122"/>
+                        </a:rPr>
+                        <a:t>3</a:t>
+                      </a:r>
+                    </a:p>
+                  </a:txBody>
+                  <a:tcPr marL="7620" marR="7620" marT="7620" marB="0" anchor="ctr"/>
+                </a:tc>
+                <a:tc>
+                  <a:txBody>
+                    <a:bodyPr/>
+                    <a:lstStyle/>
+                    <a:p>
+                      <a:pPr algn="ctr" fontAlgn="ctr"/>
+                      <a:r>
+                        <a:rPr lang="en-US" altLang="zh-CN" sz="2400" b="0" i="0" u="none" strike="noStrike">
+                          <a:solidFill>
+                            <a:srgbClr val="000000"/>
+                          </a:solidFill>
+                          <a:effectLst/>
+                          <a:latin typeface="宋体" panose="02010600030101010101" pitchFamily="2" charset="-122"/>
+                          <a:ea typeface="宋体" panose="02010600030101010101" pitchFamily="2" charset="-122"/>
+                        </a:rPr>
+                        <a:t>6</a:t>
+                      </a:r>
+                    </a:p>
+                  </a:txBody>
+                  <a:tcPr marL="7620" marR="7620" marT="7620" marB="0" anchor="ctr"/>
+                </a:tc>
+                <a:tc>
+                  <a:txBody>
+                    <a:bodyPr/>
+                    <a:lstStyle/>
+                    <a:p>
+                      <a:pPr algn="ctr" fontAlgn="ctr"/>
+                      <a:r>
+                        <a:rPr lang="en-US" altLang="zh-CN" sz="2400" b="0" i="0" u="none" strike="noStrike">
+                          <a:solidFill>
+                            <a:srgbClr val="000000"/>
+                          </a:solidFill>
+                          <a:effectLst/>
+                          <a:latin typeface="宋体" panose="02010600030101010101" pitchFamily="2" charset="-122"/>
+                          <a:ea typeface="宋体" panose="02010600030101010101" pitchFamily="2" charset="-122"/>
+                        </a:rPr>
+                        <a:t>3</a:t>
+                      </a:r>
+                    </a:p>
+                  </a:txBody>
+                  <a:tcPr marL="7620" marR="7620" marT="7620" marB="0" anchor="ctr"/>
+                </a:tc>
+                <a:tc>
+                  <a:txBody>
+                    <a:bodyPr/>
+                    <a:lstStyle/>
+                    <a:p>
+                      <a:pPr algn="ctr" fontAlgn="ctr"/>
+                      <a:r>
+                        <a:rPr lang="en-US" altLang="zh-CN" sz="2400" b="0" i="0" u="none" strike="noStrike">
+                          <a:solidFill>
+                            <a:srgbClr val="000000"/>
+                          </a:solidFill>
+                          <a:effectLst/>
+                          <a:latin typeface="宋体" panose="02010600030101010101" pitchFamily="2" charset="-122"/>
+                          <a:ea typeface="宋体" panose="02010600030101010101" pitchFamily="2" charset="-122"/>
+                        </a:rPr>
+                        <a:t>7</a:t>
+                      </a:r>
+                    </a:p>
+                  </a:txBody>
+                  <a:tcPr marL="7620" marR="7620" marT="7620" marB="0" anchor="ctr"/>
+                </a:tc>
+                <a:tc>
+                  <a:txBody>
+                    <a:bodyPr/>
+                    <a:lstStyle/>
+                    <a:p>
+                      <a:pPr algn="ctr" fontAlgn="ctr"/>
+                      <a:r>
+                        <a:rPr lang="en-US" altLang="zh-CN" sz="2400" b="0" i="0" u="none" strike="noStrike">
+                          <a:solidFill>
+                            <a:srgbClr val="000000"/>
+                          </a:solidFill>
+                          <a:effectLst/>
+                          <a:latin typeface="宋体" panose="02010600030101010101" pitchFamily="2" charset="-122"/>
+                          <a:ea typeface="宋体" panose="02010600030101010101" pitchFamily="2" charset="-122"/>
+                        </a:rPr>
+                        <a:t>8</a:t>
+                      </a:r>
+                    </a:p>
+                  </a:txBody>
+                  <a:tcPr marL="7620" marR="7620" marT="7620" marB="0" anchor="ctr"/>
+                </a:tc>
+                <a:tc>
+                  <a:txBody>
+                    <a:bodyPr/>
+                    <a:lstStyle/>
+                    <a:p>
+                      <a:pPr algn="ctr" fontAlgn="ctr"/>
+                      <a:r>
+                        <a:rPr lang="en-US" altLang="zh-CN" sz="2400" b="0" i="0" u="none" strike="noStrike">
+                          <a:solidFill>
+                            <a:srgbClr val="000000"/>
+                          </a:solidFill>
+                          <a:effectLst/>
+                          <a:latin typeface="宋体" panose="02010600030101010101" pitchFamily="2" charset="-122"/>
+                          <a:ea typeface="宋体" panose="02010600030101010101" pitchFamily="2" charset="-122"/>
+                        </a:rPr>
+                        <a:t>3</a:t>
+                      </a:r>
+                    </a:p>
+                  </a:txBody>
+                  <a:tcPr marL="7620" marR="7620" marT="7620" marB="0" anchor="ctr"/>
+                </a:tc>
+                <a:tc>
+                  <a:txBody>
+                    <a:bodyPr/>
+                    <a:lstStyle/>
+                    <a:p>
+                      <a:pPr algn="ctr" fontAlgn="ctr"/>
+                      <a:r>
+                        <a:rPr lang="en-US" altLang="zh-CN" sz="2400" b="0" i="0" u="none" strike="noStrike">
+                          <a:solidFill>
+                            <a:srgbClr val="000000"/>
+                          </a:solidFill>
+                          <a:effectLst/>
+                          <a:latin typeface="宋体" panose="02010600030101010101" pitchFamily="2" charset="-122"/>
+                          <a:ea typeface="宋体" panose="02010600030101010101" pitchFamily="2" charset="-122"/>
+                        </a:rPr>
+                        <a:t>5</a:t>
+                      </a:r>
+                    </a:p>
+                  </a:txBody>
+                  <a:tcPr marL="7620" marR="7620" marT="7620" marB="0" anchor="ctr"/>
+                </a:tc>
+                <a:tc>
+                  <a:txBody>
+                    <a:bodyPr/>
+                    <a:lstStyle/>
+                    <a:p>
+                      <a:pPr algn="ctr" fontAlgn="ctr"/>
+                      <a:r>
+                        <a:rPr lang="en-US" altLang="zh-CN" sz="2400" b="0" i="0" u="none" strike="noStrike" dirty="0">
+                          <a:solidFill>
+                            <a:srgbClr val="000000"/>
+                          </a:solidFill>
+                          <a:effectLst/>
+                          <a:latin typeface="宋体" panose="02010600030101010101" pitchFamily="2" charset="-122"/>
+                          <a:ea typeface="宋体" panose="02010600030101010101" pitchFamily="2" charset="-122"/>
+                        </a:rPr>
+                        <a:t>1</a:t>
+                      </a:r>
+                    </a:p>
+                  </a:txBody>
+                  <a:tcPr marL="7620" marR="7620" marT="7620" marB="0" anchor="ctr"/>
+                </a:tc>
+              </a:tr>
+              <a:tr h="731520">
+                <a:tc>
+                  <a:txBody>
+                    <a:bodyPr/>
+                    <a:lstStyle/>
+                    <a:p>
+                      <a:pPr algn="ctr" fontAlgn="ctr"/>
+                      <a:r>
+                        <a:rPr lang="zh-CN" altLang="en-US" sz="1800" b="1" i="0" u="none" strike="noStrike" dirty="0" smtClean="0">
+                          <a:solidFill>
+                            <a:srgbClr val="000000"/>
+                          </a:solidFill>
+                          <a:effectLst/>
+                          <a:latin typeface="宋体" panose="02010600030101010101" pitchFamily="2" charset="-122"/>
+                          <a:ea typeface="宋体" panose="02010600030101010101" pitchFamily="2" charset="-122"/>
+                        </a:rPr>
+                        <a:t>符号</a:t>
+                      </a:r>
+                      <a:endParaRPr lang="en-US" sz="1800" b="1" i="0" u="none" strike="noStrike" dirty="0">
+                        <a:solidFill>
+                          <a:srgbClr val="000000"/>
+                        </a:solidFill>
+                        <a:effectLst/>
+                        <a:latin typeface="宋体" panose="02010600030101010101" pitchFamily="2" charset="-122"/>
+                        <a:ea typeface="宋体" panose="02010600030101010101" pitchFamily="2" charset="-122"/>
+                      </a:endParaRPr>
+                    </a:p>
+                  </a:txBody>
+                  <a:tcPr marL="7620" marR="7620" marT="7620" marB="0" anchor="ctr"/>
+                </a:tc>
+                <a:tc>
+                  <a:txBody>
+                    <a:bodyPr/>
+                    <a:lstStyle/>
+                    <a:p>
+                      <a:pPr algn="ctr" fontAlgn="ctr"/>
+                      <a:r>
+                        <a:rPr lang="en-US" altLang="zh-CN" sz="1800" b="0" i="0" u="none" strike="noStrike" dirty="0" smtClean="0">
+                          <a:solidFill>
+                            <a:srgbClr val="000000"/>
+                          </a:solidFill>
+                          <a:effectLst/>
+                          <a:latin typeface="宋体" panose="02010600030101010101" pitchFamily="2" charset="-122"/>
+                          <a:ea typeface="宋体" panose="02010600030101010101" pitchFamily="2" charset="-122"/>
+                        </a:rPr>
+                        <a:t>+</a:t>
+                      </a:r>
+                      <a:endParaRPr lang="en-US" altLang="zh-CN" sz="1800" b="0" i="0" u="none" strike="noStrike" dirty="0">
+                        <a:solidFill>
+                          <a:srgbClr val="000000"/>
+                        </a:solidFill>
+                        <a:effectLst/>
+                        <a:latin typeface="宋体" panose="02010600030101010101" pitchFamily="2" charset="-122"/>
+                        <a:ea typeface="宋体" panose="02010600030101010101" pitchFamily="2" charset="-122"/>
+                      </a:endParaRPr>
+                    </a:p>
+                  </a:txBody>
+                  <a:tcPr marL="7620" marR="7620" marT="7620" marB="0" anchor="ctr"/>
+                </a:tc>
+                <a:tc>
+                  <a:txBody>
+                    <a:bodyPr/>
+                    <a:lstStyle/>
+                    <a:p>
+                      <a:pPr algn="ctr" fontAlgn="ctr"/>
+                      <a:r>
+                        <a:rPr lang="en-US" altLang="zh-CN" sz="1800" b="0" i="0" u="none" strike="noStrike" dirty="0" smtClean="0">
+                          <a:solidFill>
+                            <a:srgbClr val="000000"/>
+                          </a:solidFill>
+                          <a:effectLst/>
+                          <a:latin typeface="宋体" panose="02010600030101010101" pitchFamily="2" charset="-122"/>
+                          <a:ea typeface="宋体" panose="02010600030101010101" pitchFamily="2" charset="-122"/>
+                        </a:rPr>
+                        <a:t>+</a:t>
+                      </a:r>
+                      <a:endParaRPr lang="en-US" altLang="zh-CN" sz="1800" b="0" i="0" u="none" strike="noStrike" dirty="0">
+                        <a:solidFill>
+                          <a:srgbClr val="000000"/>
+                        </a:solidFill>
+                        <a:effectLst/>
+                        <a:latin typeface="宋体" panose="02010600030101010101" pitchFamily="2" charset="-122"/>
+                        <a:ea typeface="宋体" panose="02010600030101010101" pitchFamily="2" charset="-122"/>
+                      </a:endParaRPr>
+                    </a:p>
+                  </a:txBody>
+                  <a:tcPr marL="7620" marR="7620" marT="7620" marB="0" anchor="ctr"/>
+                </a:tc>
+                <a:tc>
+                  <a:txBody>
+                    <a:bodyPr/>
+                    <a:lstStyle/>
+                    <a:p>
+                      <a:pPr algn="ctr" fontAlgn="ctr"/>
+                      <a:r>
+                        <a:rPr lang="en-US" altLang="zh-CN" sz="1800" b="0" i="0" u="none" strike="noStrike" dirty="0" smtClean="0">
+                          <a:solidFill>
+                            <a:srgbClr val="000000"/>
+                          </a:solidFill>
+                          <a:effectLst/>
+                          <a:latin typeface="宋体" panose="02010600030101010101" pitchFamily="2" charset="-122"/>
+                          <a:ea typeface="宋体" panose="02010600030101010101" pitchFamily="2" charset="-122"/>
+                        </a:rPr>
+                        <a:t>-</a:t>
+                      </a:r>
+                      <a:endParaRPr lang="en-US" altLang="zh-CN" sz="1800" b="0" i="0" u="none" strike="noStrike" dirty="0">
+                        <a:solidFill>
+                          <a:srgbClr val="000000"/>
+                        </a:solidFill>
+                        <a:effectLst/>
+                        <a:latin typeface="宋体" panose="02010600030101010101" pitchFamily="2" charset="-122"/>
+                        <a:ea typeface="宋体" panose="02010600030101010101" pitchFamily="2" charset="-122"/>
+                      </a:endParaRPr>
+                    </a:p>
+                  </a:txBody>
+                  <a:tcPr marL="7620" marR="7620" marT="7620" marB="0" anchor="ctr"/>
+                </a:tc>
+                <a:tc>
+                  <a:txBody>
+                    <a:bodyPr/>
+                    <a:lstStyle/>
+                    <a:p>
+                      <a:pPr algn="ctr" fontAlgn="ctr"/>
+                      <a:r>
+                        <a:rPr lang="en-US" altLang="zh-CN" sz="1800" b="0" i="0" u="none" strike="noStrike" dirty="0" smtClean="0">
+                          <a:solidFill>
+                            <a:srgbClr val="000000"/>
+                          </a:solidFill>
+                          <a:effectLst/>
+                          <a:latin typeface="宋体" panose="02010600030101010101" pitchFamily="2" charset="-122"/>
+                          <a:ea typeface="宋体" panose="02010600030101010101" pitchFamily="2" charset="-122"/>
+                        </a:rPr>
+                        <a:t>+</a:t>
+                      </a:r>
+                      <a:endParaRPr lang="en-US" altLang="zh-CN" sz="1800" b="0" i="0" u="none" strike="noStrike" dirty="0">
+                        <a:solidFill>
+                          <a:srgbClr val="000000"/>
+                        </a:solidFill>
+                        <a:effectLst/>
+                        <a:latin typeface="宋体" panose="02010600030101010101" pitchFamily="2" charset="-122"/>
+                        <a:ea typeface="宋体" panose="02010600030101010101" pitchFamily="2" charset="-122"/>
+                      </a:endParaRPr>
+                    </a:p>
+                  </a:txBody>
+                  <a:tcPr marL="7620" marR="7620" marT="7620" marB="0" anchor="ctr"/>
+                </a:tc>
+                <a:tc>
+                  <a:txBody>
+                    <a:bodyPr/>
+                    <a:lstStyle/>
+                    <a:p>
+                      <a:pPr algn="ctr" fontAlgn="ctr"/>
+                      <a:r>
+                        <a:rPr lang="en-US" altLang="zh-CN" sz="2800" b="1" i="0" u="none" strike="noStrike" dirty="0" smtClean="0">
+                          <a:solidFill>
+                            <a:srgbClr val="000000"/>
+                          </a:solidFill>
+                          <a:effectLst/>
+                          <a:latin typeface="宋体" panose="02010600030101010101" pitchFamily="2" charset="-122"/>
+                          <a:ea typeface="宋体" panose="02010600030101010101" pitchFamily="2" charset="-122"/>
+                        </a:rPr>
+                        <a:t>+</a:t>
+                      </a:r>
+                      <a:endParaRPr lang="en-US" altLang="zh-CN" sz="2800" b="1" i="0" u="none" strike="noStrike" dirty="0">
+                        <a:solidFill>
+                          <a:srgbClr val="000000"/>
+                        </a:solidFill>
+                        <a:effectLst/>
+                        <a:latin typeface="宋体" panose="02010600030101010101" pitchFamily="2" charset="-122"/>
+                        <a:ea typeface="宋体" panose="02010600030101010101" pitchFamily="2" charset="-122"/>
+                      </a:endParaRPr>
+                    </a:p>
+                  </a:txBody>
+                  <a:tcPr marL="7620" marR="7620" marT="7620" marB="0" anchor="ctr"/>
+                </a:tc>
+                <a:tc>
+                  <a:txBody>
+                    <a:bodyPr/>
+                    <a:lstStyle/>
+                    <a:p>
+                      <a:pPr algn="ctr" fontAlgn="ctr"/>
+                      <a:r>
+                        <a:rPr lang="en-US" altLang="zh-CN" sz="1800" b="0" i="0" u="none" strike="noStrike" dirty="0" smtClean="0">
+                          <a:solidFill>
+                            <a:srgbClr val="000000"/>
+                          </a:solidFill>
+                          <a:effectLst/>
+                          <a:latin typeface="宋体" panose="02010600030101010101" pitchFamily="2" charset="-122"/>
+                          <a:ea typeface="宋体" panose="02010600030101010101" pitchFamily="2" charset="-122"/>
+                        </a:rPr>
+                        <a:t>+</a:t>
+                      </a:r>
+                      <a:endParaRPr lang="en-US" altLang="zh-CN" sz="1800" b="0" i="0" u="none" strike="noStrike" dirty="0">
+                        <a:solidFill>
+                          <a:srgbClr val="000000"/>
+                        </a:solidFill>
+                        <a:effectLst/>
+                        <a:latin typeface="宋体" panose="02010600030101010101" pitchFamily="2" charset="-122"/>
+                        <a:ea typeface="宋体" panose="02010600030101010101" pitchFamily="2" charset="-122"/>
+                      </a:endParaRPr>
+                    </a:p>
+                  </a:txBody>
+                  <a:tcPr marL="7620" marR="7620" marT="7620" marB="0" anchor="ctr"/>
+                </a:tc>
+                <a:tc>
+                  <a:txBody>
+                    <a:bodyPr/>
+                    <a:lstStyle/>
+                    <a:p>
+                      <a:pPr algn="ctr" fontAlgn="ctr"/>
+                      <a:r>
+                        <a:rPr lang="en-US" altLang="zh-CN" sz="1800" b="0" i="0" u="none" strike="noStrike" dirty="0" smtClean="0">
+                          <a:solidFill>
+                            <a:srgbClr val="000000"/>
+                          </a:solidFill>
+                          <a:effectLst/>
+                          <a:latin typeface="宋体" panose="02010600030101010101" pitchFamily="2" charset="-122"/>
+                          <a:ea typeface="宋体" panose="02010600030101010101" pitchFamily="2" charset="-122"/>
+                        </a:rPr>
+                        <a:t>+</a:t>
+                      </a:r>
+                      <a:endParaRPr lang="en-US" altLang="zh-CN" sz="1800" b="0" i="0" u="none" strike="noStrike" dirty="0">
+                        <a:solidFill>
+                          <a:srgbClr val="000000"/>
+                        </a:solidFill>
+                        <a:effectLst/>
+                        <a:latin typeface="宋体" panose="02010600030101010101" pitchFamily="2" charset="-122"/>
+                        <a:ea typeface="宋体" panose="02010600030101010101" pitchFamily="2" charset="-122"/>
+                      </a:endParaRPr>
+                    </a:p>
+                  </a:txBody>
+                  <a:tcPr marL="7620" marR="7620" marT="7620" marB="0" anchor="ctr"/>
+                </a:tc>
+                <a:tc>
+                  <a:txBody>
+                    <a:bodyPr/>
+                    <a:lstStyle/>
+                    <a:p>
+                      <a:pPr algn="ctr" fontAlgn="ctr"/>
+                      <a:r>
+                        <a:rPr lang="en-US" altLang="zh-CN" sz="1800" b="0" i="0" u="none" strike="noStrike" dirty="0" smtClean="0">
+                          <a:solidFill>
+                            <a:srgbClr val="000000"/>
+                          </a:solidFill>
+                          <a:effectLst/>
+                          <a:latin typeface="宋体" panose="02010600030101010101" pitchFamily="2" charset="-122"/>
+                          <a:ea typeface="宋体" panose="02010600030101010101" pitchFamily="2" charset="-122"/>
+                        </a:rPr>
+                        <a:t>-</a:t>
+                      </a:r>
+                      <a:endParaRPr lang="en-US" altLang="zh-CN" sz="1800" b="0" i="0" u="none" strike="noStrike" dirty="0">
+                        <a:solidFill>
+                          <a:srgbClr val="000000"/>
+                        </a:solidFill>
+                        <a:effectLst/>
+                        <a:latin typeface="宋体" panose="02010600030101010101" pitchFamily="2" charset="-122"/>
+                        <a:ea typeface="宋体" panose="02010600030101010101" pitchFamily="2" charset="-122"/>
+                      </a:endParaRPr>
+                    </a:p>
+                  </a:txBody>
+                  <a:tcPr marL="7620" marR="7620" marT="7620" marB="0" anchor="ctr"/>
+                </a:tc>
+              </a:tr>
+            </a:tbl>
+          </a:graphicData>
+        </a:graphic>
+      </p:graphicFrame>
+    </p:spTree>
+    <p:extLst>
+      <p:ext uri="{BB962C8B-B14F-4D97-AF65-F5344CB8AC3E}">
+        <p14:creationId xmlns:p14="http://schemas.microsoft.com/office/powerpoint/2010/main" val="3400842993"/>
+      </p:ext>
+    </p:extLst>
+  </p:cSld>
+  <p:clrMapOvr>
+    <a:masterClrMapping/>
+  </p:clrMapOvr>
+</p:sld>
+</file>
+
+<file path=ppt/slides/slide34.xml><?xml version="1.0" encoding="utf-8"?>
+<p:sld xmlns:a="http://schemas.openxmlformats.org/drawingml/2006/main" xmlns:r="http://schemas.openxmlformats.org/officeDocument/2006/relationships" xmlns:p="http://schemas.openxmlformats.org/presentationml/2006/main">
+  <p:cSld>
+    <p:spTree>
+      <p:nvGrpSpPr>
+        <p:cNvPr id="1" name=""/>
+        <p:cNvGrpSpPr/>
+        <p:nvPr/>
+      </p:nvGrpSpPr>
+      <p:grpSpPr>
+        <a:xfrm>
+          <a:off x="0" y="0"/>
+          <a:ext cx="0" cy="0"/>
+          <a:chOff x="0" y="0"/>
+          <a:chExt cx="0" cy="0"/>
+        </a:xfrm>
+      </p:grpSpPr>
+      <p:sp>
+        <p:nvSpPr>
+          <p:cNvPr id="2" name="标题 1"/>
+          <p:cNvSpPr>
+            <a:spLocks noGrp="1"/>
+          </p:cNvSpPr>
+          <p:nvPr>
+            <p:ph type="title"/>
+          </p:nvPr>
+        </p:nvSpPr>
+        <p:spPr/>
+        <p:txBody>
+          <a:bodyPr/>
+          <a:lstStyle/>
+          <a:p>
+            <a:r>
+              <a:rPr lang="zh-CN" altLang="en-US" dirty="0" smtClean="0"/>
+              <a:t>假设检验步骤</a:t>
+            </a:r>
+            <a:endParaRPr lang="zh-CN" altLang="en-US" dirty="0"/>
+          </a:p>
+        </p:txBody>
+      </p:sp>
+      <p:sp>
+        <p:nvSpPr>
+          <p:cNvPr id="3" name="内容占位符 2"/>
+          <p:cNvSpPr>
+            <a:spLocks noGrp="1"/>
+          </p:cNvSpPr>
+          <p:nvPr>
+            <p:ph idx="1"/>
+          </p:nvPr>
+        </p:nvSpPr>
+        <p:spPr>
+          <a:xfrm>
+            <a:off x="1371600" y="1731086"/>
+            <a:ext cx="9601200" cy="5126914"/>
+          </a:xfrm>
+        </p:spPr>
+        <p:txBody>
+          <a:bodyPr/>
+          <a:lstStyle/>
+          <a:p>
+            <a:pPr marL="514350" indent="-514350">
+              <a:buFont typeface="+mj-lt"/>
+              <a:buAutoNum type="arabicPeriod"/>
+            </a:pPr>
+            <a:r>
+              <a:rPr lang="en-US" altLang="zh-CN" dirty="0" smtClean="0"/>
+              <a:t>H0</a:t>
+            </a:r>
+            <a:r>
+              <a:rPr lang="zh-CN" altLang="en-US" dirty="0" smtClean="0"/>
+              <a:t>：治疗前后差值的中值是</a:t>
+            </a:r>
+            <a:r>
+              <a:rPr lang="en-US" altLang="zh-CN" dirty="0" smtClean="0"/>
+              <a:t>0</a:t>
+            </a:r>
+            <a:r>
+              <a:rPr lang="zh-CN" altLang="en-US" dirty="0" smtClean="0"/>
+              <a:t>；</a:t>
+            </a:r>
+            <a:r>
+              <a:rPr lang="en-US" altLang="zh-CN" dirty="0" smtClean="0"/>
+              <a:t>H1</a:t>
+            </a:r>
+            <a:r>
+              <a:rPr lang="zh-CN" altLang="en-US" dirty="0" smtClean="0"/>
+              <a:t>：治疗前后差值的中值为正数，</a:t>
+            </a:r>
+            <a:r>
+              <a:rPr lang="el-GR" altLang="zh-CN" dirty="0" smtClean="0"/>
+              <a:t>α=0.05</a:t>
+            </a:r>
+            <a:endParaRPr lang="en-US" altLang="zh-CN" dirty="0" smtClean="0"/>
+          </a:p>
+          <a:p>
+            <a:pPr marL="514350" indent="-514350">
+              <a:buFont typeface="+mj-lt"/>
+              <a:buAutoNum type="arabicPeriod"/>
+            </a:pPr>
+            <a:r>
+              <a:rPr lang="zh-CN" altLang="en-US" dirty="0" smtClean="0"/>
+              <a:t>选择统计量：使用</a:t>
+            </a:r>
+            <a:r>
+              <a:rPr lang="en-US" altLang="zh-CN" dirty="0" smtClean="0"/>
+              <a:t>Wilcoxon W</a:t>
+            </a:r>
+            <a:r>
+              <a:rPr lang="zh-CN" altLang="en-US" dirty="0" smtClean="0"/>
+              <a:t>值，计算方法如前页所述</a:t>
+            </a:r>
+            <a:endParaRPr lang="en-US" altLang="zh-CN" dirty="0" smtClean="0"/>
+          </a:p>
+          <a:p>
+            <a:pPr marL="514350" indent="-514350">
+              <a:buFont typeface="+mj-lt"/>
+              <a:buAutoNum type="arabicPeriod"/>
+            </a:pPr>
+            <a:r>
+              <a:rPr lang="zh-CN" altLang="en-US" dirty="0" smtClean="0"/>
+              <a:t>决定判定标准：使用单侧检验，</a:t>
+            </a:r>
+            <a:r>
+              <a:rPr lang="en-US" altLang="zh-CN" dirty="0" smtClean="0"/>
+              <a:t>n=8, </a:t>
+            </a:r>
+            <a:r>
+              <a:rPr lang="el-GR" altLang="zh-CN" dirty="0" smtClean="0"/>
+              <a:t>α=0.05</a:t>
+            </a:r>
+            <a:r>
+              <a:rPr lang="zh-CN" altLang="en-US" dirty="0" smtClean="0"/>
+              <a:t>，临界值是</a:t>
+            </a:r>
+            <a:r>
+              <a:rPr lang="en-US" altLang="zh-CN" dirty="0" smtClean="0"/>
+              <a:t>6. </a:t>
+            </a:r>
+            <a:r>
+              <a:rPr lang="zh-CN" altLang="en-US" dirty="0" smtClean="0"/>
+              <a:t>因此当</a:t>
+            </a:r>
+            <a:r>
+              <a:rPr lang="en-US" altLang="zh-CN" dirty="0" smtClean="0"/>
+              <a:t>W</a:t>
+            </a:r>
+            <a:r>
+              <a:rPr lang="zh-CN" altLang="en-US" dirty="0" smtClean="0"/>
+              <a:t>值小于等于</a:t>
+            </a:r>
+            <a:r>
+              <a:rPr lang="en-US" altLang="zh-CN" dirty="0" smtClean="0"/>
+              <a:t>6</a:t>
+            </a:r>
+            <a:r>
+              <a:rPr lang="zh-CN" altLang="en-US" dirty="0" smtClean="0"/>
+              <a:t>的时候拒绝</a:t>
+            </a:r>
+            <a:r>
+              <a:rPr lang="en-US" altLang="zh-CN" dirty="0" smtClean="0"/>
+              <a:t>H0</a:t>
+            </a:r>
+            <a:r>
+              <a:rPr lang="zh-CN" altLang="en-US" dirty="0" smtClean="0"/>
+              <a:t>，接受</a:t>
+            </a:r>
+            <a:r>
+              <a:rPr lang="en-US" altLang="zh-CN" dirty="0" smtClean="0"/>
+              <a:t>H1</a:t>
+            </a:r>
+          </a:p>
+          <a:p>
+            <a:pPr marL="514350" indent="-514350">
+              <a:buFont typeface="+mj-lt"/>
+              <a:buAutoNum type="arabicPeriod"/>
+            </a:pPr>
+            <a:r>
+              <a:rPr lang="en-US" altLang="zh-CN" dirty="0" smtClean="0"/>
+              <a:t>W</a:t>
+            </a:r>
+            <a:r>
+              <a:rPr lang="zh-CN" altLang="en-US" dirty="0" smtClean="0"/>
+              <a:t>为</a:t>
+            </a:r>
+            <a:r>
+              <a:rPr lang="en-US" altLang="zh-CN" dirty="0" smtClean="0"/>
+              <a:t>4</a:t>
+            </a:r>
+            <a:r>
+              <a:rPr lang="zh-CN" altLang="en-US" dirty="0" smtClean="0"/>
+              <a:t>小于等于</a:t>
+            </a:r>
+            <a:r>
+              <a:rPr lang="en-US" altLang="zh-CN" dirty="0" smtClean="0"/>
+              <a:t>6</a:t>
+            </a:r>
+            <a:r>
+              <a:rPr lang="zh-CN" altLang="en-US" dirty="0" smtClean="0"/>
+              <a:t>，因此接受</a:t>
+            </a:r>
+            <a:r>
+              <a:rPr lang="en-US" altLang="zh-CN" dirty="0" smtClean="0"/>
+              <a:t>H1</a:t>
+            </a:r>
+            <a:endParaRPr lang="en-US" altLang="zh-CN" dirty="0"/>
+          </a:p>
+          <a:p>
+            <a:pPr marL="514350" indent="-514350">
+              <a:buFont typeface="+mj-lt"/>
+              <a:buAutoNum type="arabicPeriod"/>
+            </a:pPr>
+            <a:endParaRPr lang="en-US" altLang="zh-CN" dirty="0" smtClean="0"/>
+          </a:p>
+          <a:p>
+            <a:endParaRPr lang="zh-CN" altLang="en-US" dirty="0"/>
+          </a:p>
+        </p:txBody>
+      </p:sp>
+    </p:spTree>
+    <p:extLst>
+      <p:ext uri="{BB962C8B-B14F-4D97-AF65-F5344CB8AC3E}">
+        <p14:creationId xmlns:p14="http://schemas.microsoft.com/office/powerpoint/2010/main" val="2708229956"/>
+      </p:ext>
+    </p:extLst>
+  </p:cSld>
+  <p:clrMapOvr>
+    <a:masterClrMapping/>
+  </p:clrMapOvr>
+</p:sld>
+</file>
+
+<file path=ppt/slides/slide35.xml><?xml version="1.0" encoding="utf-8"?>
+<p:sld xmlns:a="http://schemas.openxmlformats.org/drawingml/2006/main" xmlns:r="http://schemas.openxmlformats.org/officeDocument/2006/relationships" xmlns:p="http://schemas.openxmlformats.org/presentationml/2006/main">
+  <p:cSld>
+    <p:spTree>
+      <p:nvGrpSpPr>
+        <p:cNvPr id="1" name=""/>
+        <p:cNvGrpSpPr/>
+        <p:nvPr/>
+      </p:nvGrpSpPr>
+      <p:grpSpPr>
+        <a:xfrm>
+          <a:off x="0" y="0"/>
+          <a:ext cx="0" cy="0"/>
+          <a:chOff x="0" y="0"/>
+          <a:chExt cx="0" cy="0"/>
+        </a:xfrm>
+      </p:grpSpPr>
+      <p:sp>
+        <p:nvSpPr>
+          <p:cNvPr id="2" name="标题 1"/>
+          <p:cNvSpPr>
+            <a:spLocks noGrp="1"/>
+          </p:cNvSpPr>
+          <p:nvPr>
+            <p:ph type="title"/>
+          </p:nvPr>
+        </p:nvSpPr>
+        <p:spPr/>
+        <p:txBody>
+          <a:bodyPr/>
+          <a:lstStyle/>
+          <a:p>
+            <a:r>
+              <a:rPr lang="zh-CN" altLang="en-US" dirty="0" smtClean="0"/>
+              <a:t>例题</a:t>
+            </a:r>
+            <a:r>
+              <a:rPr lang="en-US" altLang="zh-CN" dirty="0" smtClean="0"/>
+              <a:t>2</a:t>
+            </a:r>
+            <a:endParaRPr lang="zh-CN" altLang="en-US" dirty="0"/>
+          </a:p>
+        </p:txBody>
+      </p:sp>
+      <p:sp>
+        <p:nvSpPr>
+          <p:cNvPr id="3" name="内容占位符 2"/>
+          <p:cNvSpPr>
+            <a:spLocks noGrp="1"/>
+          </p:cNvSpPr>
+          <p:nvPr>
+            <p:ph idx="1"/>
+          </p:nvPr>
+        </p:nvSpPr>
+        <p:spPr>
+          <a:xfrm>
+            <a:off x="1371600" y="1731086"/>
+            <a:ext cx="5961185" cy="2823330"/>
+          </a:xfrm>
+        </p:spPr>
+        <p:txBody>
+          <a:bodyPr/>
+          <a:lstStyle/>
+          <a:p>
+            <a:r>
+              <a:rPr lang="en-US" altLang="zh-CN" dirty="0" smtClean="0"/>
+              <a:t>15</a:t>
+            </a:r>
+            <a:r>
+              <a:rPr lang="zh-CN" altLang="en-US" dirty="0" smtClean="0"/>
+              <a:t>个存在临床前高血压的志愿者参与了锻炼项目。参与前和参与后的数据如下表所示。请评价锻炼是否会造成血压的变化</a:t>
+            </a:r>
+            <a:endParaRPr lang="zh-CN" altLang="en-US" dirty="0"/>
+          </a:p>
+        </p:txBody>
+      </p:sp>
+      <p:graphicFrame>
+        <p:nvGraphicFramePr>
+          <p:cNvPr id="4" name="图表 3"/>
+          <p:cNvGraphicFramePr>
+            <a:graphicFrameLocks/>
+          </p:cNvGraphicFramePr>
+          <p:nvPr>
+            <p:extLst>
+              <p:ext uri="{D42A27DB-BD31-4B8C-83A1-F6EECF244321}">
+                <p14:modId xmlns:p14="http://schemas.microsoft.com/office/powerpoint/2010/main" val="3463976507"/>
+              </p:ext>
+            </p:extLst>
+          </p:nvPr>
+        </p:nvGraphicFramePr>
+        <p:xfrm>
+          <a:off x="7332785" y="1526052"/>
+          <a:ext cx="4770758" cy="3028364"/>
+        </p:xfrm>
+        <a:graphic>
+          <a:graphicData uri="http://schemas.openxmlformats.org/drawingml/2006/chart">
+            <c:chart xmlns:c="http://schemas.openxmlformats.org/drawingml/2006/chart" xmlns:r="http://schemas.openxmlformats.org/officeDocument/2006/relationships" r:id="rId3"/>
+          </a:graphicData>
+        </a:graphic>
+      </p:graphicFrame>
+      <p:graphicFrame>
+        <p:nvGraphicFramePr>
+          <p:cNvPr id="5" name="表格 4"/>
+          <p:cNvGraphicFramePr>
+            <a:graphicFrameLocks noGrp="1"/>
+          </p:cNvGraphicFramePr>
+          <p:nvPr>
+            <p:extLst>
+              <p:ext uri="{D42A27DB-BD31-4B8C-83A1-F6EECF244321}">
+                <p14:modId xmlns:p14="http://schemas.microsoft.com/office/powerpoint/2010/main" val="2332207115"/>
+              </p:ext>
+            </p:extLst>
+          </p:nvPr>
+        </p:nvGraphicFramePr>
+        <p:xfrm>
+          <a:off x="1846382" y="4726576"/>
+          <a:ext cx="9601206" cy="845004"/>
+        </p:xfrm>
+        <a:graphic>
+          <a:graphicData uri="http://schemas.openxmlformats.org/drawingml/2006/table">
+            <a:tbl>
+              <a:tblPr>
+                <a:tableStyleId>{5C22544A-7EE6-4342-B048-85BDC9FD1C3A}</a:tableStyleId>
+              </a:tblPr>
+              <a:tblGrid>
+                <a:gridCol w="587829"/>
+                <a:gridCol w="783771"/>
+                <a:gridCol w="587829"/>
+                <a:gridCol w="587829"/>
+                <a:gridCol w="587829"/>
+                <a:gridCol w="587829"/>
+                <a:gridCol w="587829"/>
+                <a:gridCol w="587829"/>
+                <a:gridCol w="587829"/>
+                <a:gridCol w="587829"/>
+                <a:gridCol w="587829"/>
+                <a:gridCol w="587829"/>
+                <a:gridCol w="587829"/>
+                <a:gridCol w="587829"/>
+                <a:gridCol w="587829"/>
+                <a:gridCol w="587829"/>
+              </a:tblGrid>
+              <a:tr h="176349">
+                <a:tc>
+                  <a:txBody>
+                    <a:bodyPr/>
+                    <a:lstStyle/>
+                    <a:p>
+                      <a:pPr algn="l" fontAlgn="ctr"/>
+                      <a:r>
+                        <a:rPr lang="en-US" sz="1800" u="none" strike="noStrike">
+                          <a:effectLst/>
+                        </a:rPr>
+                        <a:t>id</a:t>
+                      </a:r>
+                      <a:endParaRPr lang="en-US" sz="1800" b="0" i="0" u="none" strike="noStrike">
+                        <a:solidFill>
+                          <a:srgbClr val="000000"/>
+                        </a:solidFill>
+                        <a:effectLst/>
+                        <a:latin typeface="宋体" panose="02010600030101010101" pitchFamily="2" charset="-122"/>
+                        <a:ea typeface="宋体" panose="02010600030101010101" pitchFamily="2" charset="-122"/>
+                      </a:endParaRPr>
+                    </a:p>
+                  </a:txBody>
+                  <a:tcPr marL="7348" marR="7348" marT="7348" marB="0" anchor="ctr"/>
+                </a:tc>
+                <a:tc>
+                  <a:txBody>
+                    <a:bodyPr/>
+                    <a:lstStyle/>
+                    <a:p>
+                      <a:pPr algn="ctr" fontAlgn="ctr"/>
+                      <a:r>
+                        <a:rPr lang="en-US" altLang="zh-CN" sz="1800" u="none" strike="noStrike">
+                          <a:effectLst/>
+                        </a:rPr>
+                        <a:t>1</a:t>
+                      </a:r>
+                      <a:endParaRPr lang="en-US" altLang="zh-CN" sz="1800" b="0" i="0" u="none" strike="noStrike">
+                        <a:solidFill>
+                          <a:srgbClr val="000000"/>
+                        </a:solidFill>
+                        <a:effectLst/>
+                        <a:latin typeface="宋体" panose="02010600030101010101" pitchFamily="2" charset="-122"/>
+                        <a:ea typeface="宋体" panose="02010600030101010101" pitchFamily="2" charset="-122"/>
+                      </a:endParaRPr>
+                    </a:p>
+                  </a:txBody>
+                  <a:tcPr marL="7348" marR="7348" marT="7348" marB="0" anchor="ctr"/>
+                </a:tc>
+                <a:tc>
+                  <a:txBody>
+                    <a:bodyPr/>
+                    <a:lstStyle/>
+                    <a:p>
+                      <a:pPr algn="ctr" fontAlgn="ctr"/>
+                      <a:r>
+                        <a:rPr lang="en-US" altLang="zh-CN" sz="1800" u="none" strike="noStrike">
+                          <a:effectLst/>
+                        </a:rPr>
+                        <a:t>2</a:t>
+                      </a:r>
+                      <a:endParaRPr lang="en-US" altLang="zh-CN" sz="1800" b="0" i="0" u="none" strike="noStrike">
+                        <a:solidFill>
+                          <a:srgbClr val="000000"/>
+                        </a:solidFill>
+                        <a:effectLst/>
+                        <a:latin typeface="宋体" panose="02010600030101010101" pitchFamily="2" charset="-122"/>
+                        <a:ea typeface="宋体" panose="02010600030101010101" pitchFamily="2" charset="-122"/>
+                      </a:endParaRPr>
+                    </a:p>
+                  </a:txBody>
+                  <a:tcPr marL="7348" marR="7348" marT="7348" marB="0" anchor="ctr"/>
+                </a:tc>
+                <a:tc>
+                  <a:txBody>
+                    <a:bodyPr/>
+                    <a:lstStyle/>
+                    <a:p>
+                      <a:pPr algn="ctr" fontAlgn="ctr"/>
+                      <a:r>
+                        <a:rPr lang="en-US" altLang="zh-CN" sz="1800" u="none" strike="noStrike">
+                          <a:effectLst/>
+                        </a:rPr>
+                        <a:t>3</a:t>
+                      </a:r>
+                      <a:endParaRPr lang="en-US" altLang="zh-CN" sz="1800" b="0" i="0" u="none" strike="noStrike">
+                        <a:solidFill>
+                          <a:srgbClr val="000000"/>
+                        </a:solidFill>
+                        <a:effectLst/>
+                        <a:latin typeface="宋体" panose="02010600030101010101" pitchFamily="2" charset="-122"/>
+                        <a:ea typeface="宋体" panose="02010600030101010101" pitchFamily="2" charset="-122"/>
+                      </a:endParaRPr>
+                    </a:p>
+                  </a:txBody>
+                  <a:tcPr marL="7348" marR="7348" marT="7348" marB="0" anchor="ctr"/>
+                </a:tc>
+                <a:tc>
+                  <a:txBody>
+                    <a:bodyPr/>
+                    <a:lstStyle/>
+                    <a:p>
+                      <a:pPr algn="ctr" fontAlgn="ctr"/>
+                      <a:r>
+                        <a:rPr lang="en-US" altLang="zh-CN" sz="1800" u="none" strike="noStrike">
+                          <a:effectLst/>
+                        </a:rPr>
+                        <a:t>4</a:t>
+                      </a:r>
+                      <a:endParaRPr lang="en-US" altLang="zh-CN" sz="1800" b="0" i="0" u="none" strike="noStrike">
+                        <a:solidFill>
+                          <a:srgbClr val="000000"/>
+                        </a:solidFill>
+                        <a:effectLst/>
+                        <a:latin typeface="宋体" panose="02010600030101010101" pitchFamily="2" charset="-122"/>
+                        <a:ea typeface="宋体" panose="02010600030101010101" pitchFamily="2" charset="-122"/>
+                      </a:endParaRPr>
+                    </a:p>
+                  </a:txBody>
+                  <a:tcPr marL="7348" marR="7348" marT="7348" marB="0" anchor="ctr"/>
+                </a:tc>
+                <a:tc>
+                  <a:txBody>
+                    <a:bodyPr/>
+                    <a:lstStyle/>
+                    <a:p>
+                      <a:pPr algn="ctr" fontAlgn="ctr"/>
+                      <a:r>
+                        <a:rPr lang="en-US" altLang="zh-CN" sz="1800" u="none" strike="noStrike">
+                          <a:effectLst/>
+                        </a:rPr>
+                        <a:t>5</a:t>
+                      </a:r>
+                      <a:endParaRPr lang="en-US" altLang="zh-CN" sz="1800" b="0" i="0" u="none" strike="noStrike">
+                        <a:solidFill>
+                          <a:srgbClr val="000000"/>
+                        </a:solidFill>
+                        <a:effectLst/>
+                        <a:latin typeface="宋体" panose="02010600030101010101" pitchFamily="2" charset="-122"/>
+                        <a:ea typeface="宋体" panose="02010600030101010101" pitchFamily="2" charset="-122"/>
+                      </a:endParaRPr>
+                    </a:p>
+                  </a:txBody>
+                  <a:tcPr marL="7348" marR="7348" marT="7348" marB="0" anchor="ctr"/>
+                </a:tc>
+                <a:tc>
+                  <a:txBody>
+                    <a:bodyPr/>
+                    <a:lstStyle/>
+                    <a:p>
+                      <a:pPr algn="ctr" fontAlgn="ctr"/>
+                      <a:r>
+                        <a:rPr lang="en-US" altLang="zh-CN" sz="1800" u="none" strike="noStrike">
+                          <a:effectLst/>
+                        </a:rPr>
+                        <a:t>6</a:t>
+                      </a:r>
+                      <a:endParaRPr lang="en-US" altLang="zh-CN" sz="1800" b="0" i="0" u="none" strike="noStrike">
+                        <a:solidFill>
+                          <a:srgbClr val="000000"/>
+                        </a:solidFill>
+                        <a:effectLst/>
+                        <a:latin typeface="宋体" panose="02010600030101010101" pitchFamily="2" charset="-122"/>
+                        <a:ea typeface="宋体" panose="02010600030101010101" pitchFamily="2" charset="-122"/>
+                      </a:endParaRPr>
+                    </a:p>
+                  </a:txBody>
+                  <a:tcPr marL="7348" marR="7348" marT="7348" marB="0" anchor="ctr"/>
+                </a:tc>
+                <a:tc>
+                  <a:txBody>
+                    <a:bodyPr/>
+                    <a:lstStyle/>
+                    <a:p>
+                      <a:pPr algn="ctr" fontAlgn="ctr"/>
+                      <a:r>
+                        <a:rPr lang="en-US" altLang="zh-CN" sz="1800" u="none" strike="noStrike">
+                          <a:effectLst/>
+                        </a:rPr>
+                        <a:t>7</a:t>
+                      </a:r>
+                      <a:endParaRPr lang="en-US" altLang="zh-CN" sz="1800" b="0" i="0" u="none" strike="noStrike">
+                        <a:solidFill>
+                          <a:srgbClr val="000000"/>
+                        </a:solidFill>
+                        <a:effectLst/>
+                        <a:latin typeface="宋体" panose="02010600030101010101" pitchFamily="2" charset="-122"/>
+                        <a:ea typeface="宋体" panose="02010600030101010101" pitchFamily="2" charset="-122"/>
+                      </a:endParaRPr>
+                    </a:p>
+                  </a:txBody>
+                  <a:tcPr marL="7348" marR="7348" marT="7348" marB="0" anchor="ctr"/>
+                </a:tc>
+                <a:tc>
+                  <a:txBody>
+                    <a:bodyPr/>
+                    <a:lstStyle/>
+                    <a:p>
+                      <a:pPr algn="ctr" fontAlgn="ctr"/>
+                      <a:r>
+                        <a:rPr lang="en-US" altLang="zh-CN" sz="1800" u="none" strike="noStrike">
+                          <a:effectLst/>
+                        </a:rPr>
+                        <a:t>8</a:t>
+                      </a:r>
+                      <a:endParaRPr lang="en-US" altLang="zh-CN" sz="1800" b="0" i="0" u="none" strike="noStrike">
+                        <a:solidFill>
+                          <a:srgbClr val="000000"/>
+                        </a:solidFill>
+                        <a:effectLst/>
+                        <a:latin typeface="宋体" panose="02010600030101010101" pitchFamily="2" charset="-122"/>
+                        <a:ea typeface="宋体" panose="02010600030101010101" pitchFamily="2" charset="-122"/>
+                      </a:endParaRPr>
+                    </a:p>
+                  </a:txBody>
+                  <a:tcPr marL="7348" marR="7348" marT="7348" marB="0" anchor="ctr"/>
+                </a:tc>
+                <a:tc>
+                  <a:txBody>
+                    <a:bodyPr/>
+                    <a:lstStyle/>
+                    <a:p>
+                      <a:pPr algn="ctr" fontAlgn="ctr"/>
+                      <a:r>
+                        <a:rPr lang="en-US" altLang="zh-CN" sz="1800" u="none" strike="noStrike">
+                          <a:effectLst/>
+                        </a:rPr>
+                        <a:t>9</a:t>
+                      </a:r>
+                      <a:endParaRPr lang="en-US" altLang="zh-CN" sz="1800" b="0" i="0" u="none" strike="noStrike">
+                        <a:solidFill>
+                          <a:srgbClr val="000000"/>
+                        </a:solidFill>
+                        <a:effectLst/>
+                        <a:latin typeface="宋体" panose="02010600030101010101" pitchFamily="2" charset="-122"/>
+                        <a:ea typeface="宋体" panose="02010600030101010101" pitchFamily="2" charset="-122"/>
+                      </a:endParaRPr>
+                    </a:p>
+                  </a:txBody>
+                  <a:tcPr marL="7348" marR="7348" marT="7348" marB="0" anchor="ctr"/>
+                </a:tc>
+                <a:tc>
+                  <a:txBody>
+                    <a:bodyPr/>
+                    <a:lstStyle/>
+                    <a:p>
+                      <a:pPr algn="ctr" fontAlgn="ctr"/>
+                      <a:r>
+                        <a:rPr lang="en-US" altLang="zh-CN" sz="1800" u="none" strike="noStrike">
+                          <a:effectLst/>
+                        </a:rPr>
+                        <a:t>10</a:t>
+                      </a:r>
+                      <a:endParaRPr lang="en-US" altLang="zh-CN" sz="1800" b="0" i="0" u="none" strike="noStrike">
+                        <a:solidFill>
+                          <a:srgbClr val="000000"/>
+                        </a:solidFill>
+                        <a:effectLst/>
+                        <a:latin typeface="宋体" panose="02010600030101010101" pitchFamily="2" charset="-122"/>
+                        <a:ea typeface="宋体" panose="02010600030101010101" pitchFamily="2" charset="-122"/>
+                      </a:endParaRPr>
+                    </a:p>
+                  </a:txBody>
+                  <a:tcPr marL="7348" marR="7348" marT="7348" marB="0" anchor="ctr"/>
+                </a:tc>
+                <a:tc>
+                  <a:txBody>
+                    <a:bodyPr/>
+                    <a:lstStyle/>
+                    <a:p>
+                      <a:pPr algn="ctr" fontAlgn="ctr"/>
+                      <a:r>
+                        <a:rPr lang="en-US" altLang="zh-CN" sz="1800" u="none" strike="noStrike">
+                          <a:effectLst/>
+                        </a:rPr>
+                        <a:t>11</a:t>
+                      </a:r>
+                      <a:endParaRPr lang="en-US" altLang="zh-CN" sz="1800" b="0" i="0" u="none" strike="noStrike">
+                        <a:solidFill>
+                          <a:srgbClr val="000000"/>
+                        </a:solidFill>
+                        <a:effectLst/>
+                        <a:latin typeface="宋体" panose="02010600030101010101" pitchFamily="2" charset="-122"/>
+                        <a:ea typeface="宋体" panose="02010600030101010101" pitchFamily="2" charset="-122"/>
+                      </a:endParaRPr>
+                    </a:p>
+                  </a:txBody>
+                  <a:tcPr marL="7348" marR="7348" marT="7348" marB="0" anchor="ctr"/>
+                </a:tc>
+                <a:tc>
+                  <a:txBody>
+                    <a:bodyPr/>
+                    <a:lstStyle/>
+                    <a:p>
+                      <a:pPr algn="ctr" fontAlgn="ctr"/>
+                      <a:r>
+                        <a:rPr lang="en-US" altLang="zh-CN" sz="1800" u="none" strike="noStrike">
+                          <a:effectLst/>
+                        </a:rPr>
+                        <a:t>12</a:t>
+                      </a:r>
+                      <a:endParaRPr lang="en-US" altLang="zh-CN" sz="1800" b="0" i="0" u="none" strike="noStrike">
+                        <a:solidFill>
+                          <a:srgbClr val="000000"/>
+                        </a:solidFill>
+                        <a:effectLst/>
+                        <a:latin typeface="宋体" panose="02010600030101010101" pitchFamily="2" charset="-122"/>
+                        <a:ea typeface="宋体" panose="02010600030101010101" pitchFamily="2" charset="-122"/>
+                      </a:endParaRPr>
+                    </a:p>
+                  </a:txBody>
+                  <a:tcPr marL="7348" marR="7348" marT="7348" marB="0" anchor="ctr"/>
+                </a:tc>
+                <a:tc>
+                  <a:txBody>
+                    <a:bodyPr/>
+                    <a:lstStyle/>
+                    <a:p>
+                      <a:pPr algn="ctr" fontAlgn="ctr"/>
+                      <a:r>
+                        <a:rPr lang="en-US" altLang="zh-CN" sz="1800" u="none" strike="noStrike">
+                          <a:effectLst/>
+                        </a:rPr>
+                        <a:t>13</a:t>
+                      </a:r>
+                      <a:endParaRPr lang="en-US" altLang="zh-CN" sz="1800" b="0" i="0" u="none" strike="noStrike">
+                        <a:solidFill>
+                          <a:srgbClr val="000000"/>
+                        </a:solidFill>
+                        <a:effectLst/>
+                        <a:latin typeface="宋体" panose="02010600030101010101" pitchFamily="2" charset="-122"/>
+                        <a:ea typeface="宋体" panose="02010600030101010101" pitchFamily="2" charset="-122"/>
+                      </a:endParaRPr>
+                    </a:p>
+                  </a:txBody>
+                  <a:tcPr marL="7348" marR="7348" marT="7348" marB="0" anchor="ctr"/>
+                </a:tc>
+                <a:tc>
+                  <a:txBody>
+                    <a:bodyPr/>
+                    <a:lstStyle/>
+                    <a:p>
+                      <a:pPr algn="ctr" fontAlgn="ctr"/>
+                      <a:r>
+                        <a:rPr lang="en-US" altLang="zh-CN" sz="1800" u="none" strike="noStrike">
+                          <a:effectLst/>
+                        </a:rPr>
+                        <a:t>14</a:t>
+                      </a:r>
+                      <a:endParaRPr lang="en-US" altLang="zh-CN" sz="1800" b="0" i="0" u="none" strike="noStrike">
+                        <a:solidFill>
+                          <a:srgbClr val="000000"/>
+                        </a:solidFill>
+                        <a:effectLst/>
+                        <a:latin typeface="宋体" panose="02010600030101010101" pitchFamily="2" charset="-122"/>
+                        <a:ea typeface="宋体" panose="02010600030101010101" pitchFamily="2" charset="-122"/>
+                      </a:endParaRPr>
+                    </a:p>
+                  </a:txBody>
+                  <a:tcPr marL="7348" marR="7348" marT="7348" marB="0" anchor="ctr"/>
+                </a:tc>
+                <a:tc>
+                  <a:txBody>
+                    <a:bodyPr/>
+                    <a:lstStyle/>
+                    <a:p>
+                      <a:pPr algn="ctr" fontAlgn="ctr"/>
+                      <a:r>
+                        <a:rPr lang="en-US" altLang="zh-CN" sz="1800" u="none" strike="noStrike">
+                          <a:effectLst/>
+                        </a:rPr>
+                        <a:t>15</a:t>
+                      </a:r>
+                      <a:endParaRPr lang="en-US" altLang="zh-CN" sz="1800" b="0" i="0" u="none" strike="noStrike">
+                        <a:solidFill>
+                          <a:srgbClr val="000000"/>
+                        </a:solidFill>
+                        <a:effectLst/>
+                        <a:latin typeface="宋体" panose="02010600030101010101" pitchFamily="2" charset="-122"/>
+                        <a:ea typeface="宋体" panose="02010600030101010101" pitchFamily="2" charset="-122"/>
+                      </a:endParaRPr>
+                    </a:p>
+                  </a:txBody>
+                  <a:tcPr marL="7348" marR="7348" marT="7348" marB="0" anchor="ctr"/>
+                </a:tc>
+              </a:tr>
+              <a:tr h="176349">
+                <a:tc>
+                  <a:txBody>
+                    <a:bodyPr/>
+                    <a:lstStyle/>
+                    <a:p>
+                      <a:pPr algn="l" fontAlgn="ctr"/>
+                      <a:r>
+                        <a:rPr lang="en-US" sz="1800" u="none" strike="noStrike">
+                          <a:effectLst/>
+                        </a:rPr>
+                        <a:t>pre</a:t>
+                      </a:r>
+                      <a:endParaRPr lang="en-US" sz="1800" b="0" i="0" u="none" strike="noStrike">
+                        <a:solidFill>
+                          <a:srgbClr val="000000"/>
+                        </a:solidFill>
+                        <a:effectLst/>
+                        <a:latin typeface="宋体" panose="02010600030101010101" pitchFamily="2" charset="-122"/>
+                        <a:ea typeface="宋体" panose="02010600030101010101" pitchFamily="2" charset="-122"/>
+                      </a:endParaRPr>
+                    </a:p>
+                  </a:txBody>
+                  <a:tcPr marL="7348" marR="7348" marT="7348" marB="0" anchor="ctr"/>
+                </a:tc>
+                <a:tc>
+                  <a:txBody>
+                    <a:bodyPr/>
+                    <a:lstStyle/>
+                    <a:p>
+                      <a:pPr algn="ctr" fontAlgn="ctr"/>
+                      <a:r>
+                        <a:rPr lang="en-US" altLang="zh-CN" sz="1800" u="none" strike="noStrike">
+                          <a:effectLst/>
+                        </a:rPr>
+                        <a:t>125</a:t>
+                      </a:r>
+                      <a:endParaRPr lang="en-US" altLang="zh-CN" sz="1800" b="0" i="0" u="none" strike="noStrike">
+                        <a:solidFill>
+                          <a:srgbClr val="000000"/>
+                        </a:solidFill>
+                        <a:effectLst/>
+                        <a:latin typeface="宋体" panose="02010600030101010101" pitchFamily="2" charset="-122"/>
+                        <a:ea typeface="宋体" panose="02010600030101010101" pitchFamily="2" charset="-122"/>
+                      </a:endParaRPr>
+                    </a:p>
+                  </a:txBody>
+                  <a:tcPr marL="7348" marR="7348" marT="7348" marB="0" anchor="ctr"/>
+                </a:tc>
+                <a:tc>
+                  <a:txBody>
+                    <a:bodyPr/>
+                    <a:lstStyle/>
+                    <a:p>
+                      <a:pPr algn="ctr" fontAlgn="ctr"/>
+                      <a:r>
+                        <a:rPr lang="en-US" altLang="zh-CN" sz="1800" u="none" strike="noStrike">
+                          <a:effectLst/>
+                        </a:rPr>
+                        <a:t>132</a:t>
+                      </a:r>
+                      <a:endParaRPr lang="en-US" altLang="zh-CN" sz="1800" b="0" i="0" u="none" strike="noStrike">
+                        <a:solidFill>
+                          <a:srgbClr val="000000"/>
+                        </a:solidFill>
+                        <a:effectLst/>
+                        <a:latin typeface="宋体" panose="02010600030101010101" pitchFamily="2" charset="-122"/>
+                        <a:ea typeface="宋体" panose="02010600030101010101" pitchFamily="2" charset="-122"/>
+                      </a:endParaRPr>
+                    </a:p>
+                  </a:txBody>
+                  <a:tcPr marL="7348" marR="7348" marT="7348" marB="0" anchor="ctr"/>
+                </a:tc>
+                <a:tc>
+                  <a:txBody>
+                    <a:bodyPr/>
+                    <a:lstStyle/>
+                    <a:p>
+                      <a:pPr algn="ctr" fontAlgn="ctr"/>
+                      <a:r>
+                        <a:rPr lang="en-US" altLang="zh-CN" sz="1800" u="none" strike="noStrike">
+                          <a:effectLst/>
+                        </a:rPr>
+                        <a:t>138</a:t>
+                      </a:r>
+                      <a:endParaRPr lang="en-US" altLang="zh-CN" sz="1800" b="0" i="0" u="none" strike="noStrike">
+                        <a:solidFill>
+                          <a:srgbClr val="000000"/>
+                        </a:solidFill>
+                        <a:effectLst/>
+                        <a:latin typeface="宋体" panose="02010600030101010101" pitchFamily="2" charset="-122"/>
+                        <a:ea typeface="宋体" panose="02010600030101010101" pitchFamily="2" charset="-122"/>
+                      </a:endParaRPr>
+                    </a:p>
+                  </a:txBody>
+                  <a:tcPr marL="7348" marR="7348" marT="7348" marB="0" anchor="ctr"/>
+                </a:tc>
+                <a:tc>
+                  <a:txBody>
+                    <a:bodyPr/>
+                    <a:lstStyle/>
+                    <a:p>
+                      <a:pPr algn="ctr" fontAlgn="ctr"/>
+                      <a:r>
+                        <a:rPr lang="en-US" altLang="zh-CN" sz="1800" u="none" strike="noStrike">
+                          <a:effectLst/>
+                        </a:rPr>
+                        <a:t>120</a:t>
+                      </a:r>
+                      <a:endParaRPr lang="en-US" altLang="zh-CN" sz="1800" b="0" i="0" u="none" strike="noStrike">
+                        <a:solidFill>
+                          <a:srgbClr val="000000"/>
+                        </a:solidFill>
+                        <a:effectLst/>
+                        <a:latin typeface="宋体" panose="02010600030101010101" pitchFamily="2" charset="-122"/>
+                        <a:ea typeface="宋体" panose="02010600030101010101" pitchFamily="2" charset="-122"/>
+                      </a:endParaRPr>
+                    </a:p>
+                  </a:txBody>
+                  <a:tcPr marL="7348" marR="7348" marT="7348" marB="0" anchor="ctr"/>
+                </a:tc>
+                <a:tc>
+                  <a:txBody>
+                    <a:bodyPr/>
+                    <a:lstStyle/>
+                    <a:p>
+                      <a:pPr algn="ctr" fontAlgn="ctr"/>
+                      <a:r>
+                        <a:rPr lang="en-US" altLang="zh-CN" sz="1800" u="none" strike="noStrike">
+                          <a:effectLst/>
+                        </a:rPr>
+                        <a:t>125</a:t>
+                      </a:r>
+                      <a:endParaRPr lang="en-US" altLang="zh-CN" sz="1800" b="0" i="0" u="none" strike="noStrike">
+                        <a:solidFill>
+                          <a:srgbClr val="000000"/>
+                        </a:solidFill>
+                        <a:effectLst/>
+                        <a:latin typeface="宋体" panose="02010600030101010101" pitchFamily="2" charset="-122"/>
+                        <a:ea typeface="宋体" panose="02010600030101010101" pitchFamily="2" charset="-122"/>
+                      </a:endParaRPr>
+                    </a:p>
+                  </a:txBody>
+                  <a:tcPr marL="7348" marR="7348" marT="7348" marB="0" anchor="ctr"/>
+                </a:tc>
+                <a:tc>
+                  <a:txBody>
+                    <a:bodyPr/>
+                    <a:lstStyle/>
+                    <a:p>
+                      <a:pPr algn="ctr" fontAlgn="ctr"/>
+                      <a:r>
+                        <a:rPr lang="en-US" altLang="zh-CN" sz="1800" u="none" strike="noStrike">
+                          <a:effectLst/>
+                        </a:rPr>
+                        <a:t>127</a:t>
+                      </a:r>
+                      <a:endParaRPr lang="en-US" altLang="zh-CN" sz="1800" b="0" i="0" u="none" strike="noStrike">
+                        <a:solidFill>
+                          <a:srgbClr val="000000"/>
+                        </a:solidFill>
+                        <a:effectLst/>
+                        <a:latin typeface="宋体" panose="02010600030101010101" pitchFamily="2" charset="-122"/>
+                        <a:ea typeface="宋体" panose="02010600030101010101" pitchFamily="2" charset="-122"/>
+                      </a:endParaRPr>
+                    </a:p>
+                  </a:txBody>
+                  <a:tcPr marL="7348" marR="7348" marT="7348" marB="0" anchor="ctr"/>
+                </a:tc>
+                <a:tc>
+                  <a:txBody>
+                    <a:bodyPr/>
+                    <a:lstStyle/>
+                    <a:p>
+                      <a:pPr algn="ctr" fontAlgn="ctr"/>
+                      <a:r>
+                        <a:rPr lang="en-US" altLang="zh-CN" sz="1800" u="none" strike="noStrike">
+                          <a:effectLst/>
+                        </a:rPr>
+                        <a:t>136</a:t>
+                      </a:r>
+                      <a:endParaRPr lang="en-US" altLang="zh-CN" sz="1800" b="0" i="0" u="none" strike="noStrike">
+                        <a:solidFill>
+                          <a:srgbClr val="000000"/>
+                        </a:solidFill>
+                        <a:effectLst/>
+                        <a:latin typeface="宋体" panose="02010600030101010101" pitchFamily="2" charset="-122"/>
+                        <a:ea typeface="宋体" panose="02010600030101010101" pitchFamily="2" charset="-122"/>
+                      </a:endParaRPr>
+                    </a:p>
+                  </a:txBody>
+                  <a:tcPr marL="7348" marR="7348" marT="7348" marB="0" anchor="ctr"/>
+                </a:tc>
+                <a:tc>
+                  <a:txBody>
+                    <a:bodyPr/>
+                    <a:lstStyle/>
+                    <a:p>
+                      <a:pPr algn="ctr" fontAlgn="ctr"/>
+                      <a:r>
+                        <a:rPr lang="en-US" altLang="zh-CN" sz="1800" u="none" strike="noStrike">
+                          <a:effectLst/>
+                        </a:rPr>
+                        <a:t>139</a:t>
+                      </a:r>
+                      <a:endParaRPr lang="en-US" altLang="zh-CN" sz="1800" b="0" i="0" u="none" strike="noStrike">
+                        <a:solidFill>
+                          <a:srgbClr val="000000"/>
+                        </a:solidFill>
+                        <a:effectLst/>
+                        <a:latin typeface="宋体" panose="02010600030101010101" pitchFamily="2" charset="-122"/>
+                        <a:ea typeface="宋体" panose="02010600030101010101" pitchFamily="2" charset="-122"/>
+                      </a:endParaRPr>
+                    </a:p>
+                  </a:txBody>
+                  <a:tcPr marL="7348" marR="7348" marT="7348" marB="0" anchor="ctr"/>
+                </a:tc>
+                <a:tc>
+                  <a:txBody>
+                    <a:bodyPr/>
+                    <a:lstStyle/>
+                    <a:p>
+                      <a:pPr algn="ctr" fontAlgn="ctr"/>
+                      <a:r>
+                        <a:rPr lang="en-US" altLang="zh-CN" sz="1800" u="none" strike="noStrike">
+                          <a:effectLst/>
+                        </a:rPr>
+                        <a:t>131</a:t>
+                      </a:r>
+                      <a:endParaRPr lang="en-US" altLang="zh-CN" sz="1800" b="0" i="0" u="none" strike="noStrike">
+                        <a:solidFill>
+                          <a:srgbClr val="000000"/>
+                        </a:solidFill>
+                        <a:effectLst/>
+                        <a:latin typeface="宋体" panose="02010600030101010101" pitchFamily="2" charset="-122"/>
+                        <a:ea typeface="宋体" panose="02010600030101010101" pitchFamily="2" charset="-122"/>
+                      </a:endParaRPr>
+                    </a:p>
+                  </a:txBody>
+                  <a:tcPr marL="7348" marR="7348" marT="7348" marB="0" anchor="ctr"/>
+                </a:tc>
+                <a:tc>
+                  <a:txBody>
+                    <a:bodyPr/>
+                    <a:lstStyle/>
+                    <a:p>
+                      <a:pPr algn="ctr" fontAlgn="ctr"/>
+                      <a:r>
+                        <a:rPr lang="en-US" altLang="zh-CN" sz="1800" u="none" strike="noStrike">
+                          <a:effectLst/>
+                        </a:rPr>
+                        <a:t>132</a:t>
+                      </a:r>
+                      <a:endParaRPr lang="en-US" altLang="zh-CN" sz="1800" b="0" i="0" u="none" strike="noStrike">
+                        <a:solidFill>
+                          <a:srgbClr val="000000"/>
+                        </a:solidFill>
+                        <a:effectLst/>
+                        <a:latin typeface="宋体" panose="02010600030101010101" pitchFamily="2" charset="-122"/>
+                        <a:ea typeface="宋体" panose="02010600030101010101" pitchFamily="2" charset="-122"/>
+                      </a:endParaRPr>
+                    </a:p>
+                  </a:txBody>
+                  <a:tcPr marL="7348" marR="7348" marT="7348" marB="0" anchor="ctr"/>
+                </a:tc>
+                <a:tc>
+                  <a:txBody>
+                    <a:bodyPr/>
+                    <a:lstStyle/>
+                    <a:p>
+                      <a:pPr algn="ctr" fontAlgn="ctr"/>
+                      <a:r>
+                        <a:rPr lang="en-US" altLang="zh-CN" sz="1800" u="none" strike="noStrike">
+                          <a:effectLst/>
+                        </a:rPr>
+                        <a:t>135</a:t>
+                      </a:r>
+                      <a:endParaRPr lang="en-US" altLang="zh-CN" sz="1800" b="0" i="0" u="none" strike="noStrike">
+                        <a:solidFill>
+                          <a:srgbClr val="000000"/>
+                        </a:solidFill>
+                        <a:effectLst/>
+                        <a:latin typeface="宋体" panose="02010600030101010101" pitchFamily="2" charset="-122"/>
+                        <a:ea typeface="宋体" panose="02010600030101010101" pitchFamily="2" charset="-122"/>
+                      </a:endParaRPr>
+                    </a:p>
+                  </a:txBody>
+                  <a:tcPr marL="7348" marR="7348" marT="7348" marB="0" anchor="ctr"/>
+                </a:tc>
+                <a:tc>
+                  <a:txBody>
+                    <a:bodyPr/>
+                    <a:lstStyle/>
+                    <a:p>
+                      <a:pPr algn="ctr" fontAlgn="ctr"/>
+                      <a:r>
+                        <a:rPr lang="en-US" altLang="zh-CN" sz="1800" u="none" strike="noStrike">
+                          <a:effectLst/>
+                        </a:rPr>
+                        <a:t>136</a:t>
+                      </a:r>
+                      <a:endParaRPr lang="en-US" altLang="zh-CN" sz="1800" b="0" i="0" u="none" strike="noStrike">
+                        <a:solidFill>
+                          <a:srgbClr val="000000"/>
+                        </a:solidFill>
+                        <a:effectLst/>
+                        <a:latin typeface="宋体" panose="02010600030101010101" pitchFamily="2" charset="-122"/>
+                        <a:ea typeface="宋体" panose="02010600030101010101" pitchFamily="2" charset="-122"/>
+                      </a:endParaRPr>
+                    </a:p>
+                  </a:txBody>
+                  <a:tcPr marL="7348" marR="7348" marT="7348" marB="0" anchor="ctr"/>
+                </a:tc>
+                <a:tc>
+                  <a:txBody>
+                    <a:bodyPr/>
+                    <a:lstStyle/>
+                    <a:p>
+                      <a:pPr algn="ctr" fontAlgn="ctr"/>
+                      <a:r>
+                        <a:rPr lang="en-US" altLang="zh-CN" sz="1800" u="none" strike="noStrike">
+                          <a:effectLst/>
+                        </a:rPr>
+                        <a:t>128</a:t>
+                      </a:r>
+                      <a:endParaRPr lang="en-US" altLang="zh-CN" sz="1800" b="0" i="0" u="none" strike="noStrike">
+                        <a:solidFill>
+                          <a:srgbClr val="000000"/>
+                        </a:solidFill>
+                        <a:effectLst/>
+                        <a:latin typeface="宋体" panose="02010600030101010101" pitchFamily="2" charset="-122"/>
+                        <a:ea typeface="宋体" panose="02010600030101010101" pitchFamily="2" charset="-122"/>
+                      </a:endParaRPr>
+                    </a:p>
+                  </a:txBody>
+                  <a:tcPr marL="7348" marR="7348" marT="7348" marB="0" anchor="ctr"/>
+                </a:tc>
+                <a:tc>
+                  <a:txBody>
+                    <a:bodyPr/>
+                    <a:lstStyle/>
+                    <a:p>
+                      <a:pPr algn="ctr" fontAlgn="ctr"/>
+                      <a:r>
+                        <a:rPr lang="en-US" altLang="zh-CN" sz="1800" u="none" strike="noStrike">
+                          <a:effectLst/>
+                        </a:rPr>
+                        <a:t>127</a:t>
+                      </a:r>
+                      <a:endParaRPr lang="en-US" altLang="zh-CN" sz="1800" b="0" i="0" u="none" strike="noStrike">
+                        <a:solidFill>
+                          <a:srgbClr val="000000"/>
+                        </a:solidFill>
+                        <a:effectLst/>
+                        <a:latin typeface="宋体" panose="02010600030101010101" pitchFamily="2" charset="-122"/>
+                        <a:ea typeface="宋体" panose="02010600030101010101" pitchFamily="2" charset="-122"/>
+                      </a:endParaRPr>
+                    </a:p>
+                  </a:txBody>
+                  <a:tcPr marL="7348" marR="7348" marT="7348" marB="0" anchor="ctr"/>
+                </a:tc>
+                <a:tc>
+                  <a:txBody>
+                    <a:bodyPr/>
+                    <a:lstStyle/>
+                    <a:p>
+                      <a:pPr algn="ctr" fontAlgn="ctr"/>
+                      <a:r>
+                        <a:rPr lang="en-US" altLang="zh-CN" sz="1800" u="none" strike="noStrike">
+                          <a:effectLst/>
+                        </a:rPr>
+                        <a:t>130</a:t>
+                      </a:r>
+                      <a:endParaRPr lang="en-US" altLang="zh-CN" sz="1800" b="0" i="0" u="none" strike="noStrike">
+                        <a:solidFill>
+                          <a:srgbClr val="000000"/>
+                        </a:solidFill>
+                        <a:effectLst/>
+                        <a:latin typeface="宋体" panose="02010600030101010101" pitchFamily="2" charset="-122"/>
+                        <a:ea typeface="宋体" panose="02010600030101010101" pitchFamily="2" charset="-122"/>
+                      </a:endParaRPr>
+                    </a:p>
+                  </a:txBody>
+                  <a:tcPr marL="7348" marR="7348" marT="7348" marB="0" anchor="ctr"/>
+                </a:tc>
+              </a:tr>
+              <a:tr h="176349">
+                <a:tc>
+                  <a:txBody>
+                    <a:bodyPr/>
+                    <a:lstStyle/>
+                    <a:p>
+                      <a:pPr algn="l" fontAlgn="ctr"/>
+                      <a:r>
+                        <a:rPr lang="en-US" sz="1800" u="none" strike="noStrike">
+                          <a:effectLst/>
+                        </a:rPr>
+                        <a:t>post</a:t>
+                      </a:r>
+                      <a:endParaRPr lang="en-US" sz="1800" b="0" i="0" u="none" strike="noStrike">
+                        <a:solidFill>
+                          <a:srgbClr val="000000"/>
+                        </a:solidFill>
+                        <a:effectLst/>
+                        <a:latin typeface="宋体" panose="02010600030101010101" pitchFamily="2" charset="-122"/>
+                        <a:ea typeface="宋体" panose="02010600030101010101" pitchFamily="2" charset="-122"/>
+                      </a:endParaRPr>
+                    </a:p>
+                  </a:txBody>
+                  <a:tcPr marL="7348" marR="7348" marT="7348" marB="0" anchor="ctr"/>
+                </a:tc>
+                <a:tc>
+                  <a:txBody>
+                    <a:bodyPr/>
+                    <a:lstStyle/>
+                    <a:p>
+                      <a:pPr algn="ctr" fontAlgn="ctr"/>
+                      <a:r>
+                        <a:rPr lang="en-US" altLang="zh-CN" sz="1800" u="none" strike="noStrike">
+                          <a:effectLst/>
+                        </a:rPr>
+                        <a:t>118</a:t>
+                      </a:r>
+                      <a:endParaRPr lang="en-US" altLang="zh-CN" sz="1800" b="0" i="0" u="none" strike="noStrike">
+                        <a:solidFill>
+                          <a:srgbClr val="000000"/>
+                        </a:solidFill>
+                        <a:effectLst/>
+                        <a:latin typeface="宋体" panose="02010600030101010101" pitchFamily="2" charset="-122"/>
+                        <a:ea typeface="宋体" panose="02010600030101010101" pitchFamily="2" charset="-122"/>
+                      </a:endParaRPr>
+                    </a:p>
+                  </a:txBody>
+                  <a:tcPr marL="7348" marR="7348" marT="7348" marB="0" anchor="ctr"/>
+                </a:tc>
+                <a:tc>
+                  <a:txBody>
+                    <a:bodyPr/>
+                    <a:lstStyle/>
+                    <a:p>
+                      <a:pPr algn="ctr" fontAlgn="ctr"/>
+                      <a:r>
+                        <a:rPr lang="en-US" altLang="zh-CN" sz="1800" u="none" strike="noStrike">
+                          <a:effectLst/>
+                        </a:rPr>
+                        <a:t>134</a:t>
+                      </a:r>
+                      <a:endParaRPr lang="en-US" altLang="zh-CN" sz="1800" b="0" i="0" u="none" strike="noStrike">
+                        <a:solidFill>
+                          <a:srgbClr val="000000"/>
+                        </a:solidFill>
+                        <a:effectLst/>
+                        <a:latin typeface="宋体" panose="02010600030101010101" pitchFamily="2" charset="-122"/>
+                        <a:ea typeface="宋体" panose="02010600030101010101" pitchFamily="2" charset="-122"/>
+                      </a:endParaRPr>
+                    </a:p>
+                  </a:txBody>
+                  <a:tcPr marL="7348" marR="7348" marT="7348" marB="0" anchor="ctr"/>
+                </a:tc>
+                <a:tc>
+                  <a:txBody>
+                    <a:bodyPr/>
+                    <a:lstStyle/>
+                    <a:p>
+                      <a:pPr algn="ctr" fontAlgn="ctr"/>
+                      <a:r>
+                        <a:rPr lang="en-US" altLang="zh-CN" sz="1800" u="none" strike="noStrike">
+                          <a:effectLst/>
+                        </a:rPr>
+                        <a:t>130</a:t>
+                      </a:r>
+                      <a:endParaRPr lang="en-US" altLang="zh-CN" sz="1800" b="0" i="0" u="none" strike="noStrike">
+                        <a:solidFill>
+                          <a:srgbClr val="000000"/>
+                        </a:solidFill>
+                        <a:effectLst/>
+                        <a:latin typeface="宋体" panose="02010600030101010101" pitchFamily="2" charset="-122"/>
+                        <a:ea typeface="宋体" panose="02010600030101010101" pitchFamily="2" charset="-122"/>
+                      </a:endParaRPr>
+                    </a:p>
+                  </a:txBody>
+                  <a:tcPr marL="7348" marR="7348" marT="7348" marB="0" anchor="ctr"/>
+                </a:tc>
+                <a:tc>
+                  <a:txBody>
+                    <a:bodyPr/>
+                    <a:lstStyle/>
+                    <a:p>
+                      <a:pPr algn="ctr" fontAlgn="ctr"/>
+                      <a:r>
+                        <a:rPr lang="en-US" altLang="zh-CN" sz="1800" u="none" strike="noStrike">
+                          <a:effectLst/>
+                        </a:rPr>
+                        <a:t>124</a:t>
+                      </a:r>
+                      <a:endParaRPr lang="en-US" altLang="zh-CN" sz="1800" b="0" i="0" u="none" strike="noStrike">
+                        <a:solidFill>
+                          <a:srgbClr val="000000"/>
+                        </a:solidFill>
+                        <a:effectLst/>
+                        <a:latin typeface="宋体" panose="02010600030101010101" pitchFamily="2" charset="-122"/>
+                        <a:ea typeface="宋体" panose="02010600030101010101" pitchFamily="2" charset="-122"/>
+                      </a:endParaRPr>
+                    </a:p>
+                  </a:txBody>
+                  <a:tcPr marL="7348" marR="7348" marT="7348" marB="0" anchor="ctr"/>
+                </a:tc>
+                <a:tc>
+                  <a:txBody>
+                    <a:bodyPr/>
+                    <a:lstStyle/>
+                    <a:p>
+                      <a:pPr algn="ctr" fontAlgn="ctr"/>
+                      <a:r>
+                        <a:rPr lang="en-US" altLang="zh-CN" sz="1800" u="none" strike="noStrike">
+                          <a:effectLst/>
+                        </a:rPr>
+                        <a:t>105</a:t>
+                      </a:r>
+                      <a:endParaRPr lang="en-US" altLang="zh-CN" sz="1800" b="0" i="0" u="none" strike="noStrike">
+                        <a:solidFill>
+                          <a:srgbClr val="000000"/>
+                        </a:solidFill>
+                        <a:effectLst/>
+                        <a:latin typeface="宋体" panose="02010600030101010101" pitchFamily="2" charset="-122"/>
+                        <a:ea typeface="宋体" panose="02010600030101010101" pitchFamily="2" charset="-122"/>
+                      </a:endParaRPr>
+                    </a:p>
+                  </a:txBody>
+                  <a:tcPr marL="7348" marR="7348" marT="7348" marB="0" anchor="ctr"/>
+                </a:tc>
+                <a:tc>
+                  <a:txBody>
+                    <a:bodyPr/>
+                    <a:lstStyle/>
+                    <a:p>
+                      <a:pPr algn="ctr" fontAlgn="ctr"/>
+                      <a:r>
+                        <a:rPr lang="en-US" altLang="zh-CN" sz="1800" u="none" strike="noStrike">
+                          <a:effectLst/>
+                        </a:rPr>
+                        <a:t>130</a:t>
+                      </a:r>
+                      <a:endParaRPr lang="en-US" altLang="zh-CN" sz="1800" b="0" i="0" u="none" strike="noStrike">
+                        <a:solidFill>
+                          <a:srgbClr val="000000"/>
+                        </a:solidFill>
+                        <a:effectLst/>
+                        <a:latin typeface="宋体" panose="02010600030101010101" pitchFamily="2" charset="-122"/>
+                        <a:ea typeface="宋体" panose="02010600030101010101" pitchFamily="2" charset="-122"/>
+                      </a:endParaRPr>
+                    </a:p>
+                  </a:txBody>
+                  <a:tcPr marL="7348" marR="7348" marT="7348" marB="0" anchor="ctr"/>
+                </a:tc>
+                <a:tc>
+                  <a:txBody>
+                    <a:bodyPr/>
+                    <a:lstStyle/>
+                    <a:p>
+                      <a:pPr algn="ctr" fontAlgn="ctr"/>
+                      <a:r>
+                        <a:rPr lang="en-US" altLang="zh-CN" sz="1800" u="none" strike="noStrike">
+                          <a:effectLst/>
+                        </a:rPr>
+                        <a:t>130</a:t>
+                      </a:r>
+                      <a:endParaRPr lang="en-US" altLang="zh-CN" sz="1800" b="0" i="0" u="none" strike="noStrike">
+                        <a:solidFill>
+                          <a:srgbClr val="000000"/>
+                        </a:solidFill>
+                        <a:effectLst/>
+                        <a:latin typeface="宋体" panose="02010600030101010101" pitchFamily="2" charset="-122"/>
+                        <a:ea typeface="宋体" panose="02010600030101010101" pitchFamily="2" charset="-122"/>
+                      </a:endParaRPr>
+                    </a:p>
+                  </a:txBody>
+                  <a:tcPr marL="7348" marR="7348" marT="7348" marB="0" anchor="ctr"/>
+                </a:tc>
+                <a:tc>
+                  <a:txBody>
+                    <a:bodyPr/>
+                    <a:lstStyle/>
+                    <a:p>
+                      <a:pPr algn="ctr" fontAlgn="ctr"/>
+                      <a:r>
+                        <a:rPr lang="en-US" altLang="zh-CN" sz="1800" u="none" strike="noStrike">
+                          <a:effectLst/>
+                        </a:rPr>
+                        <a:t>132</a:t>
+                      </a:r>
+                      <a:endParaRPr lang="en-US" altLang="zh-CN" sz="1800" b="0" i="0" u="none" strike="noStrike">
+                        <a:solidFill>
+                          <a:srgbClr val="000000"/>
+                        </a:solidFill>
+                        <a:effectLst/>
+                        <a:latin typeface="宋体" panose="02010600030101010101" pitchFamily="2" charset="-122"/>
+                        <a:ea typeface="宋体" panose="02010600030101010101" pitchFamily="2" charset="-122"/>
+                      </a:endParaRPr>
+                    </a:p>
+                  </a:txBody>
+                  <a:tcPr marL="7348" marR="7348" marT="7348" marB="0" anchor="ctr"/>
+                </a:tc>
+                <a:tc>
+                  <a:txBody>
+                    <a:bodyPr/>
+                    <a:lstStyle/>
+                    <a:p>
+                      <a:pPr algn="ctr" fontAlgn="ctr"/>
+                      <a:r>
+                        <a:rPr lang="en-US" altLang="zh-CN" sz="1800" u="none" strike="noStrike">
+                          <a:effectLst/>
+                        </a:rPr>
+                        <a:t>123</a:t>
+                      </a:r>
+                      <a:endParaRPr lang="en-US" altLang="zh-CN" sz="1800" b="0" i="0" u="none" strike="noStrike">
+                        <a:solidFill>
+                          <a:srgbClr val="000000"/>
+                        </a:solidFill>
+                        <a:effectLst/>
+                        <a:latin typeface="宋体" panose="02010600030101010101" pitchFamily="2" charset="-122"/>
+                        <a:ea typeface="宋体" panose="02010600030101010101" pitchFamily="2" charset="-122"/>
+                      </a:endParaRPr>
+                    </a:p>
+                  </a:txBody>
+                  <a:tcPr marL="7348" marR="7348" marT="7348" marB="0" anchor="ctr"/>
+                </a:tc>
+                <a:tc>
+                  <a:txBody>
+                    <a:bodyPr/>
+                    <a:lstStyle/>
+                    <a:p>
+                      <a:pPr algn="ctr" fontAlgn="ctr"/>
+                      <a:r>
+                        <a:rPr lang="en-US" altLang="zh-CN" sz="1800" u="none" strike="noStrike">
+                          <a:effectLst/>
+                        </a:rPr>
+                        <a:t>128</a:t>
+                      </a:r>
+                      <a:endParaRPr lang="en-US" altLang="zh-CN" sz="1800" b="0" i="0" u="none" strike="noStrike">
+                        <a:solidFill>
+                          <a:srgbClr val="000000"/>
+                        </a:solidFill>
+                        <a:effectLst/>
+                        <a:latin typeface="宋体" panose="02010600030101010101" pitchFamily="2" charset="-122"/>
+                        <a:ea typeface="宋体" panose="02010600030101010101" pitchFamily="2" charset="-122"/>
+                      </a:endParaRPr>
+                    </a:p>
+                  </a:txBody>
+                  <a:tcPr marL="7348" marR="7348" marT="7348" marB="0" anchor="ctr"/>
+                </a:tc>
+                <a:tc>
+                  <a:txBody>
+                    <a:bodyPr/>
+                    <a:lstStyle/>
+                    <a:p>
+                      <a:pPr algn="ctr" fontAlgn="ctr"/>
+                      <a:r>
+                        <a:rPr lang="en-US" altLang="zh-CN" sz="1800" u="none" strike="noStrike">
+                          <a:effectLst/>
+                        </a:rPr>
+                        <a:t>126</a:t>
+                      </a:r>
+                      <a:endParaRPr lang="en-US" altLang="zh-CN" sz="1800" b="0" i="0" u="none" strike="noStrike">
+                        <a:solidFill>
+                          <a:srgbClr val="000000"/>
+                        </a:solidFill>
+                        <a:effectLst/>
+                        <a:latin typeface="宋体" panose="02010600030101010101" pitchFamily="2" charset="-122"/>
+                        <a:ea typeface="宋体" panose="02010600030101010101" pitchFamily="2" charset="-122"/>
+                      </a:endParaRPr>
+                    </a:p>
+                  </a:txBody>
+                  <a:tcPr marL="7348" marR="7348" marT="7348" marB="0" anchor="ctr"/>
+                </a:tc>
+                <a:tc>
+                  <a:txBody>
+                    <a:bodyPr/>
+                    <a:lstStyle/>
+                    <a:p>
+                      <a:pPr algn="ctr" fontAlgn="ctr"/>
+                      <a:r>
+                        <a:rPr lang="en-US" altLang="zh-CN" sz="1800" u="none" strike="noStrike">
+                          <a:effectLst/>
+                        </a:rPr>
+                        <a:t>140</a:t>
+                      </a:r>
+                      <a:endParaRPr lang="en-US" altLang="zh-CN" sz="1800" b="0" i="0" u="none" strike="noStrike">
+                        <a:solidFill>
+                          <a:srgbClr val="000000"/>
+                        </a:solidFill>
+                        <a:effectLst/>
+                        <a:latin typeface="宋体" panose="02010600030101010101" pitchFamily="2" charset="-122"/>
+                        <a:ea typeface="宋体" panose="02010600030101010101" pitchFamily="2" charset="-122"/>
+                      </a:endParaRPr>
+                    </a:p>
+                  </a:txBody>
+                  <a:tcPr marL="7348" marR="7348" marT="7348" marB="0" anchor="ctr"/>
+                </a:tc>
+                <a:tc>
+                  <a:txBody>
+                    <a:bodyPr/>
+                    <a:lstStyle/>
+                    <a:p>
+                      <a:pPr algn="ctr" fontAlgn="ctr"/>
+                      <a:r>
+                        <a:rPr lang="en-US" altLang="zh-CN" sz="1800" u="none" strike="noStrike">
+                          <a:effectLst/>
+                        </a:rPr>
+                        <a:t>135</a:t>
+                      </a:r>
+                      <a:endParaRPr lang="en-US" altLang="zh-CN" sz="1800" b="0" i="0" u="none" strike="noStrike">
+                        <a:solidFill>
+                          <a:srgbClr val="000000"/>
+                        </a:solidFill>
+                        <a:effectLst/>
+                        <a:latin typeface="宋体" panose="02010600030101010101" pitchFamily="2" charset="-122"/>
+                        <a:ea typeface="宋体" panose="02010600030101010101" pitchFamily="2" charset="-122"/>
+                      </a:endParaRPr>
+                    </a:p>
+                  </a:txBody>
+                  <a:tcPr marL="7348" marR="7348" marT="7348" marB="0" anchor="ctr"/>
+                </a:tc>
+                <a:tc>
+                  <a:txBody>
+                    <a:bodyPr/>
+                    <a:lstStyle/>
+                    <a:p>
+                      <a:pPr algn="ctr" fontAlgn="ctr"/>
+                      <a:r>
+                        <a:rPr lang="en-US" altLang="zh-CN" sz="1800" u="none" strike="noStrike">
+                          <a:effectLst/>
+                        </a:rPr>
+                        <a:t>126</a:t>
+                      </a:r>
+                      <a:endParaRPr lang="en-US" altLang="zh-CN" sz="1800" b="0" i="0" u="none" strike="noStrike">
+                        <a:solidFill>
+                          <a:srgbClr val="000000"/>
+                        </a:solidFill>
+                        <a:effectLst/>
+                        <a:latin typeface="宋体" panose="02010600030101010101" pitchFamily="2" charset="-122"/>
+                        <a:ea typeface="宋体" panose="02010600030101010101" pitchFamily="2" charset="-122"/>
+                      </a:endParaRPr>
+                    </a:p>
+                  </a:txBody>
+                  <a:tcPr marL="7348" marR="7348" marT="7348" marB="0" anchor="ctr"/>
+                </a:tc>
+                <a:tc>
+                  <a:txBody>
+                    <a:bodyPr/>
+                    <a:lstStyle/>
+                    <a:p>
+                      <a:pPr algn="ctr" fontAlgn="ctr"/>
+                      <a:r>
+                        <a:rPr lang="en-US" altLang="zh-CN" sz="1800" u="none" strike="noStrike" dirty="0">
+                          <a:effectLst/>
+                        </a:rPr>
+                        <a:t>132</a:t>
+                      </a:r>
+                      <a:endParaRPr lang="en-US" altLang="zh-CN" sz="1800" b="0" i="0" u="none" strike="noStrike" dirty="0">
+                        <a:solidFill>
+                          <a:srgbClr val="000000"/>
+                        </a:solidFill>
+                        <a:effectLst/>
+                        <a:latin typeface="宋体" panose="02010600030101010101" pitchFamily="2" charset="-122"/>
+                        <a:ea typeface="宋体" panose="02010600030101010101" pitchFamily="2" charset="-122"/>
+                      </a:endParaRPr>
+                    </a:p>
+                  </a:txBody>
+                  <a:tcPr marL="7348" marR="7348" marT="7348" marB="0" anchor="ctr"/>
+                </a:tc>
+              </a:tr>
+            </a:tbl>
+          </a:graphicData>
+        </a:graphic>
+      </p:graphicFrame>
+    </p:spTree>
+    <p:extLst>
+      <p:ext uri="{BB962C8B-B14F-4D97-AF65-F5344CB8AC3E}">
+        <p14:creationId xmlns:p14="http://schemas.microsoft.com/office/powerpoint/2010/main" val="1404683210"/>
+      </p:ext>
+    </p:extLst>
+  </p:cSld>
+  <p:clrMapOvr>
+    <a:masterClrMapping/>
+  </p:clrMapOvr>
+</p:sld>
+</file>
+
+<file path=ppt/slides/slide36.xml><?xml version="1.0" encoding="utf-8"?>
+<p:sld xmlns:a="http://schemas.openxmlformats.org/drawingml/2006/main" xmlns:r="http://schemas.openxmlformats.org/officeDocument/2006/relationships" xmlns:p="http://schemas.openxmlformats.org/presentationml/2006/main">
+  <p:cSld>
+    <p:spTree>
+      <p:nvGrpSpPr>
+        <p:cNvPr id="1" name=""/>
+        <p:cNvGrpSpPr/>
+        <p:nvPr/>
+      </p:nvGrpSpPr>
+      <p:grpSpPr>
+        <a:xfrm>
+          <a:off x="0" y="0"/>
+          <a:ext cx="0" cy="0"/>
+          <a:chOff x="0" y="0"/>
+          <a:chExt cx="0" cy="0"/>
+        </a:xfrm>
+      </p:grpSpPr>
+      <p:sp>
+        <p:nvSpPr>
+          <p:cNvPr id="2" name="标题 1"/>
+          <p:cNvSpPr>
+            <a:spLocks noGrp="1"/>
+          </p:cNvSpPr>
+          <p:nvPr>
+            <p:ph type="title"/>
+          </p:nvPr>
+        </p:nvSpPr>
+        <p:spPr/>
+        <p:txBody>
+          <a:bodyPr/>
+          <a:lstStyle/>
+          <a:p>
+            <a:r>
+              <a:rPr lang="zh-CN" altLang="en-US" dirty="0" smtClean="0"/>
+              <a:t>多组（大于</a:t>
+            </a:r>
+            <a:r>
+              <a:rPr lang="en-US" altLang="zh-CN" dirty="0" smtClean="0"/>
+              <a:t>2</a:t>
+            </a:r>
+            <a:r>
+              <a:rPr lang="zh-CN" altLang="en-US" dirty="0" smtClean="0"/>
+              <a:t>组）比较 （</a:t>
+            </a:r>
+            <a:r>
+              <a:rPr lang="zh-CN" altLang="en-US" dirty="0"/>
+              <a:t>了解</a:t>
+            </a:r>
+            <a:r>
+              <a:rPr lang="zh-CN" altLang="en-US" dirty="0" smtClean="0"/>
+              <a:t>）</a:t>
+            </a:r>
+            <a:endParaRPr lang="zh-CN" altLang="en-US" dirty="0"/>
+          </a:p>
+        </p:txBody>
+      </p:sp>
+      <p:sp>
+        <p:nvSpPr>
+          <p:cNvPr id="3" name="内容占位符 2"/>
+          <p:cNvSpPr>
+            <a:spLocks noGrp="1"/>
+          </p:cNvSpPr>
+          <p:nvPr>
+            <p:ph idx="1"/>
+          </p:nvPr>
+        </p:nvSpPr>
+        <p:spPr/>
+        <p:txBody>
+          <a:bodyPr/>
+          <a:lstStyle/>
+          <a:p>
+            <a:r>
+              <a:rPr lang="zh-CN" altLang="en-US" b="1" dirty="0" smtClean="0"/>
+              <a:t>使用</a:t>
+            </a:r>
+            <a:r>
+              <a:rPr lang="en-US" altLang="zh-CN" b="1" dirty="0" err="1" smtClean="0"/>
+              <a:t>Kruskal</a:t>
+            </a:r>
+            <a:r>
+              <a:rPr lang="en-US" altLang="zh-CN" b="1" dirty="0" smtClean="0"/>
+              <a:t>-Wallis H</a:t>
+            </a:r>
+            <a:r>
+              <a:rPr lang="zh-CN" altLang="en-US" b="1" dirty="0" smtClean="0"/>
+              <a:t>检验</a:t>
+            </a:r>
+            <a:endParaRPr lang="en-US" altLang="zh-CN" b="1" dirty="0" smtClean="0"/>
+          </a:p>
+          <a:p>
+            <a:r>
+              <a:rPr lang="en-US" altLang="zh-CN" b="1" dirty="0" smtClean="0"/>
+              <a:t>H0</a:t>
+            </a:r>
+            <a:r>
+              <a:rPr lang="zh-CN" altLang="en-US" b="1" dirty="0" smtClean="0"/>
+              <a:t>：各组中值相等，</a:t>
+            </a:r>
+            <a:r>
+              <a:rPr lang="en-US" altLang="zh-CN" b="1" dirty="0" smtClean="0"/>
+              <a:t>H1</a:t>
+            </a:r>
+            <a:r>
+              <a:rPr lang="zh-CN" altLang="en-US" b="1" dirty="0" smtClean="0"/>
+              <a:t>：各组均值不等，使用</a:t>
+            </a:r>
+            <a:r>
+              <a:rPr lang="en-US" altLang="zh-CN" b="1" dirty="0" smtClean="0"/>
+              <a:t>H</a:t>
+            </a:r>
+            <a:r>
+              <a:rPr lang="zh-CN" altLang="en-US" b="1" dirty="0"/>
+              <a:t>统计量</a:t>
+            </a:r>
+            <a:endParaRPr lang="en-US" altLang="zh-CN" b="1" dirty="0"/>
+          </a:p>
+          <a:p>
+            <a:endParaRPr lang="zh-CN" altLang="en-US" dirty="0"/>
+          </a:p>
+        </p:txBody>
+      </p:sp>
+      <p:pic>
+        <p:nvPicPr>
+          <p:cNvPr id="6" name="图片 5"/>
+          <p:cNvPicPr>
+            <a:picLocks noChangeAspect="1"/>
+          </p:cNvPicPr>
+          <p:nvPr/>
+        </p:nvPicPr>
+        <p:blipFill>
+          <a:blip r:embed="rId2"/>
+          <a:stretch>
+            <a:fillRect/>
+          </a:stretch>
+        </p:blipFill>
+        <p:spPr>
+          <a:xfrm>
+            <a:off x="5041327" y="3997120"/>
+            <a:ext cx="3305097" cy="1882650"/>
+          </a:xfrm>
+          <a:prstGeom prst="rect">
+            <a:avLst/>
+          </a:prstGeom>
+        </p:spPr>
+      </p:pic>
+      <p:pic>
+        <p:nvPicPr>
+          <p:cNvPr id="7" name="图片 6"/>
+          <p:cNvPicPr>
+            <a:picLocks noChangeAspect="1"/>
+          </p:cNvPicPr>
+          <p:nvPr/>
+        </p:nvPicPr>
+        <p:blipFill>
+          <a:blip r:embed="rId3"/>
+          <a:stretch>
+            <a:fillRect/>
+          </a:stretch>
+        </p:blipFill>
+        <p:spPr>
+          <a:xfrm>
+            <a:off x="9085483" y="3815827"/>
+            <a:ext cx="2133670" cy="2245235"/>
+          </a:xfrm>
+          <a:prstGeom prst="rect">
+            <a:avLst/>
+          </a:prstGeom>
+        </p:spPr>
+      </p:pic>
+      <p:graphicFrame>
+        <p:nvGraphicFramePr>
+          <p:cNvPr id="8" name="表格 7"/>
+          <p:cNvGraphicFramePr>
+            <a:graphicFrameLocks noGrp="1"/>
+          </p:cNvGraphicFramePr>
+          <p:nvPr>
+            <p:extLst>
+              <p:ext uri="{D42A27DB-BD31-4B8C-83A1-F6EECF244321}">
+                <p14:modId xmlns:p14="http://schemas.microsoft.com/office/powerpoint/2010/main" val="449604522"/>
+              </p:ext>
+            </p:extLst>
+          </p:nvPr>
+        </p:nvGraphicFramePr>
+        <p:xfrm>
+          <a:off x="2731477" y="3772618"/>
+          <a:ext cx="1219200" cy="2377440"/>
+        </p:xfrm>
+        <a:graphic>
+          <a:graphicData uri="http://schemas.openxmlformats.org/drawingml/2006/table">
+            <a:tbl>
+              <a:tblPr>
+                <a:tableStyleId>{5C22544A-7EE6-4342-B048-85BDC9FD1C3A}</a:tableStyleId>
+              </a:tblPr>
+              <a:tblGrid>
+                <a:gridCol w="609600"/>
+                <a:gridCol w="609600"/>
+              </a:tblGrid>
+              <a:tr h="182880">
+                <a:tc>
+                  <a:txBody>
+                    <a:bodyPr/>
+                    <a:lstStyle/>
+                    <a:p>
+                      <a:pPr algn="l" fontAlgn="ctr"/>
+                      <a:r>
+                        <a:rPr lang="en-US" sz="1100" u="none" strike="noStrike">
+                          <a:effectLst/>
+                        </a:rPr>
+                        <a:t>grp</a:t>
+                      </a:r>
+                      <a:endParaRPr lang="en-US" sz="1100" b="0" i="0" u="none" strike="noStrike">
+                        <a:solidFill>
+                          <a:srgbClr val="000000"/>
+                        </a:solidFill>
+                        <a:effectLst/>
+                        <a:latin typeface="宋体" panose="02010600030101010101" pitchFamily="2" charset="-122"/>
+                        <a:ea typeface="宋体" panose="02010600030101010101" pitchFamily="2" charset="-122"/>
+                      </a:endParaRPr>
+                    </a:p>
+                  </a:txBody>
+                  <a:tcPr marL="7620" marR="7620" marT="7620" marB="0" anchor="ctr"/>
+                </a:tc>
+                <a:tc>
+                  <a:txBody>
+                    <a:bodyPr/>
+                    <a:lstStyle/>
+                    <a:p>
+                      <a:pPr algn="l" fontAlgn="ctr"/>
+                      <a:r>
+                        <a:rPr lang="en-US" sz="1100" u="none" strike="noStrike">
+                          <a:effectLst/>
+                        </a:rPr>
+                        <a:t>gpd</a:t>
+                      </a:r>
+                      <a:endParaRPr lang="en-US" sz="1100" b="0" i="0" u="none" strike="noStrike">
+                        <a:solidFill>
+                          <a:srgbClr val="000000"/>
+                        </a:solidFill>
+                        <a:effectLst/>
+                        <a:latin typeface="宋体" panose="02010600030101010101" pitchFamily="2" charset="-122"/>
+                        <a:ea typeface="宋体" panose="02010600030101010101" pitchFamily="2" charset="-122"/>
+                      </a:endParaRPr>
+                    </a:p>
+                  </a:txBody>
+                  <a:tcPr marL="7620" marR="7620" marT="7620" marB="0" anchor="ctr"/>
+                </a:tc>
+              </a:tr>
+              <a:tr h="182880">
+                <a:tc>
+                  <a:txBody>
+                    <a:bodyPr/>
+                    <a:lstStyle/>
+                    <a:p>
+                      <a:pPr algn="r" fontAlgn="ctr"/>
+                      <a:r>
+                        <a:rPr lang="en-US" altLang="zh-CN" sz="1100" u="none" strike="noStrike">
+                          <a:effectLst/>
+                        </a:rPr>
+                        <a:t>1</a:t>
+                      </a:r>
+                      <a:endParaRPr lang="en-US" altLang="zh-CN" sz="1100" b="0" i="0" u="none" strike="noStrike">
+                        <a:solidFill>
+                          <a:srgbClr val="000000"/>
+                        </a:solidFill>
+                        <a:effectLst/>
+                        <a:latin typeface="宋体" panose="02010600030101010101" pitchFamily="2" charset="-122"/>
+                        <a:ea typeface="宋体" panose="02010600030101010101" pitchFamily="2" charset="-122"/>
+                      </a:endParaRPr>
+                    </a:p>
+                  </a:txBody>
+                  <a:tcPr marL="7620" marR="7620" marT="7620" marB="0" anchor="ctr"/>
+                </a:tc>
+                <a:tc>
+                  <a:txBody>
+                    <a:bodyPr/>
+                    <a:lstStyle/>
+                    <a:p>
+                      <a:pPr algn="ctr" fontAlgn="ctr"/>
+                      <a:r>
+                        <a:rPr lang="en-US" altLang="zh-CN" sz="1100" u="none" strike="noStrike">
+                          <a:effectLst/>
+                        </a:rPr>
+                        <a:t>3.1</a:t>
+                      </a:r>
+                      <a:endParaRPr lang="en-US" altLang="zh-CN" sz="1100" b="0" i="0" u="none" strike="noStrike">
+                        <a:solidFill>
+                          <a:srgbClr val="000000"/>
+                        </a:solidFill>
+                        <a:effectLst/>
+                        <a:latin typeface="宋体" panose="02010600030101010101" pitchFamily="2" charset="-122"/>
+                        <a:ea typeface="宋体" panose="02010600030101010101" pitchFamily="2" charset="-122"/>
+                      </a:endParaRPr>
+                    </a:p>
+                  </a:txBody>
+                  <a:tcPr marL="7620" marR="7620" marT="7620" marB="0" anchor="ctr"/>
+                </a:tc>
+              </a:tr>
+              <a:tr h="182880">
+                <a:tc>
+                  <a:txBody>
+                    <a:bodyPr/>
+                    <a:lstStyle/>
+                    <a:p>
+                      <a:pPr algn="r" fontAlgn="ctr"/>
+                      <a:r>
+                        <a:rPr lang="en-US" altLang="zh-CN" sz="1100" u="none" strike="noStrike">
+                          <a:effectLst/>
+                        </a:rPr>
+                        <a:t>1</a:t>
+                      </a:r>
+                      <a:endParaRPr lang="en-US" altLang="zh-CN" sz="1100" b="0" i="0" u="none" strike="noStrike">
+                        <a:solidFill>
+                          <a:srgbClr val="000000"/>
+                        </a:solidFill>
+                        <a:effectLst/>
+                        <a:latin typeface="宋体" panose="02010600030101010101" pitchFamily="2" charset="-122"/>
+                        <a:ea typeface="宋体" panose="02010600030101010101" pitchFamily="2" charset="-122"/>
+                      </a:endParaRPr>
+                    </a:p>
+                  </a:txBody>
+                  <a:tcPr marL="7620" marR="7620" marT="7620" marB="0" anchor="ctr"/>
+                </a:tc>
+                <a:tc>
+                  <a:txBody>
+                    <a:bodyPr/>
+                    <a:lstStyle/>
+                    <a:p>
+                      <a:pPr algn="ctr" fontAlgn="ctr"/>
+                      <a:r>
+                        <a:rPr lang="en-US" altLang="zh-CN" sz="1100" u="none" strike="noStrike">
+                          <a:effectLst/>
+                        </a:rPr>
+                        <a:t>2.6</a:t>
+                      </a:r>
+                      <a:endParaRPr lang="en-US" altLang="zh-CN" sz="1100" b="0" i="0" u="none" strike="noStrike">
+                        <a:solidFill>
+                          <a:srgbClr val="000000"/>
+                        </a:solidFill>
+                        <a:effectLst/>
+                        <a:latin typeface="宋体" panose="02010600030101010101" pitchFamily="2" charset="-122"/>
+                        <a:ea typeface="宋体" panose="02010600030101010101" pitchFamily="2" charset="-122"/>
+                      </a:endParaRPr>
+                    </a:p>
+                  </a:txBody>
+                  <a:tcPr marL="7620" marR="7620" marT="7620" marB="0" anchor="ctr"/>
+                </a:tc>
+              </a:tr>
+              <a:tr h="182880">
+                <a:tc>
+                  <a:txBody>
+                    <a:bodyPr/>
+                    <a:lstStyle/>
+                    <a:p>
+                      <a:pPr algn="r" fontAlgn="ctr"/>
+                      <a:r>
+                        <a:rPr lang="en-US" altLang="zh-CN" sz="1100" u="none" strike="noStrike">
+                          <a:effectLst/>
+                        </a:rPr>
+                        <a:t>1</a:t>
+                      </a:r>
+                      <a:endParaRPr lang="en-US" altLang="zh-CN" sz="1100" b="0" i="0" u="none" strike="noStrike">
+                        <a:solidFill>
+                          <a:srgbClr val="000000"/>
+                        </a:solidFill>
+                        <a:effectLst/>
+                        <a:latin typeface="宋体" panose="02010600030101010101" pitchFamily="2" charset="-122"/>
+                        <a:ea typeface="宋体" panose="02010600030101010101" pitchFamily="2" charset="-122"/>
+                      </a:endParaRPr>
+                    </a:p>
+                  </a:txBody>
+                  <a:tcPr marL="7620" marR="7620" marT="7620" marB="0" anchor="ctr"/>
+                </a:tc>
+                <a:tc>
+                  <a:txBody>
+                    <a:bodyPr/>
+                    <a:lstStyle/>
+                    <a:p>
+                      <a:pPr algn="ctr" fontAlgn="ctr"/>
+                      <a:r>
+                        <a:rPr lang="en-US" altLang="zh-CN" sz="1100" u="none" strike="noStrike">
+                          <a:effectLst/>
+                        </a:rPr>
+                        <a:t>2.9</a:t>
+                      </a:r>
+                      <a:endParaRPr lang="en-US" altLang="zh-CN" sz="1100" b="0" i="0" u="none" strike="noStrike">
+                        <a:solidFill>
+                          <a:srgbClr val="000000"/>
+                        </a:solidFill>
+                        <a:effectLst/>
+                        <a:latin typeface="宋体" panose="02010600030101010101" pitchFamily="2" charset="-122"/>
+                        <a:ea typeface="宋体" panose="02010600030101010101" pitchFamily="2" charset="-122"/>
+                      </a:endParaRPr>
+                    </a:p>
+                  </a:txBody>
+                  <a:tcPr marL="7620" marR="7620" marT="7620" marB="0" anchor="ctr"/>
+                </a:tc>
+              </a:tr>
+              <a:tr h="182880">
+                <a:tc>
+                  <a:txBody>
+                    <a:bodyPr/>
+                    <a:lstStyle/>
+                    <a:p>
+                      <a:pPr algn="r" fontAlgn="ctr"/>
+                      <a:r>
+                        <a:rPr lang="en-US" altLang="zh-CN" sz="1100" u="none" strike="noStrike">
+                          <a:effectLst/>
+                        </a:rPr>
+                        <a:t>2</a:t>
+                      </a:r>
+                      <a:endParaRPr lang="en-US" altLang="zh-CN" sz="1100" b="0" i="0" u="none" strike="noStrike">
+                        <a:solidFill>
+                          <a:srgbClr val="000000"/>
+                        </a:solidFill>
+                        <a:effectLst/>
+                        <a:latin typeface="宋体" panose="02010600030101010101" pitchFamily="2" charset="-122"/>
+                        <a:ea typeface="宋体" panose="02010600030101010101" pitchFamily="2" charset="-122"/>
+                      </a:endParaRPr>
+                    </a:p>
+                  </a:txBody>
+                  <a:tcPr marL="7620" marR="7620" marT="7620" marB="0" anchor="ctr"/>
+                </a:tc>
+                <a:tc>
+                  <a:txBody>
+                    <a:bodyPr/>
+                    <a:lstStyle/>
+                    <a:p>
+                      <a:pPr algn="ctr" fontAlgn="ctr"/>
+                      <a:r>
+                        <a:rPr lang="en-US" altLang="zh-CN" sz="1100" u="none" strike="noStrike">
+                          <a:effectLst/>
+                        </a:rPr>
+                        <a:t>3.8</a:t>
+                      </a:r>
+                      <a:endParaRPr lang="en-US" altLang="zh-CN" sz="1100" b="0" i="0" u="none" strike="noStrike">
+                        <a:solidFill>
+                          <a:srgbClr val="000000"/>
+                        </a:solidFill>
+                        <a:effectLst/>
+                        <a:latin typeface="宋体" panose="02010600030101010101" pitchFamily="2" charset="-122"/>
+                        <a:ea typeface="宋体" panose="02010600030101010101" pitchFamily="2" charset="-122"/>
+                      </a:endParaRPr>
+                    </a:p>
+                  </a:txBody>
+                  <a:tcPr marL="7620" marR="7620" marT="7620" marB="0" anchor="ctr"/>
+                </a:tc>
+              </a:tr>
+              <a:tr h="182880">
+                <a:tc>
+                  <a:txBody>
+                    <a:bodyPr/>
+                    <a:lstStyle/>
+                    <a:p>
+                      <a:pPr algn="r" fontAlgn="ctr"/>
+                      <a:r>
+                        <a:rPr lang="en-US" altLang="zh-CN" sz="1100" u="none" strike="noStrike">
+                          <a:effectLst/>
+                        </a:rPr>
+                        <a:t>2</a:t>
+                      </a:r>
+                      <a:endParaRPr lang="en-US" altLang="zh-CN" sz="1100" b="0" i="0" u="none" strike="noStrike">
+                        <a:solidFill>
+                          <a:srgbClr val="000000"/>
+                        </a:solidFill>
+                        <a:effectLst/>
+                        <a:latin typeface="宋体" panose="02010600030101010101" pitchFamily="2" charset="-122"/>
+                        <a:ea typeface="宋体" panose="02010600030101010101" pitchFamily="2" charset="-122"/>
+                      </a:endParaRPr>
+                    </a:p>
+                  </a:txBody>
+                  <a:tcPr marL="7620" marR="7620" marT="7620" marB="0" anchor="ctr"/>
+                </a:tc>
+                <a:tc>
+                  <a:txBody>
+                    <a:bodyPr/>
+                    <a:lstStyle/>
+                    <a:p>
+                      <a:pPr algn="ctr" fontAlgn="ctr"/>
+                      <a:r>
+                        <a:rPr lang="en-US" altLang="zh-CN" sz="1100" u="none" strike="noStrike">
+                          <a:effectLst/>
+                        </a:rPr>
+                        <a:t>4.1</a:t>
+                      </a:r>
+                      <a:endParaRPr lang="en-US" altLang="zh-CN" sz="1100" b="0" i="0" u="none" strike="noStrike">
+                        <a:solidFill>
+                          <a:srgbClr val="000000"/>
+                        </a:solidFill>
+                        <a:effectLst/>
+                        <a:latin typeface="宋体" panose="02010600030101010101" pitchFamily="2" charset="-122"/>
+                        <a:ea typeface="宋体" panose="02010600030101010101" pitchFamily="2" charset="-122"/>
+                      </a:endParaRPr>
+                    </a:p>
+                  </a:txBody>
+                  <a:tcPr marL="7620" marR="7620" marT="7620" marB="0" anchor="ctr"/>
+                </a:tc>
+              </a:tr>
+              <a:tr h="182880">
+                <a:tc>
+                  <a:txBody>
+                    <a:bodyPr/>
+                    <a:lstStyle/>
+                    <a:p>
+                      <a:pPr algn="r" fontAlgn="ctr"/>
+                      <a:r>
+                        <a:rPr lang="en-US" altLang="zh-CN" sz="1100" u="none" strike="noStrike">
+                          <a:effectLst/>
+                        </a:rPr>
+                        <a:t>2</a:t>
+                      </a:r>
+                      <a:endParaRPr lang="en-US" altLang="zh-CN" sz="1100" b="0" i="0" u="none" strike="noStrike">
+                        <a:solidFill>
+                          <a:srgbClr val="000000"/>
+                        </a:solidFill>
+                        <a:effectLst/>
+                        <a:latin typeface="宋体" panose="02010600030101010101" pitchFamily="2" charset="-122"/>
+                        <a:ea typeface="宋体" panose="02010600030101010101" pitchFamily="2" charset="-122"/>
+                      </a:endParaRPr>
+                    </a:p>
+                  </a:txBody>
+                  <a:tcPr marL="7620" marR="7620" marT="7620" marB="0" anchor="ctr"/>
+                </a:tc>
+                <a:tc>
+                  <a:txBody>
+                    <a:bodyPr/>
+                    <a:lstStyle/>
+                    <a:p>
+                      <a:pPr algn="ctr" fontAlgn="ctr"/>
+                      <a:r>
+                        <a:rPr lang="en-US" altLang="zh-CN" sz="1100" u="none" strike="noStrike">
+                          <a:effectLst/>
+                        </a:rPr>
+                        <a:t>2.9</a:t>
+                      </a:r>
+                      <a:endParaRPr lang="en-US" altLang="zh-CN" sz="1100" b="0" i="0" u="none" strike="noStrike">
+                        <a:solidFill>
+                          <a:srgbClr val="000000"/>
+                        </a:solidFill>
+                        <a:effectLst/>
+                        <a:latin typeface="宋体" panose="02010600030101010101" pitchFamily="2" charset="-122"/>
+                        <a:ea typeface="宋体" panose="02010600030101010101" pitchFamily="2" charset="-122"/>
+                      </a:endParaRPr>
+                    </a:p>
+                  </a:txBody>
+                  <a:tcPr marL="7620" marR="7620" marT="7620" marB="0" anchor="ctr"/>
+                </a:tc>
+              </a:tr>
+              <a:tr h="182880">
+                <a:tc>
+                  <a:txBody>
+                    <a:bodyPr/>
+                    <a:lstStyle/>
+                    <a:p>
+                      <a:pPr algn="r" fontAlgn="ctr"/>
+                      <a:r>
+                        <a:rPr lang="en-US" altLang="zh-CN" sz="1100" u="none" strike="noStrike">
+                          <a:effectLst/>
+                        </a:rPr>
+                        <a:t>2</a:t>
+                      </a:r>
+                      <a:endParaRPr lang="en-US" altLang="zh-CN" sz="1100" b="0" i="0" u="none" strike="noStrike">
+                        <a:solidFill>
+                          <a:srgbClr val="000000"/>
+                        </a:solidFill>
+                        <a:effectLst/>
+                        <a:latin typeface="宋体" panose="02010600030101010101" pitchFamily="2" charset="-122"/>
+                        <a:ea typeface="宋体" panose="02010600030101010101" pitchFamily="2" charset="-122"/>
+                      </a:endParaRPr>
+                    </a:p>
+                  </a:txBody>
+                  <a:tcPr marL="7620" marR="7620" marT="7620" marB="0" anchor="ctr"/>
+                </a:tc>
+                <a:tc>
+                  <a:txBody>
+                    <a:bodyPr/>
+                    <a:lstStyle/>
+                    <a:p>
+                      <a:pPr algn="ctr" fontAlgn="ctr"/>
+                      <a:r>
+                        <a:rPr lang="en-US" altLang="zh-CN" sz="1100" u="none" strike="noStrike">
+                          <a:effectLst/>
+                        </a:rPr>
+                        <a:t>3.4</a:t>
+                      </a:r>
+                      <a:endParaRPr lang="en-US" altLang="zh-CN" sz="1100" b="0" i="0" u="none" strike="noStrike">
+                        <a:solidFill>
+                          <a:srgbClr val="000000"/>
+                        </a:solidFill>
+                        <a:effectLst/>
+                        <a:latin typeface="宋体" panose="02010600030101010101" pitchFamily="2" charset="-122"/>
+                        <a:ea typeface="宋体" panose="02010600030101010101" pitchFamily="2" charset="-122"/>
+                      </a:endParaRPr>
+                    </a:p>
+                  </a:txBody>
+                  <a:tcPr marL="7620" marR="7620" marT="7620" marB="0" anchor="ctr"/>
+                </a:tc>
+              </a:tr>
+              <a:tr h="182880">
+                <a:tc>
+                  <a:txBody>
+                    <a:bodyPr/>
+                    <a:lstStyle/>
+                    <a:p>
+                      <a:pPr algn="r" fontAlgn="ctr"/>
+                      <a:r>
+                        <a:rPr lang="en-US" altLang="zh-CN" sz="1100" u="none" strike="noStrike">
+                          <a:effectLst/>
+                        </a:rPr>
+                        <a:t>2</a:t>
+                      </a:r>
+                      <a:endParaRPr lang="en-US" altLang="zh-CN" sz="1100" b="0" i="0" u="none" strike="noStrike">
+                        <a:solidFill>
+                          <a:srgbClr val="000000"/>
+                        </a:solidFill>
+                        <a:effectLst/>
+                        <a:latin typeface="宋体" panose="02010600030101010101" pitchFamily="2" charset="-122"/>
+                        <a:ea typeface="宋体" panose="02010600030101010101" pitchFamily="2" charset="-122"/>
+                      </a:endParaRPr>
+                    </a:p>
+                  </a:txBody>
+                  <a:tcPr marL="7620" marR="7620" marT="7620" marB="0" anchor="ctr"/>
+                </a:tc>
+                <a:tc>
+                  <a:txBody>
+                    <a:bodyPr/>
+                    <a:lstStyle/>
+                    <a:p>
+                      <a:pPr algn="ctr" fontAlgn="ctr"/>
+                      <a:r>
+                        <a:rPr lang="en-US" altLang="zh-CN" sz="1100" u="none" strike="noStrike">
+                          <a:effectLst/>
+                        </a:rPr>
+                        <a:t>4.2</a:t>
+                      </a:r>
+                      <a:endParaRPr lang="en-US" altLang="zh-CN" sz="1100" b="0" i="0" u="none" strike="noStrike">
+                        <a:solidFill>
+                          <a:srgbClr val="000000"/>
+                        </a:solidFill>
+                        <a:effectLst/>
+                        <a:latin typeface="宋体" panose="02010600030101010101" pitchFamily="2" charset="-122"/>
+                        <a:ea typeface="宋体" panose="02010600030101010101" pitchFamily="2" charset="-122"/>
+                      </a:endParaRPr>
+                    </a:p>
+                  </a:txBody>
+                  <a:tcPr marL="7620" marR="7620" marT="7620" marB="0" anchor="ctr"/>
+                </a:tc>
+              </a:tr>
+              <a:tr h="182880">
+                <a:tc>
+                  <a:txBody>
+                    <a:bodyPr/>
+                    <a:lstStyle/>
+                    <a:p>
+                      <a:pPr algn="r" fontAlgn="ctr"/>
+                      <a:r>
+                        <a:rPr lang="en-US" altLang="zh-CN" sz="1100" u="none" strike="noStrike">
+                          <a:effectLst/>
+                        </a:rPr>
+                        <a:t>3</a:t>
+                      </a:r>
+                      <a:endParaRPr lang="en-US" altLang="zh-CN" sz="1100" b="0" i="0" u="none" strike="noStrike">
+                        <a:solidFill>
+                          <a:srgbClr val="000000"/>
+                        </a:solidFill>
+                        <a:effectLst/>
+                        <a:latin typeface="宋体" panose="02010600030101010101" pitchFamily="2" charset="-122"/>
+                        <a:ea typeface="宋体" panose="02010600030101010101" pitchFamily="2" charset="-122"/>
+                      </a:endParaRPr>
+                    </a:p>
+                  </a:txBody>
+                  <a:tcPr marL="7620" marR="7620" marT="7620" marB="0" anchor="ctr"/>
+                </a:tc>
+                <a:tc>
+                  <a:txBody>
+                    <a:bodyPr/>
+                    <a:lstStyle/>
+                    <a:p>
+                      <a:pPr algn="ctr" fontAlgn="ctr"/>
+                      <a:r>
+                        <a:rPr lang="en-US" altLang="zh-CN" sz="1100" u="none" strike="noStrike">
+                          <a:effectLst/>
+                        </a:rPr>
+                        <a:t>4</a:t>
+                      </a:r>
+                      <a:endParaRPr lang="en-US" altLang="zh-CN" sz="1100" b="0" i="0" u="none" strike="noStrike">
+                        <a:solidFill>
+                          <a:srgbClr val="000000"/>
+                        </a:solidFill>
+                        <a:effectLst/>
+                        <a:latin typeface="宋体" panose="02010600030101010101" pitchFamily="2" charset="-122"/>
+                        <a:ea typeface="宋体" panose="02010600030101010101" pitchFamily="2" charset="-122"/>
+                      </a:endParaRPr>
+                    </a:p>
+                  </a:txBody>
+                  <a:tcPr marL="7620" marR="7620" marT="7620" marB="0" anchor="ctr"/>
+                </a:tc>
+              </a:tr>
+              <a:tr h="182880">
+                <a:tc>
+                  <a:txBody>
+                    <a:bodyPr/>
+                    <a:lstStyle/>
+                    <a:p>
+                      <a:pPr algn="r" fontAlgn="ctr"/>
+                      <a:r>
+                        <a:rPr lang="en-US" altLang="zh-CN" sz="1100" u="none" strike="noStrike">
+                          <a:effectLst/>
+                        </a:rPr>
+                        <a:t>3</a:t>
+                      </a:r>
+                      <a:endParaRPr lang="en-US" altLang="zh-CN" sz="1100" b="0" i="0" u="none" strike="noStrike">
+                        <a:solidFill>
+                          <a:srgbClr val="000000"/>
+                        </a:solidFill>
+                        <a:effectLst/>
+                        <a:latin typeface="宋体" panose="02010600030101010101" pitchFamily="2" charset="-122"/>
+                        <a:ea typeface="宋体" panose="02010600030101010101" pitchFamily="2" charset="-122"/>
+                      </a:endParaRPr>
+                    </a:p>
+                  </a:txBody>
+                  <a:tcPr marL="7620" marR="7620" marT="7620" marB="0" anchor="ctr"/>
+                </a:tc>
+                <a:tc>
+                  <a:txBody>
+                    <a:bodyPr/>
+                    <a:lstStyle/>
+                    <a:p>
+                      <a:pPr algn="ctr" fontAlgn="ctr"/>
+                      <a:r>
+                        <a:rPr lang="en-US" altLang="zh-CN" sz="1100" u="none" strike="noStrike">
+                          <a:effectLst/>
+                        </a:rPr>
+                        <a:t>5.5</a:t>
+                      </a:r>
+                      <a:endParaRPr lang="en-US" altLang="zh-CN" sz="1100" b="0" i="0" u="none" strike="noStrike">
+                        <a:solidFill>
+                          <a:srgbClr val="000000"/>
+                        </a:solidFill>
+                        <a:effectLst/>
+                        <a:latin typeface="宋体" panose="02010600030101010101" pitchFamily="2" charset="-122"/>
+                        <a:ea typeface="宋体" panose="02010600030101010101" pitchFamily="2" charset="-122"/>
+                      </a:endParaRPr>
+                    </a:p>
+                  </a:txBody>
+                  <a:tcPr marL="7620" marR="7620" marT="7620" marB="0" anchor="ctr"/>
+                </a:tc>
+              </a:tr>
+              <a:tr h="182880">
+                <a:tc>
+                  <a:txBody>
+                    <a:bodyPr/>
+                    <a:lstStyle/>
+                    <a:p>
+                      <a:pPr algn="r" fontAlgn="ctr"/>
+                      <a:r>
+                        <a:rPr lang="en-US" altLang="zh-CN" sz="1100" u="none" strike="noStrike">
+                          <a:effectLst/>
+                        </a:rPr>
+                        <a:t>3</a:t>
+                      </a:r>
+                      <a:endParaRPr lang="en-US" altLang="zh-CN" sz="1100" b="0" i="0" u="none" strike="noStrike">
+                        <a:solidFill>
+                          <a:srgbClr val="000000"/>
+                        </a:solidFill>
+                        <a:effectLst/>
+                        <a:latin typeface="宋体" panose="02010600030101010101" pitchFamily="2" charset="-122"/>
+                        <a:ea typeface="宋体" panose="02010600030101010101" pitchFamily="2" charset="-122"/>
+                      </a:endParaRPr>
+                    </a:p>
+                  </a:txBody>
+                  <a:tcPr marL="7620" marR="7620" marT="7620" marB="0" anchor="ctr"/>
+                </a:tc>
+                <a:tc>
+                  <a:txBody>
+                    <a:bodyPr/>
+                    <a:lstStyle/>
+                    <a:p>
+                      <a:pPr algn="ctr" fontAlgn="ctr"/>
+                      <a:r>
+                        <a:rPr lang="en-US" altLang="zh-CN" sz="1100" u="none" strike="noStrike">
+                          <a:effectLst/>
+                        </a:rPr>
+                        <a:t>5</a:t>
+                      </a:r>
+                      <a:endParaRPr lang="en-US" altLang="zh-CN" sz="1100" b="0" i="0" u="none" strike="noStrike">
+                        <a:solidFill>
+                          <a:srgbClr val="000000"/>
+                        </a:solidFill>
+                        <a:effectLst/>
+                        <a:latin typeface="宋体" panose="02010600030101010101" pitchFamily="2" charset="-122"/>
+                        <a:ea typeface="宋体" panose="02010600030101010101" pitchFamily="2" charset="-122"/>
+                      </a:endParaRPr>
+                    </a:p>
+                  </a:txBody>
+                  <a:tcPr marL="7620" marR="7620" marT="7620" marB="0" anchor="ctr"/>
+                </a:tc>
+              </a:tr>
+              <a:tr h="182880">
+                <a:tc>
+                  <a:txBody>
+                    <a:bodyPr/>
+                    <a:lstStyle/>
+                    <a:p>
+                      <a:pPr algn="r" fontAlgn="ctr"/>
+                      <a:r>
+                        <a:rPr lang="en-US" altLang="zh-CN" sz="1100" u="none" strike="noStrike">
+                          <a:effectLst/>
+                        </a:rPr>
+                        <a:t>3</a:t>
+                      </a:r>
+                      <a:endParaRPr lang="en-US" altLang="zh-CN" sz="1100" b="0" i="0" u="none" strike="noStrike">
+                        <a:solidFill>
+                          <a:srgbClr val="000000"/>
+                        </a:solidFill>
+                        <a:effectLst/>
+                        <a:latin typeface="宋体" panose="02010600030101010101" pitchFamily="2" charset="-122"/>
+                        <a:ea typeface="宋体" panose="02010600030101010101" pitchFamily="2" charset="-122"/>
+                      </a:endParaRPr>
+                    </a:p>
+                  </a:txBody>
+                  <a:tcPr marL="7620" marR="7620" marT="7620" marB="0" anchor="ctr"/>
+                </a:tc>
+                <a:tc>
+                  <a:txBody>
+                    <a:bodyPr/>
+                    <a:lstStyle/>
+                    <a:p>
+                      <a:pPr algn="ctr" fontAlgn="ctr"/>
+                      <a:r>
+                        <a:rPr lang="en-US" altLang="zh-CN" sz="1100" u="none" strike="noStrike" dirty="0">
+                          <a:effectLst/>
+                        </a:rPr>
+                        <a:t>4.8</a:t>
+                      </a:r>
+                      <a:endParaRPr lang="en-US" altLang="zh-CN" sz="1100" b="0" i="0" u="none" strike="noStrike" dirty="0">
+                        <a:solidFill>
+                          <a:srgbClr val="000000"/>
+                        </a:solidFill>
+                        <a:effectLst/>
+                        <a:latin typeface="宋体" panose="02010600030101010101" pitchFamily="2" charset="-122"/>
+                        <a:ea typeface="宋体" panose="02010600030101010101" pitchFamily="2" charset="-122"/>
+                      </a:endParaRPr>
+                    </a:p>
+                  </a:txBody>
+                  <a:tcPr marL="7620" marR="7620" marT="7620" marB="0" anchor="ctr"/>
+                </a:tc>
+              </a:tr>
+            </a:tbl>
+          </a:graphicData>
+        </a:graphic>
+      </p:graphicFrame>
+    </p:spTree>
+    <p:extLst>
+      <p:ext uri="{BB962C8B-B14F-4D97-AF65-F5344CB8AC3E}">
+        <p14:creationId xmlns:p14="http://schemas.microsoft.com/office/powerpoint/2010/main" val="2202564481"/>
+      </p:ext>
+    </p:extLst>
+  </p:cSld>
+  <p:clrMapOvr>
+    <a:masterClrMapping/>
+  </p:clrMapOvr>
+</p:sld>
+</file>
+
+<file path=ppt/slides/slide37.xml><?xml version="1.0" encoding="utf-8"?>
+<p:sld xmlns:a="http://schemas.openxmlformats.org/drawingml/2006/main" xmlns:r="http://schemas.openxmlformats.org/officeDocument/2006/relationships" xmlns:p="http://schemas.openxmlformats.org/presentationml/2006/main">
+  <p:cSld>
+    <p:spTree>
+      <p:nvGrpSpPr>
+        <p:cNvPr id="1" name=""/>
+        <p:cNvGrpSpPr/>
+        <p:nvPr/>
+      </p:nvGrpSpPr>
+      <p:grpSpPr>
+        <a:xfrm>
+          <a:off x="0" y="0"/>
+          <a:ext cx="0" cy="0"/>
+          <a:chOff x="0" y="0"/>
+          <a:chExt cx="0" cy="0"/>
+        </a:xfrm>
+      </p:grpSpPr>
+      <p:sp>
+        <p:nvSpPr>
+          <p:cNvPr id="2" name="标题 1"/>
+          <p:cNvSpPr>
+            <a:spLocks noGrp="1"/>
+          </p:cNvSpPr>
+          <p:nvPr>
+            <p:ph type="title"/>
+          </p:nvPr>
+        </p:nvSpPr>
+        <p:spPr/>
+        <p:txBody>
+          <a:bodyPr/>
+          <a:lstStyle/>
+          <a:p>
+            <a:r>
+              <a:rPr lang="zh-CN" altLang="en-US" dirty="0" smtClean="0"/>
+              <a:t>总结</a:t>
+            </a:r>
+            <a:endParaRPr lang="zh-CN" altLang="en-US" dirty="0"/>
+          </a:p>
+        </p:txBody>
+      </p:sp>
+      <p:sp>
+        <p:nvSpPr>
+          <p:cNvPr id="3" name="内容占位符 2"/>
+          <p:cNvSpPr>
+            <a:spLocks noGrp="1"/>
+          </p:cNvSpPr>
+          <p:nvPr>
+            <p:ph idx="1"/>
+          </p:nvPr>
+        </p:nvSpPr>
+        <p:spPr>
+          <a:xfrm>
+            <a:off x="1371600" y="1731086"/>
+            <a:ext cx="9601200" cy="4177345"/>
+          </a:xfrm>
+        </p:spPr>
+        <p:txBody>
+          <a:bodyPr>
+            <a:normAutofit/>
+          </a:bodyPr>
+          <a:lstStyle/>
+          <a:p>
+            <a:r>
+              <a:rPr lang="en-US" altLang="zh-CN" dirty="0" smtClean="0"/>
+              <a:t>2</a:t>
+            </a:r>
+            <a:r>
+              <a:rPr lang="zh-CN" altLang="en-US" dirty="0" smtClean="0"/>
+              <a:t>独立样本非参数检验：</a:t>
+            </a:r>
+            <a:r>
+              <a:rPr lang="en-US" altLang="zh-CN" dirty="0" smtClean="0"/>
+              <a:t>Mann Whitney U</a:t>
+            </a:r>
+            <a:r>
+              <a:rPr lang="zh-CN" altLang="en-US" dirty="0" smtClean="0"/>
+              <a:t>检验</a:t>
+            </a:r>
+            <a:endParaRPr lang="en-US" altLang="zh-CN" dirty="0" smtClean="0"/>
+          </a:p>
+          <a:p>
+            <a:pPr lvl="1"/>
+            <a:r>
+              <a:rPr lang="en-US" altLang="zh-CN" dirty="0" smtClean="0"/>
+              <a:t>H0</a:t>
+            </a:r>
+            <a:r>
+              <a:rPr lang="zh-CN" altLang="en-US" dirty="0" smtClean="0"/>
+              <a:t>：两个样本来源的总体是相等的</a:t>
+            </a:r>
+            <a:endParaRPr lang="en-US" altLang="zh-CN" dirty="0" smtClean="0"/>
+          </a:p>
+          <a:p>
+            <a:pPr lvl="1"/>
+            <a:endParaRPr lang="en-US" altLang="zh-CN" dirty="0"/>
+          </a:p>
+          <a:p>
+            <a:pPr lvl="1"/>
+            <a:endParaRPr lang="en-US" altLang="zh-CN" dirty="0" smtClean="0"/>
+          </a:p>
+          <a:p>
+            <a:pPr lvl="1"/>
+            <a:endParaRPr lang="en-US" altLang="zh-CN" dirty="0"/>
+          </a:p>
+          <a:p>
+            <a:r>
+              <a:rPr lang="zh-CN" altLang="en-US" dirty="0" smtClean="0"/>
+              <a:t>如果</a:t>
+            </a:r>
+            <a:r>
+              <a:rPr lang="en-US" altLang="zh-CN" dirty="0" smtClean="0"/>
+              <a:t>U</a:t>
+            </a:r>
+            <a:r>
+              <a:rPr lang="zh-CN" altLang="en-US" dirty="0" smtClean="0"/>
+              <a:t>小于等于临界值则拒绝</a:t>
+            </a:r>
+            <a:r>
+              <a:rPr lang="en-US" altLang="zh-CN" dirty="0" smtClean="0"/>
+              <a:t>H0</a:t>
+            </a:r>
+          </a:p>
+          <a:p>
+            <a:pPr lvl="1"/>
+            <a:endParaRPr lang="en-US" altLang="zh-CN" dirty="0" smtClean="0"/>
+          </a:p>
+        </p:txBody>
+      </p:sp>
+      <p:pic>
+        <p:nvPicPr>
+          <p:cNvPr id="4" name="图片 3"/>
+          <p:cNvPicPr>
+            <a:picLocks noChangeAspect="1"/>
+          </p:cNvPicPr>
+          <p:nvPr/>
+        </p:nvPicPr>
+        <p:blipFill>
+          <a:blip r:embed="rId2"/>
+          <a:stretch>
+            <a:fillRect/>
+          </a:stretch>
+        </p:blipFill>
+        <p:spPr>
+          <a:xfrm>
+            <a:off x="2463979" y="3233309"/>
+            <a:ext cx="4556013" cy="1411290"/>
+          </a:xfrm>
+          <a:prstGeom prst="rect">
+            <a:avLst/>
+          </a:prstGeom>
+        </p:spPr>
+      </p:pic>
+    </p:spTree>
+    <p:extLst>
+      <p:ext uri="{BB962C8B-B14F-4D97-AF65-F5344CB8AC3E}">
+        <p14:creationId xmlns:p14="http://schemas.microsoft.com/office/powerpoint/2010/main" val="1529161796"/>
+      </p:ext>
+    </p:extLst>
+  </p:cSld>
+  <p:clrMapOvr>
+    <a:masterClrMapping/>
+  </p:clrMapOvr>
+</p:sld>
+</file>
+
+<file path=ppt/slides/slide38.xml><?xml version="1.0" encoding="utf-8"?>
+<p:sld xmlns:a="http://schemas.openxmlformats.org/drawingml/2006/main" xmlns:r="http://schemas.openxmlformats.org/officeDocument/2006/relationships" xmlns:p="http://schemas.openxmlformats.org/presentationml/2006/main">
+  <p:cSld>
+    <p:spTree>
+      <p:nvGrpSpPr>
+        <p:cNvPr id="1" name=""/>
+        <p:cNvGrpSpPr/>
+        <p:nvPr/>
+      </p:nvGrpSpPr>
+      <p:grpSpPr>
+        <a:xfrm>
+          <a:off x="0" y="0"/>
+          <a:ext cx="0" cy="0"/>
+          <a:chOff x="0" y="0"/>
+          <a:chExt cx="0" cy="0"/>
+        </a:xfrm>
+      </p:grpSpPr>
+      <p:sp>
+        <p:nvSpPr>
+          <p:cNvPr id="2" name="标题 1"/>
+          <p:cNvSpPr>
+            <a:spLocks noGrp="1"/>
+          </p:cNvSpPr>
+          <p:nvPr>
+            <p:ph type="title"/>
+          </p:nvPr>
+        </p:nvSpPr>
+        <p:spPr/>
+        <p:txBody>
+          <a:bodyPr/>
+          <a:lstStyle/>
+          <a:p>
+            <a:r>
+              <a:rPr lang="zh-CN" altLang="en-US" dirty="0" smtClean="0"/>
+              <a:t>总结</a:t>
+            </a:r>
+            <a:endParaRPr lang="zh-CN" altLang="en-US" dirty="0"/>
+          </a:p>
+        </p:txBody>
+      </p:sp>
+      <p:sp>
+        <p:nvSpPr>
+          <p:cNvPr id="3" name="内容占位符 2"/>
+          <p:cNvSpPr>
+            <a:spLocks noGrp="1"/>
+          </p:cNvSpPr>
+          <p:nvPr>
+            <p:ph idx="1"/>
+          </p:nvPr>
+        </p:nvSpPr>
+        <p:spPr>
+          <a:xfrm>
+            <a:off x="1371600" y="1195754"/>
+            <a:ext cx="9601200" cy="5451231"/>
+          </a:xfrm>
+        </p:spPr>
+        <p:txBody>
+          <a:bodyPr>
+            <a:normAutofit/>
+          </a:bodyPr>
+          <a:lstStyle/>
+          <a:p>
+            <a:r>
+              <a:rPr lang="en-US" altLang="zh-CN" dirty="0" smtClean="0"/>
+              <a:t>2</a:t>
+            </a:r>
+            <a:r>
+              <a:rPr lang="zh-CN" altLang="en-US" dirty="0" smtClean="0"/>
+              <a:t>配对样本非参数检验：符号检验或</a:t>
+            </a:r>
+            <a:r>
+              <a:rPr lang="en-US" altLang="zh-CN" dirty="0" smtClean="0"/>
+              <a:t>Wilcoxon</a:t>
+            </a:r>
+            <a:r>
+              <a:rPr lang="zh-CN" altLang="en-US" dirty="0" smtClean="0"/>
+              <a:t>符号检验</a:t>
+            </a:r>
+            <a:endParaRPr lang="en-US" altLang="zh-CN" dirty="0" smtClean="0"/>
+          </a:p>
+          <a:p>
+            <a:pPr lvl="1"/>
+            <a:r>
+              <a:rPr lang="en-US" altLang="zh-CN" dirty="0" smtClean="0"/>
+              <a:t>H0</a:t>
+            </a:r>
+            <a:r>
+              <a:rPr lang="zh-CN" altLang="en-US" dirty="0" smtClean="0"/>
+              <a:t>：配对样本差值的中值是</a:t>
+            </a:r>
+            <a:r>
+              <a:rPr lang="en-US" altLang="zh-CN" dirty="0" smtClean="0"/>
+              <a:t>0</a:t>
+            </a:r>
+            <a:r>
+              <a:rPr lang="zh-CN" altLang="en-US" dirty="0" smtClean="0"/>
+              <a:t>；</a:t>
+            </a:r>
+            <a:r>
+              <a:rPr lang="en-US" altLang="zh-CN" dirty="0" smtClean="0"/>
+              <a:t>H1</a:t>
+            </a:r>
+            <a:r>
+              <a:rPr lang="zh-CN" altLang="en-US" dirty="0" smtClean="0"/>
+              <a:t>：配对样本差值的中值是正数（单侧检验）或差值的中值不是</a:t>
+            </a:r>
+            <a:r>
+              <a:rPr lang="en-US" altLang="zh-CN" dirty="0" smtClean="0"/>
+              <a:t>0</a:t>
+            </a:r>
+            <a:r>
+              <a:rPr lang="zh-CN" altLang="en-US" dirty="0" smtClean="0"/>
+              <a:t>（双侧检验）</a:t>
+            </a:r>
+            <a:endParaRPr lang="en-US" altLang="zh-CN" dirty="0"/>
+          </a:p>
+          <a:p>
+            <a:pPr lvl="1"/>
+            <a:r>
+              <a:rPr lang="zh-CN" altLang="en-US" dirty="0" smtClean="0"/>
+              <a:t>符号检验的统计值是正号的数量或者负号的数量（取小的）</a:t>
+            </a:r>
+            <a:endParaRPr lang="en-US" altLang="zh-CN" dirty="0" smtClean="0"/>
+          </a:p>
+          <a:p>
+            <a:pPr lvl="1"/>
+            <a:r>
+              <a:rPr lang="en-US" altLang="zh-CN" dirty="0"/>
+              <a:t>Wilcoxon</a:t>
+            </a:r>
+            <a:r>
+              <a:rPr lang="zh-CN" altLang="en-US" dirty="0" smtClean="0"/>
+              <a:t>符号检验求</a:t>
+            </a:r>
+            <a:r>
+              <a:rPr lang="en-US" altLang="zh-CN" dirty="0" smtClean="0"/>
+              <a:t>W</a:t>
+            </a:r>
+            <a:r>
+              <a:rPr lang="zh-CN" altLang="en-US" dirty="0" smtClean="0"/>
+              <a:t>值</a:t>
+            </a:r>
+            <a:endParaRPr lang="en-US" altLang="zh-CN" dirty="0" smtClean="0"/>
+          </a:p>
+          <a:p>
+            <a:r>
+              <a:rPr lang="zh-CN" altLang="en-US" dirty="0" smtClean="0"/>
+              <a:t>如果符号数量或者</a:t>
+            </a:r>
+            <a:r>
+              <a:rPr lang="en-US" altLang="zh-CN" dirty="0" smtClean="0"/>
+              <a:t>W</a:t>
+            </a:r>
+            <a:r>
+              <a:rPr lang="zh-CN" altLang="en-US" dirty="0" smtClean="0"/>
+              <a:t>小于等于临界值则拒绝</a:t>
+            </a:r>
+            <a:r>
+              <a:rPr lang="en-US" altLang="zh-CN" dirty="0" smtClean="0"/>
+              <a:t>H0</a:t>
+            </a:r>
+          </a:p>
+          <a:p>
+            <a:r>
+              <a:rPr lang="en-US" altLang="zh-CN" dirty="0" err="1" smtClean="0"/>
+              <a:t>Kruskal</a:t>
+            </a:r>
+            <a:r>
+              <a:rPr lang="en-US" altLang="zh-CN" dirty="0" smtClean="0"/>
+              <a:t> Wallis</a:t>
+            </a:r>
+            <a:r>
+              <a:rPr lang="zh-CN" altLang="en-US" dirty="0"/>
+              <a:t> </a:t>
+            </a:r>
+            <a:r>
+              <a:rPr lang="en-US" altLang="zh-CN" dirty="0" smtClean="0"/>
+              <a:t>H</a:t>
+            </a:r>
+            <a:r>
+              <a:rPr lang="zh-CN" altLang="en-US" dirty="0" smtClean="0"/>
+              <a:t>检验用于多组非参数检验</a:t>
+            </a:r>
+          </a:p>
+        </p:txBody>
+      </p:sp>
+    </p:spTree>
+    <p:extLst>
+      <p:ext uri="{BB962C8B-B14F-4D97-AF65-F5344CB8AC3E}">
+        <p14:creationId xmlns:p14="http://schemas.microsoft.com/office/powerpoint/2010/main" val="2309758604"/>
       </p:ext>
     </p:extLst>
   </p:cSld>
@@ -16893,4 +25754,265 @@
     </a:ext>
   </a:extLst>
 </a:theme>
+</file>
+
+<file path=ppt/theme/theme2.xml><?xml version="1.0" encoding="utf-8"?>
+<a:theme xmlns:a="http://schemas.openxmlformats.org/drawingml/2006/main" name="Office 主题">
+  <a:themeElements>
+    <a:clrScheme name="Office">
+      <a:dk1>
+        <a:sysClr val="windowText" lastClr="000000"/>
+      </a:dk1>
+      <a:lt1>
+        <a:sysClr val="window" lastClr="FFFFFF"/>
+      </a:lt1>
+      <a:dk2>
+        <a:srgbClr val="44546A"/>
+      </a:dk2>
+      <a:lt2>
+        <a:srgbClr val="E7E6E6"/>
+      </a:lt2>
+      <a:accent1>
+        <a:srgbClr val="5B9BD5"/>
+      </a:accent1>
+      <a:accent2>
+        <a:srgbClr val="ED7D31"/>
+      </a:accent2>
+      <a:accent3>
+        <a:srgbClr val="A5A5A5"/>
+      </a:accent3>
+      <a:accent4>
+        <a:srgbClr val="FFC000"/>
+      </a:accent4>
+      <a:accent5>
+        <a:srgbClr val="4472C4"/>
+      </a:accent5>
+      <a:accent6>
+        <a:srgbClr val="70AD47"/>
+      </a:accent6>
+      <a:hlink>
+        <a:srgbClr val="0563C1"/>
+      </a:hlink>
+      <a:folHlink>
+        <a:srgbClr val="954F72"/>
+      </a:folHlink>
+    </a:clrScheme>
+    <a:fontScheme name="Office">
+      <a:majorFont>
+        <a:latin typeface="Calibri Light" panose="020F0302020204030204"/>
+        <a:ea typeface=""/>
+        <a:cs typeface=""/>
+        <a:font script="Jpan" typeface="ＭＳ Ｐゴシック"/>
+        <a:font script="Hang" typeface="맑은 고딕"/>
+        <a:font script="Hans" typeface="宋体"/>
+        <a:font script="Hant" typeface="新細明體"/>
+        <a:font script="Arab" typeface="Times New Roman"/>
+        <a:font script="Hebr" typeface="Times New Roman"/>
+        <a:font script="Thai" typeface="Angsana New"/>
+        <a:font script="Ethi" typeface="Nyala"/>
+        <a:font script="Beng" typeface="Vrinda"/>
+        <a:font script="Gujr" typeface="Shruti"/>
+        <a:font script="Khmr" typeface="MoolBoran"/>
+        <a:font script="Knda" typeface="Tunga"/>
+        <a:font script="Guru" typeface="Raavi"/>
+        <a:font script="Cans" typeface="Euphemia"/>
+        <a:font script="Cher" typeface="Plantagenet Cherokee"/>
+        <a:font script="Yiii" typeface="Microsoft Yi Baiti"/>
+        <a:font script="Tibt" typeface="Microsoft Himalaya"/>
+        <a:font script="Thaa" typeface="MV Boli"/>
+        <a:font script="Deva" typeface="Mangal"/>
+        <a:font script="Telu" typeface="Gautami"/>
+        <a:font script="Taml" typeface="Latha"/>
+        <a:font script="Syrc" typeface="Estrangelo Edessa"/>
+        <a:font script="Orya" typeface="Kalinga"/>
+        <a:font script="Mlym" typeface="Kartika"/>
+        <a:font script="Laoo" typeface="DokChampa"/>
+        <a:font script="Sinh" typeface="Iskoola Pota"/>
+        <a:font script="Mong" typeface="Mongolian Baiti"/>
+        <a:font script="Viet" typeface="Times New Roman"/>
+        <a:font script="Uigh" typeface="Microsoft Uighur"/>
+        <a:font script="Geor" typeface="Sylfaen"/>
+      </a:majorFont>
+      <a:minorFont>
+        <a:latin typeface="Calibri" panose="020F0502020204030204"/>
+        <a:ea typeface=""/>
+        <a:cs typeface=""/>
+        <a:font script="Jpan" typeface="ＭＳ Ｐゴシック"/>
+        <a:font script="Hang" typeface="맑은 고딕"/>
+        <a:font script="Hans" typeface="宋体"/>
+        <a:font script="Hant" typeface="新細明體"/>
+        <a:font script="Arab" typeface="Arial"/>
+        <a:font script="Hebr" typeface="Arial"/>
+        <a:font script="Thai" typeface="Cordia New"/>
+        <a:font script="Ethi" typeface="Nyala"/>
+        <a:font script="Beng" typeface="Vrinda"/>
+        <a:font script="Gujr" typeface="Shruti"/>
+        <a:font script="Khmr" typeface="DaunPenh"/>
+        <a:font script="Knda" typeface="Tunga"/>
+        <a:font script="Guru" typeface="Raavi"/>
+        <a:font script="Cans" typeface="Euphemia"/>
+        <a:font script="Cher" typeface="Plantagenet Cherokee"/>
+        <a:font script="Yiii" typeface="Microsoft Yi Baiti"/>
+        <a:font script="Tibt" typeface="Microsoft Himalaya"/>
+        <a:font script="Thaa" typeface="MV Boli"/>
+        <a:font script="Deva" typeface="Mangal"/>
+        <a:font script="Telu" typeface="Gautami"/>
+        <a:font script="Taml" typeface="Latha"/>
+        <a:font script="Syrc" typeface="Estrangelo Edessa"/>
+        <a:font script="Orya" typeface="Kalinga"/>
+        <a:font script="Mlym" typeface="Kartika"/>
+        <a:font script="Laoo" typeface="DokChampa"/>
+        <a:font script="Sinh" typeface="Iskoola Pota"/>
+        <a:font script="Mong" typeface="Mongolian Baiti"/>
+        <a:font script="Viet" typeface="Arial"/>
+        <a:font script="Uigh" typeface="Microsoft Uighur"/>
+        <a:font script="Geor" typeface="Sylfaen"/>
+      </a:minorFont>
+    </a:fontScheme>
+    <a:fmtScheme name="Office">
+      <a:fillStyleLst>
+        <a:solidFill>
+          <a:schemeClr val="phClr"/>
+        </a:solidFill>
+        <a:gradFill rotWithShape="1">
+          <a:gsLst>
+            <a:gs pos="0">
+              <a:schemeClr val="phClr">
+                <a:lumMod val="110000"/>
+                <a:satMod val="105000"/>
+                <a:tint val="67000"/>
+              </a:schemeClr>
+            </a:gs>
+            <a:gs pos="50000">
+              <a:schemeClr val="phClr">
+                <a:lumMod val="105000"/>
+                <a:satMod val="103000"/>
+                <a:tint val="73000"/>
+              </a:schemeClr>
+            </a:gs>
+            <a:gs pos="100000">
+              <a:schemeClr val="phClr">
+                <a:lumMod val="105000"/>
+                <a:satMod val="109000"/>
+                <a:tint val="81000"/>
+              </a:schemeClr>
+            </a:gs>
+          </a:gsLst>
+          <a:lin ang="5400000" scaled="0"/>
+        </a:gradFill>
+        <a:gradFill rotWithShape="1">
+          <a:gsLst>
+            <a:gs pos="0">
+              <a:schemeClr val="phClr">
+                <a:satMod val="103000"/>
+                <a:lumMod val="102000"/>
+                <a:tint val="94000"/>
+              </a:schemeClr>
+            </a:gs>
+            <a:gs pos="50000">
+              <a:schemeClr val="phClr">
+                <a:satMod val="110000"/>
+                <a:lumMod val="100000"/>
+                <a:shade val="100000"/>
+              </a:schemeClr>
+            </a:gs>
+            <a:gs pos="100000">
+              <a:schemeClr val="phClr">
+                <a:lumMod val="99000"/>
+                <a:satMod val="120000"/>
+                <a:shade val="78000"/>
+              </a:schemeClr>
+            </a:gs>
+          </a:gsLst>
+          <a:lin ang="5400000" scaled="0"/>
+        </a:gradFill>
+      </a:fillStyleLst>
+      <a:lnStyleLst>
+        <a:ln w="6350" cap="flat" cmpd="sng" algn="ctr">
+          <a:solidFill>
+            <a:schemeClr val="phClr"/>
+          </a:solidFill>
+          <a:prstDash val="solid"/>
+          <a:miter lim="800000"/>
+        </a:ln>
+        <a:ln w="12700" cap="flat" cmpd="sng" algn="ctr">
+          <a:solidFill>
+            <a:schemeClr val="phClr"/>
+          </a:solidFill>
+          <a:prstDash val="solid"/>
+          <a:miter lim="800000"/>
+        </a:ln>
+        <a:ln w="19050" cap="flat" cmpd="sng" algn="ctr">
+          <a:solidFill>
+            <a:schemeClr val="phClr"/>
+          </a:solidFill>
+          <a:prstDash val="solid"/>
+          <a:miter lim="800000"/>
+        </a:ln>
+      </a:lnStyleLst>
+      <a:effectStyleLst>
+        <a:effectStyle>
+          <a:effectLst/>
+        </a:effectStyle>
+        <a:effectStyle>
+          <a:effectLst/>
+        </a:effectStyle>
+        <a:effectStyle>
+          <a:effectLst>
+            <a:outerShdw blurRad="57150" dist="19050" dir="5400000" algn="ctr" rotWithShape="0">
+              <a:srgbClr val="000000">
+                <a:alpha val="63000"/>
+              </a:srgbClr>
+            </a:outerShdw>
+          </a:effectLst>
+        </a:effectStyle>
+      </a:effectStyleLst>
+      <a:bgFillStyleLst>
+        <a:solidFill>
+          <a:schemeClr val="phClr"/>
+        </a:solidFill>
+        <a:solidFill>
+          <a:schemeClr val="phClr">
+            <a:tint val="95000"/>
+            <a:satMod val="170000"/>
+          </a:schemeClr>
+        </a:solidFill>
+        <a:gradFill rotWithShape="1">
+          <a:gsLst>
+            <a:gs pos="0">
+              <a:schemeClr val="phClr">
+                <a:tint val="93000"/>
+                <a:satMod val="150000"/>
+                <a:shade val="98000"/>
+                <a:lumMod val="102000"/>
+              </a:schemeClr>
+            </a:gs>
+            <a:gs pos="50000">
+              <a:schemeClr val="phClr">
+                <a:tint val="98000"/>
+                <a:satMod val="130000"/>
+                <a:shade val="90000"/>
+                <a:lumMod val="103000"/>
+              </a:schemeClr>
+            </a:gs>
+            <a:gs pos="100000">
+              <a:schemeClr val="phClr">
+                <a:shade val="63000"/>
+                <a:satMod val="120000"/>
+              </a:schemeClr>
+            </a:gs>
+          </a:gsLst>
+          <a:lin ang="5400000" scaled="0"/>
+        </a:gradFill>
+      </a:bgFillStyleLst>
+    </a:fmtScheme>
+  </a:themeElements>
+  <a:objectDefaults/>
+  <a:extraClrSchemeLst/>
+  <a:extLst>
+    <a:ext uri="{05A4C25C-085E-4340-85A3-A5531E510DB2}">
+      <thm15:themeFamily xmlns:thm15="http://schemas.microsoft.com/office/thememl/2012/main" name="Office Theme" id="{62F939B6-93AF-4DB8-9C6B-D6C7DFDC589F}" vid="{4A3C46E8-61CC-4603-A589-7422A47A8E4A}"/>
+    </a:ext>
+  </a:extLst>
+</a:theme>
 </file>